--- a/_media/TheLockerGame_howToPay.pptx
+++ b/_media/TheLockerGame_howToPay.pptx
@@ -5,15 +5,18 @@
     <p:sldMasterId id="2147483648" r:id="rId1"/>
   </p:sldMasterIdLst>
   <p:notesMasterIdLst>
-    <p:notesMasterId r:id="rId8"/>
+    <p:notesMasterId r:id="rId11"/>
   </p:notesMasterIdLst>
   <p:sldIdLst>
     <p:sldId id="572" r:id="rId2"/>
     <p:sldId id="518" r:id="rId3"/>
     <p:sldId id="573" r:id="rId4"/>
-    <p:sldId id="519" r:id="rId5"/>
+    <p:sldId id="577" r:id="rId5"/>
     <p:sldId id="576" r:id="rId6"/>
     <p:sldId id="521" r:id="rId7"/>
+    <p:sldId id="580" r:id="rId8"/>
+    <p:sldId id="581" r:id="rId9"/>
+    <p:sldId id="582" r:id="rId10"/>
   </p:sldIdLst>
   <p:sldSz cx="12192000" cy="6858000"/>
   <p:notesSz cx="6858000" cy="9144000"/>
@@ -202,7 +205,7 @@
           <a:p>
             <a:fld id="{9BA16C0D-19E3-4D5C-82A7-E458D5ABFA95}" type="datetimeFigureOut">
               <a:rPr lang="en-US" smtClean="0"/>
-              <a:t>3/4/2025</a:t>
+              <a:t>2/4/2026</a:t>
             </a:fld>
             <a:endParaRPr lang="en-US"/>
           </a:p>
@@ -531,38 +534,6 @@
           <a:bodyPr/>
           <a:lstStyle/>
           <a:p>
-            <a:r>
-              <a:rPr lang="en-US" sz="1200" kern="100" dirty="0">
-                <a:effectLst/>
-                <a:latin typeface="Times New Roman" panose="02020603050405020304" pitchFamily="18" charset="0"/>
-                <a:ea typeface="Calibri" panose="020F0502020204030204" pitchFamily="34" charset="0"/>
-                <a:cs typeface="Times New Roman" panose="02020603050405020304" pitchFamily="18" charset="0"/>
-              </a:rPr>
-              <a:t>The data was collected in a three-part package (see package at the end). The first part of the package presents the problem and asks the student to solve it following </a:t>
-            </a:r>
-            <a:r>
-              <a:rPr lang="en-US" sz="1200" kern="100" dirty="0" err="1">
-                <a:effectLst/>
-                <a:latin typeface="Times New Roman" panose="02020603050405020304" pitchFamily="18" charset="0"/>
-                <a:ea typeface="Calibri" panose="020F0502020204030204" pitchFamily="34" charset="0"/>
-                <a:cs typeface="Times New Roman" panose="02020603050405020304" pitchFamily="18" charset="0"/>
-              </a:rPr>
-              <a:t>Pólya’s</a:t>
-            </a:r>
-            <a:r>
-              <a:rPr lang="en-US" sz="1200" kern="100" dirty="0">
-                <a:effectLst/>
-                <a:latin typeface="Times New Roman" panose="02020603050405020304" pitchFamily="18" charset="0"/>
-                <a:ea typeface="Calibri" panose="020F0502020204030204" pitchFamily="34" charset="0"/>
-                <a:cs typeface="Times New Roman" panose="02020603050405020304" pitchFamily="18" charset="0"/>
-              </a:rPr>
-              <a:t> steps and documenting each in writing. The second part asked the students the same but with the aid of the Locker Game. The last part is a questionnaire/survey about the experience of solving the problem without and with the Locker Game.</a:t>
-            </a:r>
-          </a:p>
-          <a:p>
-            <a:endParaRPr lang="en-US" dirty="0"/>
-          </a:p>
-          <a:p>
             <a:pPr marL="0" indent="0">
               <a:buNone/>
             </a:pPr>
@@ -660,37 +631,6 @@
         <p:txBody>
           <a:bodyPr/>
           <a:lstStyle/>
-          <a:p>
-            <a:pPr marL="0" marR="0" lvl="0" indent="0" algn="l" defTabSz="914400" rtl="0" eaLnBrk="1" fontAlgn="auto" latinLnBrk="0" hangingPunct="1">
-              <a:lnSpc>
-                <a:spcPct val="115000"/>
-              </a:lnSpc>
-              <a:spcBef>
-                <a:spcPts val="0"/>
-              </a:spcBef>
-              <a:spcAft>
-                <a:spcPts val="0"/>
-              </a:spcAft>
-              <a:buClrTx/>
-              <a:buSzTx/>
-              <a:buFontTx/>
-              <a:buNone/>
-              <a:tabLst/>
-              <a:defRPr/>
-            </a:pPr>
-            <a:r>
-              <a:rPr lang="en-US" sz="2800" b="0" i="0" dirty="0">
-                <a:solidFill>
-                  <a:srgbClr val="000000"/>
-                </a:solidFill>
-                <a:effectLst/>
-                <a:latin typeface="Inter"/>
-                <a:hlinkClick r:id="rId3"/>
-              </a:rPr>
-              <a:t>https://play.unity.com/mg/other/lockers-ver-999-webpublish-2</a:t>
-            </a:r>
-            <a:endParaRPr lang="en-US" sz="2800" dirty="0"/>
-          </a:p>
           <a:p>
             <a:pPr marL="0" marR="0">
               <a:lnSpc>
@@ -1007,7 +947,13 @@
   <p:cSld>
     <p:spTree>
       <p:nvGrpSpPr>
-        <p:cNvPr id="1" name=""/>
+        <p:cNvPr id="1" name="">
+          <a:extLst>
+            <a:ext uri="{FF2B5EF4-FFF2-40B4-BE49-F238E27FC236}">
+              <a16:creationId xmlns:a16="http://schemas.microsoft.com/office/drawing/2014/main" id="{113EC50E-B942-10F7-0A15-C76C40082603}"/>
+            </a:ext>
+          </a:extLst>
+        </p:cNvPr>
         <p:cNvGrpSpPr/>
         <p:nvPr/>
       </p:nvGrpSpPr>
@@ -1021,7 +967,13 @@
       </p:grpSpPr>
       <p:sp>
         <p:nvSpPr>
-          <p:cNvPr id="2" name="Slide Image Placeholder 1"/>
+          <p:cNvPr id="2" name="Slide Image Placeholder 1">
+            <a:extLst>
+              <a:ext uri="{FF2B5EF4-FFF2-40B4-BE49-F238E27FC236}">
+                <a16:creationId xmlns:a16="http://schemas.microsoft.com/office/drawing/2014/main" id="{7A9ECEC0-DE9C-4EB1-A954-F581378E5FB0}"/>
+              </a:ext>
+            </a:extLst>
+          </p:cNvPr>
           <p:cNvSpPr>
             <a:spLocks noGrp="1" noRot="1" noChangeAspect="1"/>
           </p:cNvSpPr>
@@ -1038,7 +990,13 @@
       </p:sp>
       <p:sp>
         <p:nvSpPr>
-          <p:cNvPr id="3" name="Notes Placeholder 2"/>
+          <p:cNvPr id="3" name="Notes Placeholder 2">
+            <a:extLst>
+              <a:ext uri="{FF2B5EF4-FFF2-40B4-BE49-F238E27FC236}">
+                <a16:creationId xmlns:a16="http://schemas.microsoft.com/office/drawing/2014/main" id="{5B8F1F2C-6BEB-4478-ED25-61AD2B9564F4}"/>
+              </a:ext>
+            </a:extLst>
+          </p:cNvPr>
           <p:cNvSpPr>
             <a:spLocks noGrp="1"/>
           </p:cNvSpPr>
@@ -1103,7 +1061,13 @@
       </p:sp>
       <p:sp>
         <p:nvSpPr>
-          <p:cNvPr id="4" name="Slide Number Placeholder 3"/>
+          <p:cNvPr id="4" name="Slide Number Placeholder 3">
+            <a:extLst>
+              <a:ext uri="{FF2B5EF4-FFF2-40B4-BE49-F238E27FC236}">
+                <a16:creationId xmlns:a16="http://schemas.microsoft.com/office/drawing/2014/main" id="{3B0B5A9D-43F8-EBCD-17F3-BB51DAC884A7}"/>
+              </a:ext>
+            </a:extLst>
+          </p:cNvPr>
           <p:cNvSpPr>
             <a:spLocks noGrp="1"/>
           </p:cNvSpPr>
@@ -1187,7 +1151,7 @@
     </p:spTree>
     <p:extLst>
       <p:ext uri="{BB962C8B-B14F-4D97-AF65-F5344CB8AC3E}">
-        <p14:creationId xmlns:p14="http://schemas.microsoft.com/office/powerpoint/2010/main" val="3622000226"/>
+        <p14:creationId xmlns:p14="http://schemas.microsoft.com/office/powerpoint/2010/main" val="1630533228"/>
       </p:ext>
     </p:extLst>
   </p:cSld>
@@ -1587,6 +1551,632 @@
 </p:notes>
 </file>
 
+<file path=ppt/notesSlides/notesSlide7.xml><?xml version="1.0" encoding="utf-8"?>
+<p:notes xmlns:a="http://schemas.openxmlformats.org/drawingml/2006/main" xmlns:r="http://schemas.openxmlformats.org/officeDocument/2006/relationships" xmlns:p="http://schemas.openxmlformats.org/presentationml/2006/main">
+  <p:cSld>
+    <p:spTree>
+      <p:nvGrpSpPr>
+        <p:cNvPr id="1" name="">
+          <a:extLst>
+            <a:ext uri="{FF2B5EF4-FFF2-40B4-BE49-F238E27FC236}">
+              <a16:creationId xmlns:a16="http://schemas.microsoft.com/office/drawing/2014/main" id="{7E60A757-5FDD-88A7-C4F8-7BD79B39E010}"/>
+            </a:ext>
+          </a:extLst>
+        </p:cNvPr>
+        <p:cNvGrpSpPr/>
+        <p:nvPr/>
+      </p:nvGrpSpPr>
+      <p:grpSpPr>
+        <a:xfrm>
+          <a:off x="0" y="0"/>
+          <a:ext cx="0" cy="0"/>
+          <a:chOff x="0" y="0"/>
+          <a:chExt cx="0" cy="0"/>
+        </a:xfrm>
+      </p:grpSpPr>
+      <p:sp>
+        <p:nvSpPr>
+          <p:cNvPr id="2" name="Slide Image Placeholder 1">
+            <a:extLst>
+              <a:ext uri="{FF2B5EF4-FFF2-40B4-BE49-F238E27FC236}">
+                <a16:creationId xmlns:a16="http://schemas.microsoft.com/office/drawing/2014/main" id="{7531C1D3-403B-092F-2E2F-5585816DE256}"/>
+              </a:ext>
+            </a:extLst>
+          </p:cNvPr>
+          <p:cNvSpPr>
+            <a:spLocks noGrp="1" noRot="1" noChangeAspect="1"/>
+          </p:cNvSpPr>
+          <p:nvPr>
+            <p:ph type="sldImg"/>
+          </p:nvPr>
+        </p:nvSpPr>
+        <p:spPr>
+          <a:xfrm>
+            <a:off x="685800" y="1143000"/>
+            <a:ext cx="5486400" cy="3086100"/>
+          </a:xfrm>
+        </p:spPr>
+      </p:sp>
+      <p:sp>
+        <p:nvSpPr>
+          <p:cNvPr id="3" name="Notes Placeholder 2">
+            <a:extLst>
+              <a:ext uri="{FF2B5EF4-FFF2-40B4-BE49-F238E27FC236}">
+                <a16:creationId xmlns:a16="http://schemas.microsoft.com/office/drawing/2014/main" id="{8C880232-38C1-CDA4-7D20-ADAD8BED6CBA}"/>
+              </a:ext>
+            </a:extLst>
+          </p:cNvPr>
+          <p:cNvSpPr>
+            <a:spLocks noGrp="1"/>
+          </p:cNvSpPr>
+          <p:nvPr>
+            <p:ph type="body" idx="1"/>
+          </p:nvPr>
+        </p:nvSpPr>
+        <p:spPr/>
+        <p:txBody>
+          <a:bodyPr/>
+          <a:lstStyle/>
+          <a:p>
+            <a:pPr marL="0" marR="0" lvl="0" indent="0" algn="l" defTabSz="914400" rtl="0" eaLnBrk="1" fontAlgn="auto" latinLnBrk="0" hangingPunct="1">
+              <a:lnSpc>
+                <a:spcPct val="115000"/>
+              </a:lnSpc>
+              <a:spcBef>
+                <a:spcPts val="0"/>
+              </a:spcBef>
+              <a:spcAft>
+                <a:spcPts val="0"/>
+              </a:spcAft>
+              <a:buClrTx/>
+              <a:buSzTx/>
+              <a:buFontTx/>
+              <a:buNone/>
+              <a:tabLst/>
+              <a:defRPr/>
+            </a:pPr>
+            <a:r>
+              <a:rPr lang="en-US" sz="2800" b="0" i="0" dirty="0">
+                <a:solidFill>
+                  <a:srgbClr val="000000"/>
+                </a:solidFill>
+                <a:effectLst/>
+                <a:latin typeface="Inter"/>
+                <a:hlinkClick r:id="rId3"/>
+              </a:rPr>
+              <a:t>https://play.unity.com/mg/other/lockers-ver-999-webpublish-2</a:t>
+            </a:r>
+            <a:endParaRPr lang="en-US" sz="2800" dirty="0"/>
+          </a:p>
+          <a:p>
+            <a:pPr marL="0" marR="0">
+              <a:lnSpc>
+                <a:spcPct val="115000"/>
+              </a:lnSpc>
+              <a:spcBef>
+                <a:spcPts val="0"/>
+              </a:spcBef>
+              <a:spcAft>
+                <a:spcPts val="0"/>
+              </a:spcAft>
+            </a:pPr>
+            <a:endParaRPr lang="en-US" sz="1800" dirty="0">
+              <a:effectLst/>
+              <a:latin typeface="Arial" panose="020B0604020202020204" pitchFamily="34" charset="0"/>
+              <a:ea typeface="Arial" panose="020B0604020202020204" pitchFamily="34" charset="0"/>
+            </a:endParaRPr>
+          </a:p>
+        </p:txBody>
+      </p:sp>
+      <p:sp>
+        <p:nvSpPr>
+          <p:cNvPr id="4" name="Slide Number Placeholder 3">
+            <a:extLst>
+              <a:ext uri="{FF2B5EF4-FFF2-40B4-BE49-F238E27FC236}">
+                <a16:creationId xmlns:a16="http://schemas.microsoft.com/office/drawing/2014/main" id="{BA92B8D9-A065-F62C-3A5B-5F4AA73ADA4B}"/>
+              </a:ext>
+            </a:extLst>
+          </p:cNvPr>
+          <p:cNvSpPr>
+            <a:spLocks noGrp="1"/>
+          </p:cNvSpPr>
+          <p:nvPr>
+            <p:ph type="sldNum" sz="quarter" idx="5"/>
+          </p:nvPr>
+        </p:nvSpPr>
+        <p:spPr/>
+        <p:txBody>
+          <a:bodyPr/>
+          <a:lstStyle/>
+          <a:p>
+            <a:pPr marL="0" marR="0" lvl="0" indent="0" algn="r" defTabSz="914400" rtl="0" eaLnBrk="1" fontAlgn="auto" latinLnBrk="0" hangingPunct="1">
+              <a:lnSpc>
+                <a:spcPct val="100000"/>
+              </a:lnSpc>
+              <a:spcBef>
+                <a:spcPts val="0"/>
+              </a:spcBef>
+              <a:spcAft>
+                <a:spcPts val="0"/>
+              </a:spcAft>
+              <a:buClrTx/>
+              <a:buSzTx/>
+              <a:buFontTx/>
+              <a:buNone/>
+              <a:tabLst/>
+              <a:defRPr/>
+            </a:pPr>
+            <a:fld id="{5FA495A3-5412-40AC-9320-D76D0B540532}" type="slidenum">
+              <a:rPr kumimoji="0" lang="en-US" sz="1200" b="0" i="0" u="none" strike="noStrike" kern="1200" cap="none" spc="0" normalizeH="0" baseline="0" noProof="0" smtClean="0">
+                <a:ln>
+                  <a:noFill/>
+                </a:ln>
+                <a:solidFill>
+                  <a:prstClr val="black"/>
+                </a:solidFill>
+                <a:effectLst/>
+                <a:uLnTx/>
+                <a:uFillTx/>
+                <a:latin typeface="Calibri" panose="020F0502020204030204"/>
+                <a:ea typeface="+mn-ea"/>
+                <a:cs typeface="+mn-cs"/>
+              </a:rPr>
+              <a:pPr marL="0" marR="0" lvl="0" indent="0" algn="r" defTabSz="914400" rtl="0" eaLnBrk="1" fontAlgn="auto" latinLnBrk="0" hangingPunct="1">
+                <a:lnSpc>
+                  <a:spcPct val="100000"/>
+                </a:lnSpc>
+                <a:spcBef>
+                  <a:spcPts val="0"/>
+                </a:spcBef>
+                <a:spcAft>
+                  <a:spcPts val="0"/>
+                </a:spcAft>
+                <a:buClrTx/>
+                <a:buSzTx/>
+                <a:buFontTx/>
+                <a:buNone/>
+                <a:tabLst/>
+                <a:defRPr/>
+              </a:pPr>
+              <a:t>7</a:t>
+            </a:fld>
+            <a:endParaRPr kumimoji="0" lang="en-US" sz="1200" b="0" i="0" u="none" strike="noStrike" kern="1200" cap="none" spc="0" normalizeH="0" baseline="0" noProof="0" dirty="0">
+              <a:ln>
+                <a:noFill/>
+              </a:ln>
+              <a:solidFill>
+                <a:prstClr val="black"/>
+              </a:solidFill>
+              <a:effectLst/>
+              <a:uLnTx/>
+              <a:uFillTx/>
+              <a:latin typeface="Calibri" panose="020F0502020204030204"/>
+              <a:ea typeface="+mn-ea"/>
+              <a:cs typeface="+mn-cs"/>
+            </a:endParaRPr>
+          </a:p>
+        </p:txBody>
+      </p:sp>
+    </p:spTree>
+    <p:extLst>
+      <p:ext uri="{BB962C8B-B14F-4D97-AF65-F5344CB8AC3E}">
+        <p14:creationId xmlns:p14="http://schemas.microsoft.com/office/powerpoint/2010/main" val="4264881463"/>
+      </p:ext>
+    </p:extLst>
+  </p:cSld>
+  <p:clrMapOvr>
+    <a:masterClrMapping/>
+  </p:clrMapOvr>
+</p:notes>
+</file>
+
+<file path=ppt/notesSlides/notesSlide8.xml><?xml version="1.0" encoding="utf-8"?>
+<p:notes xmlns:a="http://schemas.openxmlformats.org/drawingml/2006/main" xmlns:r="http://schemas.openxmlformats.org/officeDocument/2006/relationships" xmlns:p="http://schemas.openxmlformats.org/presentationml/2006/main">
+  <p:cSld>
+    <p:spTree>
+      <p:nvGrpSpPr>
+        <p:cNvPr id="1" name="">
+          <a:extLst>
+            <a:ext uri="{FF2B5EF4-FFF2-40B4-BE49-F238E27FC236}">
+              <a16:creationId xmlns:a16="http://schemas.microsoft.com/office/drawing/2014/main" id="{7E31DD04-78B3-2972-0D90-A64989AA582D}"/>
+            </a:ext>
+          </a:extLst>
+        </p:cNvPr>
+        <p:cNvGrpSpPr/>
+        <p:nvPr/>
+      </p:nvGrpSpPr>
+      <p:grpSpPr>
+        <a:xfrm>
+          <a:off x="0" y="0"/>
+          <a:ext cx="0" cy="0"/>
+          <a:chOff x="0" y="0"/>
+          <a:chExt cx="0" cy="0"/>
+        </a:xfrm>
+      </p:grpSpPr>
+      <p:sp>
+        <p:nvSpPr>
+          <p:cNvPr id="2" name="Slide Image Placeholder 1">
+            <a:extLst>
+              <a:ext uri="{FF2B5EF4-FFF2-40B4-BE49-F238E27FC236}">
+                <a16:creationId xmlns:a16="http://schemas.microsoft.com/office/drawing/2014/main" id="{31FB99CA-5FDC-2F20-C391-547C07352FA8}"/>
+              </a:ext>
+            </a:extLst>
+          </p:cNvPr>
+          <p:cNvSpPr>
+            <a:spLocks noGrp="1" noRot="1" noChangeAspect="1"/>
+          </p:cNvSpPr>
+          <p:nvPr>
+            <p:ph type="sldImg"/>
+          </p:nvPr>
+        </p:nvSpPr>
+        <p:spPr>
+          <a:xfrm>
+            <a:off x="685800" y="1143000"/>
+            <a:ext cx="5486400" cy="3086100"/>
+          </a:xfrm>
+        </p:spPr>
+      </p:sp>
+      <p:sp>
+        <p:nvSpPr>
+          <p:cNvPr id="3" name="Notes Placeholder 2">
+            <a:extLst>
+              <a:ext uri="{FF2B5EF4-FFF2-40B4-BE49-F238E27FC236}">
+                <a16:creationId xmlns:a16="http://schemas.microsoft.com/office/drawing/2014/main" id="{FD0AB985-3590-9A21-B3BB-860F18366D87}"/>
+              </a:ext>
+            </a:extLst>
+          </p:cNvPr>
+          <p:cNvSpPr>
+            <a:spLocks noGrp="1"/>
+          </p:cNvSpPr>
+          <p:nvPr>
+            <p:ph type="body" idx="1"/>
+          </p:nvPr>
+        </p:nvSpPr>
+        <p:spPr/>
+        <p:txBody>
+          <a:bodyPr/>
+          <a:lstStyle/>
+          <a:p>
+            <a:pPr marL="0" marR="0" lvl="0" indent="0" algn="l" defTabSz="914400" rtl="0" eaLnBrk="1" fontAlgn="auto" latinLnBrk="0" hangingPunct="1">
+              <a:lnSpc>
+                <a:spcPct val="115000"/>
+              </a:lnSpc>
+              <a:spcBef>
+                <a:spcPts val="0"/>
+              </a:spcBef>
+              <a:spcAft>
+                <a:spcPts val="0"/>
+              </a:spcAft>
+              <a:buClrTx/>
+              <a:buSzTx/>
+              <a:buFontTx/>
+              <a:buNone/>
+              <a:tabLst/>
+              <a:defRPr/>
+            </a:pPr>
+            <a:r>
+              <a:rPr lang="en-US" sz="2800" b="0" i="0" dirty="0">
+                <a:solidFill>
+                  <a:srgbClr val="000000"/>
+                </a:solidFill>
+                <a:effectLst/>
+                <a:latin typeface="Inter"/>
+                <a:hlinkClick r:id="rId3"/>
+              </a:rPr>
+              <a:t>https://play.unity.com/mg/other/lockers-ver-999-webpublish-2</a:t>
+            </a:r>
+            <a:endParaRPr lang="en-US" sz="2800" dirty="0"/>
+          </a:p>
+          <a:p>
+            <a:pPr marL="0" marR="0">
+              <a:lnSpc>
+                <a:spcPct val="115000"/>
+              </a:lnSpc>
+              <a:spcBef>
+                <a:spcPts val="0"/>
+              </a:spcBef>
+              <a:spcAft>
+                <a:spcPts val="0"/>
+              </a:spcAft>
+            </a:pPr>
+            <a:endParaRPr lang="en-US" sz="1800" dirty="0">
+              <a:effectLst/>
+              <a:latin typeface="Arial" panose="020B0604020202020204" pitchFamily="34" charset="0"/>
+              <a:ea typeface="Arial" panose="020B0604020202020204" pitchFamily="34" charset="0"/>
+            </a:endParaRPr>
+          </a:p>
+        </p:txBody>
+      </p:sp>
+      <p:sp>
+        <p:nvSpPr>
+          <p:cNvPr id="4" name="Slide Number Placeholder 3">
+            <a:extLst>
+              <a:ext uri="{FF2B5EF4-FFF2-40B4-BE49-F238E27FC236}">
+                <a16:creationId xmlns:a16="http://schemas.microsoft.com/office/drawing/2014/main" id="{FE1EFD47-2E31-73D2-A493-FD4752F50EED}"/>
+              </a:ext>
+            </a:extLst>
+          </p:cNvPr>
+          <p:cNvSpPr>
+            <a:spLocks noGrp="1"/>
+          </p:cNvSpPr>
+          <p:nvPr>
+            <p:ph type="sldNum" sz="quarter" idx="5"/>
+          </p:nvPr>
+        </p:nvSpPr>
+        <p:spPr/>
+        <p:txBody>
+          <a:bodyPr/>
+          <a:lstStyle/>
+          <a:p>
+            <a:pPr marL="0" marR="0" lvl="0" indent="0" algn="r" defTabSz="914400" rtl="0" eaLnBrk="1" fontAlgn="auto" latinLnBrk="0" hangingPunct="1">
+              <a:lnSpc>
+                <a:spcPct val="100000"/>
+              </a:lnSpc>
+              <a:spcBef>
+                <a:spcPts val="0"/>
+              </a:spcBef>
+              <a:spcAft>
+                <a:spcPts val="0"/>
+              </a:spcAft>
+              <a:buClrTx/>
+              <a:buSzTx/>
+              <a:buFontTx/>
+              <a:buNone/>
+              <a:tabLst/>
+              <a:defRPr/>
+            </a:pPr>
+            <a:fld id="{5FA495A3-5412-40AC-9320-D76D0B540532}" type="slidenum">
+              <a:rPr kumimoji="0" lang="en-US" sz="1200" b="0" i="0" u="none" strike="noStrike" kern="1200" cap="none" spc="0" normalizeH="0" baseline="0" noProof="0" smtClean="0">
+                <a:ln>
+                  <a:noFill/>
+                </a:ln>
+                <a:solidFill>
+                  <a:prstClr val="black"/>
+                </a:solidFill>
+                <a:effectLst/>
+                <a:uLnTx/>
+                <a:uFillTx/>
+                <a:latin typeface="Calibri" panose="020F0502020204030204"/>
+                <a:ea typeface="+mn-ea"/>
+                <a:cs typeface="+mn-cs"/>
+              </a:rPr>
+              <a:pPr marL="0" marR="0" lvl="0" indent="0" algn="r" defTabSz="914400" rtl="0" eaLnBrk="1" fontAlgn="auto" latinLnBrk="0" hangingPunct="1">
+                <a:lnSpc>
+                  <a:spcPct val="100000"/>
+                </a:lnSpc>
+                <a:spcBef>
+                  <a:spcPts val="0"/>
+                </a:spcBef>
+                <a:spcAft>
+                  <a:spcPts val="0"/>
+                </a:spcAft>
+                <a:buClrTx/>
+                <a:buSzTx/>
+                <a:buFontTx/>
+                <a:buNone/>
+                <a:tabLst/>
+                <a:defRPr/>
+              </a:pPr>
+              <a:t>8</a:t>
+            </a:fld>
+            <a:endParaRPr kumimoji="0" lang="en-US" sz="1200" b="0" i="0" u="none" strike="noStrike" kern="1200" cap="none" spc="0" normalizeH="0" baseline="0" noProof="0" dirty="0">
+              <a:ln>
+                <a:noFill/>
+              </a:ln>
+              <a:solidFill>
+                <a:prstClr val="black"/>
+              </a:solidFill>
+              <a:effectLst/>
+              <a:uLnTx/>
+              <a:uFillTx/>
+              <a:latin typeface="Calibri" panose="020F0502020204030204"/>
+              <a:ea typeface="+mn-ea"/>
+              <a:cs typeface="+mn-cs"/>
+            </a:endParaRPr>
+          </a:p>
+        </p:txBody>
+      </p:sp>
+    </p:spTree>
+    <p:extLst>
+      <p:ext uri="{BB962C8B-B14F-4D97-AF65-F5344CB8AC3E}">
+        <p14:creationId xmlns:p14="http://schemas.microsoft.com/office/powerpoint/2010/main" val="3148816611"/>
+      </p:ext>
+    </p:extLst>
+  </p:cSld>
+  <p:clrMapOvr>
+    <a:masterClrMapping/>
+  </p:clrMapOvr>
+</p:notes>
+</file>
+
+<file path=ppt/notesSlides/notesSlide9.xml><?xml version="1.0" encoding="utf-8"?>
+<p:notes xmlns:a="http://schemas.openxmlformats.org/drawingml/2006/main" xmlns:r="http://schemas.openxmlformats.org/officeDocument/2006/relationships" xmlns:p="http://schemas.openxmlformats.org/presentationml/2006/main">
+  <p:cSld>
+    <p:spTree>
+      <p:nvGrpSpPr>
+        <p:cNvPr id="1" name="">
+          <a:extLst>
+            <a:ext uri="{FF2B5EF4-FFF2-40B4-BE49-F238E27FC236}">
+              <a16:creationId xmlns:a16="http://schemas.microsoft.com/office/drawing/2014/main" id="{85B1EAAF-3678-5526-ABD9-92B77BDBC360}"/>
+            </a:ext>
+          </a:extLst>
+        </p:cNvPr>
+        <p:cNvGrpSpPr/>
+        <p:nvPr/>
+      </p:nvGrpSpPr>
+      <p:grpSpPr>
+        <a:xfrm>
+          <a:off x="0" y="0"/>
+          <a:ext cx="0" cy="0"/>
+          <a:chOff x="0" y="0"/>
+          <a:chExt cx="0" cy="0"/>
+        </a:xfrm>
+      </p:grpSpPr>
+      <p:sp>
+        <p:nvSpPr>
+          <p:cNvPr id="2" name="Slide Image Placeholder 1">
+            <a:extLst>
+              <a:ext uri="{FF2B5EF4-FFF2-40B4-BE49-F238E27FC236}">
+                <a16:creationId xmlns:a16="http://schemas.microsoft.com/office/drawing/2014/main" id="{149629C3-04BC-29A7-50A4-F2685383FD36}"/>
+              </a:ext>
+            </a:extLst>
+          </p:cNvPr>
+          <p:cNvSpPr>
+            <a:spLocks noGrp="1" noRot="1" noChangeAspect="1"/>
+          </p:cNvSpPr>
+          <p:nvPr>
+            <p:ph type="sldImg"/>
+          </p:nvPr>
+        </p:nvSpPr>
+        <p:spPr>
+          <a:xfrm>
+            <a:off x="685800" y="1143000"/>
+            <a:ext cx="5486400" cy="3086100"/>
+          </a:xfrm>
+        </p:spPr>
+      </p:sp>
+      <p:sp>
+        <p:nvSpPr>
+          <p:cNvPr id="3" name="Notes Placeholder 2">
+            <a:extLst>
+              <a:ext uri="{FF2B5EF4-FFF2-40B4-BE49-F238E27FC236}">
+                <a16:creationId xmlns:a16="http://schemas.microsoft.com/office/drawing/2014/main" id="{6A4294C2-BAA8-E871-6D5B-0745DD475651}"/>
+              </a:ext>
+            </a:extLst>
+          </p:cNvPr>
+          <p:cNvSpPr>
+            <a:spLocks noGrp="1"/>
+          </p:cNvSpPr>
+          <p:nvPr>
+            <p:ph type="body" idx="1"/>
+          </p:nvPr>
+        </p:nvSpPr>
+        <p:spPr/>
+        <p:txBody>
+          <a:bodyPr/>
+          <a:lstStyle/>
+          <a:p>
+            <a:pPr marL="0" marR="0">
+              <a:lnSpc>
+                <a:spcPct val="115000"/>
+              </a:lnSpc>
+              <a:spcBef>
+                <a:spcPts val="0"/>
+              </a:spcBef>
+              <a:spcAft>
+                <a:spcPts val="0"/>
+              </a:spcAft>
+            </a:pPr>
+            <a:endParaRPr lang="en-US" sz="1800" dirty="0">
+              <a:effectLst/>
+              <a:latin typeface="Arial" panose="020B0604020202020204" pitchFamily="34" charset="0"/>
+              <a:ea typeface="Arial" panose="020B0604020202020204" pitchFamily="34" charset="0"/>
+            </a:endParaRPr>
+          </a:p>
+        </p:txBody>
+      </p:sp>
+      <p:sp>
+        <p:nvSpPr>
+          <p:cNvPr id="4" name="Slide Number Placeholder 3">
+            <a:extLst>
+              <a:ext uri="{FF2B5EF4-FFF2-40B4-BE49-F238E27FC236}">
+                <a16:creationId xmlns:a16="http://schemas.microsoft.com/office/drawing/2014/main" id="{86435BEA-E685-E5D6-000B-F366B2724C7C}"/>
+              </a:ext>
+            </a:extLst>
+          </p:cNvPr>
+          <p:cNvSpPr>
+            <a:spLocks noGrp="1"/>
+          </p:cNvSpPr>
+          <p:nvPr>
+            <p:ph type="sldNum" sz="quarter" idx="5"/>
+          </p:nvPr>
+        </p:nvSpPr>
+        <p:spPr/>
+        <p:txBody>
+          <a:bodyPr/>
+          <a:lstStyle/>
+          <a:p>
+            <a:pPr marL="0" marR="0" lvl="0" indent="0" algn="r" defTabSz="914400" rtl="0" eaLnBrk="1" fontAlgn="auto" latinLnBrk="0" hangingPunct="1">
+              <a:lnSpc>
+                <a:spcPct val="100000"/>
+              </a:lnSpc>
+              <a:spcBef>
+                <a:spcPts val="0"/>
+              </a:spcBef>
+              <a:spcAft>
+                <a:spcPts val="0"/>
+              </a:spcAft>
+              <a:buClrTx/>
+              <a:buSzTx/>
+              <a:buFontTx/>
+              <a:buNone/>
+              <a:tabLst/>
+              <a:defRPr/>
+            </a:pPr>
+            <a:fld id="{5FA495A3-5412-40AC-9320-D76D0B540532}" type="slidenum">
+              <a:rPr kumimoji="0" lang="en-US" sz="1200" b="0" i="0" u="none" strike="noStrike" kern="1200" cap="none" spc="0" normalizeH="0" baseline="0" noProof="0" smtClean="0">
+                <a:ln>
+                  <a:noFill/>
+                </a:ln>
+                <a:solidFill>
+                  <a:prstClr val="black"/>
+                </a:solidFill>
+                <a:effectLst/>
+                <a:uLnTx/>
+                <a:uFillTx/>
+                <a:latin typeface="Calibri" panose="020F0502020204030204"/>
+                <a:ea typeface="+mn-ea"/>
+                <a:cs typeface="+mn-cs"/>
+              </a:rPr>
+              <a:pPr marL="0" marR="0" lvl="0" indent="0" algn="r" defTabSz="914400" rtl="0" eaLnBrk="1" fontAlgn="auto" latinLnBrk="0" hangingPunct="1">
+                <a:lnSpc>
+                  <a:spcPct val="100000"/>
+                </a:lnSpc>
+                <a:spcBef>
+                  <a:spcPts val="0"/>
+                </a:spcBef>
+                <a:spcAft>
+                  <a:spcPts val="0"/>
+                </a:spcAft>
+                <a:buClrTx/>
+                <a:buSzTx/>
+                <a:buFontTx/>
+                <a:buNone/>
+                <a:tabLst/>
+                <a:defRPr/>
+              </a:pPr>
+              <a:t>9</a:t>
+            </a:fld>
+            <a:endParaRPr kumimoji="0" lang="en-US" sz="1200" b="0" i="0" u="none" strike="noStrike" kern="1200" cap="none" spc="0" normalizeH="0" baseline="0" noProof="0" dirty="0">
+              <a:ln>
+                <a:noFill/>
+              </a:ln>
+              <a:solidFill>
+                <a:prstClr val="black"/>
+              </a:solidFill>
+              <a:effectLst/>
+              <a:uLnTx/>
+              <a:uFillTx/>
+              <a:latin typeface="Calibri" panose="020F0502020204030204"/>
+              <a:ea typeface="+mn-ea"/>
+              <a:cs typeface="+mn-cs"/>
+            </a:endParaRPr>
+          </a:p>
+        </p:txBody>
+      </p:sp>
+    </p:spTree>
+    <p:extLst>
+      <p:ext uri="{BB962C8B-B14F-4D97-AF65-F5344CB8AC3E}">
+        <p14:creationId xmlns:p14="http://schemas.microsoft.com/office/powerpoint/2010/main" val="277735454"/>
+      </p:ext>
+    </p:extLst>
+  </p:cSld>
+  <p:clrMapOvr>
+    <a:masterClrMapping/>
+  </p:clrMapOvr>
+</p:notes>
+</file>
+
 <file path=ppt/slideLayouts/slideLayout1.xml><?xml version="1.0" encoding="utf-8"?>
 <p:sldLayout xmlns:a="http://schemas.openxmlformats.org/drawingml/2006/main" xmlns:r="http://schemas.openxmlformats.org/officeDocument/2006/relationships" xmlns:p="http://schemas.openxmlformats.org/presentationml/2006/main" type="title" preserve="1">
   <p:cSld name="Title Slide">
@@ -1732,9 +2322,9 @@
           <a:bodyPr/>
           <a:lstStyle/>
           <a:p>
-            <a:fld id="{CBBFC231-EB88-4484-9E86-80EC4DDAD87C}" type="datetimeFigureOut">
+            <a:fld id="{4EB38CF0-15DF-459A-9C2B-A8DE2742BDBB}" type="datetime1">
               <a:rPr lang="en-US" smtClean="0"/>
-              <a:t>3/4/2025</a:t>
+              <a:t>2/4/2026</a:t>
             </a:fld>
             <a:endParaRPr lang="en-US"/>
           </a:p>
@@ -1930,9 +2520,9 @@
           <a:bodyPr/>
           <a:lstStyle/>
           <a:p>
-            <a:fld id="{CBBFC231-EB88-4484-9E86-80EC4DDAD87C}" type="datetimeFigureOut">
+            <a:fld id="{A2B9F3BD-C2C0-4F61-8184-13B423692630}" type="datetime1">
               <a:rPr lang="en-US" smtClean="0"/>
-              <a:t>3/4/2025</a:t>
+              <a:t>2/4/2026</a:t>
             </a:fld>
             <a:endParaRPr lang="en-US"/>
           </a:p>
@@ -2138,9 +2728,9 @@
           <a:bodyPr/>
           <a:lstStyle/>
           <a:p>
-            <a:fld id="{CBBFC231-EB88-4484-9E86-80EC4DDAD87C}" type="datetimeFigureOut">
+            <a:fld id="{28068919-5B64-4530-84A1-FCB65A4849DD}" type="datetime1">
               <a:rPr lang="en-US" smtClean="0"/>
-              <a:t>3/4/2025</a:t>
+              <a:t>2/4/2026</a:t>
             </a:fld>
             <a:endParaRPr lang="en-US"/>
           </a:p>
@@ -2336,9 +2926,9 @@
           <a:bodyPr/>
           <a:lstStyle/>
           <a:p>
-            <a:fld id="{CBBFC231-EB88-4484-9E86-80EC4DDAD87C}" type="datetimeFigureOut">
+            <a:fld id="{B80F5829-507B-482A-917D-020643806175}" type="datetime1">
               <a:rPr lang="en-US" smtClean="0"/>
-              <a:t>3/4/2025</a:t>
+              <a:t>2/4/2026</a:t>
             </a:fld>
             <a:endParaRPr lang="en-US"/>
           </a:p>
@@ -2611,9 +3201,9 @@
           <a:bodyPr/>
           <a:lstStyle/>
           <a:p>
-            <a:fld id="{CBBFC231-EB88-4484-9E86-80EC4DDAD87C}" type="datetimeFigureOut">
+            <a:fld id="{30D397AA-04E6-45AF-80B1-2451FB188597}" type="datetime1">
               <a:rPr lang="en-US" smtClean="0"/>
-              <a:t>3/4/2025</a:t>
+              <a:t>2/4/2026</a:t>
             </a:fld>
             <a:endParaRPr lang="en-US"/>
           </a:p>
@@ -2876,9 +3466,9 @@
           <a:bodyPr/>
           <a:lstStyle/>
           <a:p>
-            <a:fld id="{CBBFC231-EB88-4484-9E86-80EC4DDAD87C}" type="datetimeFigureOut">
+            <a:fld id="{23ED9300-F951-4F59-9CF1-6FBCF00D8ED2}" type="datetime1">
               <a:rPr lang="en-US" smtClean="0"/>
-              <a:t>3/4/2025</a:t>
+              <a:t>2/4/2026</a:t>
             </a:fld>
             <a:endParaRPr lang="en-US"/>
           </a:p>
@@ -3288,9 +3878,9 @@
           <a:bodyPr/>
           <a:lstStyle/>
           <a:p>
-            <a:fld id="{CBBFC231-EB88-4484-9E86-80EC4DDAD87C}" type="datetimeFigureOut">
+            <a:fld id="{1380C296-3956-428C-A107-634E62EB4353}" type="datetime1">
               <a:rPr lang="en-US" smtClean="0"/>
-              <a:t>3/4/2025</a:t>
+              <a:t>2/4/2026</a:t>
             </a:fld>
             <a:endParaRPr lang="en-US"/>
           </a:p>
@@ -3429,9 +4019,9 @@
           <a:bodyPr/>
           <a:lstStyle/>
           <a:p>
-            <a:fld id="{CBBFC231-EB88-4484-9E86-80EC4DDAD87C}" type="datetimeFigureOut">
+            <a:fld id="{6EBA6A82-BDB7-4AA7-8007-45680B55A04B}" type="datetime1">
               <a:rPr lang="en-US" smtClean="0"/>
-              <a:t>3/4/2025</a:t>
+              <a:t>2/4/2026</a:t>
             </a:fld>
             <a:endParaRPr lang="en-US"/>
           </a:p>
@@ -3542,9 +4132,9 @@
           <a:bodyPr/>
           <a:lstStyle/>
           <a:p>
-            <a:fld id="{CBBFC231-EB88-4484-9E86-80EC4DDAD87C}" type="datetimeFigureOut">
+            <a:fld id="{1CE7317D-9C39-4AD6-B80E-6DD750D288B9}" type="datetime1">
               <a:rPr lang="en-US" smtClean="0"/>
-              <a:t>3/4/2025</a:t>
+              <a:t>2/4/2026</a:t>
             </a:fld>
             <a:endParaRPr lang="en-US"/>
           </a:p>
@@ -3853,9 +4443,9 @@
           <a:bodyPr/>
           <a:lstStyle/>
           <a:p>
-            <a:fld id="{CBBFC231-EB88-4484-9E86-80EC4DDAD87C}" type="datetimeFigureOut">
+            <a:fld id="{288F1BC9-FB99-4D3A-97C9-4BC03B3923B4}" type="datetime1">
               <a:rPr lang="en-US" smtClean="0"/>
-              <a:t>3/4/2025</a:t>
+              <a:t>2/4/2026</a:t>
             </a:fld>
             <a:endParaRPr lang="en-US"/>
           </a:p>
@@ -4141,9 +4731,9 @@
           <a:bodyPr/>
           <a:lstStyle/>
           <a:p>
-            <a:fld id="{CBBFC231-EB88-4484-9E86-80EC4DDAD87C}" type="datetimeFigureOut">
+            <a:fld id="{C26FAAAD-B7BC-4F8D-875C-880B43B0F98C}" type="datetime1">
               <a:rPr lang="en-US" smtClean="0"/>
-              <a:t>3/4/2025</a:t>
+              <a:t>2/4/2026</a:t>
             </a:fld>
             <a:endParaRPr lang="en-US"/>
           </a:p>
@@ -4385,9 +4975,9 @@
             </a:lvl1pPr>
           </a:lstStyle>
           <a:p>
-            <a:fld id="{CBBFC231-EB88-4484-9E86-80EC4DDAD87C}" type="datetimeFigureOut">
+            <a:fld id="{B0271103-C2ED-4D31-A1EA-CE37201D29B5}" type="datetime1">
               <a:rPr lang="en-US" smtClean="0"/>
-              <a:t>3/4/2025</a:t>
+              <a:t>2/4/2026</a:t>
             </a:fld>
             <a:endParaRPr lang="en-US"/>
           </a:p>
@@ -4504,6 +5094,7 @@
     <p:sldLayoutId id="2147483658" r:id="rId10"/>
     <p:sldLayoutId id="2147483659" r:id="rId11"/>
   </p:sldLayoutIdLst>
+  <p:hf hdr="0" ftr="0" dt="0"/>
   <p:txStyles>
     <p:titleStyle>
       <a:lvl1pPr algn="l" defTabSz="914400" rtl="0" eaLnBrk="1" latinLnBrk="0" hangingPunct="1">
@@ -5135,7 +5726,7 @@
         <p:spPr>
           <a:xfrm>
             <a:off x="707345" y="505379"/>
-            <a:ext cx="7243778" cy="923330"/>
+            <a:ext cx="6334876" cy="923330"/>
           </a:xfrm>
           <a:prstGeom prst="rect">
             <a:avLst/>
@@ -5180,7 +5771,7 @@
                 <a:ea typeface="+mn-ea"/>
                 <a:cs typeface="Times New Roman" panose="02020603050405020304" pitchFamily="18" charset="0"/>
               </a:rPr>
-              <a:t>The Locker Problem</a:t>
+              <a:t>The Locker Game</a:t>
             </a:r>
             <a:endParaRPr kumimoji="0" lang="en-US" sz="1600" b="1" i="0" u="none" strike="noStrike" kern="1200" cap="none" spc="300" normalizeH="0" baseline="0" noProof="0" dirty="0">
               <a:ln>
@@ -5245,7 +5836,7 @@
               <a:defRPr/>
             </a:pPr>
             <a:r>
-              <a:rPr kumimoji="0" lang="en-US" sz="2800" b="0" i="0" u="sng" strike="noStrike" kern="100" cap="none" spc="0" normalizeH="0" baseline="0" noProof="0" dirty="0">
+              <a:rPr kumimoji="0" lang="en-US" sz="2800" u="sng" strike="noStrike" kern="100" cap="none" spc="0" normalizeH="0" baseline="0" noProof="0" dirty="0">
                 <a:ln>
                   <a:noFill/>
                 </a:ln>
@@ -5259,7 +5850,7 @@
                 <a:ea typeface="+mn-ea"/>
                 <a:cs typeface="Times New Roman" panose="02020603050405020304" pitchFamily="18" charset="0"/>
               </a:rPr>
-              <a:t>How to use it:</a:t>
+              <a:t>How to play:</a:t>
             </a:r>
           </a:p>
           <a:p>
@@ -5329,89 +5920,6 @@
               <a:latin typeface="Abel" panose="02000506030000020004" pitchFamily="2" charset="0"/>
               <a:ea typeface="+mn-ea"/>
               <a:cs typeface="Times New Roman" panose="02020603050405020304" pitchFamily="18" charset="0"/>
-            </a:endParaRPr>
-          </a:p>
-        </p:txBody>
-      </p:sp>
-      <p:sp>
-        <p:nvSpPr>
-          <p:cNvPr id="3" name="TextBox 2">
-            <a:extLst>
-              <a:ext uri="{FF2B5EF4-FFF2-40B4-BE49-F238E27FC236}">
-                <a16:creationId xmlns:a16="http://schemas.microsoft.com/office/drawing/2014/main" id="{3CF77211-E7F3-6ADB-A641-BBB4F33E37DD}"/>
-              </a:ext>
-            </a:extLst>
-          </p:cNvPr>
-          <p:cNvSpPr txBox="1"/>
-          <p:nvPr/>
-        </p:nvSpPr>
-        <p:spPr>
-          <a:xfrm>
-            <a:off x="7791451" y="505379"/>
-            <a:ext cx="2198038" cy="923330"/>
-          </a:xfrm>
-          <a:prstGeom prst="rect">
-            <a:avLst/>
-          </a:prstGeom>
-          <a:noFill/>
-        </p:spPr>
-        <p:txBody>
-          <a:bodyPr wrap="none" rtlCol="0">
-            <a:spAutoFit/>
-          </a:bodyPr>
-          <a:lstStyle/>
-          <a:p>
-            <a:pPr marL="0" marR="0" lvl="0" indent="0" algn="l" defTabSz="914400" rtl="0" eaLnBrk="1" fontAlgn="auto" latinLnBrk="0" hangingPunct="1">
-              <a:lnSpc>
-                <a:spcPct val="100000"/>
-              </a:lnSpc>
-              <a:spcBef>
-                <a:spcPts val="0"/>
-              </a:spcBef>
-              <a:spcAft>
-                <a:spcPts val="0"/>
-              </a:spcAft>
-              <a:buClrTx/>
-              <a:buSzTx/>
-              <a:buFontTx/>
-              <a:buNone/>
-              <a:tabLst/>
-              <a:defRPr/>
-            </a:pPr>
-            <a:r>
-              <a:rPr kumimoji="0" lang="en-US" sz="5400" b="1" i="0" u="none" strike="noStrike" kern="100" cap="none" spc="0" normalizeH="0" baseline="0" noProof="0" dirty="0">
-                <a:ln>
-                  <a:noFill/>
-                </a:ln>
-                <a:solidFill>
-                  <a:srgbClr val="A5A5A5">
-                    <a:lumMod val="50000"/>
-                  </a:srgbClr>
-                </a:solidFill>
-                <a:effectLst/>
-                <a:uLnTx/>
-                <a:uFillTx/>
-                <a:latin typeface="Amasis MT Pro Black" panose="02040A04050005020304" pitchFamily="18" charset="0"/>
-                <a:ea typeface="+mn-ea"/>
-                <a:cs typeface="Times New Roman" panose="02020603050405020304" pitchFamily="18" charset="0"/>
-              </a:rPr>
-              <a:t>Game</a:t>
-            </a:r>
-            <a:endParaRPr kumimoji="0" lang="en-US" sz="1600" b="1" i="0" u="none" strike="noStrike" kern="1200" cap="none" spc="300" normalizeH="0" baseline="0" noProof="0" dirty="0">
-              <a:ln>
-                <a:noFill/>
-              </a:ln>
-              <a:solidFill>
-                <a:srgbClr val="A5A5A5">
-                  <a:lumMod val="50000"/>
-                </a:srgbClr>
-              </a:solidFill>
-              <a:effectLst/>
-              <a:uLnTx/>
-              <a:uFillTx/>
-              <a:latin typeface="Britannic Bold" panose="020B0903060703020204" pitchFamily="34" charset="0"/>
-              <a:ea typeface="+mn-ea"/>
-              <a:cs typeface="+mn-cs"/>
             </a:endParaRPr>
           </a:p>
         </p:txBody>
@@ -5446,98 +5954,6 @@
           </a:prstGeom>
         </p:spPr>
       </p:pic>
-      <p:pic>
-        <p:nvPicPr>
-          <p:cNvPr id="7" name="Picture 6">
-            <a:extLst>
-              <a:ext uri="{FF2B5EF4-FFF2-40B4-BE49-F238E27FC236}">
-                <a16:creationId xmlns:a16="http://schemas.microsoft.com/office/drawing/2014/main" id="{024F2E75-DE12-8F48-945A-10A7FFD80371}"/>
-              </a:ext>
-            </a:extLst>
-          </p:cNvPr>
-          <p:cNvPicPr>
-            <a:picLocks noChangeAspect="1"/>
-          </p:cNvPicPr>
-          <p:nvPr/>
-        </p:nvPicPr>
-        <p:blipFill rotWithShape="1">
-          <a:blip r:embed="rId4"/>
-          <a:srcRect l="6667" t="8110" r="7551" b="6365"/>
-          <a:stretch/>
-        </p:blipFill>
-        <p:spPr>
-          <a:xfrm>
-            <a:off x="1998191" y="2693408"/>
-            <a:ext cx="6870718" cy="3764550"/>
-          </a:xfrm>
-          <a:prstGeom prst="rect">
-            <a:avLst/>
-          </a:prstGeom>
-        </p:spPr>
-      </p:pic>
-      <p:pic>
-        <p:nvPicPr>
-          <p:cNvPr id="6150" name="Picture 6" descr="Click Here Images - Free Download on Freepik">
-            <a:extLst>
-              <a:ext uri="{FF2B5EF4-FFF2-40B4-BE49-F238E27FC236}">
-                <a16:creationId xmlns:a16="http://schemas.microsoft.com/office/drawing/2014/main" id="{2B9CCF93-CF0B-7BED-1097-D10F0FEB6B3A}"/>
-              </a:ext>
-            </a:extLst>
-          </p:cNvPr>
-          <p:cNvPicPr>
-            <a:picLocks noChangeAspect="1" noChangeArrowheads="1"/>
-          </p:cNvPicPr>
-          <p:nvPr/>
-        </p:nvPicPr>
-        <p:blipFill>
-          <a:blip r:embed="rId5">
-            <a:extLst>
-              <a:ext uri="{BEBA8EAE-BF5A-486C-A8C5-ECC9F3942E4B}">
-                <a14:imgProps xmlns:a14="http://schemas.microsoft.com/office/drawing/2010/main">
-                  <a14:imgLayer r:embed="rId6">
-                    <a14:imgEffect>
-                      <a14:backgroundRemoval t="10000" b="90000" l="10000" r="90000">
-                        <a14:foregroundMark x1="43056" y1="29167" x2="43056" y2="29167"/>
-                        <a14:foregroundMark x1="32222" y1="24722" x2="32222" y2="24722"/>
-                        <a14:foregroundMark x1="22778" y1="30278" x2="22778" y2="30278"/>
-                        <a14:foregroundMark x1="18333" y1="39444" x2="18333" y2="39444"/>
-                        <a14:foregroundMark x1="23889" y1="48333" x2="23889" y2="48333"/>
-                        <a14:foregroundMark x1="31944" y1="51667" x2="31944" y2="51667"/>
-                      </a14:backgroundRemoval>
-                    </a14:imgEffect>
-                  </a14:imgLayer>
-                </a14:imgProps>
-              </a:ext>
-              <a:ext uri="{28A0092B-C50C-407E-A947-70E740481C1C}">
-                <a14:useLocalDpi xmlns:a14="http://schemas.microsoft.com/office/drawing/2010/main" val="0"/>
-              </a:ext>
-            </a:extLst>
-          </a:blip>
-          <a:srcRect/>
-          <a:stretch>
-            <a:fillRect/>
-          </a:stretch>
-        </p:blipFill>
-        <p:spPr bwMode="auto">
-          <a:xfrm>
-            <a:off x="5056965" y="5762633"/>
-            <a:ext cx="1390649" cy="1390649"/>
-          </a:xfrm>
-          <a:prstGeom prst="rect">
-            <a:avLst/>
-          </a:prstGeom>
-          <a:noFill/>
-          <a:extLst>
-            <a:ext uri="{909E8E84-426E-40DD-AFC4-6F175D3DCCD1}">
-              <a14:hiddenFill xmlns:a14="http://schemas.microsoft.com/office/drawing/2010/main">
-                <a:solidFill>
-                  <a:srgbClr val="FFFFFF"/>
-                </a:solidFill>
-              </a14:hiddenFill>
-            </a:ext>
-          </a:extLst>
-        </p:spPr>
-      </p:pic>
       <p:sp>
         <p:nvSpPr>
           <p:cNvPr id="6" name="TextBox 5">
@@ -5620,7 +6036,6 @@
       <p:pic>
         <p:nvPicPr>
           <p:cNvPr id="9" name="Picture 8" descr="A grey rectangular object with a yellow knob&#10;&#10;Description automatically generated">
-            <a:hlinkClick r:id="rId7"/>
             <a:extLst>
               <a:ext uri="{FF2B5EF4-FFF2-40B4-BE49-F238E27FC236}">
                 <a16:creationId xmlns:a16="http://schemas.microsoft.com/office/drawing/2014/main" id="{9B32B814-62E0-9111-297B-D5D66A520CCD}"/>
@@ -5633,7 +6048,7 @@
           <p:nvPr/>
         </p:nvPicPr>
         <p:blipFill>
-          <a:blip r:embed="rId8">
+          <a:blip r:embed="rId4">
             <a:extLst>
               <a:ext uri="{28A0092B-C50C-407E-A947-70E740481C1C}">
                 <a14:useLocalDpi xmlns:a14="http://schemas.microsoft.com/office/drawing/2010/main" val="0"/>
@@ -5646,14 +6061,217 @@
         </p:blipFill>
         <p:spPr>
           <a:xfrm>
-            <a:off x="10126945" y="313586"/>
-            <a:ext cx="967346" cy="1306915"/>
+            <a:off x="11419912" y="6056979"/>
+            <a:ext cx="493619" cy="666895"/>
           </a:xfrm>
           <a:prstGeom prst="rect">
             <a:avLst/>
           </a:prstGeom>
         </p:spPr>
       </p:pic>
+      <p:sp>
+        <p:nvSpPr>
+          <p:cNvPr id="5" name="TextBox 4">
+            <a:extLst>
+              <a:ext uri="{FF2B5EF4-FFF2-40B4-BE49-F238E27FC236}">
+                <a16:creationId xmlns:a16="http://schemas.microsoft.com/office/drawing/2014/main" id="{FA2B25A7-F026-49F3-35A0-132167542C84}"/>
+              </a:ext>
+            </a:extLst>
+          </p:cNvPr>
+          <p:cNvSpPr txBox="1"/>
+          <p:nvPr/>
+        </p:nvSpPr>
+        <p:spPr>
+          <a:xfrm>
+            <a:off x="1611742" y="2644682"/>
+            <a:ext cx="5000163" cy="400110"/>
+          </a:xfrm>
+          <a:prstGeom prst="rect">
+            <a:avLst/>
+          </a:prstGeom>
+          <a:noFill/>
+        </p:spPr>
+        <p:txBody>
+          <a:bodyPr wrap="square">
+            <a:spAutoFit/>
+          </a:bodyPr>
+          <a:lstStyle/>
+          <a:p>
+            <a:r>
+              <a:rPr kumimoji="0" lang="en-US" sz="2000" i="1" u="none" strike="noStrike" kern="100" cap="none" spc="0" normalizeH="0" baseline="0" noProof="0" dirty="0">
+                <a:ln>
+                  <a:noFill/>
+                </a:ln>
+                <a:solidFill>
+                  <a:schemeClr val="tx1">
+                    <a:lumMod val="65000"/>
+                    <a:lumOff val="35000"/>
+                  </a:schemeClr>
+                </a:solidFill>
+                <a:effectLst/>
+                <a:uLnTx/>
+                <a:uFillTx/>
+                <a:latin typeface="Cambria" panose="02040503050406030204" pitchFamily="18" charset="0"/>
+                <a:ea typeface="Cambria" panose="02040503050406030204" pitchFamily="18" charset="0"/>
+                <a:cs typeface="Times New Roman" panose="02020603050405020304" pitchFamily="18" charset="0"/>
+              </a:rPr>
+              <a:t>*If in Unity Play (access through Game Link).</a:t>
+            </a:r>
+            <a:endParaRPr lang="en-US" sz="2000" i="1" dirty="0">
+              <a:solidFill>
+                <a:schemeClr val="tx1">
+                  <a:lumMod val="65000"/>
+                  <a:lumOff val="35000"/>
+                </a:schemeClr>
+              </a:solidFill>
+              <a:latin typeface="Cambria" panose="02040503050406030204" pitchFamily="18" charset="0"/>
+              <a:ea typeface="Cambria" panose="02040503050406030204" pitchFamily="18" charset="0"/>
+            </a:endParaRPr>
+          </a:p>
+        </p:txBody>
+      </p:sp>
+      <p:grpSp>
+        <p:nvGrpSpPr>
+          <p:cNvPr id="13" name="Group 12">
+            <a:extLst>
+              <a:ext uri="{FF2B5EF4-FFF2-40B4-BE49-F238E27FC236}">
+                <a16:creationId xmlns:a16="http://schemas.microsoft.com/office/drawing/2014/main" id="{BFAAD6F4-CD7E-2308-0205-333BC80F7BFB}"/>
+              </a:ext>
+            </a:extLst>
+          </p:cNvPr>
+          <p:cNvGrpSpPr/>
+          <p:nvPr/>
+        </p:nvGrpSpPr>
+        <p:grpSpPr>
+          <a:xfrm>
+            <a:off x="3212924" y="3102582"/>
+            <a:ext cx="5766152" cy="3535005"/>
+            <a:chOff x="3429533" y="3166332"/>
+            <a:chExt cx="5332934" cy="3269416"/>
+          </a:xfrm>
+        </p:grpSpPr>
+        <p:pic>
+          <p:nvPicPr>
+            <p:cNvPr id="11" name="Picture 10">
+              <a:extLst>
+                <a:ext uri="{FF2B5EF4-FFF2-40B4-BE49-F238E27FC236}">
+                  <a16:creationId xmlns:a16="http://schemas.microsoft.com/office/drawing/2014/main" id="{EDAC799B-F2BC-700C-45F2-E21C84CC393B}"/>
+                </a:ext>
+              </a:extLst>
+            </p:cNvPr>
+            <p:cNvPicPr>
+              <a:picLocks noChangeAspect="1"/>
+            </p:cNvPicPr>
+            <p:nvPr/>
+          </p:nvPicPr>
+          <p:blipFill>
+            <a:blip r:embed="rId5"/>
+            <a:stretch>
+              <a:fillRect/>
+            </a:stretch>
+          </p:blipFill>
+          <p:spPr>
+            <a:xfrm>
+              <a:off x="3429533" y="3166332"/>
+              <a:ext cx="5332934" cy="2856640"/>
+            </a:xfrm>
+            <a:prstGeom prst="rect">
+              <a:avLst/>
+            </a:prstGeom>
+          </p:spPr>
+        </p:pic>
+        <p:pic>
+          <p:nvPicPr>
+            <p:cNvPr id="6150" name="Picture 6" descr="Click Here Images - Free Download on Freepik">
+              <a:extLst>
+                <a:ext uri="{FF2B5EF4-FFF2-40B4-BE49-F238E27FC236}">
+                  <a16:creationId xmlns:a16="http://schemas.microsoft.com/office/drawing/2014/main" id="{2B9CCF93-CF0B-7BED-1097-D10F0FEB6B3A}"/>
+                </a:ext>
+              </a:extLst>
+            </p:cNvPr>
+            <p:cNvPicPr>
+              <a:picLocks noChangeAspect="1" noChangeArrowheads="1"/>
+            </p:cNvPicPr>
+            <p:nvPr/>
+          </p:nvPicPr>
+          <p:blipFill>
+            <a:blip r:embed="rId6">
+              <a:extLst>
+                <a:ext uri="{BEBA8EAE-BF5A-486C-A8C5-ECC9F3942E4B}">
+                  <a14:imgProps xmlns:a14="http://schemas.microsoft.com/office/drawing/2010/main">
+                    <a14:imgLayer r:embed="rId7">
+                      <a14:imgEffect>
+                        <a14:backgroundRemoval t="10000" b="90000" l="10000" r="90000">
+                          <a14:foregroundMark x1="43056" y1="29167" x2="43056" y2="29167"/>
+                          <a14:foregroundMark x1="32222" y1="24722" x2="32222" y2="24722"/>
+                          <a14:foregroundMark x1="22778" y1="30278" x2="22778" y2="30278"/>
+                          <a14:foregroundMark x1="18333" y1="39444" x2="18333" y2="39444"/>
+                          <a14:foregroundMark x1="23889" y1="48333" x2="23889" y2="48333"/>
+                          <a14:foregroundMark x1="31944" y1="51667" x2="31944" y2="51667"/>
+                        </a14:backgroundRemoval>
+                      </a14:imgEffect>
+                    </a14:imgLayer>
+                  </a14:imgProps>
+                </a:ext>
+                <a:ext uri="{28A0092B-C50C-407E-A947-70E740481C1C}">
+                  <a14:useLocalDpi xmlns:a14="http://schemas.microsoft.com/office/drawing/2010/main" val="0"/>
+                </a:ext>
+              </a:extLst>
+            </a:blip>
+            <a:srcRect/>
+            <a:stretch>
+              <a:fillRect/>
+            </a:stretch>
+          </p:blipFill>
+          <p:spPr bwMode="auto">
+            <a:xfrm>
+              <a:off x="5849298" y="5179140"/>
+              <a:ext cx="1256608" cy="1256608"/>
+            </a:xfrm>
+            <a:prstGeom prst="rect">
+              <a:avLst/>
+            </a:prstGeom>
+            <a:noFill/>
+            <a:extLst>
+              <a:ext uri="{909E8E84-426E-40DD-AFC4-6F175D3DCCD1}">
+                <a14:hiddenFill xmlns:a14="http://schemas.microsoft.com/office/drawing/2010/main">
+                  <a:solidFill>
+                    <a:srgbClr val="FFFFFF"/>
+                  </a:solidFill>
+                </a14:hiddenFill>
+              </a:ext>
+            </a:extLst>
+          </p:spPr>
+        </p:pic>
+      </p:grpSp>
+      <p:sp>
+        <p:nvSpPr>
+          <p:cNvPr id="14" name="Slide Number Placeholder 13">
+            <a:extLst>
+              <a:ext uri="{FF2B5EF4-FFF2-40B4-BE49-F238E27FC236}">
+                <a16:creationId xmlns:a16="http://schemas.microsoft.com/office/drawing/2014/main" id="{9B831C19-CA61-93BA-CA40-5F8F2FDCD749}"/>
+              </a:ext>
+            </a:extLst>
+          </p:cNvPr>
+          <p:cNvSpPr>
+            <a:spLocks noGrp="1"/>
+          </p:cNvSpPr>
+          <p:nvPr>
+            <p:ph type="sldNum" sz="quarter" idx="12"/>
+          </p:nvPr>
+        </p:nvSpPr>
+        <p:spPr/>
+        <p:txBody>
+          <a:bodyPr/>
+          <a:lstStyle/>
+          <a:p>
+            <a:r>
+              <a:rPr lang="en-US" dirty="0"/>
+              <a:t>1</a:t>
+            </a:r>
+          </a:p>
+        </p:txBody>
+      </p:sp>
     </p:spTree>
     <p:extLst>
       <p:ext uri="{BB962C8B-B14F-4D97-AF65-F5344CB8AC3E}">
@@ -5698,10 +6316,10 @@
       </p:grpSpPr>
       <p:pic>
         <p:nvPicPr>
-          <p:cNvPr id="8" name="Picture 7">
-            <a:extLst>
-              <a:ext uri="{FF2B5EF4-FFF2-40B4-BE49-F238E27FC236}">
-                <a16:creationId xmlns:a16="http://schemas.microsoft.com/office/drawing/2014/main" id="{B95BC06A-E38C-489E-9A23-88B411191704}"/>
+          <p:cNvPr id="6" name="Picture 5">
+            <a:extLst>
+              <a:ext uri="{FF2B5EF4-FFF2-40B4-BE49-F238E27FC236}">
+                <a16:creationId xmlns:a16="http://schemas.microsoft.com/office/drawing/2014/main" id="{F647605E-78FF-142B-BE04-CB1245925175}"/>
               </a:ext>
             </a:extLst>
           </p:cNvPr>
@@ -5718,93 +6336,14 @@
         </p:blipFill>
         <p:spPr>
           <a:xfrm>
-            <a:off x="2326407" y="1956193"/>
-            <a:ext cx="7539186" cy="4240792"/>
+            <a:off x="3198384" y="2446505"/>
+            <a:ext cx="5795232" cy="4149323"/>
           </a:xfrm>
           <a:prstGeom prst="rect">
             <a:avLst/>
           </a:prstGeom>
         </p:spPr>
       </p:pic>
-      <p:sp>
-        <p:nvSpPr>
-          <p:cNvPr id="2" name="TextBox 1">
-            <a:extLst>
-              <a:ext uri="{FF2B5EF4-FFF2-40B4-BE49-F238E27FC236}">
-                <a16:creationId xmlns:a16="http://schemas.microsoft.com/office/drawing/2014/main" id="{6DD96825-46AA-46B4-8245-A0EAF9B577DC}"/>
-              </a:ext>
-            </a:extLst>
-          </p:cNvPr>
-          <p:cNvSpPr txBox="1"/>
-          <p:nvPr/>
-        </p:nvSpPr>
-        <p:spPr>
-          <a:xfrm>
-            <a:off x="707345" y="505379"/>
-            <a:ext cx="7243778" cy="923330"/>
-          </a:xfrm>
-          <a:prstGeom prst="rect">
-            <a:avLst/>
-          </a:prstGeom>
-          <a:noFill/>
-        </p:spPr>
-        <p:txBody>
-          <a:bodyPr wrap="none" rtlCol="0">
-            <a:spAutoFit/>
-          </a:bodyPr>
-          <a:lstStyle/>
-          <a:p>
-            <a:pPr marL="0" marR="0" lvl="0" indent="0" algn="l" defTabSz="914400" rtl="0" eaLnBrk="1" fontAlgn="auto" latinLnBrk="0" hangingPunct="1">
-              <a:lnSpc>
-                <a:spcPct val="100000"/>
-              </a:lnSpc>
-              <a:spcBef>
-                <a:spcPts val="0"/>
-              </a:spcBef>
-              <a:spcAft>
-                <a:spcPts val="0"/>
-              </a:spcAft>
-              <a:buClrTx/>
-              <a:buSzTx/>
-              <a:buFontTx/>
-              <a:buNone/>
-              <a:tabLst/>
-              <a:defRPr/>
-            </a:pPr>
-            <a:r>
-              <a:rPr kumimoji="0" lang="en-US" sz="5400" b="1" i="0" u="none" strike="noStrike" kern="100" cap="none" spc="0" normalizeH="0" baseline="0" noProof="0" dirty="0">
-                <a:ln>
-                  <a:noFill/>
-                </a:ln>
-                <a:solidFill>
-                  <a:prstClr val="black"/>
-                </a:solidFill>
-                <a:effectLst/>
-                <a:uLnTx/>
-                <a:uFillTx/>
-                <a:latin typeface="Amasis MT Pro Black" panose="02040A04050005020304" pitchFamily="18" charset="0"/>
-                <a:ea typeface="+mn-ea"/>
-                <a:cs typeface="Times New Roman" panose="02020603050405020304" pitchFamily="18" charset="0"/>
-              </a:rPr>
-              <a:t>The Locker Problem</a:t>
-            </a:r>
-            <a:endParaRPr kumimoji="0" lang="en-US" sz="1600" b="1" i="0" u="none" strike="noStrike" kern="1200" cap="none" spc="300" normalizeH="0" baseline="0" noProof="0" dirty="0">
-              <a:ln>
-                <a:noFill/>
-              </a:ln>
-              <a:solidFill>
-                <a:prstClr val="black"/>
-              </a:solidFill>
-              <a:effectLst/>
-              <a:uLnTx/>
-              <a:uFillTx/>
-              <a:latin typeface="Britannic Bold" panose="020B0903060703020204" pitchFamily="34" charset="0"/>
-              <a:ea typeface="+mn-ea"/>
-              <a:cs typeface="+mn-cs"/>
-            </a:endParaRPr>
-          </a:p>
-        </p:txBody>
-      </p:sp>
       <p:sp>
         <p:nvSpPr>
           <p:cNvPr id="4" name="TextBox 3">
@@ -5865,7 +6404,7 @@
                 <a:ea typeface="+mn-ea"/>
                 <a:cs typeface="Times New Roman" panose="02020603050405020304" pitchFamily="18" charset="0"/>
               </a:rPr>
-              <a:t>How to use it:</a:t>
+              <a:t>How to play:</a:t>
             </a:r>
           </a:p>
           <a:p>
@@ -5911,7 +6450,7 @@
                 <a:ea typeface="+mn-ea"/>
                 <a:cs typeface="Times New Roman" panose="02020603050405020304" pitchFamily="18" charset="0"/>
               </a:rPr>
-              <a:t>. Press “Enter” </a:t>
+              <a:t>. Right-Click, Touch or Press “Enter” to play.</a:t>
             </a:r>
             <a:endParaRPr kumimoji="0" lang="en-US" sz="2000" b="0" i="0" u="none" strike="noStrike" kern="100" cap="none" spc="0" normalizeH="0" baseline="0" noProof="0" dirty="0">
               <a:ln>
@@ -5932,10 +6471,10 @@
       </p:sp>
       <p:sp>
         <p:nvSpPr>
-          <p:cNvPr id="3" name="TextBox 2">
-            <a:extLst>
-              <a:ext uri="{FF2B5EF4-FFF2-40B4-BE49-F238E27FC236}">
-                <a16:creationId xmlns:a16="http://schemas.microsoft.com/office/drawing/2014/main" id="{3CF77211-E7F3-6ADB-A641-BBB4F33E37DD}"/>
+          <p:cNvPr id="10" name="TextBox 9">
+            <a:extLst>
+              <a:ext uri="{FF2B5EF4-FFF2-40B4-BE49-F238E27FC236}">
+                <a16:creationId xmlns:a16="http://schemas.microsoft.com/office/drawing/2014/main" id="{B11B2AB5-C12F-46A2-7F53-EF336175AB8F}"/>
               </a:ext>
             </a:extLst>
           </p:cNvPr>
@@ -5944,8 +6483,8 @@
         </p:nvSpPr>
         <p:spPr>
           <a:xfrm>
-            <a:off x="7791451" y="505379"/>
-            <a:ext cx="2198038" cy="923330"/>
+            <a:off x="707345" y="505379"/>
+            <a:ext cx="6334876" cy="923330"/>
           </a:xfrm>
           <a:prstGeom prst="rect">
             <a:avLst/>
@@ -5981,9 +6520,7 @@
                   <a:noFill/>
                 </a:ln>
                 <a:solidFill>
-                  <a:srgbClr val="A5A5A5">
-                    <a:lumMod val="50000"/>
-                  </a:srgbClr>
+                  <a:prstClr val="black"/>
                 </a:solidFill>
                 <a:effectLst/>
                 <a:uLnTx/>
@@ -5992,16 +6529,14 @@
                 <a:ea typeface="+mn-ea"/>
                 <a:cs typeface="Times New Roman" panose="02020603050405020304" pitchFamily="18" charset="0"/>
               </a:rPr>
-              <a:t>Game</a:t>
+              <a:t>The Locker Game</a:t>
             </a:r>
             <a:endParaRPr kumimoji="0" lang="en-US" sz="1600" b="1" i="0" u="none" strike="noStrike" kern="1200" cap="none" spc="300" normalizeH="0" baseline="0" noProof="0" dirty="0">
               <a:ln>
                 <a:noFill/>
               </a:ln>
               <a:solidFill>
-                <a:srgbClr val="A5A5A5">
-                  <a:lumMod val="50000"/>
-                </a:srgbClr>
+                <a:prstClr val="black"/>
               </a:solidFill>
               <a:effectLst/>
               <a:uLnTx/>
@@ -6015,11 +6550,10 @@
       </p:sp>
       <p:pic>
         <p:nvPicPr>
-          <p:cNvPr id="9" name="Picture 8" descr="A grey rectangular object with a yellow knob&#10;&#10;Description automatically generated">
-            <a:hlinkClick r:id="rId4"/>
-            <a:extLst>
-              <a:ext uri="{FF2B5EF4-FFF2-40B4-BE49-F238E27FC236}">
-                <a16:creationId xmlns:a16="http://schemas.microsoft.com/office/drawing/2014/main" id="{E67C7E3A-1A4D-1D64-E25C-B42C2E904C7A}"/>
+          <p:cNvPr id="12" name="Picture 11" descr="A grey rectangular object with a yellow knob&#10;&#10;Description automatically generated">
+            <a:extLst>
+              <a:ext uri="{FF2B5EF4-FFF2-40B4-BE49-F238E27FC236}">
+                <a16:creationId xmlns:a16="http://schemas.microsoft.com/office/drawing/2014/main" id="{C3026838-302A-CB04-A728-E4857BE3B51A}"/>
               </a:ext>
             </a:extLst>
           </p:cNvPr>
@@ -6029,7 +6563,7 @@
           <p:nvPr/>
         </p:nvPicPr>
         <p:blipFill>
-          <a:blip r:embed="rId5">
+          <a:blip r:embed="rId4">
             <a:extLst>
               <a:ext uri="{28A0092B-C50C-407E-A947-70E740481C1C}">
                 <a14:useLocalDpi xmlns:a14="http://schemas.microsoft.com/office/drawing/2010/main" val="0"/>
@@ -6042,14 +6576,42 @@
         </p:blipFill>
         <p:spPr>
           <a:xfrm>
-            <a:off x="10126945" y="313586"/>
-            <a:ext cx="967346" cy="1306915"/>
+            <a:off x="11419912" y="6056979"/>
+            <a:ext cx="493619" cy="666895"/>
           </a:xfrm>
           <a:prstGeom prst="rect">
             <a:avLst/>
           </a:prstGeom>
         </p:spPr>
       </p:pic>
+      <p:sp>
+        <p:nvSpPr>
+          <p:cNvPr id="13" name="Slide Number Placeholder 12">
+            <a:extLst>
+              <a:ext uri="{FF2B5EF4-FFF2-40B4-BE49-F238E27FC236}">
+                <a16:creationId xmlns:a16="http://schemas.microsoft.com/office/drawing/2014/main" id="{E1FD0642-F942-E772-CCA8-2B2F4482E4C0}"/>
+              </a:ext>
+            </a:extLst>
+          </p:cNvPr>
+          <p:cNvSpPr>
+            <a:spLocks noGrp="1"/>
+          </p:cNvSpPr>
+          <p:nvPr>
+            <p:ph type="sldNum" sz="quarter" idx="12"/>
+          </p:nvPr>
+        </p:nvSpPr>
+        <p:spPr/>
+        <p:txBody>
+          <a:bodyPr/>
+          <a:lstStyle/>
+          <a:p>
+            <a:r>
+              <a:rPr lang="en-US" dirty="0"/>
+              <a:t>2</a:t>
+            </a:r>
+          </a:p>
+        </p:txBody>
+      </p:sp>
     </p:spTree>
     <p:extLst>
       <p:ext uri="{BB962C8B-B14F-4D97-AF65-F5344CB8AC3E}">
@@ -6080,7 +6642,13 @@
   <p:cSld>
     <p:spTree>
       <p:nvGrpSpPr>
-        <p:cNvPr id="1" name=""/>
+        <p:cNvPr id="1" name="">
+          <a:extLst>
+            <a:ext uri="{FF2B5EF4-FFF2-40B4-BE49-F238E27FC236}">
+              <a16:creationId xmlns:a16="http://schemas.microsoft.com/office/drawing/2014/main" id="{D87B481D-BAE1-CA1D-E07F-73D67E91B68A}"/>
+            </a:ext>
+          </a:extLst>
+        </p:cNvPr>
         <p:cNvGrpSpPr/>
         <p:nvPr/>
       </p:nvGrpSpPr>
@@ -6092,91 +6660,43 @@
           <a:chExt cx="0" cy="0"/>
         </a:xfrm>
       </p:grpSpPr>
-      <p:sp>
-        <p:nvSpPr>
-          <p:cNvPr id="2" name="TextBox 1">
-            <a:extLst>
-              <a:ext uri="{FF2B5EF4-FFF2-40B4-BE49-F238E27FC236}">
-                <a16:creationId xmlns:a16="http://schemas.microsoft.com/office/drawing/2014/main" id="{6DD96825-46AA-46B4-8245-A0EAF9B577DC}"/>
-              </a:ext>
-            </a:extLst>
-          </p:cNvPr>
-          <p:cNvSpPr txBox="1"/>
+      <p:pic>
+        <p:nvPicPr>
+          <p:cNvPr id="7" name="Picture 6">
+            <a:extLst>
+              <a:ext uri="{FF2B5EF4-FFF2-40B4-BE49-F238E27FC236}">
+                <a16:creationId xmlns:a16="http://schemas.microsoft.com/office/drawing/2014/main" id="{5498ED4D-0C75-211F-9926-174FD1589837}"/>
+              </a:ext>
+            </a:extLst>
+          </p:cNvPr>
+          <p:cNvPicPr>
+            <a:picLocks noChangeAspect="1"/>
+          </p:cNvPicPr>
           <p:nvPr/>
-        </p:nvSpPr>
+        </p:nvPicPr>
+        <p:blipFill>
+          <a:blip r:embed="rId3"/>
+          <a:srcRect l="26257" t="8657" b="20716"/>
+          <a:stretch>
+            <a:fillRect/>
+          </a:stretch>
+        </p:blipFill>
         <p:spPr>
           <a:xfrm>
-            <a:off x="707345" y="505379"/>
-            <a:ext cx="7243778" cy="923330"/>
+            <a:off x="3020247" y="2798275"/>
+            <a:ext cx="6151505" cy="3288795"/>
           </a:xfrm>
           <a:prstGeom prst="rect">
             <a:avLst/>
           </a:prstGeom>
-          <a:noFill/>
         </p:spPr>
-        <p:txBody>
-          <a:bodyPr wrap="none" rtlCol="0">
-            <a:spAutoFit/>
-          </a:bodyPr>
-          <a:lstStyle/>
-          <a:p>
-            <a:pPr marL="0" marR="0" lvl="0" indent="0" algn="l" defTabSz="914400" rtl="0" eaLnBrk="1" fontAlgn="auto" latinLnBrk="0" hangingPunct="1">
-              <a:lnSpc>
-                <a:spcPct val="100000"/>
-              </a:lnSpc>
-              <a:spcBef>
-                <a:spcPts val="0"/>
-              </a:spcBef>
-              <a:spcAft>
-                <a:spcPts val="0"/>
-              </a:spcAft>
-              <a:buClrTx/>
-              <a:buSzTx/>
-              <a:buFontTx/>
-              <a:buNone/>
-              <a:tabLst/>
-              <a:defRPr/>
-            </a:pPr>
-            <a:r>
-              <a:rPr kumimoji="0" lang="en-US" sz="5400" b="1" i="0" u="none" strike="noStrike" kern="100" cap="none" spc="0" normalizeH="0" baseline="0" noProof="0" dirty="0">
-                <a:ln>
-                  <a:noFill/>
-                </a:ln>
-                <a:solidFill>
-                  <a:prstClr val="black"/>
-                </a:solidFill>
-                <a:effectLst/>
-                <a:uLnTx/>
-                <a:uFillTx/>
-                <a:latin typeface="Amasis MT Pro Black" panose="02040A04050005020304" pitchFamily="18" charset="0"/>
-                <a:ea typeface="+mn-ea"/>
-                <a:cs typeface="Times New Roman" panose="02020603050405020304" pitchFamily="18" charset="0"/>
-              </a:rPr>
-              <a:t>The Locker Problem</a:t>
-            </a:r>
-            <a:endParaRPr kumimoji="0" lang="en-US" sz="1600" b="1" i="0" u="none" strike="noStrike" kern="1200" cap="none" spc="300" normalizeH="0" baseline="0" noProof="0" dirty="0">
-              <a:ln>
-                <a:noFill/>
-              </a:ln>
-              <a:solidFill>
-                <a:prstClr val="black"/>
-              </a:solidFill>
-              <a:effectLst/>
-              <a:uLnTx/>
-              <a:uFillTx/>
-              <a:latin typeface="Britannic Bold" panose="020B0903060703020204" pitchFamily="34" charset="0"/>
-              <a:ea typeface="+mn-ea"/>
-              <a:cs typeface="+mn-cs"/>
-            </a:endParaRPr>
-          </a:p>
-        </p:txBody>
-      </p:sp>
+      </p:pic>
       <p:sp>
         <p:nvSpPr>
           <p:cNvPr id="4" name="TextBox 3">
             <a:extLst>
               <a:ext uri="{FF2B5EF4-FFF2-40B4-BE49-F238E27FC236}">
-                <a16:creationId xmlns:a16="http://schemas.microsoft.com/office/drawing/2014/main" id="{DBFC656B-E32C-ED9A-7DB8-F31452B3A29E}"/>
+                <a16:creationId xmlns:a16="http://schemas.microsoft.com/office/drawing/2014/main" id="{E2A21E39-3912-AB58-5173-5DA0814EA2D1}"/>
               </a:ext>
             </a:extLst>
           </p:cNvPr>
@@ -6185,8 +6705,8 @@
         </p:nvSpPr>
         <p:spPr>
           <a:xfrm>
-            <a:off x="920733" y="1336376"/>
-            <a:ext cx="7775592" cy="1710148"/>
+            <a:off x="861645" y="1344288"/>
+            <a:ext cx="10623010" cy="1793633"/>
           </a:xfrm>
           <a:prstGeom prst="rect">
             <a:avLst/>
@@ -6199,43 +6719,25 @@
           </a:bodyPr>
           <a:lstStyle/>
           <a:p>
-            <a:pPr marL="0" marR="0" lvl="0" indent="0" algn="l" defTabSz="914400" rtl="0" eaLnBrk="1" fontAlgn="auto" latinLnBrk="0" hangingPunct="1">
+            <a:pPr lvl="0">
               <a:lnSpc>
                 <a:spcPct val="150000"/>
               </a:lnSpc>
-              <a:spcBef>
-                <a:spcPts val="0"/>
-              </a:spcBef>
-              <a:spcAft>
-                <a:spcPts val="0"/>
-              </a:spcAft>
-              <a:buClrTx/>
-              <a:buSzTx/>
-              <a:buFontTx/>
-              <a:buNone/>
-              <a:tabLst/>
               <a:defRPr/>
             </a:pPr>
             <a:r>
-              <a:rPr kumimoji="0" lang="en-US" sz="2800" b="0" i="0" u="sng" strike="noStrike" kern="100" cap="none" spc="0" normalizeH="0" baseline="0" noProof="0" dirty="0">
-                <a:ln>
-                  <a:noFill/>
-                </a:ln>
+              <a:rPr lang="en-US" sz="2800" u="sng" kern="100" dirty="0">
                 <a:solidFill>
                   <a:prstClr val="black"/>
                 </a:solidFill>
-                <a:effectLst/>
-                <a:uLnTx/>
-                <a:uFillTx/>
                 <a:latin typeface="Abel" panose="02000506030000020004" pitchFamily="2" charset="0"/>
-                <a:ea typeface="+mn-ea"/>
                 <a:cs typeface="Times New Roman" panose="02020603050405020304" pitchFamily="18" charset="0"/>
               </a:rPr>
-              <a:t>How to use it:</a:t>
-            </a:r>
-          </a:p>
-          <a:p>
-            <a:pPr marL="0" marR="0" lvl="0" indent="0" algn="l" defTabSz="914400" rtl="0" eaLnBrk="1" fontAlgn="auto" latinLnBrk="0" hangingPunct="1">
+              <a:t>How to play:</a:t>
+            </a:r>
+          </a:p>
+          <a:p>
+            <a:pPr marL="287338" marR="0" lvl="0" indent="-287338" algn="l" defTabSz="914400" rtl="0" eaLnBrk="1" fontAlgn="auto" latinLnBrk="0" hangingPunct="1">
               <a:lnSpc>
                 <a:spcPct val="150000"/>
               </a:lnSpc>
@@ -6277,27 +6779,8 @@
                 <a:ea typeface="+mn-ea"/>
                 <a:cs typeface="Times New Roman" panose="02020603050405020304" pitchFamily="18" charset="0"/>
               </a:rPr>
-              <a:t>. Enter the numbers of lockers from 1 to 999 and press “Enter”. </a:t>
-            </a:r>
-          </a:p>
-          <a:p>
-            <a:pPr marL="0" marR="0" lvl="0" indent="0" algn="l" defTabSz="914400" rtl="0" eaLnBrk="1" fontAlgn="auto" latinLnBrk="0" hangingPunct="1">
-              <a:lnSpc>
-                <a:spcPct val="150000"/>
-              </a:lnSpc>
-              <a:spcBef>
-                <a:spcPts val="0"/>
-              </a:spcBef>
-              <a:spcAft>
-                <a:spcPts val="0"/>
-              </a:spcAft>
-              <a:buClrTx/>
-              <a:buSzTx/>
-              <a:buFontTx/>
-              <a:buNone/>
-              <a:tabLst/>
-              <a:defRPr/>
-            </a:pPr>
+              <a:t>. Choose how many lockers you want to work with (1–999) by typing the number or selecting it on the numpad, then press “Enter”.</a:t>
+            </a:r>
             <a:endParaRPr kumimoji="0" lang="en-US" sz="2000" b="0" i="0" u="none" strike="noStrike" kern="100" cap="none" spc="0" normalizeH="0" baseline="0" noProof="0" dirty="0">
               <a:ln>
                 <a:noFill/>
@@ -6315,203 +6798,12 @@
           </a:p>
         </p:txBody>
       </p:sp>
-      <p:sp>
-        <p:nvSpPr>
-          <p:cNvPr id="3" name="TextBox 2">
-            <a:extLst>
-              <a:ext uri="{FF2B5EF4-FFF2-40B4-BE49-F238E27FC236}">
-                <a16:creationId xmlns:a16="http://schemas.microsoft.com/office/drawing/2014/main" id="{3CF77211-E7F3-6ADB-A641-BBB4F33E37DD}"/>
-              </a:ext>
-            </a:extLst>
-          </p:cNvPr>
-          <p:cNvSpPr txBox="1"/>
-          <p:nvPr/>
-        </p:nvSpPr>
-        <p:spPr>
-          <a:xfrm>
-            <a:off x="7791451" y="505379"/>
-            <a:ext cx="2198038" cy="923330"/>
-          </a:xfrm>
-          <a:prstGeom prst="rect">
-            <a:avLst/>
-          </a:prstGeom>
-          <a:noFill/>
-        </p:spPr>
-        <p:txBody>
-          <a:bodyPr wrap="none" rtlCol="0">
-            <a:spAutoFit/>
-          </a:bodyPr>
-          <a:lstStyle/>
-          <a:p>
-            <a:pPr marL="0" marR="0" lvl="0" indent="0" algn="l" defTabSz="914400" rtl="0" eaLnBrk="1" fontAlgn="auto" latinLnBrk="0" hangingPunct="1">
-              <a:lnSpc>
-                <a:spcPct val="100000"/>
-              </a:lnSpc>
-              <a:spcBef>
-                <a:spcPts val="0"/>
-              </a:spcBef>
-              <a:spcAft>
-                <a:spcPts val="0"/>
-              </a:spcAft>
-              <a:buClrTx/>
-              <a:buSzTx/>
-              <a:buFontTx/>
-              <a:buNone/>
-              <a:tabLst/>
-              <a:defRPr/>
-            </a:pPr>
-            <a:r>
-              <a:rPr kumimoji="0" lang="en-US" sz="5400" b="1" i="0" u="none" strike="noStrike" kern="100" cap="none" spc="0" normalizeH="0" baseline="0" noProof="0" dirty="0">
-                <a:ln>
-                  <a:noFill/>
-                </a:ln>
-                <a:solidFill>
-                  <a:srgbClr val="A5A5A5">
-                    <a:lumMod val="50000"/>
-                  </a:srgbClr>
-                </a:solidFill>
-                <a:effectLst/>
-                <a:uLnTx/>
-                <a:uFillTx/>
-                <a:latin typeface="Amasis MT Pro Black" panose="02040A04050005020304" pitchFamily="18" charset="0"/>
-                <a:ea typeface="+mn-ea"/>
-                <a:cs typeface="Times New Roman" panose="02020603050405020304" pitchFamily="18" charset="0"/>
-              </a:rPr>
-              <a:t>Game</a:t>
-            </a:r>
-            <a:endParaRPr kumimoji="0" lang="en-US" sz="1600" b="1" i="0" u="none" strike="noStrike" kern="1200" cap="none" spc="300" normalizeH="0" baseline="0" noProof="0" dirty="0">
-              <a:ln>
-                <a:noFill/>
-              </a:ln>
-              <a:solidFill>
-                <a:srgbClr val="A5A5A5">
-                  <a:lumMod val="50000"/>
-                </a:srgbClr>
-              </a:solidFill>
-              <a:effectLst/>
-              <a:uLnTx/>
-              <a:uFillTx/>
-              <a:latin typeface="Britannic Bold" panose="020B0903060703020204" pitchFamily="34" charset="0"/>
-              <a:ea typeface="+mn-ea"/>
-              <a:cs typeface="+mn-cs"/>
-            </a:endParaRPr>
-          </a:p>
-        </p:txBody>
-      </p:sp>
-      <p:sp>
-        <p:nvSpPr>
-          <p:cNvPr id="9" name="TextBox 8">
-            <a:extLst>
-              <a:ext uri="{FF2B5EF4-FFF2-40B4-BE49-F238E27FC236}">
-                <a16:creationId xmlns:a16="http://schemas.microsoft.com/office/drawing/2014/main" id="{AB59A7B7-203B-AA9A-75EA-DFB137F48FEA}"/>
-              </a:ext>
-            </a:extLst>
-          </p:cNvPr>
-          <p:cNvSpPr txBox="1"/>
-          <p:nvPr/>
-        </p:nvSpPr>
-        <p:spPr>
-          <a:xfrm>
-            <a:off x="7607300" y="3580643"/>
-            <a:ext cx="3419476" cy="461665"/>
-          </a:xfrm>
-          <a:prstGeom prst="rect">
-            <a:avLst/>
-          </a:prstGeom>
-          <a:noFill/>
-        </p:spPr>
-        <p:txBody>
-          <a:bodyPr wrap="square" rtlCol="0">
-            <a:spAutoFit/>
-          </a:bodyPr>
-          <a:lstStyle/>
-          <a:p>
-            <a:pPr marL="0" marR="0" lvl="0" indent="0" algn="ctr" defTabSz="914400" rtl="0" eaLnBrk="1" fontAlgn="auto" latinLnBrk="0" hangingPunct="1">
-              <a:lnSpc>
-                <a:spcPct val="100000"/>
-              </a:lnSpc>
-              <a:spcBef>
-                <a:spcPts val="0"/>
-              </a:spcBef>
-              <a:spcAft>
-                <a:spcPts val="0"/>
-              </a:spcAft>
-              <a:buClrTx/>
-              <a:buSzTx/>
-              <a:buFontTx/>
-              <a:buNone/>
-              <a:tabLst/>
-              <a:defRPr/>
-            </a:pPr>
-            <a:r>
-              <a:rPr kumimoji="0" lang="en-US" sz="2400" b="1" i="0" u="none" strike="noStrike" kern="100" cap="none" spc="0" normalizeH="0" baseline="0" noProof="0" dirty="0">
-                <a:ln>
-                  <a:noFill/>
-                </a:ln>
-                <a:solidFill>
-                  <a:srgbClr val="C00000"/>
-                </a:solidFill>
-                <a:effectLst/>
-                <a:uLnTx/>
-                <a:uFillTx/>
-                <a:latin typeface="Amasis MT Pro Black" panose="02040A04050005020304" pitchFamily="18" charset="0"/>
-                <a:ea typeface="+mn-ea"/>
-                <a:cs typeface="Times New Roman" panose="02020603050405020304" pitchFamily="18" charset="0"/>
-              </a:rPr>
-              <a:t># of Locker Here</a:t>
-            </a:r>
-            <a:endParaRPr kumimoji="0" lang="en-US" sz="800" b="1" i="0" u="none" strike="noStrike" kern="1200" cap="none" spc="300" normalizeH="0" baseline="0" noProof="0" dirty="0">
-              <a:ln>
-                <a:noFill/>
-              </a:ln>
-              <a:solidFill>
-                <a:srgbClr val="C00000"/>
-              </a:solidFill>
-              <a:effectLst/>
-              <a:uLnTx/>
-              <a:uFillTx/>
-              <a:latin typeface="Britannic Bold" panose="020B0903060703020204" pitchFamily="34" charset="0"/>
-              <a:ea typeface="+mn-ea"/>
-              <a:cs typeface="+mn-cs"/>
-            </a:endParaRPr>
-          </a:p>
-        </p:txBody>
-      </p:sp>
-      <p:pic>
-        <p:nvPicPr>
-          <p:cNvPr id="6" name="Picture 5">
-            <a:extLst>
-              <a:ext uri="{FF2B5EF4-FFF2-40B4-BE49-F238E27FC236}">
-                <a16:creationId xmlns:a16="http://schemas.microsoft.com/office/drawing/2014/main" id="{857117D9-AEE9-1510-2A2C-76C7930B67DC}"/>
-              </a:ext>
-            </a:extLst>
-          </p:cNvPr>
-          <p:cNvPicPr>
-            <a:picLocks noChangeAspect="1"/>
-          </p:cNvPicPr>
-          <p:nvPr/>
-        </p:nvPicPr>
-        <p:blipFill rotWithShape="1">
-          <a:blip r:embed="rId3"/>
-          <a:srcRect l="28750" t="24274" r="28672" b="24273"/>
-          <a:stretch/>
-        </p:blipFill>
-        <p:spPr>
-          <a:xfrm>
-            <a:off x="2212966" y="2611735"/>
-            <a:ext cx="5191125" cy="3528620"/>
-          </a:xfrm>
-          <a:prstGeom prst="rect">
-            <a:avLst/>
-          </a:prstGeom>
-        </p:spPr>
-      </p:pic>
       <p:cxnSp>
         <p:nvCxnSpPr>
-          <p:cNvPr id="10" name="Straight Arrow Connector 9">
-            <a:extLst>
-              <a:ext uri="{FF2B5EF4-FFF2-40B4-BE49-F238E27FC236}">
-                <a16:creationId xmlns:a16="http://schemas.microsoft.com/office/drawing/2014/main" id="{84F1839C-CCA8-C900-1D82-AE467DF8AFFB}"/>
+          <p:cNvPr id="13" name="Straight Arrow Connector 12">
+            <a:extLst>
+              <a:ext uri="{FF2B5EF4-FFF2-40B4-BE49-F238E27FC236}">
+                <a16:creationId xmlns:a16="http://schemas.microsoft.com/office/drawing/2014/main" id="{2141353B-21B6-37FD-9F2A-AD83F81DB8B6}"/>
               </a:ext>
             </a:extLst>
           </p:cNvPr>
@@ -6521,9 +6813,9 @@
           <p:nvPr/>
         </p:nvCxnSpPr>
         <p:spPr>
-          <a:xfrm flipV="1">
-            <a:off x="6997700" y="3811475"/>
-            <a:ext cx="953423" cy="1"/>
+          <a:xfrm>
+            <a:off x="6082463" y="3429000"/>
+            <a:ext cx="0" cy="607726"/>
           </a:xfrm>
           <a:prstGeom prst="straightConnector1">
             <a:avLst/>
@@ -6550,13 +6842,91 @@
           </a:fontRef>
         </p:style>
       </p:cxnSp>
+      <p:sp>
+        <p:nvSpPr>
+          <p:cNvPr id="17" name="TextBox 16">
+            <a:extLst>
+              <a:ext uri="{FF2B5EF4-FFF2-40B4-BE49-F238E27FC236}">
+                <a16:creationId xmlns:a16="http://schemas.microsoft.com/office/drawing/2014/main" id="{299FB084-0517-F2C6-E1E4-14E02782AC01}"/>
+              </a:ext>
+            </a:extLst>
+          </p:cNvPr>
+          <p:cNvSpPr txBox="1"/>
+          <p:nvPr/>
+        </p:nvSpPr>
+        <p:spPr>
+          <a:xfrm>
+            <a:off x="707345" y="505379"/>
+            <a:ext cx="6334876" cy="923330"/>
+          </a:xfrm>
+          <a:prstGeom prst="rect">
+            <a:avLst/>
+          </a:prstGeom>
+          <a:noFill/>
+        </p:spPr>
+        <p:txBody>
+          <a:bodyPr wrap="none" rtlCol="0">
+            <a:spAutoFit/>
+          </a:bodyPr>
+          <a:lstStyle/>
+          <a:p>
+            <a:pPr marL="0" marR="0" lvl="0" indent="0" algn="l" defTabSz="914400" rtl="0" eaLnBrk="1" fontAlgn="auto" latinLnBrk="0" hangingPunct="1">
+              <a:lnSpc>
+                <a:spcPct val="100000"/>
+              </a:lnSpc>
+              <a:spcBef>
+                <a:spcPts val="0"/>
+              </a:spcBef>
+              <a:spcAft>
+                <a:spcPts val="0"/>
+              </a:spcAft>
+              <a:buClrTx/>
+              <a:buSzTx/>
+              <a:buFontTx/>
+              <a:buNone/>
+              <a:tabLst/>
+              <a:defRPr/>
+            </a:pPr>
+            <a:r>
+              <a:rPr kumimoji="0" lang="en-US" sz="5400" b="1" i="0" u="none" strike="noStrike" kern="100" cap="none" spc="0" normalizeH="0" baseline="0" noProof="0" dirty="0">
+                <a:ln>
+                  <a:noFill/>
+                </a:ln>
+                <a:solidFill>
+                  <a:prstClr val="black"/>
+                </a:solidFill>
+                <a:effectLst/>
+                <a:uLnTx/>
+                <a:uFillTx/>
+                <a:latin typeface="Amasis MT Pro Black" panose="02040A04050005020304" pitchFamily="18" charset="0"/>
+                <a:ea typeface="+mn-ea"/>
+                <a:cs typeface="Times New Roman" panose="02020603050405020304" pitchFamily="18" charset="0"/>
+              </a:rPr>
+              <a:t>The Locker Game</a:t>
+            </a:r>
+            <a:endParaRPr kumimoji="0" lang="en-US" sz="1600" b="1" i="0" u="none" strike="noStrike" kern="1200" cap="none" spc="300" normalizeH="0" baseline="0" noProof="0" dirty="0">
+              <a:ln>
+                <a:noFill/>
+              </a:ln>
+              <a:solidFill>
+                <a:prstClr val="black"/>
+              </a:solidFill>
+              <a:effectLst/>
+              <a:uLnTx/>
+              <a:uFillTx/>
+              <a:latin typeface="Britannic Bold" panose="020B0903060703020204" pitchFamily="34" charset="0"/>
+              <a:ea typeface="+mn-ea"/>
+              <a:cs typeface="+mn-cs"/>
+            </a:endParaRPr>
+          </a:p>
+        </p:txBody>
+      </p:sp>
       <p:pic>
         <p:nvPicPr>
-          <p:cNvPr id="12" name="Picture 11" descr="A grey rectangular object with a yellow knob&#10;&#10;Description automatically generated">
-            <a:hlinkClick r:id="rId4"/>
-            <a:extLst>
-              <a:ext uri="{FF2B5EF4-FFF2-40B4-BE49-F238E27FC236}">
-                <a16:creationId xmlns:a16="http://schemas.microsoft.com/office/drawing/2014/main" id="{1C128238-B401-1CB2-2929-411B7CA95792}"/>
+          <p:cNvPr id="19" name="Picture 18" descr="A grey rectangular object with a yellow knob&#10;&#10;Description automatically generated">
+            <a:extLst>
+              <a:ext uri="{FF2B5EF4-FFF2-40B4-BE49-F238E27FC236}">
+                <a16:creationId xmlns:a16="http://schemas.microsoft.com/office/drawing/2014/main" id="{81469F1F-F941-BD00-2467-0DBC1554D0F8}"/>
               </a:ext>
             </a:extLst>
           </p:cNvPr>
@@ -6566,7 +6936,7 @@
           <p:nvPr/>
         </p:nvPicPr>
         <p:blipFill>
-          <a:blip r:embed="rId5">
+          <a:blip r:embed="rId4">
             <a:extLst>
               <a:ext uri="{28A0092B-C50C-407E-A947-70E740481C1C}">
                 <a14:useLocalDpi xmlns:a14="http://schemas.microsoft.com/office/drawing/2010/main" val="0"/>
@@ -6579,31 +6949,59 @@
         </p:blipFill>
         <p:spPr>
           <a:xfrm>
-            <a:off x="10126945" y="313586"/>
-            <a:ext cx="967346" cy="1306915"/>
+            <a:off x="11419912" y="6056979"/>
+            <a:ext cx="493619" cy="666895"/>
           </a:xfrm>
           <a:prstGeom prst="rect">
             <a:avLst/>
           </a:prstGeom>
         </p:spPr>
       </p:pic>
+      <p:sp>
+        <p:nvSpPr>
+          <p:cNvPr id="20" name="Slide Number Placeholder 19">
+            <a:extLst>
+              <a:ext uri="{FF2B5EF4-FFF2-40B4-BE49-F238E27FC236}">
+                <a16:creationId xmlns:a16="http://schemas.microsoft.com/office/drawing/2014/main" id="{DED40879-1FE2-1618-C2EC-F2679BC508D0}"/>
+              </a:ext>
+            </a:extLst>
+          </p:cNvPr>
+          <p:cNvSpPr>
+            <a:spLocks noGrp="1"/>
+          </p:cNvSpPr>
+          <p:nvPr>
+            <p:ph type="sldNum" sz="quarter" idx="12"/>
+          </p:nvPr>
+        </p:nvSpPr>
+        <p:spPr/>
+        <p:txBody>
+          <a:bodyPr/>
+          <a:lstStyle/>
+          <a:p>
+            <a:r>
+              <a:rPr lang="en-US" dirty="0"/>
+              <a:t>3</a:t>
+            </a:r>
+          </a:p>
+        </p:txBody>
+      </p:sp>
     </p:spTree>
     <p:extLst>
       <p:ext uri="{BB962C8B-B14F-4D97-AF65-F5344CB8AC3E}">
-        <p14:creationId xmlns:p14="http://schemas.microsoft.com/office/powerpoint/2010/main" val="1217836000"/>
+        <p14:creationId xmlns:p14="http://schemas.microsoft.com/office/powerpoint/2010/main" val="64322599"/>
       </p:ext>
     </p:extLst>
   </p:cSld>
   <p:clrMapOvr>
     <a:masterClrMapping/>
   </p:clrMapOvr>
-  <mc:AlternateContent xmlns:mc="http://schemas.openxmlformats.org/markup-compatibility/2006" xmlns:p159="http://schemas.microsoft.com/office/powerpoint/2015/09/main">
-    <mc:Choice Requires="p159">
+  <mc:AlternateContent xmlns:mc="http://schemas.openxmlformats.org/markup-compatibility/2006">
+    <mc:Choice xmlns:p159="http://schemas.microsoft.com/office/powerpoint/2015/09/main" Requires="p159">
       <p:transition xmlns:p14="http://schemas.microsoft.com/office/powerpoint/2010/main" spd="slow" p14:dur="2000">
         <p159:morph option="byObject"/>
       </p:transition>
     </mc:Choice>
-    <mc:Fallback xmlns="">
+    <mc:Fallback>
       <p:transition spd="slow">
         <p:fade/>
       </p:transition>
@@ -6631,85 +7029,6 @@
       </p:grpSpPr>
       <p:sp>
         <p:nvSpPr>
-          <p:cNvPr id="2" name="TextBox 1">
-            <a:extLst>
-              <a:ext uri="{FF2B5EF4-FFF2-40B4-BE49-F238E27FC236}">
-                <a16:creationId xmlns:a16="http://schemas.microsoft.com/office/drawing/2014/main" id="{6DD96825-46AA-46B4-8245-A0EAF9B577DC}"/>
-              </a:ext>
-            </a:extLst>
-          </p:cNvPr>
-          <p:cNvSpPr txBox="1"/>
-          <p:nvPr/>
-        </p:nvSpPr>
-        <p:spPr>
-          <a:xfrm>
-            <a:off x="707345" y="505379"/>
-            <a:ext cx="7243778" cy="923330"/>
-          </a:xfrm>
-          <a:prstGeom prst="rect">
-            <a:avLst/>
-          </a:prstGeom>
-          <a:noFill/>
-        </p:spPr>
-        <p:txBody>
-          <a:bodyPr wrap="none" rtlCol="0">
-            <a:spAutoFit/>
-          </a:bodyPr>
-          <a:lstStyle/>
-          <a:p>
-            <a:pPr marL="0" marR="0" lvl="0" indent="0" algn="l" defTabSz="914400" rtl="0" eaLnBrk="1" fontAlgn="auto" latinLnBrk="0" hangingPunct="1">
-              <a:lnSpc>
-                <a:spcPct val="100000"/>
-              </a:lnSpc>
-              <a:spcBef>
-                <a:spcPts val="0"/>
-              </a:spcBef>
-              <a:spcAft>
-                <a:spcPts val="0"/>
-              </a:spcAft>
-              <a:buClrTx/>
-              <a:buSzTx/>
-              <a:buFontTx/>
-              <a:buNone/>
-              <a:tabLst/>
-              <a:defRPr/>
-            </a:pPr>
-            <a:r>
-              <a:rPr kumimoji="0" lang="en-US" sz="5400" b="1" i="0" u="none" strike="noStrike" kern="100" cap="none" spc="0" normalizeH="0" baseline="0" noProof="0" dirty="0">
-                <a:ln>
-                  <a:noFill/>
-                </a:ln>
-                <a:solidFill>
-                  <a:prstClr val="black"/>
-                </a:solidFill>
-                <a:effectLst/>
-                <a:uLnTx/>
-                <a:uFillTx/>
-                <a:latin typeface="Amasis MT Pro Black" panose="02040A04050005020304" pitchFamily="18" charset="0"/>
-                <a:ea typeface="+mn-ea"/>
-                <a:cs typeface="Times New Roman" panose="02020603050405020304" pitchFamily="18" charset="0"/>
-              </a:rPr>
-              <a:t>The Locker Problem</a:t>
-            </a:r>
-            <a:endParaRPr kumimoji="0" lang="en-US" sz="1600" b="1" i="0" u="none" strike="noStrike" kern="1200" cap="none" spc="300" normalizeH="0" baseline="0" noProof="0" dirty="0">
-              <a:ln>
-                <a:noFill/>
-              </a:ln>
-              <a:solidFill>
-                <a:prstClr val="black"/>
-              </a:solidFill>
-              <a:effectLst/>
-              <a:uLnTx/>
-              <a:uFillTx/>
-              <a:latin typeface="Britannic Bold" panose="020B0903060703020204" pitchFamily="34" charset="0"/>
-              <a:ea typeface="+mn-ea"/>
-              <a:cs typeface="+mn-cs"/>
-            </a:endParaRPr>
-          </a:p>
-        </p:txBody>
-      </p:sp>
-      <p:sp>
-        <p:nvSpPr>
           <p:cNvPr id="4" name="TextBox 3">
             <a:extLst>
               <a:ext uri="{FF2B5EF4-FFF2-40B4-BE49-F238E27FC236}">
@@ -6723,7 +7042,7 @@
         <p:spPr>
           <a:xfrm>
             <a:off x="920733" y="1336376"/>
-            <a:ext cx="10652142" cy="1239635"/>
+            <a:ext cx="10652142" cy="1793633"/>
           </a:xfrm>
           <a:prstGeom prst="rect">
             <a:avLst/>
@@ -6736,43 +7055,25 @@
           </a:bodyPr>
           <a:lstStyle/>
           <a:p>
-            <a:pPr marL="0" marR="0" lvl="0" indent="0" algn="l" defTabSz="914400" rtl="0" eaLnBrk="1" fontAlgn="auto" latinLnBrk="0" hangingPunct="1">
+            <a:pPr lvl="0">
               <a:lnSpc>
                 <a:spcPct val="150000"/>
               </a:lnSpc>
-              <a:spcBef>
-                <a:spcPts val="0"/>
-              </a:spcBef>
-              <a:spcAft>
-                <a:spcPts val="0"/>
-              </a:spcAft>
-              <a:buClrTx/>
-              <a:buSzTx/>
-              <a:buFontTx/>
-              <a:buNone/>
-              <a:tabLst/>
               <a:defRPr/>
             </a:pPr>
             <a:r>
-              <a:rPr kumimoji="0" lang="en-US" sz="2800" b="0" i="0" u="sng" strike="noStrike" kern="100" cap="none" spc="0" normalizeH="0" baseline="0" noProof="0" dirty="0">
-                <a:ln>
-                  <a:noFill/>
-                </a:ln>
+              <a:rPr lang="en-US" sz="2800" u="sng" kern="100" dirty="0">
                 <a:solidFill>
                   <a:prstClr val="black"/>
                 </a:solidFill>
-                <a:effectLst/>
-                <a:uLnTx/>
-                <a:uFillTx/>
                 <a:latin typeface="Abel" panose="02000506030000020004" pitchFamily="2" charset="0"/>
-                <a:ea typeface="+mn-ea"/>
                 <a:cs typeface="Times New Roman" panose="02020603050405020304" pitchFamily="18" charset="0"/>
               </a:rPr>
-              <a:t>How to use it:</a:t>
-            </a:r>
-          </a:p>
-          <a:p>
-            <a:pPr marL="0" marR="0" lvl="0" indent="0" algn="l" defTabSz="914400" rtl="0" eaLnBrk="1" fontAlgn="auto" latinLnBrk="0" hangingPunct="1">
+              <a:t>How to play:</a:t>
+            </a:r>
+          </a:p>
+          <a:p>
+            <a:pPr marL="287338" marR="0" lvl="0" indent="-287338" algn="l" defTabSz="914400" rtl="0" eaLnBrk="1" fontAlgn="auto" latinLnBrk="0" hangingPunct="1">
               <a:lnSpc>
                 <a:spcPct val="150000"/>
               </a:lnSpc>
@@ -6804,263 +7105,155 @@
                 <a:ea typeface="+mn-ea"/>
                 <a:cs typeface="Times New Roman" panose="02020603050405020304" pitchFamily="18" charset="0"/>
               </a:rPr>
-              <a:t>4. Click on the individual lockers to open and close.</a:t>
-            </a:r>
-            <a:endParaRPr kumimoji="0" lang="en-US" sz="2000" b="0" i="0" u="none" strike="noStrike" kern="100" cap="none" spc="0" normalizeH="0" baseline="0" noProof="0" dirty="0">
-              <a:ln>
-                <a:noFill/>
-              </a:ln>
-              <a:solidFill>
-                <a:prstClr val="black"/>
-              </a:solidFill>
-              <a:effectLst/>
-              <a:uLnTx/>
-              <a:uFillTx/>
-              <a:latin typeface="Abel" panose="02000506030000020004" pitchFamily="2" charset="0"/>
-              <a:ea typeface="+mn-ea"/>
-              <a:cs typeface="Times New Roman" panose="02020603050405020304" pitchFamily="18" charset="0"/>
-            </a:endParaRPr>
-          </a:p>
-        </p:txBody>
-      </p:sp>
-      <p:sp>
-        <p:nvSpPr>
-          <p:cNvPr id="3" name="TextBox 2">
-            <a:extLst>
-              <a:ext uri="{FF2B5EF4-FFF2-40B4-BE49-F238E27FC236}">
-                <a16:creationId xmlns:a16="http://schemas.microsoft.com/office/drawing/2014/main" id="{3CF77211-E7F3-6ADB-A641-BBB4F33E37DD}"/>
-              </a:ext>
-            </a:extLst>
-          </p:cNvPr>
-          <p:cNvSpPr txBox="1"/>
-          <p:nvPr/>
-        </p:nvSpPr>
-        <p:spPr>
-          <a:xfrm>
-            <a:off x="7791451" y="505379"/>
-            <a:ext cx="2198038" cy="923330"/>
-          </a:xfrm>
-          <a:prstGeom prst="rect">
-            <a:avLst/>
-          </a:prstGeom>
-          <a:noFill/>
-        </p:spPr>
-        <p:txBody>
-          <a:bodyPr wrap="none" rtlCol="0">
-            <a:spAutoFit/>
-          </a:bodyPr>
-          <a:lstStyle/>
-          <a:p>
-            <a:pPr marL="0" marR="0" lvl="0" indent="0" algn="l" defTabSz="914400" rtl="0" eaLnBrk="1" fontAlgn="auto" latinLnBrk="0" hangingPunct="1">
-              <a:lnSpc>
-                <a:spcPct val="100000"/>
-              </a:lnSpc>
-              <a:spcBef>
-                <a:spcPts val="0"/>
-              </a:spcBef>
-              <a:spcAft>
-                <a:spcPts val="0"/>
-              </a:spcAft>
-              <a:buClrTx/>
-              <a:buSzTx/>
-              <a:buFontTx/>
-              <a:buNone/>
-              <a:tabLst/>
-              <a:defRPr/>
-            </a:pPr>
-            <a:r>
-              <a:rPr kumimoji="0" lang="en-US" sz="5400" b="1" i="0" u="none" strike="noStrike" kern="100" cap="none" spc="0" normalizeH="0" baseline="0" noProof="0" dirty="0">
+              <a:t>4. </a:t>
+            </a:r>
+            <a:r>
+              <a:rPr kumimoji="0" lang="en-US" sz="2400" b="1" strike="noStrike" kern="100" cap="none" spc="0" normalizeH="0" baseline="0" noProof="0" dirty="0">
                 <a:ln>
                   <a:noFill/>
                 </a:ln>
                 <a:solidFill>
-                  <a:srgbClr val="A5A5A5">
-                    <a:lumMod val="50000"/>
-                  </a:srgbClr>
+                  <a:prstClr val="black"/>
                 </a:solidFill>
                 <a:effectLst/>
                 <a:uLnTx/>
                 <a:uFillTx/>
-                <a:latin typeface="Amasis MT Pro Black" panose="02040A04050005020304" pitchFamily="18" charset="0"/>
+                <a:latin typeface="Abel" panose="02000506030000020004" pitchFamily="2" charset="0"/>
                 <a:ea typeface="+mn-ea"/>
                 <a:cs typeface="Times New Roman" panose="02020603050405020304" pitchFamily="18" charset="0"/>
               </a:rPr>
-              <a:t>Game</a:t>
-            </a:r>
-            <a:endParaRPr kumimoji="0" lang="en-US" sz="1600" b="1" i="0" u="none" strike="noStrike" kern="1200" cap="none" spc="300" normalizeH="0" baseline="0" noProof="0" dirty="0">
-              <a:ln>
-                <a:noFill/>
-              </a:ln>
-              <a:solidFill>
-                <a:srgbClr val="A5A5A5">
-                  <a:lumMod val="50000"/>
-                </a:srgbClr>
-              </a:solidFill>
-              <a:effectLst/>
-              <a:uLnTx/>
-              <a:uFillTx/>
-              <a:latin typeface="Britannic Bold" panose="020B0903060703020204" pitchFamily="34" charset="0"/>
-              <a:ea typeface="+mn-ea"/>
-              <a:cs typeface="+mn-cs"/>
-            </a:endParaRPr>
-          </a:p>
-        </p:txBody>
-      </p:sp>
-      <p:sp>
-        <p:nvSpPr>
-          <p:cNvPr id="11" name="TextBox 10">
-            <a:extLst>
-              <a:ext uri="{FF2B5EF4-FFF2-40B4-BE49-F238E27FC236}">
-                <a16:creationId xmlns:a16="http://schemas.microsoft.com/office/drawing/2014/main" id="{7F978136-4E0D-A6C9-7C55-A7C32933166B}"/>
-              </a:ext>
-            </a:extLst>
-          </p:cNvPr>
-          <p:cNvSpPr txBox="1"/>
-          <p:nvPr/>
-        </p:nvSpPr>
-        <p:spPr>
-          <a:xfrm>
-            <a:off x="10414384" y="2817740"/>
-            <a:ext cx="1216489" cy="461665"/>
-          </a:xfrm>
-          <a:prstGeom prst="rect">
-            <a:avLst/>
-          </a:prstGeom>
-          <a:noFill/>
-        </p:spPr>
-        <p:txBody>
-          <a:bodyPr wrap="square" rtlCol="0">
-            <a:spAutoFit/>
-          </a:bodyPr>
-          <a:lstStyle/>
-          <a:p>
-            <a:pPr marL="0" marR="0" lvl="0" indent="0" algn="ctr" defTabSz="914400" rtl="0" eaLnBrk="1" fontAlgn="auto" latinLnBrk="0" hangingPunct="1">
-              <a:lnSpc>
-                <a:spcPct val="100000"/>
-              </a:lnSpc>
-              <a:spcBef>
-                <a:spcPts val="0"/>
-              </a:spcBef>
-              <a:spcAft>
-                <a:spcPts val="0"/>
-              </a:spcAft>
-              <a:buClrTx/>
-              <a:buSzTx/>
-              <a:buFontTx/>
-              <a:buNone/>
-              <a:tabLst/>
-              <a:defRPr/>
-            </a:pPr>
+              <a:t>Click</a:t>
+            </a:r>
+            <a:r>
+              <a:rPr kumimoji="0" lang="en-US" sz="2400" b="0" i="0" u="none" strike="noStrike" kern="100" cap="none" spc="0" normalizeH="0" baseline="0" noProof="0" dirty="0">
+                <a:ln>
+                  <a:noFill/>
+                </a:ln>
+                <a:solidFill>
+                  <a:prstClr val="black"/>
+                </a:solidFill>
+                <a:effectLst/>
+                <a:uLnTx/>
+                <a:uFillTx/>
+                <a:latin typeface="Abel" panose="02000506030000020004" pitchFamily="2" charset="0"/>
+                <a:ea typeface="+mn-ea"/>
+                <a:cs typeface="Times New Roman" panose="02020603050405020304" pitchFamily="18" charset="0"/>
+              </a:rPr>
+              <a:t>           on the individual lockers to </a:t>
+            </a:r>
             <a:r>
               <a:rPr kumimoji="0" lang="en-US" sz="2400" b="1" i="0" u="none" strike="noStrike" kern="100" cap="none" spc="0" normalizeH="0" baseline="0" noProof="0" dirty="0">
                 <a:ln>
                   <a:noFill/>
                 </a:ln>
                 <a:solidFill>
-                  <a:srgbClr val="C00000"/>
+                  <a:prstClr val="black"/>
                 </a:solidFill>
                 <a:effectLst/>
                 <a:uLnTx/>
                 <a:uFillTx/>
-                <a:latin typeface="Amasis MT Pro Black" panose="02040A04050005020304" pitchFamily="18" charset="0"/>
+                <a:latin typeface="Abel" panose="02000506030000020004" pitchFamily="2" charset="0"/>
                 <a:ea typeface="+mn-ea"/>
                 <a:cs typeface="Times New Roman" panose="02020603050405020304" pitchFamily="18" charset="0"/>
               </a:rPr>
-              <a:t>Open</a:t>
-            </a:r>
-            <a:endParaRPr kumimoji="0" lang="en-US" sz="800" b="1" i="0" u="none" strike="noStrike" kern="1200" cap="none" spc="300" normalizeH="0" baseline="0" noProof="0" dirty="0">
-              <a:ln>
-                <a:noFill/>
-              </a:ln>
-              <a:solidFill>
-                <a:srgbClr val="C00000"/>
-              </a:solidFill>
-              <a:effectLst/>
-              <a:uLnTx/>
-              <a:uFillTx/>
-              <a:latin typeface="Britannic Bold" panose="020B0903060703020204" pitchFamily="34" charset="0"/>
-              <a:ea typeface="+mn-ea"/>
-              <a:cs typeface="+mn-cs"/>
-            </a:endParaRPr>
-          </a:p>
-        </p:txBody>
-      </p:sp>
-      <p:sp>
-        <p:nvSpPr>
-          <p:cNvPr id="12" name="TextBox 11">
-            <a:extLst>
-              <a:ext uri="{FF2B5EF4-FFF2-40B4-BE49-F238E27FC236}">
-                <a16:creationId xmlns:a16="http://schemas.microsoft.com/office/drawing/2014/main" id="{A1924EA8-A66E-FAF4-25F7-0B73B8803DD9}"/>
-              </a:ext>
-            </a:extLst>
-          </p:cNvPr>
-          <p:cNvSpPr txBox="1"/>
-          <p:nvPr/>
-        </p:nvSpPr>
-        <p:spPr>
-          <a:xfrm>
-            <a:off x="8197159" y="2817740"/>
-            <a:ext cx="1216489" cy="461665"/>
-          </a:xfrm>
-          <a:prstGeom prst="rect">
-            <a:avLst/>
-          </a:prstGeom>
-          <a:noFill/>
-        </p:spPr>
-        <p:txBody>
-          <a:bodyPr wrap="square" rtlCol="0">
-            <a:spAutoFit/>
-          </a:bodyPr>
-          <a:lstStyle/>
-          <a:p>
-            <a:pPr marL="0" marR="0" lvl="0" indent="0" algn="ctr" defTabSz="914400" rtl="0" eaLnBrk="1" fontAlgn="auto" latinLnBrk="0" hangingPunct="1">
-              <a:lnSpc>
-                <a:spcPct val="100000"/>
-              </a:lnSpc>
-              <a:spcBef>
-                <a:spcPts val="0"/>
-              </a:spcBef>
-              <a:spcAft>
-                <a:spcPts val="0"/>
-              </a:spcAft>
-              <a:buClrTx/>
-              <a:buSzTx/>
-              <a:buFontTx/>
-              <a:buNone/>
-              <a:tabLst/>
-              <a:defRPr/>
-            </a:pPr>
+              <a:t>open</a:t>
+            </a:r>
+            <a:r>
+              <a:rPr kumimoji="0" lang="en-US" sz="2400" b="0" i="0" u="none" strike="noStrike" kern="100" cap="none" spc="0" normalizeH="0" baseline="0" noProof="0" dirty="0">
+                <a:ln>
+                  <a:noFill/>
+                </a:ln>
+                <a:solidFill>
+                  <a:prstClr val="black"/>
+                </a:solidFill>
+                <a:effectLst/>
+                <a:uLnTx/>
+                <a:uFillTx/>
+                <a:latin typeface="Abel" panose="02000506030000020004" pitchFamily="2" charset="0"/>
+                <a:ea typeface="+mn-ea"/>
+                <a:cs typeface="Times New Roman" panose="02020603050405020304" pitchFamily="18" charset="0"/>
+              </a:rPr>
+              <a:t> and </a:t>
+            </a:r>
             <a:r>
               <a:rPr kumimoji="0" lang="en-US" sz="2400" b="1" i="0" u="none" strike="noStrike" kern="100" cap="none" spc="0" normalizeH="0" baseline="0" noProof="0" dirty="0">
                 <a:ln>
                   <a:noFill/>
                 </a:ln>
                 <a:solidFill>
-                  <a:srgbClr val="C00000"/>
+                  <a:prstClr val="black"/>
                 </a:solidFill>
                 <a:effectLst/>
                 <a:uLnTx/>
                 <a:uFillTx/>
-                <a:latin typeface="Amasis MT Pro Black" panose="02040A04050005020304" pitchFamily="18" charset="0"/>
+                <a:latin typeface="Abel" panose="02000506030000020004" pitchFamily="2" charset="0"/>
                 <a:ea typeface="+mn-ea"/>
                 <a:cs typeface="Times New Roman" panose="02020603050405020304" pitchFamily="18" charset="0"/>
               </a:rPr>
-              <a:t>Close</a:t>
-            </a:r>
-            <a:endParaRPr kumimoji="0" lang="en-US" sz="800" b="1" i="0" u="none" strike="noStrike" kern="1200" cap="none" spc="300" normalizeH="0" baseline="0" noProof="0" dirty="0">
-              <a:ln>
-                <a:noFill/>
-              </a:ln>
-              <a:solidFill>
-                <a:srgbClr val="C00000"/>
-              </a:solidFill>
-              <a:effectLst/>
-              <a:uLnTx/>
-              <a:uFillTx/>
-              <a:latin typeface="Britannic Bold" panose="020B0903060703020204" pitchFamily="34" charset="0"/>
-              <a:ea typeface="+mn-ea"/>
-              <a:cs typeface="+mn-cs"/>
-            </a:endParaRPr>
+              <a:t>close</a:t>
+            </a:r>
+            <a:r>
+              <a:rPr kumimoji="0" lang="en-US" sz="2400" b="0" i="0" u="none" strike="noStrike" kern="100" cap="none" spc="0" normalizeH="0" baseline="0" noProof="0" dirty="0">
+                <a:ln>
+                  <a:noFill/>
+                </a:ln>
+                <a:solidFill>
+                  <a:prstClr val="black"/>
+                </a:solidFill>
+                <a:effectLst/>
+                <a:uLnTx/>
+                <a:uFillTx/>
+                <a:latin typeface="Abel" panose="02000506030000020004" pitchFamily="2" charset="0"/>
+                <a:ea typeface="+mn-ea"/>
+                <a:cs typeface="Times New Roman" panose="02020603050405020304" pitchFamily="18" charset="0"/>
+              </a:rPr>
+              <a:t>.</a:t>
+            </a:r>
+            <a:br>
+              <a:rPr lang="en-US" sz="2400" kern="100" dirty="0">
+                <a:solidFill>
+                  <a:prstClr val="black"/>
+                </a:solidFill>
+                <a:latin typeface="Abel" panose="02000506030000020004" pitchFamily="2" charset="0"/>
+                <a:cs typeface="Times New Roman" panose="02020603050405020304" pitchFamily="18" charset="0"/>
+              </a:rPr>
+            </a:br>
+            <a:r>
+              <a:rPr lang="en-US" sz="2400" b="1" dirty="0">
+                <a:solidFill>
+                  <a:prstClr val="black"/>
+                </a:solidFill>
+                <a:latin typeface="Abel" panose="02000506030000020004" pitchFamily="2" charset="0"/>
+              </a:rPr>
+              <a:t>Scroll</a:t>
+            </a:r>
+            <a:r>
+              <a:rPr lang="en-US" sz="2400" dirty="0">
+                <a:solidFill>
+                  <a:prstClr val="black"/>
+                </a:solidFill>
+                <a:latin typeface="Abel" panose="02000506030000020004" pitchFamily="2" charset="0"/>
+              </a:rPr>
+              <a:t>       up and down to </a:t>
+            </a:r>
+            <a:r>
+              <a:rPr lang="en-US" sz="2400" b="1" dirty="0">
+                <a:solidFill>
+                  <a:prstClr val="black"/>
+                </a:solidFill>
+                <a:latin typeface="Abel" panose="02000506030000020004" pitchFamily="2" charset="0"/>
+              </a:rPr>
+              <a:t>navigate</a:t>
+            </a:r>
+            <a:r>
+              <a:rPr lang="en-US" sz="2400" dirty="0">
+                <a:solidFill>
+                  <a:prstClr val="black"/>
+                </a:solidFill>
+                <a:latin typeface="Abel" panose="02000506030000020004" pitchFamily="2" charset="0"/>
+              </a:rPr>
+              <a:t> through the lockers.</a:t>
+            </a:r>
           </a:p>
         </p:txBody>
       </p:sp>
@@ -7093,8 +7286,8 @@
         </p:blipFill>
         <p:spPr bwMode="auto">
           <a:xfrm>
-            <a:off x="323351" y="3020339"/>
-            <a:ext cx="1905000" cy="1905000"/>
+            <a:off x="1808889" y="2544077"/>
+            <a:ext cx="749956" cy="749956"/>
           </a:xfrm>
           <a:prstGeom prst="rect">
             <a:avLst/>
@@ -7111,66 +7304,89 @@
           </a:extLst>
         </p:spPr>
       </p:pic>
-      <p:sp>
-        <p:nvSpPr>
-          <p:cNvPr id="16" name="TextBox 15">
-            <a:extLst>
-              <a:ext uri="{FF2B5EF4-FFF2-40B4-BE49-F238E27FC236}">
-                <a16:creationId xmlns:a16="http://schemas.microsoft.com/office/drawing/2014/main" id="{DD519D54-B34F-57E6-A48D-AE7183C532ED}"/>
-              </a:ext>
-            </a:extLst>
-          </p:cNvPr>
-          <p:cNvSpPr txBox="1"/>
+      <p:grpSp>
+        <p:nvGrpSpPr>
+          <p:cNvPr id="19" name="Group 18">
+            <a:extLst>
+              <a:ext uri="{FF2B5EF4-FFF2-40B4-BE49-F238E27FC236}">
+                <a16:creationId xmlns:a16="http://schemas.microsoft.com/office/drawing/2014/main" id="{33E24281-8D9F-3E8A-056A-A4E5ACD8CB8B}"/>
+              </a:ext>
+            </a:extLst>
+          </p:cNvPr>
+          <p:cNvGrpSpPr/>
           <p:nvPr/>
-        </p:nvSpPr>
-        <p:spPr>
+        </p:nvGrpSpPr>
+        <p:grpSpPr>
           <a:xfrm>
-            <a:off x="10468" y="4817570"/>
-            <a:ext cx="2530766" cy="923330"/>
+            <a:off x="1808889" y="3458056"/>
+            <a:ext cx="9181188" cy="2894565"/>
+            <a:chOff x="2687461" y="3458056"/>
+            <a:chExt cx="9181188" cy="2894565"/>
           </a:xfrm>
-          <a:prstGeom prst="rect">
-            <a:avLst/>
-          </a:prstGeom>
-          <a:noFill/>
-        </p:spPr>
-        <p:txBody>
-          <a:bodyPr wrap="square" rtlCol="0">
-            <a:spAutoFit/>
-          </a:bodyPr>
-          <a:lstStyle>
-            <a:defPPr>
-              <a:defRPr lang="en-US"/>
-            </a:defPPr>
-            <a:lvl1pPr algn="ctr">
-              <a:defRPr sz="2400" b="1" kern="100">
-                <a:solidFill>
-                  <a:srgbClr val="C00000"/>
-                </a:solidFill>
-                <a:latin typeface="Amasis MT Pro Black" panose="02040A04050005020304" pitchFamily="18" charset="0"/>
-                <a:cs typeface="Times New Roman" panose="02020603050405020304" pitchFamily="18" charset="0"/>
-              </a:defRPr>
-            </a:lvl1pPr>
-          </a:lstStyle>
-          <a:p>
-            <a:pPr marL="0" marR="0" lvl="0" indent="0" algn="l" defTabSz="914400" rtl="0" eaLnBrk="1" fontAlgn="auto" latinLnBrk="0" hangingPunct="1">
-              <a:lnSpc>
-                <a:spcPct val="100000"/>
-              </a:lnSpc>
-              <a:spcBef>
-                <a:spcPts val="0"/>
-              </a:spcBef>
-              <a:spcAft>
-                <a:spcPts val="0"/>
-              </a:spcAft>
-              <a:buClrTx/>
-              <a:buSzTx/>
-              <a:buFontTx/>
-              <a:buNone/>
-              <a:tabLst/>
-              <a:defRPr/>
-            </a:pPr>
-            <a:r>
-              <a:rPr kumimoji="0" lang="en-US" sz="1800" b="1" i="0" u="none" strike="noStrike" kern="100" cap="none" spc="0" normalizeH="0" baseline="0" noProof="0" dirty="0">
+        </p:grpSpPr>
+        <p:sp>
+          <p:nvSpPr>
+            <p:cNvPr id="11" name="TextBox 10">
+              <a:extLst>
+                <a:ext uri="{FF2B5EF4-FFF2-40B4-BE49-F238E27FC236}">
+                  <a16:creationId xmlns:a16="http://schemas.microsoft.com/office/drawing/2014/main" id="{7F978136-4E0D-A6C9-7C55-A7C32933166B}"/>
+                </a:ext>
+              </a:extLst>
+            </p:cNvPr>
+            <p:cNvSpPr txBox="1"/>
+            <p:nvPr/>
+          </p:nvSpPr>
+          <p:spPr>
+            <a:xfrm>
+              <a:off x="10414384" y="3458056"/>
+              <a:ext cx="1216489" cy="461665"/>
+            </a:xfrm>
+            <a:prstGeom prst="rect">
+              <a:avLst/>
+            </a:prstGeom>
+            <a:noFill/>
+          </p:spPr>
+          <p:txBody>
+            <a:bodyPr wrap="square" rtlCol="0">
+              <a:spAutoFit/>
+            </a:bodyPr>
+            <a:lstStyle/>
+            <a:p>
+              <a:pPr marL="0" marR="0" lvl="0" indent="0" algn="ctr" defTabSz="914400" rtl="0" eaLnBrk="1" fontAlgn="auto" latinLnBrk="0" hangingPunct="1">
+                <a:lnSpc>
+                  <a:spcPct val="100000"/>
+                </a:lnSpc>
+                <a:spcBef>
+                  <a:spcPts val="0"/>
+                </a:spcBef>
+                <a:spcAft>
+                  <a:spcPts val="0"/>
+                </a:spcAft>
+                <a:buClrTx/>
+                <a:buSzTx/>
+                <a:buFontTx/>
+                <a:buNone/>
+                <a:tabLst/>
+                <a:defRPr/>
+              </a:pPr>
+              <a:r>
+                <a:rPr kumimoji="0" lang="en-US" sz="2400" b="1" i="0" u="none" strike="noStrike" kern="100" cap="none" spc="0" normalizeH="0" baseline="0" noProof="0" dirty="0">
+                  <a:ln>
+                    <a:noFill/>
+                  </a:ln>
+                  <a:solidFill>
+                    <a:srgbClr val="C00000"/>
+                  </a:solidFill>
+                  <a:effectLst/>
+                  <a:uLnTx/>
+                  <a:uFillTx/>
+                  <a:latin typeface="Amasis MT Pro Black" panose="02040A04050005020304" pitchFamily="18" charset="0"/>
+                  <a:ea typeface="+mn-ea"/>
+                  <a:cs typeface="Times New Roman" panose="02020603050405020304" pitchFamily="18" charset="0"/>
+                </a:rPr>
+                <a:t>Open</a:t>
+              </a:r>
+              <a:endParaRPr kumimoji="0" lang="en-US" sz="800" b="1" i="0" u="none" strike="noStrike" kern="1200" cap="none" spc="300" normalizeH="0" baseline="0" noProof="0" dirty="0">
                 <a:ln>
                   <a:noFill/>
                 </a:ln>
@@ -7180,22 +7396,344 @@
                 <a:effectLst/>
                 <a:uLnTx/>
                 <a:uFillTx/>
+                <a:latin typeface="Britannic Bold" panose="020B0903060703020204" pitchFamily="34" charset="0"/>
+                <a:ea typeface="+mn-ea"/>
+                <a:cs typeface="+mn-cs"/>
+              </a:endParaRPr>
+            </a:p>
+          </p:txBody>
+        </p:sp>
+        <p:sp>
+          <p:nvSpPr>
+            <p:cNvPr id="12" name="TextBox 11">
+              <a:extLst>
+                <a:ext uri="{FF2B5EF4-FFF2-40B4-BE49-F238E27FC236}">
+                  <a16:creationId xmlns:a16="http://schemas.microsoft.com/office/drawing/2014/main" id="{A1924EA8-A66E-FAF4-25F7-0B73B8803DD9}"/>
+                </a:ext>
+              </a:extLst>
+            </p:cNvPr>
+            <p:cNvSpPr txBox="1"/>
+            <p:nvPr/>
+          </p:nvSpPr>
+          <p:spPr>
+            <a:xfrm>
+              <a:off x="8197159" y="3458056"/>
+              <a:ext cx="1216489" cy="461665"/>
+            </a:xfrm>
+            <a:prstGeom prst="rect">
+              <a:avLst/>
+            </a:prstGeom>
+            <a:noFill/>
+          </p:spPr>
+          <p:txBody>
+            <a:bodyPr wrap="square" rtlCol="0">
+              <a:spAutoFit/>
+            </a:bodyPr>
+            <a:lstStyle/>
+            <a:p>
+              <a:pPr marL="0" marR="0" lvl="0" indent="0" algn="ctr" defTabSz="914400" rtl="0" eaLnBrk="1" fontAlgn="auto" latinLnBrk="0" hangingPunct="1">
+                <a:lnSpc>
+                  <a:spcPct val="100000"/>
+                </a:lnSpc>
+                <a:spcBef>
+                  <a:spcPts val="0"/>
+                </a:spcBef>
+                <a:spcAft>
+                  <a:spcPts val="0"/>
+                </a:spcAft>
+                <a:buClrTx/>
+                <a:buSzTx/>
+                <a:buFontTx/>
+                <a:buNone/>
+                <a:tabLst/>
+                <a:defRPr/>
+              </a:pPr>
+              <a:r>
+                <a:rPr kumimoji="0" lang="en-US" sz="2400" b="1" i="0" u="none" strike="noStrike" kern="100" cap="none" spc="0" normalizeH="0" baseline="0" noProof="0" dirty="0">
+                  <a:ln>
+                    <a:noFill/>
+                  </a:ln>
+                  <a:solidFill>
+                    <a:srgbClr val="C00000"/>
+                  </a:solidFill>
+                  <a:effectLst/>
+                  <a:uLnTx/>
+                  <a:uFillTx/>
+                  <a:latin typeface="Amasis MT Pro Black" panose="02040A04050005020304" pitchFamily="18" charset="0"/>
+                  <a:ea typeface="+mn-ea"/>
+                  <a:cs typeface="Times New Roman" panose="02020603050405020304" pitchFamily="18" charset="0"/>
+                </a:rPr>
+                <a:t>Close</a:t>
+              </a:r>
+              <a:endParaRPr kumimoji="0" lang="en-US" sz="800" b="1" i="0" u="none" strike="noStrike" kern="1200" cap="none" spc="300" normalizeH="0" baseline="0" noProof="0" dirty="0">
+                <a:ln>
+                  <a:noFill/>
+                </a:ln>
+                <a:solidFill>
+                  <a:srgbClr val="C00000"/>
+                </a:solidFill>
+                <a:effectLst/>
+                <a:uLnTx/>
+                <a:uFillTx/>
+                <a:latin typeface="Britannic Bold" panose="020B0903060703020204" pitchFamily="34" charset="0"/>
+                <a:ea typeface="+mn-ea"/>
+                <a:cs typeface="+mn-cs"/>
+              </a:endParaRPr>
+            </a:p>
+          </p:txBody>
+        </p:sp>
+        <p:pic>
+          <p:nvPicPr>
+            <p:cNvPr id="5" name="Picture 4" descr="A grey rectangular object with a yellow knob&#10;&#10;Description automatically generated">
+              <a:extLst>
+                <a:ext uri="{FF2B5EF4-FFF2-40B4-BE49-F238E27FC236}">
+                  <a16:creationId xmlns:a16="http://schemas.microsoft.com/office/drawing/2014/main" id="{6197E8DB-3070-4B0B-D278-1F4A4A652ED6}"/>
+                </a:ext>
+              </a:extLst>
+            </p:cNvPr>
+            <p:cNvPicPr>
+              <a:picLocks noChangeAspect="1"/>
+            </p:cNvPicPr>
+            <p:nvPr/>
+          </p:nvPicPr>
+          <p:blipFill>
+            <a:blip r:embed="rId4">
+              <a:extLst>
+                <a:ext uri="{28A0092B-C50C-407E-A947-70E740481C1C}">
+                  <a14:useLocalDpi xmlns:a14="http://schemas.microsoft.com/office/drawing/2010/main" val="0"/>
+                </a:ext>
+              </a:extLst>
+            </a:blip>
+            <a:stretch>
+              <a:fillRect/>
+            </a:stretch>
+          </p:blipFill>
+          <p:spPr>
+            <a:xfrm>
+              <a:off x="7962007" y="3919721"/>
+              <a:ext cx="1692040" cy="2286000"/>
+            </a:xfrm>
+            <a:prstGeom prst="rect">
+              <a:avLst/>
+            </a:prstGeom>
+          </p:spPr>
+        </p:pic>
+        <p:pic>
+          <p:nvPicPr>
+            <p:cNvPr id="7" name="Picture 6" descr="A cartoon of a door&#10;&#10;Description automatically generated">
+              <a:extLst>
+                <a:ext uri="{FF2B5EF4-FFF2-40B4-BE49-F238E27FC236}">
+                  <a16:creationId xmlns:a16="http://schemas.microsoft.com/office/drawing/2014/main" id="{98C30180-38A0-C143-402A-CE31517BD2B7}"/>
+                </a:ext>
+              </a:extLst>
+            </p:cNvPr>
+            <p:cNvPicPr>
+              <a:picLocks noChangeAspect="1"/>
+            </p:cNvPicPr>
+            <p:nvPr/>
+          </p:nvPicPr>
+          <p:blipFill>
+            <a:blip r:embed="rId5">
+              <a:extLst>
+                <a:ext uri="{28A0092B-C50C-407E-A947-70E740481C1C}">
+                  <a14:useLocalDpi xmlns:a14="http://schemas.microsoft.com/office/drawing/2010/main" val="0"/>
+                </a:ext>
+              </a:extLst>
+            </a:blip>
+            <a:stretch>
+              <a:fillRect/>
+            </a:stretch>
+          </p:blipFill>
+          <p:spPr>
+            <a:xfrm>
+              <a:off x="10176610" y="3892060"/>
+              <a:ext cx="1692039" cy="2460561"/>
+            </a:xfrm>
+            <a:prstGeom prst="rect">
+              <a:avLst/>
+            </a:prstGeom>
+          </p:spPr>
+        </p:pic>
+        <p:pic>
+          <p:nvPicPr>
+            <p:cNvPr id="8" name="Picture 7">
+              <a:extLst>
+                <a:ext uri="{FF2B5EF4-FFF2-40B4-BE49-F238E27FC236}">
+                  <a16:creationId xmlns:a16="http://schemas.microsoft.com/office/drawing/2014/main" id="{81DDA55D-9192-8A2C-922A-33B614D36783}"/>
+                </a:ext>
+              </a:extLst>
+            </p:cNvPr>
+            <p:cNvPicPr>
+              <a:picLocks noChangeAspect="1"/>
+            </p:cNvPicPr>
+            <p:nvPr/>
+          </p:nvPicPr>
+          <p:blipFill>
+            <a:blip r:embed="rId6"/>
+            <a:srcRect l="1783" t="1576" r="1941" b="1055"/>
+            <a:stretch>
+              <a:fillRect/>
+            </a:stretch>
+          </p:blipFill>
+          <p:spPr>
+            <a:xfrm>
+              <a:off x="2687461" y="3484690"/>
+              <a:ext cx="5034147" cy="2804193"/>
+            </a:xfrm>
+            <a:prstGeom prst="rect">
+              <a:avLst/>
+            </a:prstGeom>
+          </p:spPr>
+        </p:pic>
+      </p:grpSp>
+      <p:pic>
+        <p:nvPicPr>
+          <p:cNvPr id="13" name="Picture 6" descr="Click Here Images - Free Download on Freepik">
+            <a:extLst>
+              <a:ext uri="{FF2B5EF4-FFF2-40B4-BE49-F238E27FC236}">
+                <a16:creationId xmlns:a16="http://schemas.microsoft.com/office/drawing/2014/main" id="{BB7BF361-A08E-6938-4AB9-B3FE39845EA5}"/>
+              </a:ext>
+            </a:extLst>
+          </p:cNvPr>
+          <p:cNvPicPr>
+            <a:picLocks noChangeAspect="1" noChangeArrowheads="1"/>
+          </p:cNvPicPr>
+          <p:nvPr/>
+        </p:nvPicPr>
+        <p:blipFill>
+          <a:blip r:embed="rId7">
+            <a:extLst>
+              <a:ext uri="{BEBA8EAE-BF5A-486C-A8C5-ECC9F3942E4B}">
+                <a14:imgProps xmlns:a14="http://schemas.microsoft.com/office/drawing/2010/main">
+                  <a14:imgLayer r:embed="rId8">
+                    <a14:imgEffect>
+                      <a14:backgroundRemoval t="10000" b="90000" l="10000" r="90000">
+                        <a14:foregroundMark x1="43056" y1="29167" x2="43056" y2="29167"/>
+                        <a14:foregroundMark x1="32222" y1="24722" x2="32222" y2="24722"/>
+                        <a14:foregroundMark x1="22778" y1="30278" x2="22778" y2="30278"/>
+                        <a14:foregroundMark x1="18333" y1="39444" x2="18333" y2="39444"/>
+                        <a14:foregroundMark x1="23889" y1="48333" x2="23889" y2="48333"/>
+                        <a14:foregroundMark x1="31944" y1="51667" x2="31944" y2="51667"/>
+                      </a14:backgroundRemoval>
+                    </a14:imgEffect>
+                  </a14:imgLayer>
+                </a14:imgProps>
+              </a:ext>
+              <a:ext uri="{28A0092B-C50C-407E-A947-70E740481C1C}">
+                <a14:useLocalDpi xmlns:a14="http://schemas.microsoft.com/office/drawing/2010/main" val="0"/>
+              </a:ext>
+            </a:extLst>
+          </a:blip>
+          <a:srcRect/>
+          <a:stretch>
+            <a:fillRect/>
+          </a:stretch>
+        </p:blipFill>
+        <p:spPr bwMode="auto">
+          <a:xfrm>
+            <a:off x="1764131" y="1817694"/>
+            <a:ext cx="923330" cy="923330"/>
+          </a:xfrm>
+          <a:prstGeom prst="rect">
+            <a:avLst/>
+          </a:prstGeom>
+          <a:noFill/>
+          <a:extLst>
+            <a:ext uri="{909E8E84-426E-40DD-AFC4-6F175D3DCCD1}">
+              <a14:hiddenFill xmlns:a14="http://schemas.microsoft.com/office/drawing/2010/main">
+                <a:solidFill>
+                  <a:srgbClr val="FFFFFF"/>
+                </a:solidFill>
+              </a14:hiddenFill>
+            </a:ext>
+          </a:extLst>
+        </p:spPr>
+      </p:pic>
+      <p:sp>
+        <p:nvSpPr>
+          <p:cNvPr id="14" name="TextBox 13">
+            <a:extLst>
+              <a:ext uri="{FF2B5EF4-FFF2-40B4-BE49-F238E27FC236}">
+                <a16:creationId xmlns:a16="http://schemas.microsoft.com/office/drawing/2014/main" id="{87B5A650-7D09-9B63-E877-BD2424F20DF4}"/>
+              </a:ext>
+            </a:extLst>
+          </p:cNvPr>
+          <p:cNvSpPr txBox="1"/>
+          <p:nvPr/>
+        </p:nvSpPr>
+        <p:spPr>
+          <a:xfrm>
+            <a:off x="707345" y="505379"/>
+            <a:ext cx="6334876" cy="923330"/>
+          </a:xfrm>
+          <a:prstGeom prst="rect">
+            <a:avLst/>
+          </a:prstGeom>
+          <a:noFill/>
+        </p:spPr>
+        <p:txBody>
+          <a:bodyPr wrap="none" rtlCol="0">
+            <a:spAutoFit/>
+          </a:bodyPr>
+          <a:lstStyle/>
+          <a:p>
+            <a:pPr marL="0" marR="0" lvl="0" indent="0" algn="l" defTabSz="914400" rtl="0" eaLnBrk="1" fontAlgn="auto" latinLnBrk="0" hangingPunct="1">
+              <a:lnSpc>
+                <a:spcPct val="100000"/>
+              </a:lnSpc>
+              <a:spcBef>
+                <a:spcPts val="0"/>
+              </a:spcBef>
+              <a:spcAft>
+                <a:spcPts val="0"/>
+              </a:spcAft>
+              <a:buClrTx/>
+              <a:buSzTx/>
+              <a:buFontTx/>
+              <a:buNone/>
+              <a:tabLst/>
+              <a:defRPr/>
+            </a:pPr>
+            <a:r>
+              <a:rPr kumimoji="0" lang="en-US" sz="5400" b="1" i="0" u="none" strike="noStrike" kern="100" cap="none" spc="0" normalizeH="0" baseline="0" noProof="0" dirty="0">
+                <a:ln>
+                  <a:noFill/>
+                </a:ln>
+                <a:solidFill>
+                  <a:prstClr val="black"/>
+                </a:solidFill>
+                <a:effectLst/>
+                <a:uLnTx/>
+                <a:uFillTx/>
                 <a:latin typeface="Amasis MT Pro Black" panose="02040A04050005020304" pitchFamily="18" charset="0"/>
                 <a:ea typeface="+mn-ea"/>
                 <a:cs typeface="Times New Roman" panose="02020603050405020304" pitchFamily="18" charset="0"/>
               </a:rPr>
-              <a:t>Scroll down and up to navigate through the lockers.</a:t>
-            </a:r>
+              <a:t>The Locker Game</a:t>
+            </a:r>
+            <a:endParaRPr kumimoji="0" lang="en-US" sz="1600" b="1" i="0" u="none" strike="noStrike" kern="1200" cap="none" spc="300" normalizeH="0" baseline="0" noProof="0" dirty="0">
+              <a:ln>
+                <a:noFill/>
+              </a:ln>
+              <a:solidFill>
+                <a:prstClr val="black"/>
+              </a:solidFill>
+              <a:effectLst/>
+              <a:uLnTx/>
+              <a:uFillTx/>
+              <a:latin typeface="Britannic Bold" panose="020B0903060703020204" pitchFamily="34" charset="0"/>
+              <a:ea typeface="+mn-ea"/>
+              <a:cs typeface="+mn-cs"/>
+            </a:endParaRPr>
           </a:p>
         </p:txBody>
       </p:sp>
       <p:pic>
         <p:nvPicPr>
-          <p:cNvPr id="5" name="Picture 4" descr="A grey rectangular object with a yellow knob&#10;&#10;Description automatically generated">
-            <a:hlinkClick r:id="rId4"/>
-            <a:extLst>
-              <a:ext uri="{FF2B5EF4-FFF2-40B4-BE49-F238E27FC236}">
-                <a16:creationId xmlns:a16="http://schemas.microsoft.com/office/drawing/2014/main" id="{6197E8DB-3070-4B0B-D278-1F4A4A652ED6}"/>
+          <p:cNvPr id="18" name="Picture 17" descr="A grey rectangular object with a yellow knob&#10;&#10;Description automatically generated">
+            <a:extLst>
+              <a:ext uri="{FF2B5EF4-FFF2-40B4-BE49-F238E27FC236}">
+                <a16:creationId xmlns:a16="http://schemas.microsoft.com/office/drawing/2014/main" id="{2D0604FF-AD27-2C4D-2686-16E83006F14D}"/>
               </a:ext>
             </a:extLst>
           </p:cNvPr>
@@ -7205,7 +7743,7 @@
           <p:nvPr/>
         </p:nvPicPr>
         <p:blipFill>
-          <a:blip r:embed="rId5">
+          <a:blip r:embed="rId4">
             <a:extLst>
               <a:ext uri="{28A0092B-C50C-407E-A947-70E740481C1C}">
                 <a14:useLocalDpi xmlns:a14="http://schemas.microsoft.com/office/drawing/2010/main" val="0"/>
@@ -7218,117 +7756,42 @@
         </p:blipFill>
         <p:spPr>
           <a:xfrm>
-            <a:off x="7962007" y="3279405"/>
-            <a:ext cx="1692040" cy="2286000"/>
+            <a:off x="11419912" y="6056979"/>
+            <a:ext cx="493619" cy="666895"/>
           </a:xfrm>
           <a:prstGeom prst="rect">
             <a:avLst/>
           </a:prstGeom>
         </p:spPr>
       </p:pic>
-      <p:pic>
-        <p:nvPicPr>
-          <p:cNvPr id="7" name="Picture 6" descr="A cartoon of a door&#10;&#10;Description automatically generated">
-            <a:extLst>
-              <a:ext uri="{FF2B5EF4-FFF2-40B4-BE49-F238E27FC236}">
-                <a16:creationId xmlns:a16="http://schemas.microsoft.com/office/drawing/2014/main" id="{98C30180-38A0-C143-402A-CE31517BD2B7}"/>
-              </a:ext>
-            </a:extLst>
-          </p:cNvPr>
-          <p:cNvPicPr>
-            <a:picLocks noChangeAspect="1"/>
-          </p:cNvPicPr>
-          <p:nvPr/>
-        </p:nvPicPr>
-        <p:blipFill>
-          <a:blip r:embed="rId6">
-            <a:extLst>
-              <a:ext uri="{28A0092B-C50C-407E-A947-70E740481C1C}">
-                <a14:useLocalDpi xmlns:a14="http://schemas.microsoft.com/office/drawing/2010/main" val="0"/>
-              </a:ext>
-            </a:extLst>
-          </a:blip>
-          <a:stretch>
-            <a:fillRect/>
-          </a:stretch>
-        </p:blipFill>
-        <p:spPr>
-          <a:xfrm>
-            <a:off x="10176610" y="3251744"/>
-            <a:ext cx="1692039" cy="2460561"/>
-          </a:xfrm>
-          <a:prstGeom prst="rect">
-            <a:avLst/>
-          </a:prstGeom>
-        </p:spPr>
-      </p:pic>
-      <p:pic>
-        <p:nvPicPr>
-          <p:cNvPr id="17" name="Picture 16" descr="A grey rectangular object with a yellow knob&#10;&#10;Description automatically generated">
-            <a:hlinkClick r:id="rId7"/>
-            <a:extLst>
-              <a:ext uri="{FF2B5EF4-FFF2-40B4-BE49-F238E27FC236}">
-                <a16:creationId xmlns:a16="http://schemas.microsoft.com/office/drawing/2014/main" id="{6DE8A68B-DF75-3808-50EC-D30C26072CD5}"/>
-              </a:ext>
-            </a:extLst>
-          </p:cNvPr>
-          <p:cNvPicPr>
-            <a:picLocks noChangeAspect="1"/>
-          </p:cNvPicPr>
-          <p:nvPr/>
-        </p:nvPicPr>
-        <p:blipFill>
-          <a:blip r:embed="rId5">
-            <a:extLst>
-              <a:ext uri="{28A0092B-C50C-407E-A947-70E740481C1C}">
-                <a14:useLocalDpi xmlns:a14="http://schemas.microsoft.com/office/drawing/2010/main" val="0"/>
-              </a:ext>
-            </a:extLst>
-          </a:blip>
-          <a:stretch>
-            <a:fillRect/>
-          </a:stretch>
-        </p:blipFill>
-        <p:spPr>
-          <a:xfrm>
-            <a:off x="10126945" y="313586"/>
-            <a:ext cx="967346" cy="1306915"/>
-          </a:xfrm>
-          <a:prstGeom prst="rect">
-            <a:avLst/>
-          </a:prstGeom>
-        </p:spPr>
-      </p:pic>
-      <p:pic>
-        <p:nvPicPr>
-          <p:cNvPr id="9" name="Picture 8">
-            <a:extLst>
-              <a:ext uri="{FF2B5EF4-FFF2-40B4-BE49-F238E27FC236}">
-                <a16:creationId xmlns:a16="http://schemas.microsoft.com/office/drawing/2014/main" id="{87F64FE5-77C0-030C-B53B-10C28593FEED}"/>
-              </a:ext>
-            </a:extLst>
-          </p:cNvPr>
-          <p:cNvPicPr>
-            <a:picLocks noChangeAspect="1"/>
-          </p:cNvPicPr>
-          <p:nvPr/>
-        </p:nvPicPr>
-        <p:blipFill>
-          <a:blip r:embed="rId8"/>
-          <a:stretch>
-            <a:fillRect/>
-          </a:stretch>
-        </p:blipFill>
-        <p:spPr>
-          <a:xfrm>
-            <a:off x="2383259" y="2817741"/>
-            <a:ext cx="5160737" cy="2889558"/>
-          </a:xfrm>
-          <a:prstGeom prst="rect">
-            <a:avLst/>
-          </a:prstGeom>
-        </p:spPr>
-      </p:pic>
+      <p:sp>
+        <p:nvSpPr>
+          <p:cNvPr id="20" name="Slide Number Placeholder 19">
+            <a:extLst>
+              <a:ext uri="{FF2B5EF4-FFF2-40B4-BE49-F238E27FC236}">
+                <a16:creationId xmlns:a16="http://schemas.microsoft.com/office/drawing/2014/main" id="{0F0D1BE4-2810-2C34-680B-6DA5A4C6A112}"/>
+              </a:ext>
+            </a:extLst>
+          </p:cNvPr>
+          <p:cNvSpPr>
+            <a:spLocks noGrp="1"/>
+          </p:cNvSpPr>
+          <p:nvPr>
+            <p:ph type="sldNum" sz="quarter" idx="12"/>
+          </p:nvPr>
+        </p:nvSpPr>
+        <p:spPr/>
+        <p:txBody>
+          <a:bodyPr/>
+          <a:lstStyle/>
+          <a:p>
+            <a:r>
+              <a:rPr lang="en-US" dirty="0"/>
+              <a:t>4</a:t>
+            </a:r>
+          </a:p>
+        </p:txBody>
+      </p:sp>
     </p:spTree>
     <p:extLst>
       <p:ext uri="{BB962C8B-B14F-4D97-AF65-F5344CB8AC3E}">
@@ -7373,85 +7836,6 @@
       </p:grpSpPr>
       <p:sp>
         <p:nvSpPr>
-          <p:cNvPr id="2" name="TextBox 1">
-            <a:extLst>
-              <a:ext uri="{FF2B5EF4-FFF2-40B4-BE49-F238E27FC236}">
-                <a16:creationId xmlns:a16="http://schemas.microsoft.com/office/drawing/2014/main" id="{6DD96825-46AA-46B4-8245-A0EAF9B577DC}"/>
-              </a:ext>
-            </a:extLst>
-          </p:cNvPr>
-          <p:cNvSpPr txBox="1"/>
-          <p:nvPr/>
-        </p:nvSpPr>
-        <p:spPr>
-          <a:xfrm>
-            <a:off x="707345" y="505379"/>
-            <a:ext cx="7243778" cy="923330"/>
-          </a:xfrm>
-          <a:prstGeom prst="rect">
-            <a:avLst/>
-          </a:prstGeom>
-          <a:noFill/>
-        </p:spPr>
-        <p:txBody>
-          <a:bodyPr wrap="none" rtlCol="0">
-            <a:spAutoFit/>
-          </a:bodyPr>
-          <a:lstStyle/>
-          <a:p>
-            <a:pPr marL="0" marR="0" lvl="0" indent="0" algn="l" defTabSz="914400" rtl="0" eaLnBrk="1" fontAlgn="auto" latinLnBrk="0" hangingPunct="1">
-              <a:lnSpc>
-                <a:spcPct val="100000"/>
-              </a:lnSpc>
-              <a:spcBef>
-                <a:spcPts val="0"/>
-              </a:spcBef>
-              <a:spcAft>
-                <a:spcPts val="0"/>
-              </a:spcAft>
-              <a:buClrTx/>
-              <a:buSzTx/>
-              <a:buFontTx/>
-              <a:buNone/>
-              <a:tabLst/>
-              <a:defRPr/>
-            </a:pPr>
-            <a:r>
-              <a:rPr kumimoji="0" lang="en-US" sz="5400" b="1" i="0" u="none" strike="noStrike" kern="100" cap="none" spc="0" normalizeH="0" baseline="0" noProof="0" dirty="0">
-                <a:ln>
-                  <a:noFill/>
-                </a:ln>
-                <a:solidFill>
-                  <a:prstClr val="black"/>
-                </a:solidFill>
-                <a:effectLst/>
-                <a:uLnTx/>
-                <a:uFillTx/>
-                <a:latin typeface="Amasis MT Pro Black" panose="02040A04050005020304" pitchFamily="18" charset="0"/>
-                <a:ea typeface="+mn-ea"/>
-                <a:cs typeface="Times New Roman" panose="02020603050405020304" pitchFamily="18" charset="0"/>
-              </a:rPr>
-              <a:t>The Locker Problem</a:t>
-            </a:r>
-            <a:endParaRPr kumimoji="0" lang="en-US" sz="1600" b="1" i="0" u="none" strike="noStrike" kern="1200" cap="none" spc="300" normalizeH="0" baseline="0" noProof="0" dirty="0">
-              <a:ln>
-                <a:noFill/>
-              </a:ln>
-              <a:solidFill>
-                <a:prstClr val="black"/>
-              </a:solidFill>
-              <a:effectLst/>
-              <a:uLnTx/>
-              <a:uFillTx/>
-              <a:latin typeface="Britannic Bold" panose="020B0903060703020204" pitchFamily="34" charset="0"/>
-              <a:ea typeface="+mn-ea"/>
-              <a:cs typeface="+mn-cs"/>
-            </a:endParaRPr>
-          </a:p>
-        </p:txBody>
-      </p:sp>
-      <p:sp>
-        <p:nvSpPr>
           <p:cNvPr id="4" name="TextBox 3">
             <a:extLst>
               <a:ext uri="{FF2B5EF4-FFF2-40B4-BE49-F238E27FC236}">
@@ -7478,39 +7862,21 @@
           </a:bodyPr>
           <a:lstStyle/>
           <a:p>
-            <a:pPr marL="0" marR="0" lvl="0" indent="0" algn="l" defTabSz="914400" rtl="0" eaLnBrk="1" fontAlgn="auto" latinLnBrk="0" hangingPunct="1">
+            <a:pPr lvl="0">
               <a:lnSpc>
                 <a:spcPct val="150000"/>
               </a:lnSpc>
-              <a:spcBef>
-                <a:spcPts val="0"/>
-              </a:spcBef>
-              <a:spcAft>
-                <a:spcPts val="0"/>
-              </a:spcAft>
-              <a:buClrTx/>
-              <a:buSzTx/>
-              <a:buFontTx/>
-              <a:buNone/>
-              <a:tabLst/>
               <a:defRPr/>
             </a:pPr>
             <a:r>
-              <a:rPr kumimoji="0" lang="en-US" sz="2800" b="0" i="0" u="sng" strike="noStrike" kern="100" cap="none" spc="0" normalizeH="0" baseline="0" noProof="0" dirty="0">
-                <a:ln>
-                  <a:noFill/>
-                </a:ln>
+              <a:rPr lang="en-US" sz="2800" u="sng" kern="100" dirty="0">
                 <a:solidFill>
                   <a:prstClr val="black"/>
                 </a:solidFill>
-                <a:effectLst/>
-                <a:uLnTx/>
-                <a:uFillTx/>
                 <a:latin typeface="Abel" panose="02000506030000020004" pitchFamily="2" charset="0"/>
-                <a:ea typeface="+mn-ea"/>
                 <a:cs typeface="Times New Roman" panose="02020603050405020304" pitchFamily="18" charset="0"/>
               </a:rPr>
-              <a:t>How to use it:</a:t>
+              <a:t>How to play:</a:t>
             </a:r>
           </a:p>
           <a:p>
@@ -7556,7 +7922,7 @@
                 <a:ea typeface="+mn-ea"/>
                 <a:cs typeface="Times New Roman" panose="02020603050405020304" pitchFamily="18" charset="0"/>
               </a:rPr>
-              <a:t>. In game buttons</a:t>
+              <a:t>. In-game buttons</a:t>
             </a:r>
           </a:p>
           <a:p>
@@ -7759,12 +8125,489 @@
           </a:p>
         </p:txBody>
       </p:sp>
-      <p:sp>
-        <p:nvSpPr>
-          <p:cNvPr id="3" name="TextBox 2">
-            <a:extLst>
-              <a:ext uri="{FF2B5EF4-FFF2-40B4-BE49-F238E27FC236}">
-                <a16:creationId xmlns:a16="http://schemas.microsoft.com/office/drawing/2014/main" id="{3CF77211-E7F3-6ADB-A641-BBB4F33E37DD}"/>
+      <p:grpSp>
+        <p:nvGrpSpPr>
+          <p:cNvPr id="20" name="Group 19">
+            <a:extLst>
+              <a:ext uri="{FF2B5EF4-FFF2-40B4-BE49-F238E27FC236}">
+                <a16:creationId xmlns:a16="http://schemas.microsoft.com/office/drawing/2014/main" id="{9A8A11EB-D82B-BA20-05FB-BA01828F695C}"/>
+              </a:ext>
+            </a:extLst>
+          </p:cNvPr>
+          <p:cNvGrpSpPr/>
+          <p:nvPr/>
+        </p:nvGrpSpPr>
+        <p:grpSpPr>
+          <a:xfrm>
+            <a:off x="795366" y="2000637"/>
+            <a:ext cx="5300634" cy="4637703"/>
+            <a:chOff x="795366" y="2000637"/>
+            <a:chExt cx="5300634" cy="4637703"/>
+          </a:xfrm>
+        </p:grpSpPr>
+        <p:pic>
+          <p:nvPicPr>
+            <p:cNvPr id="9" name="Picture 8">
+              <a:extLst>
+                <a:ext uri="{FF2B5EF4-FFF2-40B4-BE49-F238E27FC236}">
+                  <a16:creationId xmlns:a16="http://schemas.microsoft.com/office/drawing/2014/main" id="{8888EA83-821A-C8FD-FBB0-211D6C165C1B}"/>
+                </a:ext>
+              </a:extLst>
+            </p:cNvPr>
+            <p:cNvPicPr>
+              <a:picLocks noChangeAspect="1"/>
+            </p:cNvPicPr>
+            <p:nvPr/>
+          </p:nvPicPr>
+          <p:blipFill>
+            <a:blip r:embed="rId3"/>
+            <a:srcRect l="81218"/>
+            <a:stretch/>
+          </p:blipFill>
+          <p:spPr>
+            <a:xfrm>
+              <a:off x="4540313" y="2000637"/>
+              <a:ext cx="1555687" cy="4637703"/>
+            </a:xfrm>
+            <a:prstGeom prst="rect">
+              <a:avLst/>
+            </a:prstGeom>
+          </p:spPr>
+        </p:pic>
+        <p:grpSp>
+          <p:nvGrpSpPr>
+            <p:cNvPr id="18" name="Group 17">
+              <a:extLst>
+                <a:ext uri="{FF2B5EF4-FFF2-40B4-BE49-F238E27FC236}">
+                  <a16:creationId xmlns:a16="http://schemas.microsoft.com/office/drawing/2014/main" id="{35CBD134-7C7C-521D-CDC6-BC34E0400FEC}"/>
+                </a:ext>
+              </a:extLst>
+            </p:cNvPr>
+            <p:cNvGrpSpPr/>
+            <p:nvPr/>
+          </p:nvGrpSpPr>
+          <p:grpSpPr>
+            <a:xfrm>
+              <a:off x="795366" y="2279680"/>
+              <a:ext cx="3774668" cy="4239033"/>
+              <a:chOff x="6889551" y="2463331"/>
+              <a:chExt cx="3774668" cy="4239033"/>
+            </a:xfrm>
+          </p:grpSpPr>
+          <p:sp>
+            <p:nvSpPr>
+              <p:cNvPr id="16" name="TextBox 15">
+                <a:extLst>
+                  <a:ext uri="{FF2B5EF4-FFF2-40B4-BE49-F238E27FC236}">
+                    <a16:creationId xmlns:a16="http://schemas.microsoft.com/office/drawing/2014/main" id="{DD519D54-B34F-57E6-A48D-AE7183C532ED}"/>
+                  </a:ext>
+                </a:extLst>
+              </p:cNvPr>
+              <p:cNvSpPr txBox="1"/>
+              <p:nvPr/>
+            </p:nvSpPr>
+            <p:spPr>
+              <a:xfrm>
+                <a:off x="7296553" y="2463331"/>
+                <a:ext cx="3367666" cy="369332"/>
+              </a:xfrm>
+              <a:prstGeom prst="rect">
+                <a:avLst/>
+              </a:prstGeom>
+              <a:noFill/>
+            </p:spPr>
+            <p:txBody>
+              <a:bodyPr wrap="square" rtlCol="0">
+                <a:spAutoFit/>
+              </a:bodyPr>
+              <a:lstStyle>
+                <a:defPPr>
+                  <a:defRPr lang="en-US"/>
+                </a:defPPr>
+                <a:lvl1pPr algn="ctr">
+                  <a:defRPr sz="2400" b="1" kern="100">
+                    <a:solidFill>
+                      <a:srgbClr val="C00000"/>
+                    </a:solidFill>
+                    <a:latin typeface="Amasis MT Pro Black" panose="02040A04050005020304" pitchFamily="18" charset="0"/>
+                    <a:cs typeface="Times New Roman" panose="02020603050405020304" pitchFamily="18" charset="0"/>
+                  </a:defRPr>
+                </a:lvl1pPr>
+              </a:lstStyle>
+              <a:p>
+                <a:pPr marL="0" marR="0" lvl="0" indent="0" algn="r" defTabSz="914400" rtl="0" eaLnBrk="1" fontAlgn="auto" latinLnBrk="0" hangingPunct="1">
+                  <a:lnSpc>
+                    <a:spcPct val="100000"/>
+                  </a:lnSpc>
+                  <a:spcBef>
+                    <a:spcPts val="0"/>
+                  </a:spcBef>
+                  <a:spcAft>
+                    <a:spcPts val="0"/>
+                  </a:spcAft>
+                  <a:buClrTx/>
+                  <a:buSzTx/>
+                  <a:buFontTx/>
+                  <a:buNone/>
+                  <a:tabLst/>
+                  <a:defRPr/>
+                </a:pPr>
+                <a:r>
+                  <a:rPr kumimoji="0" lang="en-US" sz="1800" b="1" i="0" u="none" strike="noStrike" kern="100" cap="none" spc="0" normalizeH="0" baseline="0" noProof="0" dirty="0">
+                    <a:ln>
+                      <a:noFill/>
+                    </a:ln>
+                    <a:solidFill>
+                      <a:srgbClr val="C00000"/>
+                    </a:solidFill>
+                    <a:effectLst/>
+                    <a:uLnTx/>
+                    <a:uFillTx/>
+                    <a:latin typeface="Amasis MT Pro Black" panose="02040A04050005020304" pitchFamily="18" charset="0"/>
+                    <a:ea typeface="+mn-ea"/>
+                    <a:cs typeface="Times New Roman" panose="02020603050405020304" pitchFamily="18" charset="0"/>
+                  </a:rPr>
+                  <a:t>Open </a:t>
+                </a:r>
+              </a:p>
+            </p:txBody>
+          </p:sp>
+          <p:sp>
+            <p:nvSpPr>
+              <p:cNvPr id="15" name="TextBox 14">
+                <a:extLst>
+                  <a:ext uri="{FF2B5EF4-FFF2-40B4-BE49-F238E27FC236}">
+                    <a16:creationId xmlns:a16="http://schemas.microsoft.com/office/drawing/2014/main" id="{2C099C24-A8CD-526F-A17E-0A30155E3733}"/>
+                  </a:ext>
+                </a:extLst>
+              </p:cNvPr>
+              <p:cNvSpPr txBox="1"/>
+              <p:nvPr/>
+            </p:nvSpPr>
+            <p:spPr>
+              <a:xfrm>
+                <a:off x="8133453" y="3002741"/>
+                <a:ext cx="2530766" cy="369332"/>
+              </a:xfrm>
+              <a:prstGeom prst="rect">
+                <a:avLst/>
+              </a:prstGeom>
+              <a:noFill/>
+            </p:spPr>
+            <p:txBody>
+              <a:bodyPr wrap="square" rtlCol="0">
+                <a:spAutoFit/>
+              </a:bodyPr>
+              <a:lstStyle>
+                <a:defPPr>
+                  <a:defRPr lang="en-US"/>
+                </a:defPPr>
+                <a:lvl1pPr algn="ctr">
+                  <a:defRPr sz="2400" b="1" kern="100">
+                    <a:solidFill>
+                      <a:srgbClr val="C00000"/>
+                    </a:solidFill>
+                    <a:latin typeface="Amasis MT Pro Black" panose="02040A04050005020304" pitchFamily="18" charset="0"/>
+                    <a:cs typeface="Times New Roman" panose="02020603050405020304" pitchFamily="18" charset="0"/>
+                  </a:defRPr>
+                </a:lvl1pPr>
+              </a:lstStyle>
+              <a:p>
+                <a:pPr marL="0" marR="0" lvl="0" indent="0" algn="r" defTabSz="914400" rtl="0" eaLnBrk="1" fontAlgn="auto" latinLnBrk="0" hangingPunct="1">
+                  <a:lnSpc>
+                    <a:spcPct val="100000"/>
+                  </a:lnSpc>
+                  <a:spcBef>
+                    <a:spcPts val="0"/>
+                  </a:spcBef>
+                  <a:spcAft>
+                    <a:spcPts val="0"/>
+                  </a:spcAft>
+                  <a:buClrTx/>
+                  <a:buSzTx/>
+                  <a:buFontTx/>
+                  <a:buNone/>
+                  <a:tabLst/>
+                  <a:defRPr/>
+                </a:pPr>
+                <a:r>
+                  <a:rPr kumimoji="0" lang="en-US" sz="1800" b="1" i="0" u="none" strike="noStrike" kern="100" cap="none" spc="0" normalizeH="0" baseline="0" noProof="0" dirty="0">
+                    <a:ln>
+                      <a:noFill/>
+                    </a:ln>
+                    <a:solidFill>
+                      <a:srgbClr val="C00000"/>
+                    </a:solidFill>
+                    <a:effectLst/>
+                    <a:uLnTx/>
+                    <a:uFillTx/>
+                    <a:latin typeface="Amasis MT Pro Black" panose="02040A04050005020304" pitchFamily="18" charset="0"/>
+                    <a:ea typeface="+mn-ea"/>
+                    <a:cs typeface="Times New Roman" panose="02020603050405020304" pitchFamily="18" charset="0"/>
+                  </a:rPr>
+                  <a:t>Close</a:t>
+                </a:r>
+              </a:p>
+            </p:txBody>
+          </p:sp>
+          <p:sp>
+            <p:nvSpPr>
+              <p:cNvPr id="17" name="TextBox 16">
+                <a:extLst>
+                  <a:ext uri="{FF2B5EF4-FFF2-40B4-BE49-F238E27FC236}">
+                    <a16:creationId xmlns:a16="http://schemas.microsoft.com/office/drawing/2014/main" id="{A838A7B8-0220-033B-F06A-512ADE5B9A3D}"/>
+                  </a:ext>
+                </a:extLst>
+              </p:cNvPr>
+              <p:cNvSpPr txBox="1"/>
+              <p:nvPr/>
+            </p:nvSpPr>
+            <p:spPr>
+              <a:xfrm>
+                <a:off x="6889551" y="6056033"/>
+                <a:ext cx="3744947" cy="646331"/>
+              </a:xfrm>
+              <a:prstGeom prst="rect">
+                <a:avLst/>
+              </a:prstGeom>
+              <a:noFill/>
+            </p:spPr>
+            <p:txBody>
+              <a:bodyPr wrap="square" rtlCol="0">
+                <a:spAutoFit/>
+              </a:bodyPr>
+              <a:lstStyle>
+                <a:defPPr>
+                  <a:defRPr lang="en-US"/>
+                </a:defPPr>
+                <a:lvl1pPr algn="ctr">
+                  <a:defRPr sz="2400" b="1" kern="100">
+                    <a:solidFill>
+                      <a:srgbClr val="C00000"/>
+                    </a:solidFill>
+                    <a:latin typeface="Amasis MT Pro Black" panose="02040A04050005020304" pitchFamily="18" charset="0"/>
+                    <a:cs typeface="Times New Roman" panose="02020603050405020304" pitchFamily="18" charset="0"/>
+                  </a:defRPr>
+                </a:lvl1pPr>
+              </a:lstStyle>
+              <a:p>
+                <a:pPr marL="0" marR="0" lvl="0" indent="0" algn="r" defTabSz="914400" rtl="0" eaLnBrk="1" fontAlgn="auto" latinLnBrk="0" hangingPunct="1">
+                  <a:lnSpc>
+                    <a:spcPct val="100000"/>
+                  </a:lnSpc>
+                  <a:spcBef>
+                    <a:spcPts val="0"/>
+                  </a:spcBef>
+                  <a:spcAft>
+                    <a:spcPts val="0"/>
+                  </a:spcAft>
+                  <a:buClrTx/>
+                  <a:buSzTx/>
+                  <a:buFontTx/>
+                  <a:buNone/>
+                  <a:tabLst/>
+                  <a:defRPr/>
+                </a:pPr>
+                <a:r>
+                  <a:rPr kumimoji="0" lang="en-US" sz="1800" b="1" i="0" u="none" strike="noStrike" kern="100" cap="none" spc="0" normalizeH="0" baseline="0" noProof="0" dirty="0">
+                    <a:ln>
+                      <a:noFill/>
+                    </a:ln>
+                    <a:solidFill>
+                      <a:srgbClr val="C00000"/>
+                    </a:solidFill>
+                    <a:effectLst/>
+                    <a:uLnTx/>
+                    <a:uFillTx/>
+                    <a:latin typeface="Amasis MT Pro Black" panose="02040A04050005020304" pitchFamily="18" charset="0"/>
+                    <a:ea typeface="+mn-ea"/>
+                    <a:cs typeface="Times New Roman" panose="02020603050405020304" pitchFamily="18" charset="0"/>
+                  </a:rPr>
+                  <a:t>Submit your answer </a:t>
+                </a:r>
+                <a:br>
+                  <a:rPr kumimoji="0" lang="en-US" sz="1800" b="1" i="0" u="none" strike="noStrike" kern="100" cap="none" spc="0" normalizeH="0" baseline="0" noProof="0" dirty="0">
+                    <a:ln>
+                      <a:noFill/>
+                    </a:ln>
+                    <a:solidFill>
+                      <a:srgbClr val="C00000"/>
+                    </a:solidFill>
+                    <a:effectLst/>
+                    <a:uLnTx/>
+                    <a:uFillTx/>
+                    <a:latin typeface="Amasis MT Pro Black" panose="02040A04050005020304" pitchFamily="18" charset="0"/>
+                    <a:ea typeface="+mn-ea"/>
+                    <a:cs typeface="Times New Roman" panose="02020603050405020304" pitchFamily="18" charset="0"/>
+                  </a:rPr>
+                </a:br>
+                <a:r>
+                  <a:rPr kumimoji="0" lang="en-US" sz="1800" b="1" i="0" u="none" strike="noStrike" kern="100" cap="none" spc="0" normalizeH="0" baseline="0" noProof="0" dirty="0">
+                    <a:ln>
+                      <a:noFill/>
+                    </a:ln>
+                    <a:solidFill>
+                      <a:srgbClr val="C00000"/>
+                    </a:solidFill>
+                    <a:effectLst/>
+                    <a:uLnTx/>
+                    <a:uFillTx/>
+                    <a:latin typeface="Amasis MT Pro Black" panose="02040A04050005020304" pitchFamily="18" charset="0"/>
+                    <a:ea typeface="+mn-ea"/>
+                    <a:cs typeface="Times New Roman" panose="02020603050405020304" pitchFamily="18" charset="0"/>
+                  </a:rPr>
+                  <a:t>(click or press </a:t>
+                </a:r>
+                <a:r>
+                  <a:rPr lang="en-US" sz="1800" dirty="0"/>
+                  <a:t>“E</a:t>
+                </a:r>
+                <a:r>
+                  <a:rPr kumimoji="0" lang="en-US" sz="1800" b="1" i="0" u="none" strike="noStrike" kern="100" cap="none" spc="0" normalizeH="0" baseline="0" noProof="0" dirty="0" err="1">
+                    <a:ln>
+                      <a:noFill/>
+                    </a:ln>
+                    <a:solidFill>
+                      <a:srgbClr val="C00000"/>
+                    </a:solidFill>
+                    <a:effectLst/>
+                    <a:uLnTx/>
+                    <a:uFillTx/>
+                    <a:latin typeface="Amasis MT Pro Black" panose="02040A04050005020304" pitchFamily="18" charset="0"/>
+                    <a:ea typeface="+mn-ea"/>
+                    <a:cs typeface="Times New Roman" panose="02020603050405020304" pitchFamily="18" charset="0"/>
+                  </a:rPr>
+                  <a:t>nter</a:t>
+                </a:r>
+                <a:r>
+                  <a:rPr kumimoji="0" lang="en-US" sz="1800" b="1" i="0" u="none" strike="noStrike" kern="100" cap="none" spc="0" normalizeH="0" baseline="0" noProof="0" dirty="0">
+                    <a:ln>
+                      <a:noFill/>
+                    </a:ln>
+                    <a:solidFill>
+                      <a:srgbClr val="C00000"/>
+                    </a:solidFill>
+                    <a:effectLst/>
+                    <a:uLnTx/>
+                    <a:uFillTx/>
+                    <a:latin typeface="Amasis MT Pro Black" panose="02040A04050005020304" pitchFamily="18" charset="0"/>
+                    <a:ea typeface="+mn-ea"/>
+                    <a:cs typeface="Times New Roman" panose="02020603050405020304" pitchFamily="18" charset="0"/>
+                  </a:rPr>
+                  <a:t>”)</a:t>
+                </a:r>
+              </a:p>
+            </p:txBody>
+          </p:sp>
+          <p:sp>
+            <p:nvSpPr>
+              <p:cNvPr id="10" name="TextBox 9">
+                <a:extLst>
+                  <a:ext uri="{FF2B5EF4-FFF2-40B4-BE49-F238E27FC236}">
+                    <a16:creationId xmlns:a16="http://schemas.microsoft.com/office/drawing/2014/main" id="{8A5E4820-DACD-53A7-7EC8-1294583CF74B}"/>
+                  </a:ext>
+                </a:extLst>
+              </p:cNvPr>
+              <p:cNvSpPr txBox="1"/>
+              <p:nvPr/>
+            </p:nvSpPr>
+            <p:spPr>
+              <a:xfrm>
+                <a:off x="8103732" y="4874195"/>
+                <a:ext cx="2530766" cy="646331"/>
+              </a:xfrm>
+              <a:prstGeom prst="rect">
+                <a:avLst/>
+              </a:prstGeom>
+              <a:noFill/>
+            </p:spPr>
+            <p:txBody>
+              <a:bodyPr wrap="square" rtlCol="0">
+                <a:spAutoFit/>
+              </a:bodyPr>
+              <a:lstStyle>
+                <a:defPPr>
+                  <a:defRPr lang="en-US"/>
+                </a:defPPr>
+                <a:lvl1pPr algn="ctr">
+                  <a:defRPr sz="2400" b="1" kern="100">
+                    <a:solidFill>
+                      <a:srgbClr val="C00000"/>
+                    </a:solidFill>
+                    <a:latin typeface="Amasis MT Pro Black" panose="02040A04050005020304" pitchFamily="18" charset="0"/>
+                    <a:cs typeface="Times New Roman" panose="02020603050405020304" pitchFamily="18" charset="0"/>
+                  </a:defRPr>
+                </a:lvl1pPr>
+              </a:lstStyle>
+              <a:p>
+                <a:pPr marL="0" marR="0" lvl="0" indent="0" algn="r" defTabSz="914400" rtl="0" eaLnBrk="1" fontAlgn="auto" latinLnBrk="0" hangingPunct="1">
+                  <a:lnSpc>
+                    <a:spcPct val="100000"/>
+                  </a:lnSpc>
+                  <a:spcBef>
+                    <a:spcPts val="0"/>
+                  </a:spcBef>
+                  <a:spcAft>
+                    <a:spcPts val="0"/>
+                  </a:spcAft>
+                  <a:buClrTx/>
+                  <a:buSzTx/>
+                  <a:buFontTx/>
+                  <a:buNone/>
+                  <a:tabLst/>
+                  <a:defRPr/>
+                </a:pPr>
+                <a:r>
+                  <a:rPr lang="en-US" sz="1800" dirty="0"/>
+                  <a:t>‘-’ remove locker</a:t>
+                </a:r>
+              </a:p>
+              <a:p>
+                <a:pPr marL="0" marR="0" lvl="0" indent="0" algn="r" defTabSz="914400" rtl="0" eaLnBrk="1" fontAlgn="auto" latinLnBrk="0" hangingPunct="1">
+                  <a:lnSpc>
+                    <a:spcPct val="100000"/>
+                  </a:lnSpc>
+                  <a:spcBef>
+                    <a:spcPts val="0"/>
+                  </a:spcBef>
+                  <a:spcAft>
+                    <a:spcPts val="0"/>
+                  </a:spcAft>
+                  <a:buClrTx/>
+                  <a:buSzTx/>
+                  <a:buFontTx/>
+                  <a:buNone/>
+                  <a:tabLst/>
+                  <a:defRPr/>
+                </a:pPr>
+                <a:r>
+                  <a:rPr kumimoji="0" lang="en-US" sz="1800" b="1" i="0" u="none" strike="noStrike" kern="100" cap="none" spc="0" normalizeH="0" baseline="0" noProof="0" dirty="0">
+                    <a:ln>
+                      <a:noFill/>
+                    </a:ln>
+                    <a:solidFill>
+                      <a:srgbClr val="C00000"/>
+                    </a:solidFill>
+                    <a:effectLst/>
+                    <a:uLnTx/>
+                    <a:uFillTx/>
+                    <a:latin typeface="Amasis MT Pro Black" panose="02040A04050005020304" pitchFamily="18" charset="0"/>
+                    <a:ea typeface="+mn-ea"/>
+                    <a:cs typeface="Times New Roman" panose="02020603050405020304" pitchFamily="18" charset="0"/>
+                  </a:rPr>
+                  <a:t>‘+’ add locker</a:t>
+                </a:r>
+              </a:p>
+            </p:txBody>
+          </p:sp>
+        </p:grpSp>
+      </p:grpSp>
+      <p:sp>
+        <p:nvSpPr>
+          <p:cNvPr id="13" name="TextBox 12">
+            <a:extLst>
+              <a:ext uri="{FF2B5EF4-FFF2-40B4-BE49-F238E27FC236}">
+                <a16:creationId xmlns:a16="http://schemas.microsoft.com/office/drawing/2014/main" id="{0D39CA6A-63CD-14A1-2EAE-5608508361CA}"/>
               </a:ext>
             </a:extLst>
           </p:cNvPr>
@@ -7773,8 +8616,128 @@
         </p:nvSpPr>
         <p:spPr>
           <a:xfrm>
-            <a:off x="7791451" y="505379"/>
-            <a:ext cx="2198038" cy="923330"/>
+            <a:off x="6750422" y="2681049"/>
+            <a:ext cx="3239067" cy="646331"/>
+          </a:xfrm>
+          <a:prstGeom prst="rect">
+            <a:avLst/>
+          </a:prstGeom>
+          <a:noFill/>
+        </p:spPr>
+        <p:txBody>
+          <a:bodyPr wrap="square">
+            <a:spAutoFit/>
+          </a:bodyPr>
+          <a:lstStyle/>
+          <a:p>
+            <a:r>
+              <a:rPr kumimoji="0" lang="en-US" sz="3600" b="1" i="0" u="none" strike="noStrike" kern="100" cap="none" spc="0" normalizeH="0" baseline="0" noProof="0" dirty="0">
+                <a:ln>
+                  <a:noFill/>
+                </a:ln>
+                <a:solidFill>
+                  <a:srgbClr val="C00000"/>
+                </a:solidFill>
+                <a:effectLst/>
+                <a:uLnTx/>
+                <a:uFillTx/>
+                <a:latin typeface="Amasis MT Pro Black" panose="02040A04050005020304" pitchFamily="18" charset="0"/>
+                <a:ea typeface="+mn-ea"/>
+                <a:cs typeface="Times New Roman" panose="02020603050405020304" pitchFamily="18" charset="0"/>
+              </a:rPr>
+              <a:t>Open</a:t>
+            </a:r>
+            <a:r>
+              <a:rPr lang="en-US" sz="3600" b="1" kern="100" dirty="0">
+                <a:solidFill>
+                  <a:srgbClr val="C00000"/>
+                </a:solidFill>
+                <a:latin typeface="Amasis MT Pro Black" panose="02040A04050005020304" pitchFamily="18" charset="0"/>
+                <a:cs typeface="Times New Roman" panose="02020603050405020304" pitchFamily="18" charset="0"/>
+              </a:rPr>
+              <a:t>/</a:t>
+            </a:r>
+            <a:r>
+              <a:rPr kumimoji="0" lang="en-US" sz="3600" b="1" i="0" u="none" strike="noStrike" kern="100" cap="none" spc="0" normalizeH="0" baseline="0" noProof="0" dirty="0">
+                <a:ln>
+                  <a:noFill/>
+                </a:ln>
+                <a:solidFill>
+                  <a:srgbClr val="C00000"/>
+                </a:solidFill>
+                <a:effectLst/>
+                <a:uLnTx/>
+                <a:uFillTx/>
+                <a:latin typeface="Amasis MT Pro Black" panose="02040A04050005020304" pitchFamily="18" charset="0"/>
+                <a:ea typeface="+mn-ea"/>
+                <a:cs typeface="Times New Roman" panose="02020603050405020304" pitchFamily="18" charset="0"/>
+              </a:rPr>
+              <a:t>Close</a:t>
+            </a:r>
+            <a:endParaRPr lang="en-US" sz="3600" dirty="0"/>
+          </a:p>
+        </p:txBody>
+      </p:sp>
+      <p:sp>
+        <p:nvSpPr>
+          <p:cNvPr id="14" name="TextBox 13">
+            <a:extLst>
+              <a:ext uri="{FF2B5EF4-FFF2-40B4-BE49-F238E27FC236}">
+                <a16:creationId xmlns:a16="http://schemas.microsoft.com/office/drawing/2014/main" id="{94C80750-ED7D-00B1-D6B5-DC3343C036D0}"/>
+              </a:ext>
+            </a:extLst>
+          </p:cNvPr>
+          <p:cNvSpPr txBox="1"/>
+          <p:nvPr/>
+        </p:nvSpPr>
+        <p:spPr>
+          <a:xfrm>
+            <a:off x="6750421" y="3149319"/>
+            <a:ext cx="5149567" cy="1938992"/>
+          </a:xfrm>
+          <a:prstGeom prst="rect">
+            <a:avLst/>
+          </a:prstGeom>
+          <a:noFill/>
+        </p:spPr>
+        <p:txBody>
+          <a:bodyPr wrap="square">
+            <a:spAutoFit/>
+          </a:bodyPr>
+          <a:lstStyle/>
+          <a:p>
+            <a:r>
+              <a:rPr lang="en-US" sz="2400" kern="100" dirty="0">
+                <a:solidFill>
+                  <a:schemeClr val="tx1">
+                    <a:lumMod val="65000"/>
+                    <a:lumOff val="35000"/>
+                  </a:schemeClr>
+                </a:solidFill>
+                <a:latin typeface="Angsana New" panose="02020603050405020304" pitchFamily="18" charset="-34"/>
+                <a:cs typeface="Angsana New" panose="02020603050405020304" pitchFamily="18" charset="-34"/>
+              </a:rPr>
+              <a:t>You can open or close multiple lockers simultaneously. Choose “All” or select a specific student by entering their student number, then press the Open/Close button. To enter a student number, uncheck All and input the number using the keyboard or numpad.</a:t>
+            </a:r>
+          </a:p>
+        </p:txBody>
+      </p:sp>
+      <p:sp>
+        <p:nvSpPr>
+          <p:cNvPr id="21" name="TextBox 20">
+            <a:extLst>
+              <a:ext uri="{FF2B5EF4-FFF2-40B4-BE49-F238E27FC236}">
+                <a16:creationId xmlns:a16="http://schemas.microsoft.com/office/drawing/2014/main" id="{5768B4D1-1967-B8A8-0C87-E44E08A002A2}"/>
+              </a:ext>
+            </a:extLst>
+          </p:cNvPr>
+          <p:cNvSpPr txBox="1"/>
+          <p:nvPr/>
+        </p:nvSpPr>
+        <p:spPr>
+          <a:xfrm>
+            <a:off x="707345" y="505379"/>
+            <a:ext cx="6334876" cy="923330"/>
           </a:xfrm>
           <a:prstGeom prst="rect">
             <a:avLst/>
@@ -7810,9 +8773,7 @@
                   <a:noFill/>
                 </a:ln>
                 <a:solidFill>
-                  <a:srgbClr val="A5A5A5">
-                    <a:lumMod val="50000"/>
-                  </a:srgbClr>
+                  <a:prstClr val="black"/>
                 </a:solidFill>
                 <a:effectLst/>
                 <a:uLnTx/>
@@ -7821,16 +8782,14 @@
                 <a:ea typeface="+mn-ea"/>
                 <a:cs typeface="Times New Roman" panose="02020603050405020304" pitchFamily="18" charset="0"/>
               </a:rPr>
-              <a:t>Game</a:t>
+              <a:t>The Locker Game</a:t>
             </a:r>
             <a:endParaRPr kumimoji="0" lang="en-US" sz="1600" b="1" i="0" u="none" strike="noStrike" kern="1200" cap="none" spc="300" normalizeH="0" baseline="0" noProof="0" dirty="0">
               <a:ln>
                 <a:noFill/>
               </a:ln>
               <a:solidFill>
-                <a:srgbClr val="A5A5A5">
-                  <a:lumMod val="50000"/>
-                </a:srgbClr>
+                <a:prstClr val="black"/>
               </a:solidFill>
               <a:effectLst/>
               <a:uLnTx/>
@@ -7842,12 +8801,124 @@
           </a:p>
         </p:txBody>
       </p:sp>
-      <p:sp>
-        <p:nvSpPr>
-          <p:cNvPr id="22" name="TextBox 21">
-            <a:extLst>
-              <a:ext uri="{FF2B5EF4-FFF2-40B4-BE49-F238E27FC236}">
-                <a16:creationId xmlns:a16="http://schemas.microsoft.com/office/drawing/2014/main" id="{AD1D5CCF-0A23-99EB-DD19-3B2DAFCB1026}"/>
+      <p:pic>
+        <p:nvPicPr>
+          <p:cNvPr id="25" name="Picture 24" descr="A grey rectangular object with a yellow knob&#10;&#10;Description automatically generated">
+            <a:extLst>
+              <a:ext uri="{FF2B5EF4-FFF2-40B4-BE49-F238E27FC236}">
+                <a16:creationId xmlns:a16="http://schemas.microsoft.com/office/drawing/2014/main" id="{A2C66D8E-35F1-FD9C-65BC-46DC26F2C9C3}"/>
+              </a:ext>
+            </a:extLst>
+          </p:cNvPr>
+          <p:cNvPicPr>
+            <a:picLocks noChangeAspect="1"/>
+          </p:cNvPicPr>
+          <p:nvPr/>
+        </p:nvPicPr>
+        <p:blipFill>
+          <a:blip r:embed="rId4">
+            <a:extLst>
+              <a:ext uri="{28A0092B-C50C-407E-A947-70E740481C1C}">
+                <a14:useLocalDpi xmlns:a14="http://schemas.microsoft.com/office/drawing/2010/main" val="0"/>
+              </a:ext>
+            </a:extLst>
+          </a:blip>
+          <a:stretch>
+            <a:fillRect/>
+          </a:stretch>
+        </p:blipFill>
+        <p:spPr>
+          <a:xfrm>
+            <a:off x="11419912" y="6056979"/>
+            <a:ext cx="493619" cy="666895"/>
+          </a:xfrm>
+          <a:prstGeom prst="rect">
+            <a:avLst/>
+          </a:prstGeom>
+        </p:spPr>
+      </p:pic>
+      <p:sp>
+        <p:nvSpPr>
+          <p:cNvPr id="26" name="Slide Number Placeholder 25">
+            <a:extLst>
+              <a:ext uri="{FF2B5EF4-FFF2-40B4-BE49-F238E27FC236}">
+                <a16:creationId xmlns:a16="http://schemas.microsoft.com/office/drawing/2014/main" id="{A24357F3-0989-B90D-1EC7-1684ADFB8660}"/>
+              </a:ext>
+            </a:extLst>
+          </p:cNvPr>
+          <p:cNvSpPr>
+            <a:spLocks noGrp="1"/>
+          </p:cNvSpPr>
+          <p:nvPr>
+            <p:ph type="sldNum" sz="quarter" idx="12"/>
+          </p:nvPr>
+        </p:nvSpPr>
+        <p:spPr/>
+        <p:txBody>
+          <a:bodyPr/>
+          <a:lstStyle/>
+          <a:p>
+            <a:r>
+              <a:rPr lang="en-US" dirty="0"/>
+              <a:t>5</a:t>
+            </a:r>
+          </a:p>
+        </p:txBody>
+      </p:sp>
+    </p:spTree>
+    <p:extLst>
+      <p:ext uri="{BB962C8B-B14F-4D97-AF65-F5344CB8AC3E}">
+        <p14:creationId xmlns:p14="http://schemas.microsoft.com/office/powerpoint/2010/main" val="1875082268"/>
+      </p:ext>
+    </p:extLst>
+  </p:cSld>
+  <p:clrMapOvr>
+    <a:masterClrMapping/>
+  </p:clrMapOvr>
+  <mc:AlternateContent xmlns:mc="http://schemas.openxmlformats.org/markup-compatibility/2006" xmlns:p159="http://schemas.microsoft.com/office/powerpoint/2015/09/main">
+    <mc:Choice Requires="p159">
+      <p:transition xmlns:p14="http://schemas.microsoft.com/office/powerpoint/2010/main" spd="slow" p14:dur="2000">
+        <p159:morph option="byObject"/>
+      </p:transition>
+    </mc:Choice>
+    <mc:Fallback xmlns="">
+      <p:transition spd="slow">
+        <p:fade/>
+      </p:transition>
+    </mc:Fallback>
+  </mc:AlternateContent>
+</p:sld>
+</file>
+
+<file path=ppt/slides/slide7.xml><?xml version="1.0" encoding="utf-8"?>
+<p:sld xmlns:a="http://schemas.openxmlformats.org/drawingml/2006/main" xmlns:r="http://schemas.openxmlformats.org/officeDocument/2006/relationships" xmlns:p="http://schemas.openxmlformats.org/presentationml/2006/main">
+  <p:cSld>
+    <p:spTree>
+      <p:nvGrpSpPr>
+        <p:cNvPr id="1" name="">
+          <a:extLst>
+            <a:ext uri="{FF2B5EF4-FFF2-40B4-BE49-F238E27FC236}">
+              <a16:creationId xmlns:a16="http://schemas.microsoft.com/office/drawing/2014/main" id="{5E902648-4B23-3BCE-7D63-42A55305828F}"/>
+            </a:ext>
+          </a:extLst>
+        </p:cNvPr>
+        <p:cNvGrpSpPr/>
+        <p:nvPr/>
+      </p:nvGrpSpPr>
+      <p:grpSpPr>
+        <a:xfrm>
+          <a:off x="0" y="0"/>
+          <a:ext cx="0" cy="0"/>
+          <a:chOff x="0" y="0"/>
+          <a:chExt cx="0" cy="0"/>
+        </a:xfrm>
+      </p:grpSpPr>
+      <p:sp>
+        <p:nvSpPr>
+          <p:cNvPr id="4" name="TextBox 3">
+            <a:extLst>
+              <a:ext uri="{FF2B5EF4-FFF2-40B4-BE49-F238E27FC236}">
+                <a16:creationId xmlns:a16="http://schemas.microsoft.com/office/drawing/2014/main" id="{9C81D18C-88B3-7753-F47D-937563536606}"/>
               </a:ext>
             </a:extLst>
           </p:cNvPr>
@@ -7856,8 +8927,8 @@
         </p:nvSpPr>
         <p:spPr>
           <a:xfrm>
-            <a:off x="6512864" y="1740881"/>
-            <a:ext cx="5250511" cy="825932"/>
+            <a:off x="920733" y="1336376"/>
+            <a:ext cx="4208116" cy="4563622"/>
           </a:xfrm>
           <a:prstGeom prst="rect">
             <a:avLst/>
@@ -7865,10 +8936,28 @@
           <a:noFill/>
         </p:spPr>
         <p:txBody>
-          <a:bodyPr wrap="square">
+          <a:bodyPr wrap="square" rtlCol="0">
             <a:spAutoFit/>
           </a:bodyPr>
           <a:lstStyle/>
+          <a:p>
+            <a:pPr lvl="0">
+              <a:lnSpc>
+                <a:spcPct val="150000"/>
+              </a:lnSpc>
+              <a:defRPr/>
+            </a:pPr>
+            <a:r>
+              <a:rPr lang="en-US" sz="2800" u="sng" kern="100" dirty="0">
+                <a:solidFill>
+                  <a:prstClr val="black"/>
+                </a:solidFill>
+                <a:latin typeface="Abel" panose="02000506030000020004" pitchFamily="2" charset="0"/>
+                <a:cs typeface="Times New Roman" panose="02020603050405020304" pitchFamily="18" charset="0"/>
+              </a:rPr>
+              <a:t>How to play:</a:t>
+            </a:r>
+          </a:p>
           <a:p>
             <a:pPr marL="0" marR="0" lvl="0" indent="0" algn="l" defTabSz="914400" rtl="0" eaLnBrk="1" fontAlgn="auto" latinLnBrk="0" hangingPunct="1">
               <a:lnSpc>
@@ -7887,6 +8976,16 @@
               <a:tabLst/>
               <a:defRPr/>
             </a:pPr>
+            <a:r>
+              <a:rPr lang="en-US" sz="2400" kern="100" dirty="0">
+                <a:solidFill>
+                  <a:prstClr val="black"/>
+                </a:solidFill>
+                <a:latin typeface="Abel" panose="02000506030000020004" pitchFamily="2" charset="0"/>
+                <a:cs typeface="Times New Roman" panose="02020603050405020304" pitchFamily="18" charset="0"/>
+              </a:rPr>
+              <a:t>6</a:t>
+            </a:r>
             <a:r>
               <a:rPr kumimoji="0" lang="en-US" sz="2400" b="0" i="0" u="none" strike="noStrike" kern="100" cap="none" spc="0" normalizeH="0" baseline="0" noProof="0" dirty="0">
                 <a:ln>
@@ -7902,43 +9001,28 @@
                 <a:ea typeface="+mn-ea"/>
                 <a:cs typeface="Times New Roman" panose="02020603050405020304" pitchFamily="18" charset="0"/>
               </a:rPr>
-              <a:t>7. Press “M” to go back to the  </a:t>
-            </a:r>
-            <a:r>
-              <a:rPr kumimoji="0" lang="en-US" sz="3600" b="1" i="0" u="none" strike="noStrike" kern="100" cap="none" spc="0" normalizeH="0" baseline="0" noProof="0" dirty="0">
-                <a:ln>
-                  <a:noFill/>
-                </a:ln>
-                <a:solidFill>
-                  <a:srgbClr val="C00000"/>
-                </a:solidFill>
-                <a:effectLst/>
-                <a:uLnTx/>
-                <a:uFillTx/>
-                <a:latin typeface="Amasis MT Pro Black" panose="02040A04050005020304" pitchFamily="18" charset="0"/>
-                <a:ea typeface="+mn-ea"/>
-                <a:cs typeface="Times New Roman" panose="02020603050405020304" pitchFamily="18" charset="0"/>
-              </a:rPr>
-              <a:t>menu</a:t>
-            </a:r>
-            <a:r>
-              <a:rPr kumimoji="0" lang="en-US" sz="2400" b="0" i="0" u="none" strike="noStrike" kern="100" cap="none" spc="0" normalizeH="0" baseline="0" noProof="0" dirty="0">
-                <a:ln>
-                  <a:noFill/>
-                </a:ln>
-                <a:solidFill>
-                  <a:prstClr val="black"/>
-                </a:solidFill>
-                <a:effectLst/>
-                <a:uLnTx/>
-                <a:uFillTx/>
-                <a:latin typeface="Abel" panose="02000506030000020004" pitchFamily="2" charset="0"/>
-                <a:ea typeface="+mn-ea"/>
-                <a:cs typeface="Times New Roman" panose="02020603050405020304" pitchFamily="18" charset="0"/>
-              </a:rPr>
-              <a:t>.</a:t>
-            </a:r>
-            <a:endParaRPr kumimoji="0" lang="en-US" sz="2000" b="0" i="0" u="none" strike="noStrike" kern="100" cap="none" spc="0" normalizeH="0" baseline="0" noProof="0" dirty="0">
+              <a:t>. In-game buttons</a:t>
+            </a:r>
+          </a:p>
+          <a:p>
+            <a:pPr marL="0" marR="0" lvl="0" indent="0" algn="l" defTabSz="914400" rtl="0" eaLnBrk="1" fontAlgn="auto" latinLnBrk="0" hangingPunct="1">
+              <a:lnSpc>
+                <a:spcPct val="150000"/>
+              </a:lnSpc>
+              <a:spcBef>
+                <a:spcPts val="0"/>
+              </a:spcBef>
+              <a:spcAft>
+                <a:spcPts val="0"/>
+              </a:spcAft>
+              <a:buClrTx/>
+              <a:buSzTx/>
+              <a:buFontTx/>
+              <a:buNone/>
+              <a:tabLst/>
+              <a:defRPr/>
+            </a:pPr>
+            <a:endParaRPr kumimoji="0" lang="en-US" sz="2400" b="0" i="0" u="none" strike="noStrike" kern="100" cap="none" spc="0" normalizeH="0" baseline="0" noProof="0" dirty="0">
               <a:ln>
                 <a:noFill/>
               </a:ln>
@@ -7953,14 +9037,208 @@
               <a:cs typeface="Times New Roman" panose="02020603050405020304" pitchFamily="18" charset="0"/>
             </a:endParaRPr>
           </a:p>
+          <a:p>
+            <a:pPr marL="0" marR="0" lvl="0" indent="0" algn="l" defTabSz="914400" rtl="0" eaLnBrk="1" fontAlgn="auto" latinLnBrk="0" hangingPunct="1">
+              <a:lnSpc>
+                <a:spcPct val="150000"/>
+              </a:lnSpc>
+              <a:spcBef>
+                <a:spcPts val="0"/>
+              </a:spcBef>
+              <a:spcAft>
+                <a:spcPts val="0"/>
+              </a:spcAft>
+              <a:buClrTx/>
+              <a:buSzTx/>
+              <a:buFontTx/>
+              <a:buNone/>
+              <a:tabLst/>
+              <a:defRPr/>
+            </a:pPr>
+            <a:endParaRPr kumimoji="0" lang="en-US" sz="2400" b="0" i="0" u="none" strike="noStrike" kern="100" cap="none" spc="0" normalizeH="0" baseline="0" noProof="0" dirty="0">
+              <a:ln>
+                <a:noFill/>
+              </a:ln>
+              <a:solidFill>
+                <a:prstClr val="black"/>
+              </a:solidFill>
+              <a:effectLst/>
+              <a:uLnTx/>
+              <a:uFillTx/>
+              <a:latin typeface="Abel" panose="02000506030000020004" pitchFamily="2" charset="0"/>
+              <a:ea typeface="+mn-ea"/>
+              <a:cs typeface="Times New Roman" panose="02020603050405020304" pitchFamily="18" charset="0"/>
+            </a:endParaRPr>
+          </a:p>
+          <a:p>
+            <a:pPr marL="0" marR="0" lvl="0" indent="0" algn="l" defTabSz="914400" rtl="0" eaLnBrk="1" fontAlgn="auto" latinLnBrk="0" hangingPunct="1">
+              <a:lnSpc>
+                <a:spcPct val="150000"/>
+              </a:lnSpc>
+              <a:spcBef>
+                <a:spcPts val="0"/>
+              </a:spcBef>
+              <a:spcAft>
+                <a:spcPts val="0"/>
+              </a:spcAft>
+              <a:buClrTx/>
+              <a:buSzTx/>
+              <a:buFontTx/>
+              <a:buNone/>
+              <a:tabLst/>
+              <a:defRPr/>
+            </a:pPr>
+            <a:endParaRPr kumimoji="0" lang="en-US" sz="2400" b="0" i="0" u="none" strike="noStrike" kern="100" cap="none" spc="0" normalizeH="0" baseline="0" noProof="0" dirty="0">
+              <a:ln>
+                <a:noFill/>
+              </a:ln>
+              <a:solidFill>
+                <a:prstClr val="black"/>
+              </a:solidFill>
+              <a:effectLst/>
+              <a:uLnTx/>
+              <a:uFillTx/>
+              <a:latin typeface="Abel" panose="02000506030000020004" pitchFamily="2" charset="0"/>
+              <a:ea typeface="+mn-ea"/>
+              <a:cs typeface="Times New Roman" panose="02020603050405020304" pitchFamily="18" charset="0"/>
+            </a:endParaRPr>
+          </a:p>
+          <a:p>
+            <a:pPr marL="0" marR="0" lvl="0" indent="0" algn="l" defTabSz="914400" rtl="0" eaLnBrk="1" fontAlgn="auto" latinLnBrk="0" hangingPunct="1">
+              <a:lnSpc>
+                <a:spcPct val="150000"/>
+              </a:lnSpc>
+              <a:spcBef>
+                <a:spcPts val="0"/>
+              </a:spcBef>
+              <a:spcAft>
+                <a:spcPts val="0"/>
+              </a:spcAft>
+              <a:buClrTx/>
+              <a:buSzTx/>
+              <a:buFontTx/>
+              <a:buNone/>
+              <a:tabLst/>
+              <a:defRPr/>
+            </a:pPr>
+            <a:endParaRPr kumimoji="0" lang="en-US" sz="2400" b="0" i="0" u="none" strike="noStrike" kern="100" cap="none" spc="0" normalizeH="0" baseline="0" noProof="0" dirty="0">
+              <a:ln>
+                <a:noFill/>
+              </a:ln>
+              <a:solidFill>
+                <a:prstClr val="black"/>
+              </a:solidFill>
+              <a:effectLst/>
+              <a:uLnTx/>
+              <a:uFillTx/>
+              <a:latin typeface="Abel" panose="02000506030000020004" pitchFamily="2" charset="0"/>
+              <a:ea typeface="+mn-ea"/>
+              <a:cs typeface="Times New Roman" panose="02020603050405020304" pitchFamily="18" charset="0"/>
+            </a:endParaRPr>
+          </a:p>
+          <a:p>
+            <a:pPr marL="0" marR="0" lvl="0" indent="0" algn="l" defTabSz="914400" rtl="0" eaLnBrk="1" fontAlgn="auto" latinLnBrk="0" hangingPunct="1">
+              <a:lnSpc>
+                <a:spcPct val="150000"/>
+              </a:lnSpc>
+              <a:spcBef>
+                <a:spcPts val="0"/>
+              </a:spcBef>
+              <a:spcAft>
+                <a:spcPts val="0"/>
+              </a:spcAft>
+              <a:buClrTx/>
+              <a:buSzTx/>
+              <a:buFontTx/>
+              <a:buNone/>
+              <a:tabLst/>
+              <a:defRPr/>
+            </a:pPr>
+            <a:endParaRPr kumimoji="0" lang="en-US" sz="2400" b="0" i="0" u="none" strike="noStrike" kern="100" cap="none" spc="0" normalizeH="0" baseline="0" noProof="0" dirty="0">
+              <a:ln>
+                <a:noFill/>
+              </a:ln>
+              <a:solidFill>
+                <a:prstClr val="black"/>
+              </a:solidFill>
+              <a:effectLst/>
+              <a:uLnTx/>
+              <a:uFillTx/>
+              <a:latin typeface="Abel" panose="02000506030000020004" pitchFamily="2" charset="0"/>
+              <a:ea typeface="+mn-ea"/>
+              <a:cs typeface="Times New Roman" panose="02020603050405020304" pitchFamily="18" charset="0"/>
+            </a:endParaRPr>
+          </a:p>
+          <a:p>
+            <a:pPr marL="0" marR="0" lvl="0" indent="0" algn="l" defTabSz="914400" rtl="0" eaLnBrk="1" fontAlgn="auto" latinLnBrk="0" hangingPunct="1">
+              <a:lnSpc>
+                <a:spcPct val="150000"/>
+              </a:lnSpc>
+              <a:spcBef>
+                <a:spcPts val="0"/>
+              </a:spcBef>
+              <a:spcAft>
+                <a:spcPts val="0"/>
+              </a:spcAft>
+              <a:buClrTx/>
+              <a:buSzTx/>
+              <a:buFontTx/>
+              <a:buNone/>
+              <a:tabLst/>
+              <a:defRPr/>
+            </a:pPr>
+            <a:endParaRPr kumimoji="0" lang="en-US" sz="2400" b="0" i="0" u="none" strike="noStrike" kern="100" cap="none" spc="0" normalizeH="0" baseline="0" noProof="0" dirty="0">
+              <a:ln>
+                <a:noFill/>
+              </a:ln>
+              <a:solidFill>
+                <a:prstClr val="black"/>
+              </a:solidFill>
+              <a:effectLst/>
+              <a:uLnTx/>
+              <a:uFillTx/>
+              <a:latin typeface="Abel" panose="02000506030000020004" pitchFamily="2" charset="0"/>
+              <a:ea typeface="+mn-ea"/>
+              <a:cs typeface="Times New Roman" panose="02020603050405020304" pitchFamily="18" charset="0"/>
+            </a:endParaRPr>
+          </a:p>
         </p:txBody>
       </p:sp>
+      <p:pic>
+        <p:nvPicPr>
+          <p:cNvPr id="9" name="Picture 8">
+            <a:extLst>
+              <a:ext uri="{FF2B5EF4-FFF2-40B4-BE49-F238E27FC236}">
+                <a16:creationId xmlns:a16="http://schemas.microsoft.com/office/drawing/2014/main" id="{E0EB6FC2-9B3E-04DC-ABE6-A458929E9044}"/>
+              </a:ext>
+            </a:extLst>
+          </p:cNvPr>
+          <p:cNvPicPr>
+            <a:picLocks noChangeAspect="1"/>
+          </p:cNvPicPr>
+          <p:nvPr/>
+        </p:nvPicPr>
+        <p:blipFill>
+          <a:blip r:embed="rId3"/>
+          <a:srcRect l="81218"/>
+          <a:stretch/>
+        </p:blipFill>
+        <p:spPr>
+          <a:xfrm>
+            <a:off x="4540313" y="2000637"/>
+            <a:ext cx="1555687" cy="4637703"/>
+          </a:xfrm>
+          <a:prstGeom prst="rect">
+            <a:avLst/>
+          </a:prstGeom>
+        </p:spPr>
+      </p:pic>
       <p:grpSp>
         <p:nvGrpSpPr>
-          <p:cNvPr id="29" name="Group 28">
-            <a:extLst>
-              <a:ext uri="{FF2B5EF4-FFF2-40B4-BE49-F238E27FC236}">
-                <a16:creationId xmlns:a16="http://schemas.microsoft.com/office/drawing/2014/main" id="{1D277544-BB86-C667-32FC-EEFEBF18A362}"/>
+          <p:cNvPr id="18" name="Group 17">
+            <a:extLst>
+              <a:ext uri="{FF2B5EF4-FFF2-40B4-BE49-F238E27FC236}">
+                <a16:creationId xmlns:a16="http://schemas.microsoft.com/office/drawing/2014/main" id="{062F66FB-5E63-947D-510C-AD60AD0DF65F}"/>
               </a:ext>
             </a:extLst>
           </p:cNvPr>
@@ -7969,18 +9247,18 @@
         </p:nvGrpSpPr>
         <p:grpSpPr>
           <a:xfrm>
-            <a:off x="6512863" y="4324601"/>
-            <a:ext cx="5250511" cy="1208244"/>
-            <a:chOff x="6941488" y="2826258"/>
-            <a:chExt cx="5250511" cy="1208244"/>
+            <a:off x="795366" y="2279680"/>
+            <a:ext cx="3774668" cy="4239033"/>
+            <a:chOff x="6889551" y="2463331"/>
+            <a:chExt cx="3774668" cy="4239033"/>
           </a:xfrm>
         </p:grpSpPr>
         <p:sp>
           <p:nvSpPr>
-            <p:cNvPr id="23" name="TextBox 22">
+            <p:cNvPr id="16" name="TextBox 15">
               <a:extLst>
                 <a:ext uri="{FF2B5EF4-FFF2-40B4-BE49-F238E27FC236}">
-                  <a16:creationId xmlns:a16="http://schemas.microsoft.com/office/drawing/2014/main" id="{EB2BD3A3-8B1A-152F-D2C6-9EF73E03782D}"/>
+                  <a16:creationId xmlns:a16="http://schemas.microsoft.com/office/drawing/2014/main" id="{95F3E720-EA0F-CC39-07D0-CCA78A21CBF8}"/>
                 </a:ext>
               </a:extLst>
             </p:cNvPr>
@@ -7989,229 +9267,7 @@
           </p:nvSpPr>
           <p:spPr>
             <a:xfrm>
-              <a:off x="6941488" y="2826258"/>
-              <a:ext cx="5250511" cy="1147302"/>
-            </a:xfrm>
-            <a:prstGeom prst="rect">
-              <a:avLst/>
-            </a:prstGeom>
-            <a:noFill/>
-          </p:spPr>
-          <p:txBody>
-            <a:bodyPr wrap="square">
-              <a:spAutoFit/>
-            </a:bodyPr>
-            <a:lstStyle/>
-            <a:p>
-              <a:pPr marL="0" marR="0" lvl="0" indent="0" algn="l" defTabSz="914400" rtl="0" eaLnBrk="1" fontAlgn="auto" latinLnBrk="0" hangingPunct="1">
-                <a:lnSpc>
-                  <a:spcPct val="150000"/>
-                </a:lnSpc>
-                <a:spcBef>
-                  <a:spcPts val="0"/>
-                </a:spcBef>
-                <a:spcAft>
-                  <a:spcPts val="0"/>
-                </a:spcAft>
-                <a:buClrTx/>
-                <a:buSzTx/>
-                <a:buFontTx/>
-                <a:buNone/>
-                <a:tabLst/>
-                <a:defRPr/>
-              </a:pPr>
-              <a:r>
-                <a:rPr kumimoji="0" lang="en-US" sz="2400" b="0" i="0" u="none" strike="noStrike" kern="100" cap="none" spc="0" normalizeH="0" baseline="0" noProof="0" dirty="0">
-                  <a:ln>
-                    <a:noFill/>
-                  </a:ln>
-                  <a:solidFill>
-                    <a:prstClr val="black"/>
-                  </a:solidFill>
-                  <a:effectLst/>
-                  <a:uLnTx/>
-                  <a:uFillTx/>
-                  <a:latin typeface="Abel" panose="02000506030000020004" pitchFamily="2" charset="0"/>
-                  <a:ea typeface="+mn-ea"/>
-                  <a:cs typeface="Times New Roman" panose="02020603050405020304" pitchFamily="18" charset="0"/>
-                </a:rPr>
-                <a:t>8. In case of emergency (game broke), refresh.</a:t>
-              </a:r>
-              <a:endParaRPr kumimoji="0" lang="en-US" sz="2000" b="0" i="0" u="none" strike="noStrike" kern="100" cap="none" spc="0" normalizeH="0" baseline="0" noProof="0" dirty="0">
-                <a:ln>
-                  <a:noFill/>
-                </a:ln>
-                <a:solidFill>
-                  <a:prstClr val="black"/>
-                </a:solidFill>
-                <a:effectLst/>
-                <a:uLnTx/>
-                <a:uFillTx/>
-                <a:latin typeface="Abel" panose="02000506030000020004" pitchFamily="2" charset="0"/>
-                <a:ea typeface="+mn-ea"/>
-                <a:cs typeface="Times New Roman" panose="02020603050405020304" pitchFamily="18" charset="0"/>
-              </a:endParaRPr>
-            </a:p>
-          </p:txBody>
-        </p:sp>
-        <p:pic>
-          <p:nvPicPr>
-            <p:cNvPr id="28" name="Graphic 27">
-              <a:extLst>
-                <a:ext uri="{FF2B5EF4-FFF2-40B4-BE49-F238E27FC236}">
-                  <a16:creationId xmlns:a16="http://schemas.microsoft.com/office/drawing/2014/main" id="{9A2B029D-80C6-3DF0-4E17-6D24FAF7AE85}"/>
-                </a:ext>
-              </a:extLst>
-            </p:cNvPr>
-            <p:cNvPicPr>
-              <a:picLocks noChangeAspect="1"/>
-            </p:cNvPicPr>
-            <p:nvPr/>
-          </p:nvPicPr>
-          <p:blipFill>
-            <a:blip r:embed="rId3">
-              <a:extLst>
-                <a:ext uri="{28A0092B-C50C-407E-A947-70E740481C1C}">
-                  <a14:useLocalDpi xmlns:a14="http://schemas.microsoft.com/office/drawing/2010/main" val="0"/>
-                </a:ext>
-                <a:ext uri="{96DAC541-7B7A-43D3-8B79-37D633B846F1}">
-                  <asvg:svgBlip xmlns:asvg="http://schemas.microsoft.com/office/drawing/2016/SVG/main" r:embed="rId4"/>
-                </a:ext>
-              </a:extLst>
-            </a:blip>
-            <a:stretch>
-              <a:fillRect/>
-            </a:stretch>
-          </p:blipFill>
-          <p:spPr>
-            <a:xfrm>
-              <a:off x="7951123" y="3429000"/>
-              <a:ext cx="605502" cy="605502"/>
-            </a:xfrm>
-            <a:prstGeom prst="rect">
-              <a:avLst/>
-            </a:prstGeom>
-          </p:spPr>
-        </p:pic>
-      </p:grpSp>
-      <p:sp>
-        <p:nvSpPr>
-          <p:cNvPr id="30" name="TextBox 29">
-            <a:extLst>
-              <a:ext uri="{FF2B5EF4-FFF2-40B4-BE49-F238E27FC236}">
-                <a16:creationId xmlns:a16="http://schemas.microsoft.com/office/drawing/2014/main" id="{EE3F4FD9-B6F7-FC29-E8F7-E7FCDE610D32}"/>
-              </a:ext>
-            </a:extLst>
-          </p:cNvPr>
-          <p:cNvSpPr txBox="1"/>
-          <p:nvPr/>
-        </p:nvSpPr>
-        <p:spPr>
-          <a:xfrm>
-            <a:off x="7016625" y="6404003"/>
-            <a:ext cx="5267019" cy="461665"/>
-          </a:xfrm>
-          <a:prstGeom prst="rect">
-            <a:avLst/>
-          </a:prstGeom>
-          <a:noFill/>
-        </p:spPr>
-        <p:txBody>
-          <a:bodyPr wrap="none" rtlCol="0">
-            <a:spAutoFit/>
-          </a:bodyPr>
-          <a:lstStyle/>
-          <a:p>
-            <a:pPr marL="0" marR="0" lvl="0" indent="0" algn="l" defTabSz="914400" rtl="0" eaLnBrk="1" fontAlgn="auto" latinLnBrk="0" hangingPunct="1">
-              <a:lnSpc>
-                <a:spcPct val="100000"/>
-              </a:lnSpc>
-              <a:spcBef>
-                <a:spcPts val="0"/>
-              </a:spcBef>
-              <a:spcAft>
-                <a:spcPts val="0"/>
-              </a:spcAft>
-              <a:buClrTx/>
-              <a:buSzTx/>
-              <a:buFontTx/>
-              <a:buNone/>
-              <a:tabLst/>
-              <a:defRPr/>
-            </a:pPr>
-            <a:r>
-              <a:rPr kumimoji="0" lang="en-US" sz="2400" b="1" i="0" u="none" strike="noStrike" kern="100" cap="none" spc="0" normalizeH="0" baseline="0" noProof="0" dirty="0">
-                <a:ln>
-                  <a:noFill/>
-                </a:ln>
-                <a:solidFill>
-                  <a:srgbClr val="A5A5A5">
-                    <a:lumMod val="50000"/>
-                  </a:srgbClr>
-                </a:solidFill>
-                <a:effectLst/>
-                <a:uLnTx/>
-                <a:uFillTx/>
-                <a:latin typeface="Amasis MT Pro Black" panose="02040A04050005020304" pitchFamily="18" charset="0"/>
-                <a:ea typeface="+mn-ea"/>
-                <a:cs typeface="Times New Roman" panose="02020603050405020304" pitchFamily="18" charset="0"/>
-              </a:rPr>
-              <a:t>Thank you for playing my game!</a:t>
-            </a:r>
-            <a:endParaRPr kumimoji="0" lang="en-US" sz="800" b="1" i="0" u="none" strike="noStrike" kern="1200" cap="none" spc="300" normalizeH="0" baseline="0" noProof="0" dirty="0">
-              <a:ln>
-                <a:noFill/>
-              </a:ln>
-              <a:solidFill>
-                <a:srgbClr val="A5A5A5">
-                  <a:lumMod val="50000"/>
-                </a:srgbClr>
-              </a:solidFill>
-              <a:effectLst/>
-              <a:uLnTx/>
-              <a:uFillTx/>
-              <a:latin typeface="Britannic Bold" panose="020B0903060703020204" pitchFamily="34" charset="0"/>
-              <a:ea typeface="+mn-ea"/>
-              <a:cs typeface="+mn-cs"/>
-            </a:endParaRPr>
-          </a:p>
-        </p:txBody>
-      </p:sp>
-      <p:grpSp>
-        <p:nvGrpSpPr>
-          <p:cNvPr id="18" name="Group 17">
-            <a:extLst>
-              <a:ext uri="{FF2B5EF4-FFF2-40B4-BE49-F238E27FC236}">
-                <a16:creationId xmlns:a16="http://schemas.microsoft.com/office/drawing/2014/main" id="{35CBD134-7C7C-521D-CDC6-BC34E0400FEC}"/>
-              </a:ext>
-            </a:extLst>
-          </p:cNvPr>
-          <p:cNvGrpSpPr/>
-          <p:nvPr/>
-        </p:nvGrpSpPr>
-        <p:grpSpPr>
-          <a:xfrm>
-            <a:off x="825087" y="2382147"/>
-            <a:ext cx="3744947" cy="4210188"/>
-            <a:chOff x="6919272" y="2565798"/>
-            <a:chExt cx="3744947" cy="4210188"/>
-          </a:xfrm>
-        </p:grpSpPr>
-        <p:sp>
-          <p:nvSpPr>
-            <p:cNvPr id="16" name="TextBox 15">
-              <a:extLst>
-                <a:ext uri="{FF2B5EF4-FFF2-40B4-BE49-F238E27FC236}">
-                  <a16:creationId xmlns:a16="http://schemas.microsoft.com/office/drawing/2014/main" id="{DD519D54-B34F-57E6-A48D-AE7183C532ED}"/>
-                </a:ext>
-              </a:extLst>
-            </p:cNvPr>
-            <p:cNvSpPr txBox="1"/>
-            <p:nvPr/>
-          </p:nvSpPr>
-          <p:spPr>
-            <a:xfrm>
-              <a:off x="7260750" y="2565798"/>
+              <a:off x="7296553" y="2463331"/>
               <a:ext cx="3367666" cy="369332"/>
             </a:xfrm>
             <a:prstGeom prst="rect">
@@ -8280,7 +9336,7 @@
             <p:cNvPr id="15" name="TextBox 14">
               <a:extLst>
                 <a:ext uri="{FF2B5EF4-FFF2-40B4-BE49-F238E27FC236}">
-                  <a16:creationId xmlns:a16="http://schemas.microsoft.com/office/drawing/2014/main" id="{2C099C24-A8CD-526F-A17E-0A30155E3733}"/>
+                  <a16:creationId xmlns:a16="http://schemas.microsoft.com/office/drawing/2014/main" id="{E2AF2901-4546-6694-A204-E96D5A922862}"/>
                 </a:ext>
               </a:extLst>
             </p:cNvPr>
@@ -8289,7 +9345,7 @@
           </p:nvSpPr>
           <p:spPr>
             <a:xfrm>
-              <a:off x="8097650" y="2893380"/>
+              <a:off x="8133453" y="3002741"/>
               <a:ext cx="2530766" cy="369332"/>
             </a:xfrm>
             <a:prstGeom prst="rect">
@@ -8358,7 +9414,7 @@
             <p:cNvPr id="17" name="TextBox 16">
               <a:extLst>
                 <a:ext uri="{FF2B5EF4-FFF2-40B4-BE49-F238E27FC236}">
-                  <a16:creationId xmlns:a16="http://schemas.microsoft.com/office/drawing/2014/main" id="{A838A7B8-0220-033B-F06A-512ADE5B9A3D}"/>
+                  <a16:creationId xmlns:a16="http://schemas.microsoft.com/office/drawing/2014/main" id="{0EE0FA09-3516-0363-0CD1-7C3B92BCC5D7}"/>
                 </a:ext>
               </a:extLst>
             </p:cNvPr>
@@ -8367,7 +9423,7 @@
           </p:nvSpPr>
           <p:spPr>
             <a:xfrm>
-              <a:off x="6919272" y="6129655"/>
+              <a:off x="6889551" y="6056033"/>
               <a:ext cx="3744947" cy="646331"/>
             </a:xfrm>
             <a:prstGeom prst="rect">
@@ -8459,7 +9515,45 @@
                   <a:ea typeface="+mn-ea"/>
                   <a:cs typeface="Times New Roman" panose="02020603050405020304" pitchFamily="18" charset="0"/>
                 </a:rPr>
-                <a:t>(you can also press enter)</a:t>
+                <a:t>(click or press </a:t>
+              </a:r>
+              <a:r>
+                <a:rPr lang="en-US" sz="1800" dirty="0"/>
+                <a:t>“E</a:t>
+              </a:r>
+              <a:r>
+                <a:rPr kumimoji="0" lang="en-US" sz="1800" b="1" i="0" u="none" strike="noStrike" kern="100" cap="none" spc="0" normalizeH="0" baseline="0" noProof="0" dirty="0" err="1">
+                  <a:ln>
+                    <a:noFill/>
+                  </a:ln>
+                  <a:solidFill>
+                    <a:srgbClr val="C00000"/>
+                  </a:solidFill>
+                  <a:effectLst/>
+                  <a:uLnTx/>
+                  <a:uFillTx/>
+                  <a:latin typeface="Amasis MT Pro Black" panose="02040A04050005020304" pitchFamily="18" charset="0"/>
+                  <a:ea typeface="+mn-ea"/>
+                  <a:cs typeface="Times New Roman" panose="02020603050405020304" pitchFamily="18" charset="0"/>
+                </a:rPr>
+                <a:t>nter</a:t>
+              </a:r>
+              <a:r>
+                <a:rPr kumimoji="0" lang="en-US" sz="1800" b="1" i="0" u="none" strike="noStrike" kern="100" cap="none" spc="0" normalizeH="0" baseline="0" noProof="0" dirty="0">
+                  <a:ln>
+                    <a:noFill/>
+                  </a:ln>
+                  <a:solidFill>
+                    <a:srgbClr val="C00000"/>
+                  </a:solidFill>
+                  <a:effectLst/>
+                  <a:uLnTx/>
+                  <a:uFillTx/>
+                  <a:latin typeface="Amasis MT Pro Black" panose="02040A04050005020304" pitchFamily="18" charset="0"/>
+                  <a:ea typeface="+mn-ea"/>
+                  <a:cs typeface="Times New Roman" panose="02020603050405020304" pitchFamily="18" charset="0"/>
+                </a:rPr>
+                <a:t>”)</a:t>
               </a:r>
             </a:p>
           </p:txBody>
@@ -8469,7 +9563,7 @@
             <p:cNvPr id="10" name="TextBox 9">
               <a:extLst>
                 <a:ext uri="{FF2B5EF4-FFF2-40B4-BE49-F238E27FC236}">
-                  <a16:creationId xmlns:a16="http://schemas.microsoft.com/office/drawing/2014/main" id="{8A5E4820-DACD-53A7-7EC8-1294583CF74B}"/>
+                  <a16:creationId xmlns:a16="http://schemas.microsoft.com/office/drawing/2014/main" id="{B2AD4124-AB31-EADE-4601-A53AD88F0D85}"/>
                 </a:ext>
               </a:extLst>
             </p:cNvPr>
@@ -8478,7 +9572,7 @@
           </p:nvSpPr>
           <p:spPr>
             <a:xfrm>
-              <a:off x="8097650" y="4787828"/>
+              <a:off x="8103732" y="4874195"/>
               <a:ext cx="2530766" cy="646331"/>
             </a:xfrm>
             <a:prstGeom prst="rect">
@@ -8566,13 +9660,426 @@
           </p:txBody>
         </p:sp>
       </p:grpSp>
+      <p:grpSp>
+        <p:nvGrpSpPr>
+          <p:cNvPr id="5" name="Group 4">
+            <a:extLst>
+              <a:ext uri="{FF2B5EF4-FFF2-40B4-BE49-F238E27FC236}">
+                <a16:creationId xmlns:a16="http://schemas.microsoft.com/office/drawing/2014/main" id="{D3B42A1E-A8BC-5344-ECB4-0FAAE115BFBF}"/>
+              </a:ext>
+            </a:extLst>
+          </p:cNvPr>
+          <p:cNvGrpSpPr/>
+          <p:nvPr/>
+        </p:nvGrpSpPr>
+        <p:grpSpPr>
+          <a:xfrm>
+            <a:off x="6506469" y="2819090"/>
+            <a:ext cx="5250512" cy="1871454"/>
+            <a:chOff x="6512863" y="1740881"/>
+            <a:chExt cx="5250512" cy="1871454"/>
+          </a:xfrm>
+        </p:grpSpPr>
+        <p:sp>
+          <p:nvSpPr>
+            <p:cNvPr id="7" name="TextBox 6">
+              <a:extLst>
+                <a:ext uri="{FF2B5EF4-FFF2-40B4-BE49-F238E27FC236}">
+                  <a16:creationId xmlns:a16="http://schemas.microsoft.com/office/drawing/2014/main" id="{3434C2CB-5E0F-AD7F-816D-DA42095D2097}"/>
+                </a:ext>
+              </a:extLst>
+            </p:cNvPr>
+            <p:cNvSpPr txBox="1"/>
+            <p:nvPr/>
+          </p:nvSpPr>
+          <p:spPr>
+            <a:xfrm>
+              <a:off x="6512864" y="1740881"/>
+              <a:ext cx="5250511" cy="825932"/>
+            </a:xfrm>
+            <a:prstGeom prst="rect">
+              <a:avLst/>
+            </a:prstGeom>
+            <a:noFill/>
+          </p:spPr>
+          <p:txBody>
+            <a:bodyPr wrap="square">
+              <a:spAutoFit/>
+            </a:bodyPr>
+            <a:lstStyle/>
+            <a:p>
+              <a:pPr marL="0" marR="0" lvl="0" indent="0" algn="l" defTabSz="914400" rtl="0" eaLnBrk="1" fontAlgn="auto" latinLnBrk="0" hangingPunct="1">
+                <a:lnSpc>
+                  <a:spcPct val="150000"/>
+                </a:lnSpc>
+                <a:spcBef>
+                  <a:spcPts val="0"/>
+                </a:spcBef>
+                <a:spcAft>
+                  <a:spcPts val="0"/>
+                </a:spcAft>
+                <a:buClrTx/>
+                <a:buSzTx/>
+                <a:buFontTx/>
+                <a:buNone/>
+                <a:tabLst/>
+                <a:defRPr/>
+              </a:pPr>
+              <a:r>
+                <a:rPr kumimoji="0" lang="en-US" sz="2400" b="0" i="0" u="none" strike="noStrike" kern="100" cap="none" spc="0" normalizeH="0" baseline="0" noProof="0" dirty="0">
+                  <a:ln>
+                    <a:noFill/>
+                  </a:ln>
+                  <a:solidFill>
+                    <a:prstClr val="black"/>
+                  </a:solidFill>
+                  <a:effectLst/>
+                  <a:uLnTx/>
+                  <a:uFillTx/>
+                  <a:latin typeface="Abel" panose="02000506030000020004" pitchFamily="2" charset="0"/>
+                  <a:ea typeface="+mn-ea"/>
+                  <a:cs typeface="Times New Roman" panose="02020603050405020304" pitchFamily="18" charset="0"/>
+                </a:rPr>
+                <a:t>Press “M” to go back to the  </a:t>
+              </a:r>
+              <a:r>
+                <a:rPr kumimoji="0" lang="en-US" sz="3600" b="1" i="0" u="none" strike="noStrike" kern="100" cap="none" spc="0" normalizeH="0" baseline="0" noProof="0" dirty="0">
+                  <a:ln>
+                    <a:noFill/>
+                  </a:ln>
+                  <a:solidFill>
+                    <a:srgbClr val="C00000"/>
+                  </a:solidFill>
+                  <a:effectLst/>
+                  <a:uLnTx/>
+                  <a:uFillTx/>
+                  <a:latin typeface="Amasis MT Pro Black" panose="02040A04050005020304" pitchFamily="18" charset="0"/>
+                  <a:ea typeface="+mn-ea"/>
+                  <a:cs typeface="Times New Roman" panose="02020603050405020304" pitchFamily="18" charset="0"/>
+                </a:rPr>
+                <a:t>menu</a:t>
+              </a:r>
+              <a:r>
+                <a:rPr kumimoji="0" lang="en-US" sz="2400" b="0" i="0" u="none" strike="noStrike" kern="100" cap="none" spc="0" normalizeH="0" baseline="0" noProof="0" dirty="0">
+                  <a:ln>
+                    <a:noFill/>
+                  </a:ln>
+                  <a:solidFill>
+                    <a:prstClr val="black"/>
+                  </a:solidFill>
+                  <a:effectLst/>
+                  <a:uLnTx/>
+                  <a:uFillTx/>
+                  <a:latin typeface="Abel" panose="02000506030000020004" pitchFamily="2" charset="0"/>
+                  <a:ea typeface="+mn-ea"/>
+                  <a:cs typeface="Times New Roman" panose="02020603050405020304" pitchFamily="18" charset="0"/>
+                </a:rPr>
+                <a:t>.</a:t>
+              </a:r>
+              <a:endParaRPr kumimoji="0" lang="en-US" sz="2000" b="0" i="0" u="none" strike="noStrike" kern="100" cap="none" spc="0" normalizeH="0" baseline="0" noProof="0" dirty="0">
+                <a:ln>
+                  <a:noFill/>
+                </a:ln>
+                <a:solidFill>
+                  <a:prstClr val="black"/>
+                </a:solidFill>
+                <a:effectLst/>
+                <a:uLnTx/>
+                <a:uFillTx/>
+                <a:latin typeface="Abel" panose="02000506030000020004" pitchFamily="2" charset="0"/>
+                <a:ea typeface="+mn-ea"/>
+                <a:cs typeface="Times New Roman" panose="02020603050405020304" pitchFamily="18" charset="0"/>
+              </a:endParaRPr>
+            </a:p>
+          </p:txBody>
+        </p:sp>
+        <p:grpSp>
+          <p:nvGrpSpPr>
+            <p:cNvPr id="8" name="Group 7">
+              <a:extLst>
+                <a:ext uri="{FF2B5EF4-FFF2-40B4-BE49-F238E27FC236}">
+                  <a16:creationId xmlns:a16="http://schemas.microsoft.com/office/drawing/2014/main" id="{4FBA9E9C-96AF-D5B7-1584-649DAC75BCFE}"/>
+                </a:ext>
+              </a:extLst>
+            </p:cNvPr>
+            <p:cNvGrpSpPr/>
+            <p:nvPr/>
+          </p:nvGrpSpPr>
+          <p:grpSpPr>
+            <a:xfrm>
+              <a:off x="6512863" y="2973303"/>
+              <a:ext cx="4726819" cy="639032"/>
+              <a:chOff x="6612887" y="2821887"/>
+              <a:chExt cx="5250511" cy="639032"/>
+            </a:xfrm>
+          </p:grpSpPr>
+          <p:sp>
+            <p:nvSpPr>
+              <p:cNvPr id="12" name="TextBox 11">
+                <a:extLst>
+                  <a:ext uri="{FF2B5EF4-FFF2-40B4-BE49-F238E27FC236}">
+                    <a16:creationId xmlns:a16="http://schemas.microsoft.com/office/drawing/2014/main" id="{8AB159A2-5844-8370-C49F-03141881511E}"/>
+                  </a:ext>
+                </a:extLst>
+              </p:cNvPr>
+              <p:cNvSpPr txBox="1"/>
+              <p:nvPr/>
+            </p:nvSpPr>
+            <p:spPr>
+              <a:xfrm>
+                <a:off x="6612887" y="2821887"/>
+                <a:ext cx="5250511" cy="593304"/>
+              </a:xfrm>
+              <a:prstGeom prst="rect">
+                <a:avLst/>
+              </a:prstGeom>
+              <a:noFill/>
+            </p:spPr>
+            <p:txBody>
+              <a:bodyPr wrap="square">
+                <a:spAutoFit/>
+              </a:bodyPr>
+              <a:lstStyle/>
+              <a:p>
+                <a:pPr marL="0" marR="0" lvl="0" indent="0" algn="l" defTabSz="914400" rtl="0" eaLnBrk="1" fontAlgn="auto" latinLnBrk="0" hangingPunct="1">
+                  <a:lnSpc>
+                    <a:spcPct val="150000"/>
+                  </a:lnSpc>
+                  <a:spcBef>
+                    <a:spcPts val="0"/>
+                  </a:spcBef>
+                  <a:spcAft>
+                    <a:spcPts val="0"/>
+                  </a:spcAft>
+                  <a:buClrTx/>
+                  <a:buSzTx/>
+                  <a:buFontTx/>
+                  <a:buNone/>
+                  <a:tabLst/>
+                  <a:defRPr/>
+                </a:pPr>
+                <a:r>
+                  <a:rPr kumimoji="0" lang="en-US" sz="2400" b="0" i="0" u="none" strike="noStrike" kern="100" cap="none" spc="0" normalizeH="0" baseline="0" noProof="0" dirty="0">
+                    <a:ln>
+                      <a:noFill/>
+                    </a:ln>
+                    <a:solidFill>
+                      <a:prstClr val="black"/>
+                    </a:solidFill>
+                    <a:effectLst/>
+                    <a:uLnTx/>
+                    <a:uFillTx/>
+                    <a:latin typeface="Abel" panose="02000506030000020004" pitchFamily="2" charset="0"/>
+                    <a:ea typeface="+mn-ea"/>
+                    <a:cs typeface="Times New Roman" panose="02020603050405020304" pitchFamily="18" charset="0"/>
+                  </a:rPr>
+                  <a:t>Or refresh to start again.</a:t>
+                </a:r>
+                <a:endParaRPr kumimoji="0" lang="en-US" sz="2000" b="0" i="0" u="none" strike="noStrike" kern="100" cap="none" spc="0" normalizeH="0" baseline="0" noProof="0" dirty="0">
+                  <a:ln>
+                    <a:noFill/>
+                  </a:ln>
+                  <a:solidFill>
+                    <a:prstClr val="black"/>
+                  </a:solidFill>
+                  <a:effectLst/>
+                  <a:uLnTx/>
+                  <a:uFillTx/>
+                  <a:latin typeface="Abel" panose="02000506030000020004" pitchFamily="2" charset="0"/>
+                  <a:ea typeface="+mn-ea"/>
+                  <a:cs typeface="Times New Roman" panose="02020603050405020304" pitchFamily="18" charset="0"/>
+                </a:endParaRPr>
+              </a:p>
+            </p:txBody>
+          </p:sp>
+          <p:pic>
+            <p:nvPicPr>
+              <p:cNvPr id="19" name="Graphic 18">
+                <a:extLst>
+                  <a:ext uri="{FF2B5EF4-FFF2-40B4-BE49-F238E27FC236}">
+                    <a16:creationId xmlns:a16="http://schemas.microsoft.com/office/drawing/2014/main" id="{D8371D63-5B5F-47C8-71F2-432914A60E1B}"/>
+                  </a:ext>
+                </a:extLst>
+              </p:cNvPr>
+              <p:cNvPicPr>
+                <a:picLocks noChangeAspect="1"/>
+              </p:cNvPicPr>
+              <p:nvPr/>
+            </p:nvPicPr>
+            <p:blipFill>
+              <a:blip r:embed="rId4">
+                <a:extLst>
+                  <a:ext uri="{28A0092B-C50C-407E-A947-70E740481C1C}">
+                    <a14:useLocalDpi xmlns:a14="http://schemas.microsoft.com/office/drawing/2010/main" val="0"/>
+                  </a:ext>
+                  <a:ext uri="{96DAC541-7B7A-43D3-8B79-37D633B846F1}">
+                    <asvg:svgBlip xmlns:asvg="http://schemas.microsoft.com/office/drawing/2016/SVG/main" r:embed="rId5"/>
+                  </a:ext>
+                </a:extLst>
+              </a:blip>
+              <a:stretch>
+                <a:fillRect/>
+              </a:stretch>
+            </p:blipFill>
+            <p:spPr>
+              <a:xfrm>
+                <a:off x="10014045" y="2855417"/>
+                <a:ext cx="605503" cy="605502"/>
+              </a:xfrm>
+              <a:prstGeom prst="rect">
+                <a:avLst/>
+              </a:prstGeom>
+            </p:spPr>
+          </p:pic>
+        </p:grpSp>
+        <p:sp>
+          <p:nvSpPr>
+            <p:cNvPr id="11" name="TextBox 10">
+              <a:extLst>
+                <a:ext uri="{FF2B5EF4-FFF2-40B4-BE49-F238E27FC236}">
+                  <a16:creationId xmlns:a16="http://schemas.microsoft.com/office/drawing/2014/main" id="{73EDD204-2A3A-B783-5658-F1624F2D88D2}"/>
+                </a:ext>
+              </a:extLst>
+            </p:cNvPr>
+            <p:cNvSpPr txBox="1"/>
+            <p:nvPr/>
+          </p:nvSpPr>
+          <p:spPr>
+            <a:xfrm>
+              <a:off x="6512863" y="2448394"/>
+              <a:ext cx="5022645" cy="369332"/>
+            </a:xfrm>
+            <a:prstGeom prst="rect">
+              <a:avLst/>
+            </a:prstGeom>
+            <a:noFill/>
+          </p:spPr>
+          <p:txBody>
+            <a:bodyPr wrap="square">
+              <a:spAutoFit/>
+            </a:bodyPr>
+            <a:lstStyle/>
+            <a:p>
+              <a:pPr algn="r"/>
+              <a:r>
+                <a:rPr kumimoji="0" lang="en-US" i="1" u="none" strike="noStrike" kern="100" cap="none" spc="0" normalizeH="0" baseline="0" noProof="0" dirty="0">
+                  <a:ln>
+                    <a:noFill/>
+                  </a:ln>
+                  <a:solidFill>
+                    <a:schemeClr val="tx1">
+                      <a:lumMod val="65000"/>
+                      <a:lumOff val="35000"/>
+                    </a:schemeClr>
+                  </a:solidFill>
+                  <a:effectLst/>
+                  <a:uLnTx/>
+                  <a:uFillTx/>
+                  <a:latin typeface="Cambria" panose="02040503050406030204" pitchFamily="18" charset="0"/>
+                  <a:ea typeface="Cambria" panose="02040503050406030204" pitchFamily="18" charset="0"/>
+                  <a:cs typeface="Times New Roman" panose="02020603050405020304" pitchFamily="18" charset="0"/>
+                </a:rPr>
+                <a:t>*If using keyboard</a:t>
+              </a:r>
+              <a:endParaRPr lang="en-US" i="1" dirty="0">
+                <a:solidFill>
+                  <a:schemeClr val="tx1">
+                    <a:lumMod val="65000"/>
+                    <a:lumOff val="35000"/>
+                  </a:schemeClr>
+                </a:solidFill>
+                <a:latin typeface="Cambria" panose="02040503050406030204" pitchFamily="18" charset="0"/>
+                <a:ea typeface="Cambria" panose="02040503050406030204" pitchFamily="18" charset="0"/>
+              </a:endParaRPr>
+            </a:p>
+          </p:txBody>
+        </p:sp>
+      </p:grpSp>
+      <p:sp>
+        <p:nvSpPr>
+          <p:cNvPr id="21" name="TextBox 20">
+            <a:extLst>
+              <a:ext uri="{FF2B5EF4-FFF2-40B4-BE49-F238E27FC236}">
+                <a16:creationId xmlns:a16="http://schemas.microsoft.com/office/drawing/2014/main" id="{05A4BB96-1EDF-BCC6-46B5-A037960ABF6C}"/>
+              </a:ext>
+            </a:extLst>
+          </p:cNvPr>
+          <p:cNvSpPr txBox="1"/>
+          <p:nvPr/>
+        </p:nvSpPr>
+        <p:spPr>
+          <a:xfrm>
+            <a:off x="707345" y="505379"/>
+            <a:ext cx="6334876" cy="923330"/>
+          </a:xfrm>
+          <a:prstGeom prst="rect">
+            <a:avLst/>
+          </a:prstGeom>
+          <a:noFill/>
+        </p:spPr>
+        <p:txBody>
+          <a:bodyPr wrap="none" rtlCol="0">
+            <a:spAutoFit/>
+          </a:bodyPr>
+          <a:lstStyle/>
+          <a:p>
+            <a:pPr marL="0" marR="0" lvl="0" indent="0" algn="l" defTabSz="914400" rtl="0" eaLnBrk="1" fontAlgn="auto" latinLnBrk="0" hangingPunct="1">
+              <a:lnSpc>
+                <a:spcPct val="100000"/>
+              </a:lnSpc>
+              <a:spcBef>
+                <a:spcPts val="0"/>
+              </a:spcBef>
+              <a:spcAft>
+                <a:spcPts val="0"/>
+              </a:spcAft>
+              <a:buClrTx/>
+              <a:buSzTx/>
+              <a:buFontTx/>
+              <a:buNone/>
+              <a:tabLst/>
+              <a:defRPr/>
+            </a:pPr>
+            <a:r>
+              <a:rPr kumimoji="0" lang="en-US" sz="5400" b="1" i="0" u="none" strike="noStrike" kern="100" cap="none" spc="0" normalizeH="0" baseline="0" noProof="0" dirty="0">
+                <a:ln>
+                  <a:noFill/>
+                </a:ln>
+                <a:solidFill>
+                  <a:prstClr val="black"/>
+                </a:solidFill>
+                <a:effectLst/>
+                <a:uLnTx/>
+                <a:uFillTx/>
+                <a:latin typeface="Amasis MT Pro Black" panose="02040A04050005020304" pitchFamily="18" charset="0"/>
+                <a:ea typeface="+mn-ea"/>
+                <a:cs typeface="Times New Roman" panose="02020603050405020304" pitchFamily="18" charset="0"/>
+              </a:rPr>
+              <a:t>The Locker Game</a:t>
+            </a:r>
+            <a:endParaRPr kumimoji="0" lang="en-US" sz="1600" b="1" i="0" u="none" strike="noStrike" kern="1200" cap="none" spc="300" normalizeH="0" baseline="0" noProof="0" dirty="0">
+              <a:ln>
+                <a:noFill/>
+              </a:ln>
+              <a:solidFill>
+                <a:prstClr val="black"/>
+              </a:solidFill>
+              <a:effectLst/>
+              <a:uLnTx/>
+              <a:uFillTx/>
+              <a:latin typeface="Britannic Bold" panose="020B0903060703020204" pitchFamily="34" charset="0"/>
+              <a:ea typeface="+mn-ea"/>
+              <a:cs typeface="+mn-cs"/>
+            </a:endParaRPr>
+          </a:p>
+        </p:txBody>
+      </p:sp>
       <p:pic>
         <p:nvPicPr>
-          <p:cNvPr id="6" name="Picture 5" descr="A grey rectangular object with a yellow knob&#10;&#10;Description automatically generated">
-            <a:hlinkClick r:id="rId5"/>
-            <a:extLst>
-              <a:ext uri="{FF2B5EF4-FFF2-40B4-BE49-F238E27FC236}">
-                <a16:creationId xmlns:a16="http://schemas.microsoft.com/office/drawing/2014/main" id="{558A590D-6717-ED58-7C61-7566EC28F197}"/>
+          <p:cNvPr id="25" name="Picture 24" descr="A grey rectangular object with a yellow knob&#10;&#10;Description automatically generated">
+            <a:extLst>
+              <a:ext uri="{FF2B5EF4-FFF2-40B4-BE49-F238E27FC236}">
+                <a16:creationId xmlns:a16="http://schemas.microsoft.com/office/drawing/2014/main" id="{2665BA1B-0690-F28E-CED4-B317D4BE38B2}"/>
               </a:ext>
             </a:extLst>
           </p:cNvPr>
@@ -8595,8 +10102,430 @@
         </p:blipFill>
         <p:spPr>
           <a:xfrm>
-            <a:off x="10126945" y="313586"/>
-            <a:ext cx="967346" cy="1306915"/>
+            <a:off x="11419912" y="6056979"/>
+            <a:ext cx="493619" cy="666895"/>
+          </a:xfrm>
+          <a:prstGeom prst="rect">
+            <a:avLst/>
+          </a:prstGeom>
+        </p:spPr>
+      </p:pic>
+      <p:sp>
+        <p:nvSpPr>
+          <p:cNvPr id="26" name="Slide Number Placeholder 25">
+            <a:extLst>
+              <a:ext uri="{FF2B5EF4-FFF2-40B4-BE49-F238E27FC236}">
+                <a16:creationId xmlns:a16="http://schemas.microsoft.com/office/drawing/2014/main" id="{91B1FD03-959D-DF95-88BB-8551B18A37E0}"/>
+              </a:ext>
+            </a:extLst>
+          </p:cNvPr>
+          <p:cNvSpPr>
+            <a:spLocks noGrp="1"/>
+          </p:cNvSpPr>
+          <p:nvPr>
+            <p:ph type="sldNum" sz="quarter" idx="12"/>
+          </p:nvPr>
+        </p:nvSpPr>
+        <p:spPr/>
+        <p:txBody>
+          <a:bodyPr/>
+          <a:lstStyle/>
+          <a:p>
+            <a:r>
+              <a:rPr lang="en-US" dirty="0"/>
+              <a:t>6</a:t>
+            </a:r>
+          </a:p>
+        </p:txBody>
+      </p:sp>
+    </p:spTree>
+    <p:extLst>
+      <p:ext uri="{BB962C8B-B14F-4D97-AF65-F5344CB8AC3E}">
+        <p14:creationId xmlns:p14="http://schemas.microsoft.com/office/powerpoint/2010/main" val="116443510"/>
+      </p:ext>
+    </p:extLst>
+  </p:cSld>
+  <p:clrMapOvr>
+    <a:masterClrMapping/>
+  </p:clrMapOvr>
+  <mc:AlternateContent xmlns:mc="http://schemas.openxmlformats.org/markup-compatibility/2006">
+    <mc:Choice xmlns:p159="http://schemas.microsoft.com/office/powerpoint/2015/09/main" Requires="p159">
+      <p:transition xmlns:p14="http://schemas.microsoft.com/office/powerpoint/2010/main" spd="slow" p14:dur="2000">
+        <p159:morph option="byObject"/>
+      </p:transition>
+    </mc:Choice>
+    <mc:Fallback>
+      <p:transition spd="slow">
+        <p:fade/>
+      </p:transition>
+    </mc:Fallback>
+  </mc:AlternateContent>
+</p:sld>
+</file>
+
+<file path=ppt/slides/slide8.xml><?xml version="1.0" encoding="utf-8"?>
+<p:sld xmlns:a="http://schemas.openxmlformats.org/drawingml/2006/main" xmlns:r="http://schemas.openxmlformats.org/officeDocument/2006/relationships" xmlns:p="http://schemas.openxmlformats.org/presentationml/2006/main">
+  <p:cSld>
+    <p:spTree>
+      <p:nvGrpSpPr>
+        <p:cNvPr id="1" name="">
+          <a:extLst>
+            <a:ext uri="{FF2B5EF4-FFF2-40B4-BE49-F238E27FC236}">
+              <a16:creationId xmlns:a16="http://schemas.microsoft.com/office/drawing/2014/main" id="{ED9666CA-047F-CFCB-7C94-9DA72ACC35D9}"/>
+            </a:ext>
+          </a:extLst>
+        </p:cNvPr>
+        <p:cNvGrpSpPr/>
+        <p:nvPr/>
+      </p:nvGrpSpPr>
+      <p:grpSpPr>
+        <a:xfrm>
+          <a:off x="0" y="0"/>
+          <a:ext cx="0" cy="0"/>
+          <a:chOff x="0" y="0"/>
+          <a:chExt cx="0" cy="0"/>
+        </a:xfrm>
+      </p:grpSpPr>
+      <p:sp>
+        <p:nvSpPr>
+          <p:cNvPr id="4" name="TextBox 3">
+            <a:extLst>
+              <a:ext uri="{FF2B5EF4-FFF2-40B4-BE49-F238E27FC236}">
+                <a16:creationId xmlns:a16="http://schemas.microsoft.com/office/drawing/2014/main" id="{FE977BA3-F383-F7FA-9D9C-E8F9FBEDBB7A}"/>
+              </a:ext>
+            </a:extLst>
+          </p:cNvPr>
+          <p:cNvSpPr txBox="1"/>
+          <p:nvPr/>
+        </p:nvSpPr>
+        <p:spPr>
+          <a:xfrm>
+            <a:off x="920732" y="1336376"/>
+            <a:ext cx="4501723" cy="4563622"/>
+          </a:xfrm>
+          <a:prstGeom prst="rect">
+            <a:avLst/>
+          </a:prstGeom>
+          <a:noFill/>
+        </p:spPr>
+        <p:txBody>
+          <a:bodyPr wrap="square" rtlCol="0">
+            <a:spAutoFit/>
+          </a:bodyPr>
+          <a:lstStyle/>
+          <a:p>
+            <a:pPr lvl="0">
+              <a:lnSpc>
+                <a:spcPct val="150000"/>
+              </a:lnSpc>
+              <a:defRPr/>
+            </a:pPr>
+            <a:r>
+              <a:rPr lang="en-US" sz="2800" u="sng" kern="100" dirty="0">
+                <a:solidFill>
+                  <a:prstClr val="black"/>
+                </a:solidFill>
+                <a:latin typeface="Abel" panose="02000506030000020004" pitchFamily="2" charset="0"/>
+                <a:cs typeface="Times New Roman" panose="02020603050405020304" pitchFamily="18" charset="0"/>
+              </a:rPr>
+              <a:t>How to play:</a:t>
+            </a:r>
+          </a:p>
+          <a:p>
+            <a:pPr marL="0" marR="0" lvl="0" indent="0" algn="l" defTabSz="914400" rtl="0" eaLnBrk="1" fontAlgn="auto" latinLnBrk="0" hangingPunct="1">
+              <a:lnSpc>
+                <a:spcPct val="150000"/>
+              </a:lnSpc>
+              <a:spcBef>
+                <a:spcPts val="0"/>
+              </a:spcBef>
+              <a:spcAft>
+                <a:spcPts val="0"/>
+              </a:spcAft>
+              <a:buClrTx/>
+              <a:buSzTx/>
+              <a:buFontTx/>
+              <a:buNone/>
+              <a:tabLst/>
+              <a:defRPr/>
+            </a:pPr>
+            <a:r>
+              <a:rPr lang="en-US" sz="2400" kern="100" dirty="0">
+                <a:solidFill>
+                  <a:prstClr val="black"/>
+                </a:solidFill>
+                <a:latin typeface="Abel" panose="02000506030000020004" pitchFamily="2" charset="0"/>
+                <a:cs typeface="Times New Roman" panose="02020603050405020304" pitchFamily="18" charset="0"/>
+              </a:rPr>
+              <a:t>7</a:t>
+            </a:r>
+            <a:r>
+              <a:rPr kumimoji="0" lang="en-US" sz="2400" b="0" i="0" u="none" strike="noStrike" kern="100" cap="none" spc="0" normalizeH="0" baseline="0" noProof="0" dirty="0">
+                <a:ln>
+                  <a:noFill/>
+                </a:ln>
+                <a:solidFill>
+                  <a:prstClr val="black"/>
+                </a:solidFill>
+                <a:effectLst/>
+                <a:uLnTx/>
+                <a:uFillTx/>
+                <a:latin typeface="Abel" panose="02000506030000020004" pitchFamily="2" charset="0"/>
+                <a:ea typeface="+mn-ea"/>
+                <a:cs typeface="Times New Roman" panose="02020603050405020304" pitchFamily="18" charset="0"/>
+              </a:rPr>
+              <a:t>. </a:t>
+            </a:r>
+            <a:r>
+              <a:rPr lang="en-US" sz="2400" kern="100" dirty="0">
+                <a:solidFill>
+                  <a:prstClr val="black"/>
+                </a:solidFill>
+                <a:latin typeface="Abel" panose="02000506030000020004" pitchFamily="2" charset="0"/>
+                <a:cs typeface="Times New Roman" panose="02020603050405020304" pitchFamily="18" charset="0"/>
+              </a:rPr>
+              <a:t>Feedback: Try Again? vs. Correct!</a:t>
+            </a:r>
+            <a:endParaRPr kumimoji="0" lang="en-US" sz="2400" b="0" i="0" u="none" strike="noStrike" kern="100" cap="none" spc="0" normalizeH="0" baseline="0" noProof="0" dirty="0">
+              <a:ln>
+                <a:noFill/>
+              </a:ln>
+              <a:solidFill>
+                <a:prstClr val="black"/>
+              </a:solidFill>
+              <a:effectLst/>
+              <a:uLnTx/>
+              <a:uFillTx/>
+              <a:latin typeface="Abel" panose="02000506030000020004" pitchFamily="2" charset="0"/>
+              <a:ea typeface="+mn-ea"/>
+              <a:cs typeface="Times New Roman" panose="02020603050405020304" pitchFamily="18" charset="0"/>
+            </a:endParaRPr>
+          </a:p>
+          <a:p>
+            <a:pPr marL="0" marR="0" lvl="0" indent="0" algn="l" defTabSz="914400" rtl="0" eaLnBrk="1" fontAlgn="auto" latinLnBrk="0" hangingPunct="1">
+              <a:lnSpc>
+                <a:spcPct val="150000"/>
+              </a:lnSpc>
+              <a:spcBef>
+                <a:spcPts val="0"/>
+              </a:spcBef>
+              <a:spcAft>
+                <a:spcPts val="0"/>
+              </a:spcAft>
+              <a:buClrTx/>
+              <a:buSzTx/>
+              <a:buFontTx/>
+              <a:buNone/>
+              <a:tabLst/>
+              <a:defRPr/>
+            </a:pPr>
+            <a:endParaRPr kumimoji="0" lang="en-US" sz="2400" b="0" i="0" u="none" strike="noStrike" kern="100" cap="none" spc="0" normalizeH="0" baseline="0" noProof="0" dirty="0">
+              <a:ln>
+                <a:noFill/>
+              </a:ln>
+              <a:solidFill>
+                <a:prstClr val="black"/>
+              </a:solidFill>
+              <a:effectLst/>
+              <a:uLnTx/>
+              <a:uFillTx/>
+              <a:latin typeface="Abel" panose="02000506030000020004" pitchFamily="2" charset="0"/>
+              <a:ea typeface="+mn-ea"/>
+              <a:cs typeface="Times New Roman" panose="02020603050405020304" pitchFamily="18" charset="0"/>
+            </a:endParaRPr>
+          </a:p>
+          <a:p>
+            <a:pPr marL="0" marR="0" lvl="0" indent="0" algn="l" defTabSz="914400" rtl="0" eaLnBrk="1" fontAlgn="auto" latinLnBrk="0" hangingPunct="1">
+              <a:lnSpc>
+                <a:spcPct val="150000"/>
+              </a:lnSpc>
+              <a:spcBef>
+                <a:spcPts val="0"/>
+              </a:spcBef>
+              <a:spcAft>
+                <a:spcPts val="0"/>
+              </a:spcAft>
+              <a:buClrTx/>
+              <a:buSzTx/>
+              <a:buFontTx/>
+              <a:buNone/>
+              <a:tabLst/>
+              <a:defRPr/>
+            </a:pPr>
+            <a:endParaRPr kumimoji="0" lang="en-US" sz="2400" b="0" i="0" u="none" strike="noStrike" kern="100" cap="none" spc="0" normalizeH="0" baseline="0" noProof="0" dirty="0">
+              <a:ln>
+                <a:noFill/>
+              </a:ln>
+              <a:solidFill>
+                <a:prstClr val="black"/>
+              </a:solidFill>
+              <a:effectLst/>
+              <a:uLnTx/>
+              <a:uFillTx/>
+              <a:latin typeface="Abel" panose="02000506030000020004" pitchFamily="2" charset="0"/>
+              <a:ea typeface="+mn-ea"/>
+              <a:cs typeface="Times New Roman" panose="02020603050405020304" pitchFamily="18" charset="0"/>
+            </a:endParaRPr>
+          </a:p>
+          <a:p>
+            <a:pPr marL="0" marR="0" lvl="0" indent="0" algn="l" defTabSz="914400" rtl="0" eaLnBrk="1" fontAlgn="auto" latinLnBrk="0" hangingPunct="1">
+              <a:lnSpc>
+                <a:spcPct val="150000"/>
+              </a:lnSpc>
+              <a:spcBef>
+                <a:spcPts val="0"/>
+              </a:spcBef>
+              <a:spcAft>
+                <a:spcPts val="0"/>
+              </a:spcAft>
+              <a:buClrTx/>
+              <a:buSzTx/>
+              <a:buFontTx/>
+              <a:buNone/>
+              <a:tabLst/>
+              <a:defRPr/>
+            </a:pPr>
+            <a:endParaRPr kumimoji="0" lang="en-US" sz="2400" b="0" i="0" u="none" strike="noStrike" kern="100" cap="none" spc="0" normalizeH="0" baseline="0" noProof="0" dirty="0">
+              <a:ln>
+                <a:noFill/>
+              </a:ln>
+              <a:solidFill>
+                <a:prstClr val="black"/>
+              </a:solidFill>
+              <a:effectLst/>
+              <a:uLnTx/>
+              <a:uFillTx/>
+              <a:latin typeface="Abel" panose="02000506030000020004" pitchFamily="2" charset="0"/>
+              <a:ea typeface="+mn-ea"/>
+              <a:cs typeface="Times New Roman" panose="02020603050405020304" pitchFamily="18" charset="0"/>
+            </a:endParaRPr>
+          </a:p>
+          <a:p>
+            <a:pPr marL="0" marR="0" lvl="0" indent="0" algn="l" defTabSz="914400" rtl="0" eaLnBrk="1" fontAlgn="auto" latinLnBrk="0" hangingPunct="1">
+              <a:lnSpc>
+                <a:spcPct val="150000"/>
+              </a:lnSpc>
+              <a:spcBef>
+                <a:spcPts val="0"/>
+              </a:spcBef>
+              <a:spcAft>
+                <a:spcPts val="0"/>
+              </a:spcAft>
+              <a:buClrTx/>
+              <a:buSzTx/>
+              <a:buFontTx/>
+              <a:buNone/>
+              <a:tabLst/>
+              <a:defRPr/>
+            </a:pPr>
+            <a:endParaRPr kumimoji="0" lang="en-US" sz="2400" b="0" i="0" u="none" strike="noStrike" kern="100" cap="none" spc="0" normalizeH="0" baseline="0" noProof="0" dirty="0">
+              <a:ln>
+                <a:noFill/>
+              </a:ln>
+              <a:solidFill>
+                <a:prstClr val="black"/>
+              </a:solidFill>
+              <a:effectLst/>
+              <a:uLnTx/>
+              <a:uFillTx/>
+              <a:latin typeface="Abel" panose="02000506030000020004" pitchFamily="2" charset="0"/>
+              <a:ea typeface="+mn-ea"/>
+              <a:cs typeface="Times New Roman" panose="02020603050405020304" pitchFamily="18" charset="0"/>
+            </a:endParaRPr>
+          </a:p>
+          <a:p>
+            <a:pPr marL="0" marR="0" lvl="0" indent="0" algn="l" defTabSz="914400" rtl="0" eaLnBrk="1" fontAlgn="auto" latinLnBrk="0" hangingPunct="1">
+              <a:lnSpc>
+                <a:spcPct val="150000"/>
+              </a:lnSpc>
+              <a:spcBef>
+                <a:spcPts val="0"/>
+              </a:spcBef>
+              <a:spcAft>
+                <a:spcPts val="0"/>
+              </a:spcAft>
+              <a:buClrTx/>
+              <a:buSzTx/>
+              <a:buFontTx/>
+              <a:buNone/>
+              <a:tabLst/>
+              <a:defRPr/>
+            </a:pPr>
+            <a:endParaRPr kumimoji="0" lang="en-US" sz="2400" b="0" i="0" u="none" strike="noStrike" kern="100" cap="none" spc="0" normalizeH="0" baseline="0" noProof="0" dirty="0">
+              <a:ln>
+                <a:noFill/>
+              </a:ln>
+              <a:solidFill>
+                <a:prstClr val="black"/>
+              </a:solidFill>
+              <a:effectLst/>
+              <a:uLnTx/>
+              <a:uFillTx/>
+              <a:latin typeface="Abel" panose="02000506030000020004" pitchFamily="2" charset="0"/>
+              <a:ea typeface="+mn-ea"/>
+              <a:cs typeface="Times New Roman" panose="02020603050405020304" pitchFamily="18" charset="0"/>
+            </a:endParaRPr>
+          </a:p>
+          <a:p>
+            <a:pPr marL="0" marR="0" lvl="0" indent="0" algn="l" defTabSz="914400" rtl="0" eaLnBrk="1" fontAlgn="auto" latinLnBrk="0" hangingPunct="1">
+              <a:lnSpc>
+                <a:spcPct val="150000"/>
+              </a:lnSpc>
+              <a:spcBef>
+                <a:spcPts val="0"/>
+              </a:spcBef>
+              <a:spcAft>
+                <a:spcPts val="0"/>
+              </a:spcAft>
+              <a:buClrTx/>
+              <a:buSzTx/>
+              <a:buFontTx/>
+              <a:buNone/>
+              <a:tabLst/>
+              <a:defRPr/>
+            </a:pPr>
+            <a:endParaRPr kumimoji="0" lang="en-US" sz="2400" b="0" i="0" u="none" strike="noStrike" kern="100" cap="none" spc="0" normalizeH="0" baseline="0" noProof="0" dirty="0">
+              <a:ln>
+                <a:noFill/>
+              </a:ln>
+              <a:solidFill>
+                <a:prstClr val="black"/>
+              </a:solidFill>
+              <a:effectLst/>
+              <a:uLnTx/>
+              <a:uFillTx/>
+              <a:latin typeface="Abel" panose="02000506030000020004" pitchFamily="2" charset="0"/>
+              <a:ea typeface="+mn-ea"/>
+              <a:cs typeface="Times New Roman" panose="02020603050405020304" pitchFamily="18" charset="0"/>
+            </a:endParaRPr>
+          </a:p>
+        </p:txBody>
+      </p:sp>
+      <p:pic>
+        <p:nvPicPr>
+          <p:cNvPr id="11" name="Picture 10">
+            <a:extLst>
+              <a:ext uri="{FF2B5EF4-FFF2-40B4-BE49-F238E27FC236}">
+                <a16:creationId xmlns:a16="http://schemas.microsoft.com/office/drawing/2014/main" id="{36BDE36C-56BB-E75B-7813-850CBFBA7FFC}"/>
+              </a:ext>
+            </a:extLst>
+          </p:cNvPr>
+          <p:cNvPicPr>
+            <a:picLocks noChangeAspect="1"/>
+          </p:cNvPicPr>
+          <p:nvPr/>
+        </p:nvPicPr>
+        <p:blipFill>
+          <a:blip r:embed="rId3"/>
+          <a:srcRect l="1679" t="8368" r="2921" b="3650"/>
+          <a:stretch>
+            <a:fillRect/>
+          </a:stretch>
+        </p:blipFill>
+        <p:spPr>
+          <a:xfrm>
+            <a:off x="1883149" y="2612354"/>
+            <a:ext cx="3539306" cy="1797789"/>
           </a:xfrm>
           <a:prstGeom prst="rect">
             <a:avLst/>
@@ -8605,10 +10534,10 @@
       </p:pic>
       <p:pic>
         <p:nvPicPr>
-          <p:cNvPr id="9" name="Picture 8">
-            <a:extLst>
-              <a:ext uri="{FF2B5EF4-FFF2-40B4-BE49-F238E27FC236}">
-                <a16:creationId xmlns:a16="http://schemas.microsoft.com/office/drawing/2014/main" id="{8888EA83-821A-C8FD-FBB0-211D6C165C1B}"/>
+          <p:cNvPr id="14" name="Picture 13">
+            <a:extLst>
+              <a:ext uri="{FF2B5EF4-FFF2-40B4-BE49-F238E27FC236}">
+                <a16:creationId xmlns:a16="http://schemas.microsoft.com/office/drawing/2014/main" id="{3798DC6D-4A93-55C3-B86A-D0C3D7E7A33F}"/>
               </a:ext>
             </a:extLst>
           </p:cNvPr>
@@ -8618,14 +10547,16 @@
           <p:nvPr/>
         </p:nvPicPr>
         <p:blipFill>
-          <a:blip r:embed="rId7"/>
-          <a:srcRect l="81218"/>
-          <a:stretch/>
+          <a:blip r:embed="rId4"/>
+          <a:srcRect l="2862" t="8840" r="3140" b="4506"/>
+          <a:stretch>
+            <a:fillRect/>
+          </a:stretch>
         </p:blipFill>
         <p:spPr>
           <a:xfrm>
-            <a:off x="4540313" y="2000637"/>
-            <a:ext cx="1555687" cy="4637703"/>
+            <a:off x="1881740" y="4658463"/>
+            <a:ext cx="3540715" cy="1797789"/>
           </a:xfrm>
           <a:prstGeom prst="rect">
             <a:avLst/>
@@ -8634,10 +10565,10 @@
       </p:pic>
       <p:sp>
         <p:nvSpPr>
-          <p:cNvPr id="12" name="TextBox 11">
-            <a:extLst>
-              <a:ext uri="{FF2B5EF4-FFF2-40B4-BE49-F238E27FC236}">
-                <a16:creationId xmlns:a16="http://schemas.microsoft.com/office/drawing/2014/main" id="{B4584F19-EFF8-72EE-F960-70239A5C01A7}"/>
+          <p:cNvPr id="19" name="TextBox 18">
+            <a:extLst>
+              <a:ext uri="{FF2B5EF4-FFF2-40B4-BE49-F238E27FC236}">
+                <a16:creationId xmlns:a16="http://schemas.microsoft.com/office/drawing/2014/main" id="{E82376ED-88AC-4CEE-10BB-B48A50098376}"/>
               </a:ext>
             </a:extLst>
           </p:cNvPr>
@@ -8646,8 +10577,8 @@
         </p:nvSpPr>
         <p:spPr>
           <a:xfrm>
-            <a:off x="1321301" y="2917398"/>
-            <a:ext cx="3215971" cy="369332"/>
+            <a:off x="6096001" y="3429000"/>
+            <a:ext cx="5413930" cy="1384995"/>
           </a:xfrm>
           <a:prstGeom prst="rect">
             <a:avLst/>
@@ -8660,74 +10591,446 @@
           </a:bodyPr>
           <a:lstStyle/>
           <a:p>
-            <a:pPr algn="r"/>
-            <a:r>
-              <a:rPr kumimoji="0" lang="en-US" i="1" u="none" strike="noStrike" kern="100" cap="none" spc="0" normalizeH="0" baseline="0" noProof="0" dirty="0">
-                <a:ln>
-                  <a:noFill/>
-                </a:ln>
+            <a:r>
+              <a:rPr lang="en-US" sz="2800" kern="100" dirty="0">
                 <a:solidFill>
                   <a:schemeClr val="tx1">
                     <a:lumMod val="65000"/>
                     <a:lumOff val="35000"/>
                   </a:schemeClr>
                 </a:solidFill>
-                <a:effectLst/>
-                <a:uLnTx/>
-                <a:uFillTx/>
-                <a:latin typeface="Abadi" panose="020B0604020104020204" pitchFamily="34" charset="0"/>
-                <a:cs typeface="Times New Roman" panose="02020603050405020304" pitchFamily="18" charset="0"/>
+                <a:latin typeface="Angsana New" panose="02020603050405020304" pitchFamily="18" charset="-34"/>
+                <a:ea typeface="Cambria" panose="02040503050406030204" pitchFamily="18" charset="0"/>
+                <a:cs typeface="Angsana New" panose="02020603050405020304" pitchFamily="18" charset="-34"/>
               </a:rPr>
-              <a:t>All </a:t>
-            </a:r>
-            <a:r>
-              <a:rPr kumimoji="0" lang="en-US" sz="1800" i="1" u="none" strike="noStrike" kern="100" cap="none" spc="0" normalizeH="0" baseline="0" noProof="0" dirty="0">
-                <a:ln>
-                  <a:noFill/>
-                </a:ln>
+              <a:t>To continue playing after submitting your answer, press “Y” or click on “[Y] Yes”. </a:t>
+            </a:r>
+            <a:br>
+              <a:rPr lang="en-US" sz="2800" kern="100" dirty="0">
                 <a:solidFill>
                   <a:schemeClr val="tx1">
                     <a:lumMod val="65000"/>
                     <a:lumOff val="35000"/>
                   </a:schemeClr>
                 </a:solidFill>
+                <a:latin typeface="Angsana New" panose="02020603050405020304" pitchFamily="18" charset="-34"/>
+                <a:ea typeface="Cambria" panose="02040503050406030204" pitchFamily="18" charset="0"/>
+                <a:cs typeface="Angsana New" panose="02020603050405020304" pitchFamily="18" charset="-34"/>
+              </a:rPr>
+            </a:br>
+            <a:r>
+              <a:rPr lang="en-US" sz="2800" kern="100" dirty="0">
+                <a:solidFill>
+                  <a:schemeClr val="tx1">
+                    <a:lumMod val="65000"/>
+                    <a:lumOff val="35000"/>
+                  </a:schemeClr>
+                </a:solidFill>
+                <a:latin typeface="Angsana New" panose="02020603050405020304" pitchFamily="18" charset="-34"/>
+                <a:ea typeface="Cambria" panose="02040503050406030204" pitchFamily="18" charset="0"/>
+                <a:cs typeface="Angsana New" panose="02020603050405020304" pitchFamily="18" charset="-34"/>
+              </a:rPr>
+              <a:t>Otherwise, press “N” or click on “[N] No”. </a:t>
+            </a:r>
+          </a:p>
+        </p:txBody>
+      </p:sp>
+      <p:sp>
+        <p:nvSpPr>
+          <p:cNvPr id="7" name="TextBox 6">
+            <a:extLst>
+              <a:ext uri="{FF2B5EF4-FFF2-40B4-BE49-F238E27FC236}">
+                <a16:creationId xmlns:a16="http://schemas.microsoft.com/office/drawing/2014/main" id="{C9E398A1-93D5-D40D-F67C-9907065BD493}"/>
+              </a:ext>
+            </a:extLst>
+          </p:cNvPr>
+          <p:cNvSpPr txBox="1"/>
+          <p:nvPr/>
+        </p:nvSpPr>
+        <p:spPr>
+          <a:xfrm>
+            <a:off x="707345" y="505379"/>
+            <a:ext cx="6334876" cy="923330"/>
+          </a:xfrm>
+          <a:prstGeom prst="rect">
+            <a:avLst/>
+          </a:prstGeom>
+          <a:noFill/>
+        </p:spPr>
+        <p:txBody>
+          <a:bodyPr wrap="none" rtlCol="0">
+            <a:spAutoFit/>
+          </a:bodyPr>
+          <a:lstStyle/>
+          <a:p>
+            <a:pPr marL="0" marR="0" lvl="0" indent="0" algn="l" defTabSz="914400" rtl="0" eaLnBrk="1" fontAlgn="auto" latinLnBrk="0" hangingPunct="1">
+              <a:lnSpc>
+                <a:spcPct val="100000"/>
+              </a:lnSpc>
+              <a:spcBef>
+                <a:spcPts val="0"/>
+              </a:spcBef>
+              <a:spcAft>
+                <a:spcPts val="0"/>
+              </a:spcAft>
+              <a:buClrTx/>
+              <a:buSzTx/>
+              <a:buFontTx/>
+              <a:buNone/>
+              <a:tabLst/>
+              <a:defRPr/>
+            </a:pPr>
+            <a:r>
+              <a:rPr kumimoji="0" lang="en-US" sz="5400" b="1" i="0" u="none" strike="noStrike" kern="100" cap="none" spc="0" normalizeH="0" baseline="0" noProof="0" dirty="0">
+                <a:ln>
+                  <a:noFill/>
+                </a:ln>
+                <a:solidFill>
+                  <a:prstClr val="black"/>
+                </a:solidFill>
                 <a:effectLst/>
                 <a:uLnTx/>
                 <a:uFillTx/>
-                <a:latin typeface="Abadi" panose="020B0604020104020204" pitchFamily="34" charset="0"/>
+                <a:latin typeface="Amasis MT Pro Black" panose="02040A04050005020304" pitchFamily="18" charset="0"/>
+                <a:ea typeface="+mn-ea"/>
                 <a:cs typeface="Times New Roman" panose="02020603050405020304" pitchFamily="18" charset="0"/>
               </a:rPr>
-              <a:t>or by student number</a:t>
-            </a:r>
-            <a:endParaRPr lang="en-US" i="1" dirty="0">
+              <a:t>The Locker Game</a:t>
+            </a:r>
+            <a:endParaRPr kumimoji="0" lang="en-US" sz="1600" b="1" i="0" u="none" strike="noStrike" kern="1200" cap="none" spc="300" normalizeH="0" baseline="0" noProof="0" dirty="0">
+              <a:ln>
+                <a:noFill/>
+              </a:ln>
               <a:solidFill>
-                <a:schemeClr val="tx1">
-                  <a:lumMod val="65000"/>
-                  <a:lumOff val="35000"/>
-                </a:schemeClr>
+                <a:prstClr val="black"/>
               </a:solidFill>
-              <a:latin typeface="Abadi" panose="020B0604020104020204" pitchFamily="34" charset="0"/>
+              <a:effectLst/>
+              <a:uLnTx/>
+              <a:uFillTx/>
+              <a:latin typeface="Britannic Bold" panose="020B0903060703020204" pitchFamily="34" charset="0"/>
+              <a:ea typeface="+mn-ea"/>
+              <a:cs typeface="+mn-cs"/>
             </a:endParaRPr>
+          </a:p>
+        </p:txBody>
+      </p:sp>
+      <p:pic>
+        <p:nvPicPr>
+          <p:cNvPr id="9" name="Picture 8" descr="A grey rectangular object with a yellow knob&#10;&#10;Description automatically generated">
+            <a:extLst>
+              <a:ext uri="{FF2B5EF4-FFF2-40B4-BE49-F238E27FC236}">
+                <a16:creationId xmlns:a16="http://schemas.microsoft.com/office/drawing/2014/main" id="{C77BEEEC-8169-189E-7442-1E529871F4EC}"/>
+              </a:ext>
+            </a:extLst>
+          </p:cNvPr>
+          <p:cNvPicPr>
+            <a:picLocks noChangeAspect="1"/>
+          </p:cNvPicPr>
+          <p:nvPr/>
+        </p:nvPicPr>
+        <p:blipFill>
+          <a:blip r:embed="rId5">
+            <a:extLst>
+              <a:ext uri="{28A0092B-C50C-407E-A947-70E740481C1C}">
+                <a14:useLocalDpi xmlns:a14="http://schemas.microsoft.com/office/drawing/2010/main" val="0"/>
+              </a:ext>
+            </a:extLst>
+          </a:blip>
+          <a:stretch>
+            <a:fillRect/>
+          </a:stretch>
+        </p:blipFill>
+        <p:spPr>
+          <a:xfrm>
+            <a:off x="11419912" y="6056979"/>
+            <a:ext cx="493619" cy="666895"/>
+          </a:xfrm>
+          <a:prstGeom prst="rect">
+            <a:avLst/>
+          </a:prstGeom>
+        </p:spPr>
+      </p:pic>
+      <p:sp>
+        <p:nvSpPr>
+          <p:cNvPr id="10" name="Slide Number Placeholder 9">
+            <a:extLst>
+              <a:ext uri="{FF2B5EF4-FFF2-40B4-BE49-F238E27FC236}">
+                <a16:creationId xmlns:a16="http://schemas.microsoft.com/office/drawing/2014/main" id="{91A1B449-E2A7-3F66-6F9C-FAD5BECB225F}"/>
+              </a:ext>
+            </a:extLst>
+          </p:cNvPr>
+          <p:cNvSpPr>
+            <a:spLocks noGrp="1"/>
+          </p:cNvSpPr>
+          <p:nvPr>
+            <p:ph type="sldNum" sz="quarter" idx="12"/>
+          </p:nvPr>
+        </p:nvSpPr>
+        <p:spPr/>
+        <p:txBody>
+          <a:bodyPr/>
+          <a:lstStyle/>
+          <a:p>
+            <a:r>
+              <a:rPr lang="en-US" dirty="0"/>
+              <a:t>7</a:t>
+            </a:r>
           </a:p>
         </p:txBody>
       </p:sp>
     </p:spTree>
     <p:extLst>
       <p:ext uri="{BB962C8B-B14F-4D97-AF65-F5344CB8AC3E}">
-        <p14:creationId xmlns:p14="http://schemas.microsoft.com/office/powerpoint/2010/main" val="1875082268"/>
+        <p14:creationId xmlns:p14="http://schemas.microsoft.com/office/powerpoint/2010/main" val="2000364764"/>
       </p:ext>
     </p:extLst>
   </p:cSld>
   <p:clrMapOvr>
     <a:masterClrMapping/>
   </p:clrMapOvr>
-  <mc:AlternateContent xmlns:mc="http://schemas.openxmlformats.org/markup-compatibility/2006" xmlns:p159="http://schemas.microsoft.com/office/powerpoint/2015/09/main">
-    <mc:Choice Requires="p159">
+  <mc:AlternateContent xmlns:mc="http://schemas.openxmlformats.org/markup-compatibility/2006">
+    <mc:Choice xmlns:p159="http://schemas.microsoft.com/office/powerpoint/2015/09/main" Requires="p159">
       <p:transition xmlns:p14="http://schemas.microsoft.com/office/powerpoint/2010/main" spd="slow" p14:dur="2000">
         <p159:morph option="byObject"/>
       </p:transition>
     </mc:Choice>
-    <mc:Fallback xmlns="">
+    <mc:Fallback>
+      <p:transition spd="slow">
+        <p:fade/>
+      </p:transition>
+    </mc:Fallback>
+  </mc:AlternateContent>
+</p:sld>
+</file>
+
+<file path=ppt/slides/slide9.xml><?xml version="1.0" encoding="utf-8"?>
+<p:sld xmlns:a="http://schemas.openxmlformats.org/drawingml/2006/main" xmlns:r="http://schemas.openxmlformats.org/officeDocument/2006/relationships" xmlns:p="http://schemas.openxmlformats.org/presentationml/2006/main">
+  <p:cSld>
+    <p:spTree>
+      <p:nvGrpSpPr>
+        <p:cNvPr id="1" name="">
+          <a:extLst>
+            <a:ext uri="{FF2B5EF4-FFF2-40B4-BE49-F238E27FC236}">
+              <a16:creationId xmlns:a16="http://schemas.microsoft.com/office/drawing/2014/main" id="{D764BA08-8D46-E5E6-0878-813583B2B714}"/>
+            </a:ext>
+          </a:extLst>
+        </p:cNvPr>
+        <p:cNvGrpSpPr/>
+        <p:nvPr/>
+      </p:nvGrpSpPr>
+      <p:grpSpPr>
+        <a:xfrm>
+          <a:off x="0" y="0"/>
+          <a:ext cx="0" cy="0"/>
+          <a:chOff x="0" y="0"/>
+          <a:chExt cx="0" cy="0"/>
+        </a:xfrm>
+      </p:grpSpPr>
+      <p:sp>
+        <p:nvSpPr>
+          <p:cNvPr id="2" name="TextBox 1">
+            <a:extLst>
+              <a:ext uri="{FF2B5EF4-FFF2-40B4-BE49-F238E27FC236}">
+                <a16:creationId xmlns:a16="http://schemas.microsoft.com/office/drawing/2014/main" id="{EED360F2-EEB0-34E8-45AE-E223C580AE04}"/>
+              </a:ext>
+            </a:extLst>
+          </p:cNvPr>
+          <p:cNvSpPr txBox="1"/>
+          <p:nvPr/>
+        </p:nvSpPr>
+        <p:spPr>
+          <a:xfrm>
+            <a:off x="2928561" y="2679658"/>
+            <a:ext cx="6334876" cy="923330"/>
+          </a:xfrm>
+          <a:prstGeom prst="rect">
+            <a:avLst/>
+          </a:prstGeom>
+          <a:noFill/>
+        </p:spPr>
+        <p:txBody>
+          <a:bodyPr wrap="none" rtlCol="0">
+            <a:spAutoFit/>
+          </a:bodyPr>
+          <a:lstStyle/>
+          <a:p>
+            <a:pPr marL="0" marR="0" lvl="0" indent="0" algn="l" defTabSz="914400" rtl="0" eaLnBrk="1" fontAlgn="auto" latinLnBrk="0" hangingPunct="1">
+              <a:lnSpc>
+                <a:spcPct val="100000"/>
+              </a:lnSpc>
+              <a:spcBef>
+                <a:spcPts val="0"/>
+              </a:spcBef>
+              <a:spcAft>
+                <a:spcPts val="0"/>
+              </a:spcAft>
+              <a:buClrTx/>
+              <a:buSzTx/>
+              <a:buFontTx/>
+              <a:buNone/>
+              <a:tabLst/>
+              <a:defRPr/>
+            </a:pPr>
+            <a:r>
+              <a:rPr kumimoji="0" lang="en-US" sz="5400" b="1" i="0" u="none" strike="noStrike" kern="100" cap="none" spc="0" normalizeH="0" baseline="0" noProof="0" dirty="0">
+                <a:ln>
+                  <a:noFill/>
+                </a:ln>
+                <a:solidFill>
+                  <a:prstClr val="black"/>
+                </a:solidFill>
+                <a:effectLst/>
+                <a:uLnTx/>
+                <a:uFillTx/>
+                <a:latin typeface="Amasis MT Pro Black" panose="02040A04050005020304" pitchFamily="18" charset="0"/>
+                <a:ea typeface="+mn-ea"/>
+                <a:cs typeface="Times New Roman" panose="02020603050405020304" pitchFamily="18" charset="0"/>
+              </a:rPr>
+              <a:t>The Locker Game</a:t>
+            </a:r>
+            <a:endParaRPr kumimoji="0" lang="en-US" sz="1600" b="1" i="0" u="none" strike="noStrike" kern="1200" cap="none" spc="300" normalizeH="0" baseline="0" noProof="0" dirty="0">
+              <a:ln>
+                <a:noFill/>
+              </a:ln>
+              <a:solidFill>
+                <a:prstClr val="black"/>
+              </a:solidFill>
+              <a:effectLst/>
+              <a:uLnTx/>
+              <a:uFillTx/>
+              <a:latin typeface="Britannic Bold" panose="020B0903060703020204" pitchFamily="34" charset="0"/>
+              <a:ea typeface="+mn-ea"/>
+              <a:cs typeface="+mn-cs"/>
+            </a:endParaRPr>
+          </a:p>
+        </p:txBody>
+      </p:sp>
+      <p:sp>
+        <p:nvSpPr>
+          <p:cNvPr id="3" name="TextBox 2">
+            <a:extLst>
+              <a:ext uri="{FF2B5EF4-FFF2-40B4-BE49-F238E27FC236}">
+                <a16:creationId xmlns:a16="http://schemas.microsoft.com/office/drawing/2014/main" id="{80CFFE47-8559-0555-25FB-28EC2C2A7649}"/>
+              </a:ext>
+            </a:extLst>
+          </p:cNvPr>
+          <p:cNvSpPr txBox="1"/>
+          <p:nvPr/>
+        </p:nvSpPr>
+        <p:spPr>
+          <a:xfrm>
+            <a:off x="1989202" y="1607848"/>
+            <a:ext cx="8213595" cy="923330"/>
+          </a:xfrm>
+          <a:prstGeom prst="rect">
+            <a:avLst/>
+          </a:prstGeom>
+          <a:noFill/>
+        </p:spPr>
+        <p:txBody>
+          <a:bodyPr wrap="none" rtlCol="0">
+            <a:spAutoFit/>
+          </a:bodyPr>
+          <a:lstStyle/>
+          <a:p>
+            <a:pPr marL="0" marR="0" lvl="0" indent="0" algn="l" defTabSz="914400" rtl="0" eaLnBrk="1" fontAlgn="auto" latinLnBrk="0" hangingPunct="1">
+              <a:lnSpc>
+                <a:spcPct val="100000"/>
+              </a:lnSpc>
+              <a:spcBef>
+                <a:spcPts val="0"/>
+              </a:spcBef>
+              <a:spcAft>
+                <a:spcPts val="0"/>
+              </a:spcAft>
+              <a:buClrTx/>
+              <a:buSzTx/>
+              <a:buFontTx/>
+              <a:buNone/>
+              <a:tabLst/>
+              <a:defRPr/>
+            </a:pPr>
+            <a:r>
+              <a:rPr kumimoji="0" lang="en-US" sz="5400" b="1" i="0" u="none" strike="noStrike" kern="100" cap="none" spc="0" normalizeH="0" baseline="0" noProof="0" dirty="0">
+                <a:ln>
+                  <a:noFill/>
+                </a:ln>
+                <a:effectLst/>
+                <a:uLnTx/>
+                <a:uFillTx/>
+                <a:latin typeface="Amasis MT Pro Black" panose="02040A04050005020304" pitchFamily="18" charset="0"/>
+                <a:ea typeface="+mn-ea"/>
+                <a:cs typeface="Times New Roman" panose="02020603050405020304" pitchFamily="18" charset="0"/>
+              </a:rPr>
+              <a:t>Thank you for playing </a:t>
+            </a:r>
+            <a:endParaRPr kumimoji="0" lang="en-US" sz="1600" b="1" i="0" u="none" strike="noStrike" kern="1200" cap="none" spc="300" normalizeH="0" baseline="0" noProof="0" dirty="0">
+              <a:ln>
+                <a:noFill/>
+              </a:ln>
+              <a:effectLst/>
+              <a:uLnTx/>
+              <a:uFillTx/>
+              <a:latin typeface="Britannic Bold" panose="020B0903060703020204" pitchFamily="34" charset="0"/>
+              <a:ea typeface="+mn-ea"/>
+              <a:cs typeface="+mn-cs"/>
+            </a:endParaRPr>
+          </a:p>
+        </p:txBody>
+      </p:sp>
+      <p:pic>
+        <p:nvPicPr>
+          <p:cNvPr id="5" name="Picture 4" descr="A grey rectangular object with a yellow knob&#10;&#10;Description automatically generated">
+            <a:extLst>
+              <a:ext uri="{FF2B5EF4-FFF2-40B4-BE49-F238E27FC236}">
+                <a16:creationId xmlns:a16="http://schemas.microsoft.com/office/drawing/2014/main" id="{078DB913-122B-8692-981B-C3F84253B91F}"/>
+              </a:ext>
+            </a:extLst>
+          </p:cNvPr>
+          <p:cNvPicPr>
+            <a:picLocks noChangeAspect="1"/>
+          </p:cNvPicPr>
+          <p:nvPr/>
+        </p:nvPicPr>
+        <p:blipFill>
+          <a:blip r:embed="rId3">
+            <a:extLst>
+              <a:ext uri="{28A0092B-C50C-407E-A947-70E740481C1C}">
+                <a14:useLocalDpi xmlns:a14="http://schemas.microsoft.com/office/drawing/2010/main" val="0"/>
+              </a:ext>
+            </a:extLst>
+          </a:blip>
+          <a:stretch>
+            <a:fillRect/>
+          </a:stretch>
+        </p:blipFill>
+        <p:spPr>
+          <a:xfrm>
+            <a:off x="5612326" y="3867425"/>
+            <a:ext cx="967346" cy="1306915"/>
+          </a:xfrm>
+          <a:prstGeom prst="rect">
+            <a:avLst/>
+          </a:prstGeom>
+        </p:spPr>
+      </p:pic>
+    </p:spTree>
+    <p:extLst>
+      <p:ext uri="{BB962C8B-B14F-4D97-AF65-F5344CB8AC3E}">
+        <p14:creationId xmlns:p14="http://schemas.microsoft.com/office/powerpoint/2010/main" val="3278494089"/>
+      </p:ext>
+    </p:extLst>
+  </p:cSld>
+  <p:clrMapOvr>
+    <a:masterClrMapping/>
+  </p:clrMapOvr>
+  <mc:AlternateContent xmlns:mc="http://schemas.openxmlformats.org/markup-compatibility/2006">
+    <mc:Choice xmlns:p159="http://schemas.microsoft.com/office/powerpoint/2015/09/main" Requires="p159">
+      <p:transition xmlns:p14="http://schemas.microsoft.com/office/powerpoint/2010/main" spd="slow" p14:dur="2000">
+        <p159:morph option="byObject"/>
+      </p:transition>
+    </mc:Choice>
+    <mc:Fallback>
       <p:transition spd="slow">
         <p:fade/>
       </p:transition>

--- a/_media/TheLockerGame_howToPay.pptx
+++ b/_media/TheLockerGame_howToPay.pptx
@@ -5,18 +5,21 @@
     <p:sldMasterId id="2147483648" r:id="rId1"/>
   </p:sldMasterIdLst>
   <p:notesMasterIdLst>
-    <p:notesMasterId r:id="rId11"/>
+    <p:notesMasterId r:id="rId14"/>
   </p:notesMasterIdLst>
   <p:sldIdLst>
     <p:sldId id="572" r:id="rId2"/>
-    <p:sldId id="518" r:id="rId3"/>
-    <p:sldId id="573" r:id="rId4"/>
-    <p:sldId id="577" r:id="rId5"/>
-    <p:sldId id="576" r:id="rId6"/>
-    <p:sldId id="521" r:id="rId7"/>
-    <p:sldId id="580" r:id="rId8"/>
-    <p:sldId id="581" r:id="rId9"/>
-    <p:sldId id="582" r:id="rId10"/>
+    <p:sldId id="585" r:id="rId3"/>
+    <p:sldId id="586" r:id="rId4"/>
+    <p:sldId id="584" r:id="rId5"/>
+    <p:sldId id="518" r:id="rId6"/>
+    <p:sldId id="573" r:id="rId7"/>
+    <p:sldId id="577" r:id="rId8"/>
+    <p:sldId id="576" r:id="rId9"/>
+    <p:sldId id="521" r:id="rId10"/>
+    <p:sldId id="580" r:id="rId11"/>
+    <p:sldId id="581" r:id="rId12"/>
+    <p:sldId id="582" r:id="rId13"/>
   </p:sldIdLst>
   <p:sldSz cx="12192000" cy="6858000"/>
   <p:notesSz cx="6858000" cy="9144000"/>
@@ -205,7 +208,7 @@
           <a:p>
             <a:fld id="{9BA16C0D-19E3-4D5C-82A7-E458D5ABFA95}" type="datetimeFigureOut">
               <a:rPr lang="en-US" smtClean="0"/>
-              <a:t>2/4/2026</a:t>
+              <a:t>2/6/2026</a:t>
             </a:fld>
             <a:endParaRPr lang="en-US"/>
           </a:p>
@@ -583,12 +586,18 @@
 </p:notes>
 </file>
 
-<file path=ppt/notesSlides/notesSlide2.xml><?xml version="1.0" encoding="utf-8"?>
+<file path=ppt/notesSlides/notesSlide10.xml><?xml version="1.0" encoding="utf-8"?>
 <p:notes xmlns:a="http://schemas.openxmlformats.org/drawingml/2006/main" xmlns:r="http://schemas.openxmlformats.org/officeDocument/2006/relationships" xmlns:p="http://schemas.openxmlformats.org/presentationml/2006/main">
   <p:cSld>
     <p:spTree>
       <p:nvGrpSpPr>
-        <p:cNvPr id="1" name=""/>
+        <p:cNvPr id="1" name="">
+          <a:extLst>
+            <a:ext uri="{FF2B5EF4-FFF2-40B4-BE49-F238E27FC236}">
+              <a16:creationId xmlns:a16="http://schemas.microsoft.com/office/drawing/2014/main" id="{7E31DD04-78B3-2972-0D90-A64989AA582D}"/>
+            </a:ext>
+          </a:extLst>
+        </p:cNvPr>
         <p:cNvGrpSpPr/>
         <p:nvPr/>
       </p:nvGrpSpPr>
@@ -602,7 +611,13 @@
       </p:grpSpPr>
       <p:sp>
         <p:nvSpPr>
-          <p:cNvPr id="2" name="Slide Image Placeholder 1"/>
+          <p:cNvPr id="2" name="Slide Image Placeholder 1">
+            <a:extLst>
+              <a:ext uri="{FF2B5EF4-FFF2-40B4-BE49-F238E27FC236}">
+                <a16:creationId xmlns:a16="http://schemas.microsoft.com/office/drawing/2014/main" id="{31FB99CA-5FDC-2F20-C391-547C07352FA8}"/>
+              </a:ext>
+            </a:extLst>
+          </p:cNvPr>
           <p:cNvSpPr>
             <a:spLocks noGrp="1" noRot="1" noChangeAspect="1"/>
           </p:cNvSpPr>
@@ -619,7 +634,13 @@
       </p:sp>
       <p:sp>
         <p:nvSpPr>
-          <p:cNvPr id="3" name="Notes Placeholder 2"/>
+          <p:cNvPr id="3" name="Notes Placeholder 2">
+            <a:extLst>
+              <a:ext uri="{FF2B5EF4-FFF2-40B4-BE49-F238E27FC236}">
+                <a16:creationId xmlns:a16="http://schemas.microsoft.com/office/drawing/2014/main" id="{FD0AB985-3590-9A21-B3BB-860F18366D87}"/>
+              </a:ext>
+            </a:extLst>
+          </p:cNvPr>
           <p:cNvSpPr>
             <a:spLocks noGrp="1"/>
           </p:cNvSpPr>
@@ -631,6 +652,37 @@
         <p:txBody>
           <a:bodyPr/>
           <a:lstStyle/>
+          <a:p>
+            <a:pPr marL="0" marR="0" lvl="0" indent="0" algn="l" defTabSz="914400" rtl="0" eaLnBrk="1" fontAlgn="auto" latinLnBrk="0" hangingPunct="1">
+              <a:lnSpc>
+                <a:spcPct val="115000"/>
+              </a:lnSpc>
+              <a:spcBef>
+                <a:spcPts val="0"/>
+              </a:spcBef>
+              <a:spcAft>
+                <a:spcPts val="0"/>
+              </a:spcAft>
+              <a:buClrTx/>
+              <a:buSzTx/>
+              <a:buFontTx/>
+              <a:buNone/>
+              <a:tabLst/>
+              <a:defRPr/>
+            </a:pPr>
+            <a:r>
+              <a:rPr lang="en-US" sz="2800" b="0" i="0" dirty="0">
+                <a:solidFill>
+                  <a:srgbClr val="000000"/>
+                </a:solidFill>
+                <a:effectLst/>
+                <a:latin typeface="Inter"/>
+                <a:hlinkClick r:id="rId3"/>
+              </a:rPr>
+              <a:t>https://play.unity.com/mg/other/lockers-ver-999-webpublish-2</a:t>
+            </a:r>
+            <a:endParaRPr lang="en-US" sz="2800" dirty="0"/>
+          </a:p>
           <a:p>
             <a:pPr marL="0" marR="0">
               <a:lnSpc>
@@ -653,7 +705,389 @@
       </p:sp>
       <p:sp>
         <p:nvSpPr>
-          <p:cNvPr id="4" name="Slide Number Placeholder 3"/>
+          <p:cNvPr id="4" name="Slide Number Placeholder 3">
+            <a:extLst>
+              <a:ext uri="{FF2B5EF4-FFF2-40B4-BE49-F238E27FC236}">
+                <a16:creationId xmlns:a16="http://schemas.microsoft.com/office/drawing/2014/main" id="{FE1EFD47-2E31-73D2-A493-FD4752F50EED}"/>
+              </a:ext>
+            </a:extLst>
+          </p:cNvPr>
+          <p:cNvSpPr>
+            <a:spLocks noGrp="1"/>
+          </p:cNvSpPr>
+          <p:nvPr>
+            <p:ph type="sldNum" sz="quarter" idx="5"/>
+          </p:nvPr>
+        </p:nvSpPr>
+        <p:spPr/>
+        <p:txBody>
+          <a:bodyPr/>
+          <a:lstStyle/>
+          <a:p>
+            <a:pPr marL="0" marR="0" lvl="0" indent="0" algn="r" defTabSz="914400" rtl="0" eaLnBrk="1" fontAlgn="auto" latinLnBrk="0" hangingPunct="1">
+              <a:lnSpc>
+                <a:spcPct val="100000"/>
+              </a:lnSpc>
+              <a:spcBef>
+                <a:spcPts val="0"/>
+              </a:spcBef>
+              <a:spcAft>
+                <a:spcPts val="0"/>
+              </a:spcAft>
+              <a:buClrTx/>
+              <a:buSzTx/>
+              <a:buFontTx/>
+              <a:buNone/>
+              <a:tabLst/>
+              <a:defRPr/>
+            </a:pPr>
+            <a:fld id="{5FA495A3-5412-40AC-9320-D76D0B540532}" type="slidenum">
+              <a:rPr kumimoji="0" lang="en-US" sz="1200" b="0" i="0" u="none" strike="noStrike" kern="1200" cap="none" spc="0" normalizeH="0" baseline="0" noProof="0" smtClean="0">
+                <a:ln>
+                  <a:noFill/>
+                </a:ln>
+                <a:solidFill>
+                  <a:prstClr val="black"/>
+                </a:solidFill>
+                <a:effectLst/>
+                <a:uLnTx/>
+                <a:uFillTx/>
+                <a:latin typeface="Calibri" panose="020F0502020204030204"/>
+                <a:ea typeface="+mn-ea"/>
+                <a:cs typeface="+mn-cs"/>
+              </a:rPr>
+              <a:pPr marL="0" marR="0" lvl="0" indent="0" algn="r" defTabSz="914400" rtl="0" eaLnBrk="1" fontAlgn="auto" latinLnBrk="0" hangingPunct="1">
+                <a:lnSpc>
+                  <a:spcPct val="100000"/>
+                </a:lnSpc>
+                <a:spcBef>
+                  <a:spcPts val="0"/>
+                </a:spcBef>
+                <a:spcAft>
+                  <a:spcPts val="0"/>
+                </a:spcAft>
+                <a:buClrTx/>
+                <a:buSzTx/>
+                <a:buFontTx/>
+                <a:buNone/>
+                <a:tabLst/>
+                <a:defRPr/>
+              </a:pPr>
+              <a:t>11</a:t>
+            </a:fld>
+            <a:endParaRPr kumimoji="0" lang="en-US" sz="1200" b="0" i="0" u="none" strike="noStrike" kern="1200" cap="none" spc="0" normalizeH="0" baseline="0" noProof="0" dirty="0">
+              <a:ln>
+                <a:noFill/>
+              </a:ln>
+              <a:solidFill>
+                <a:prstClr val="black"/>
+              </a:solidFill>
+              <a:effectLst/>
+              <a:uLnTx/>
+              <a:uFillTx/>
+              <a:latin typeface="Calibri" panose="020F0502020204030204"/>
+              <a:ea typeface="+mn-ea"/>
+              <a:cs typeface="+mn-cs"/>
+            </a:endParaRPr>
+          </a:p>
+        </p:txBody>
+      </p:sp>
+    </p:spTree>
+    <p:extLst>
+      <p:ext uri="{BB962C8B-B14F-4D97-AF65-F5344CB8AC3E}">
+        <p14:creationId xmlns:p14="http://schemas.microsoft.com/office/powerpoint/2010/main" val="3148816611"/>
+      </p:ext>
+    </p:extLst>
+  </p:cSld>
+  <p:clrMapOvr>
+    <a:masterClrMapping/>
+  </p:clrMapOvr>
+</p:notes>
+</file>
+
+<file path=ppt/notesSlides/notesSlide11.xml><?xml version="1.0" encoding="utf-8"?>
+<p:notes xmlns:a="http://schemas.openxmlformats.org/drawingml/2006/main" xmlns:r="http://schemas.openxmlformats.org/officeDocument/2006/relationships" xmlns:p="http://schemas.openxmlformats.org/presentationml/2006/main">
+  <p:cSld>
+    <p:spTree>
+      <p:nvGrpSpPr>
+        <p:cNvPr id="1" name="">
+          <a:extLst>
+            <a:ext uri="{FF2B5EF4-FFF2-40B4-BE49-F238E27FC236}">
+              <a16:creationId xmlns:a16="http://schemas.microsoft.com/office/drawing/2014/main" id="{85B1EAAF-3678-5526-ABD9-92B77BDBC360}"/>
+            </a:ext>
+          </a:extLst>
+        </p:cNvPr>
+        <p:cNvGrpSpPr/>
+        <p:nvPr/>
+      </p:nvGrpSpPr>
+      <p:grpSpPr>
+        <a:xfrm>
+          <a:off x="0" y="0"/>
+          <a:ext cx="0" cy="0"/>
+          <a:chOff x="0" y="0"/>
+          <a:chExt cx="0" cy="0"/>
+        </a:xfrm>
+      </p:grpSpPr>
+      <p:sp>
+        <p:nvSpPr>
+          <p:cNvPr id="2" name="Slide Image Placeholder 1">
+            <a:extLst>
+              <a:ext uri="{FF2B5EF4-FFF2-40B4-BE49-F238E27FC236}">
+                <a16:creationId xmlns:a16="http://schemas.microsoft.com/office/drawing/2014/main" id="{149629C3-04BC-29A7-50A4-F2685383FD36}"/>
+              </a:ext>
+            </a:extLst>
+          </p:cNvPr>
+          <p:cNvSpPr>
+            <a:spLocks noGrp="1" noRot="1" noChangeAspect="1"/>
+          </p:cNvSpPr>
+          <p:nvPr>
+            <p:ph type="sldImg"/>
+          </p:nvPr>
+        </p:nvSpPr>
+        <p:spPr>
+          <a:xfrm>
+            <a:off x="685800" y="1143000"/>
+            <a:ext cx="5486400" cy="3086100"/>
+          </a:xfrm>
+        </p:spPr>
+      </p:sp>
+      <p:sp>
+        <p:nvSpPr>
+          <p:cNvPr id="3" name="Notes Placeholder 2">
+            <a:extLst>
+              <a:ext uri="{FF2B5EF4-FFF2-40B4-BE49-F238E27FC236}">
+                <a16:creationId xmlns:a16="http://schemas.microsoft.com/office/drawing/2014/main" id="{6A4294C2-BAA8-E871-6D5B-0745DD475651}"/>
+              </a:ext>
+            </a:extLst>
+          </p:cNvPr>
+          <p:cNvSpPr>
+            <a:spLocks noGrp="1"/>
+          </p:cNvSpPr>
+          <p:nvPr>
+            <p:ph type="body" idx="1"/>
+          </p:nvPr>
+        </p:nvSpPr>
+        <p:spPr/>
+        <p:txBody>
+          <a:bodyPr/>
+          <a:lstStyle/>
+          <a:p>
+            <a:pPr marL="0" marR="0">
+              <a:lnSpc>
+                <a:spcPct val="115000"/>
+              </a:lnSpc>
+              <a:spcBef>
+                <a:spcPts val="0"/>
+              </a:spcBef>
+              <a:spcAft>
+                <a:spcPts val="0"/>
+              </a:spcAft>
+            </a:pPr>
+            <a:endParaRPr lang="en-US" sz="1800" dirty="0">
+              <a:effectLst/>
+              <a:latin typeface="Arial" panose="020B0604020202020204" pitchFamily="34" charset="0"/>
+              <a:ea typeface="Arial" panose="020B0604020202020204" pitchFamily="34" charset="0"/>
+            </a:endParaRPr>
+          </a:p>
+        </p:txBody>
+      </p:sp>
+      <p:sp>
+        <p:nvSpPr>
+          <p:cNvPr id="4" name="Slide Number Placeholder 3">
+            <a:extLst>
+              <a:ext uri="{FF2B5EF4-FFF2-40B4-BE49-F238E27FC236}">
+                <a16:creationId xmlns:a16="http://schemas.microsoft.com/office/drawing/2014/main" id="{86435BEA-E685-E5D6-000B-F366B2724C7C}"/>
+              </a:ext>
+            </a:extLst>
+          </p:cNvPr>
+          <p:cNvSpPr>
+            <a:spLocks noGrp="1"/>
+          </p:cNvSpPr>
+          <p:nvPr>
+            <p:ph type="sldNum" sz="quarter" idx="5"/>
+          </p:nvPr>
+        </p:nvSpPr>
+        <p:spPr/>
+        <p:txBody>
+          <a:bodyPr/>
+          <a:lstStyle/>
+          <a:p>
+            <a:pPr marL="0" marR="0" lvl="0" indent="0" algn="r" defTabSz="914400" rtl="0" eaLnBrk="1" fontAlgn="auto" latinLnBrk="0" hangingPunct="1">
+              <a:lnSpc>
+                <a:spcPct val="100000"/>
+              </a:lnSpc>
+              <a:spcBef>
+                <a:spcPts val="0"/>
+              </a:spcBef>
+              <a:spcAft>
+                <a:spcPts val="0"/>
+              </a:spcAft>
+              <a:buClrTx/>
+              <a:buSzTx/>
+              <a:buFontTx/>
+              <a:buNone/>
+              <a:tabLst/>
+              <a:defRPr/>
+            </a:pPr>
+            <a:fld id="{5FA495A3-5412-40AC-9320-D76D0B540532}" type="slidenum">
+              <a:rPr kumimoji="0" lang="en-US" sz="1200" b="0" i="0" u="none" strike="noStrike" kern="1200" cap="none" spc="0" normalizeH="0" baseline="0" noProof="0" smtClean="0">
+                <a:ln>
+                  <a:noFill/>
+                </a:ln>
+                <a:solidFill>
+                  <a:prstClr val="black"/>
+                </a:solidFill>
+                <a:effectLst/>
+                <a:uLnTx/>
+                <a:uFillTx/>
+                <a:latin typeface="Calibri" panose="020F0502020204030204"/>
+                <a:ea typeface="+mn-ea"/>
+                <a:cs typeface="+mn-cs"/>
+              </a:rPr>
+              <a:pPr marL="0" marR="0" lvl="0" indent="0" algn="r" defTabSz="914400" rtl="0" eaLnBrk="1" fontAlgn="auto" latinLnBrk="0" hangingPunct="1">
+                <a:lnSpc>
+                  <a:spcPct val="100000"/>
+                </a:lnSpc>
+                <a:spcBef>
+                  <a:spcPts val="0"/>
+                </a:spcBef>
+                <a:spcAft>
+                  <a:spcPts val="0"/>
+                </a:spcAft>
+                <a:buClrTx/>
+                <a:buSzTx/>
+                <a:buFontTx/>
+                <a:buNone/>
+                <a:tabLst/>
+                <a:defRPr/>
+              </a:pPr>
+              <a:t>12</a:t>
+            </a:fld>
+            <a:endParaRPr kumimoji="0" lang="en-US" sz="1200" b="0" i="0" u="none" strike="noStrike" kern="1200" cap="none" spc="0" normalizeH="0" baseline="0" noProof="0" dirty="0">
+              <a:ln>
+                <a:noFill/>
+              </a:ln>
+              <a:solidFill>
+                <a:prstClr val="black"/>
+              </a:solidFill>
+              <a:effectLst/>
+              <a:uLnTx/>
+              <a:uFillTx/>
+              <a:latin typeface="Calibri" panose="020F0502020204030204"/>
+              <a:ea typeface="+mn-ea"/>
+              <a:cs typeface="+mn-cs"/>
+            </a:endParaRPr>
+          </a:p>
+        </p:txBody>
+      </p:sp>
+    </p:spTree>
+    <p:extLst>
+      <p:ext uri="{BB962C8B-B14F-4D97-AF65-F5344CB8AC3E}">
+        <p14:creationId xmlns:p14="http://schemas.microsoft.com/office/powerpoint/2010/main" val="277735454"/>
+      </p:ext>
+    </p:extLst>
+  </p:cSld>
+  <p:clrMapOvr>
+    <a:masterClrMapping/>
+  </p:clrMapOvr>
+</p:notes>
+</file>
+
+<file path=ppt/notesSlides/notesSlide2.xml><?xml version="1.0" encoding="utf-8"?>
+<p:notes xmlns:a="http://schemas.openxmlformats.org/drawingml/2006/main" xmlns:r="http://schemas.openxmlformats.org/officeDocument/2006/relationships" xmlns:p="http://schemas.openxmlformats.org/presentationml/2006/main">
+  <p:cSld>
+    <p:spTree>
+      <p:nvGrpSpPr>
+        <p:cNvPr id="1" name="">
+          <a:extLst>
+            <a:ext uri="{FF2B5EF4-FFF2-40B4-BE49-F238E27FC236}">
+              <a16:creationId xmlns:a16="http://schemas.microsoft.com/office/drawing/2014/main" id="{2F78CC9E-9D8F-077B-3664-79E70C3DBDB4}"/>
+            </a:ext>
+          </a:extLst>
+        </p:cNvPr>
+        <p:cNvGrpSpPr/>
+        <p:nvPr/>
+      </p:nvGrpSpPr>
+      <p:grpSpPr>
+        <a:xfrm>
+          <a:off x="0" y="0"/>
+          <a:ext cx="0" cy="0"/>
+          <a:chOff x="0" y="0"/>
+          <a:chExt cx="0" cy="0"/>
+        </a:xfrm>
+      </p:grpSpPr>
+      <p:sp>
+        <p:nvSpPr>
+          <p:cNvPr id="2" name="Slide Image Placeholder 1">
+            <a:extLst>
+              <a:ext uri="{FF2B5EF4-FFF2-40B4-BE49-F238E27FC236}">
+                <a16:creationId xmlns:a16="http://schemas.microsoft.com/office/drawing/2014/main" id="{4A6E1CC7-ED60-C666-F715-AE6D0759DE89}"/>
+              </a:ext>
+            </a:extLst>
+          </p:cNvPr>
+          <p:cNvSpPr>
+            <a:spLocks noGrp="1" noRot="1" noChangeAspect="1"/>
+          </p:cNvSpPr>
+          <p:nvPr>
+            <p:ph type="sldImg"/>
+          </p:nvPr>
+        </p:nvSpPr>
+        <p:spPr>
+          <a:xfrm>
+            <a:off x="685800" y="1143000"/>
+            <a:ext cx="5486400" cy="3086100"/>
+          </a:xfrm>
+        </p:spPr>
+      </p:sp>
+      <p:sp>
+        <p:nvSpPr>
+          <p:cNvPr id="3" name="Notes Placeholder 2">
+            <a:extLst>
+              <a:ext uri="{FF2B5EF4-FFF2-40B4-BE49-F238E27FC236}">
+                <a16:creationId xmlns:a16="http://schemas.microsoft.com/office/drawing/2014/main" id="{52C78A4E-CD79-658B-7824-6AA86D0D6C11}"/>
+              </a:ext>
+            </a:extLst>
+          </p:cNvPr>
+          <p:cNvSpPr>
+            <a:spLocks noGrp="1"/>
+          </p:cNvSpPr>
+          <p:nvPr>
+            <p:ph type="body" idx="1"/>
+          </p:nvPr>
+        </p:nvSpPr>
+        <p:spPr/>
+        <p:txBody>
+          <a:bodyPr/>
+          <a:lstStyle/>
+          <a:p>
+            <a:pPr marL="0" marR="0">
+              <a:lnSpc>
+                <a:spcPct val="115000"/>
+              </a:lnSpc>
+              <a:spcBef>
+                <a:spcPts val="0"/>
+              </a:spcBef>
+              <a:spcAft>
+                <a:spcPts val="0"/>
+              </a:spcAft>
+            </a:pPr>
+            <a:endParaRPr lang="en-US" sz="1800" dirty="0">
+              <a:effectLst/>
+              <a:latin typeface="Arial" panose="020B0604020202020204" pitchFamily="34" charset="0"/>
+              <a:ea typeface="Arial" panose="020B0604020202020204" pitchFamily="34" charset="0"/>
+            </a:endParaRPr>
+          </a:p>
+        </p:txBody>
+      </p:sp>
+      <p:sp>
+        <p:nvSpPr>
+          <p:cNvPr id="4" name="Slide Number Placeholder 3">
+            <a:extLst>
+              <a:ext uri="{FF2B5EF4-FFF2-40B4-BE49-F238E27FC236}">
+                <a16:creationId xmlns:a16="http://schemas.microsoft.com/office/drawing/2014/main" id="{E80050C9-3120-09F5-0B43-92B96F72921E}"/>
+              </a:ext>
+            </a:extLst>
+          </p:cNvPr>
           <p:cNvSpPr>
             <a:spLocks noGrp="1"/>
           </p:cNvSpPr>
@@ -737,7 +1171,7 @@
     </p:spTree>
     <p:extLst>
       <p:ext uri="{BB962C8B-B14F-4D97-AF65-F5344CB8AC3E}">
-        <p14:creationId xmlns:p14="http://schemas.microsoft.com/office/powerpoint/2010/main" val="493307829"/>
+        <p14:creationId xmlns:p14="http://schemas.microsoft.com/office/powerpoint/2010/main" val="477576133"/>
       </p:ext>
     </p:extLst>
   </p:cSld>
@@ -796,37 +1230,6 @@
           <a:bodyPr/>
           <a:lstStyle/>
           <a:p>
-            <a:pPr marL="0" marR="0" lvl="0" indent="0" algn="l" defTabSz="914400" rtl="0" eaLnBrk="1" fontAlgn="auto" latinLnBrk="0" hangingPunct="1">
-              <a:lnSpc>
-                <a:spcPct val="115000"/>
-              </a:lnSpc>
-              <a:spcBef>
-                <a:spcPts val="0"/>
-              </a:spcBef>
-              <a:spcAft>
-                <a:spcPts val="0"/>
-              </a:spcAft>
-              <a:buClrTx/>
-              <a:buSzTx/>
-              <a:buFontTx/>
-              <a:buNone/>
-              <a:tabLst/>
-              <a:defRPr/>
-            </a:pPr>
-            <a:r>
-              <a:rPr lang="en-US" sz="2800" b="0" i="0" dirty="0">
-                <a:solidFill>
-                  <a:srgbClr val="000000"/>
-                </a:solidFill>
-                <a:effectLst/>
-                <a:latin typeface="Inter"/>
-                <a:hlinkClick r:id="rId3"/>
-              </a:rPr>
-              <a:t>https://play.unity.com/mg/other/lockers-ver-999-webpublish-2</a:t>
-            </a:r>
-            <a:endParaRPr lang="en-US" sz="2800" dirty="0"/>
-          </a:p>
-          <a:p>
             <a:pPr marL="0" marR="0">
               <a:lnSpc>
                 <a:spcPct val="115000"/>
@@ -849,225 +1252,6 @@
       <p:sp>
         <p:nvSpPr>
           <p:cNvPr id="4" name="Slide Number Placeholder 3"/>
-          <p:cNvSpPr>
-            <a:spLocks noGrp="1"/>
-          </p:cNvSpPr>
-          <p:nvPr>
-            <p:ph type="sldNum" sz="quarter" idx="5"/>
-          </p:nvPr>
-        </p:nvSpPr>
-        <p:spPr/>
-        <p:txBody>
-          <a:bodyPr/>
-          <a:lstStyle/>
-          <a:p>
-            <a:pPr marL="0" marR="0" lvl="0" indent="0" algn="r" defTabSz="914400" rtl="0" eaLnBrk="1" fontAlgn="auto" latinLnBrk="0" hangingPunct="1">
-              <a:lnSpc>
-                <a:spcPct val="100000"/>
-              </a:lnSpc>
-              <a:spcBef>
-                <a:spcPts val="0"/>
-              </a:spcBef>
-              <a:spcAft>
-                <a:spcPts val="0"/>
-              </a:spcAft>
-              <a:buClrTx/>
-              <a:buSzTx/>
-              <a:buFontTx/>
-              <a:buNone/>
-              <a:tabLst/>
-              <a:defRPr/>
-            </a:pPr>
-            <a:fld id="{5FA495A3-5412-40AC-9320-D76D0B540532}" type="slidenum">
-              <a:rPr kumimoji="0" lang="en-US" sz="1200" b="0" i="0" u="none" strike="noStrike" kern="1200" cap="none" spc="0" normalizeH="0" baseline="0" noProof="0" smtClean="0">
-                <a:ln>
-                  <a:noFill/>
-                </a:ln>
-                <a:solidFill>
-                  <a:prstClr val="black"/>
-                </a:solidFill>
-                <a:effectLst/>
-                <a:uLnTx/>
-                <a:uFillTx/>
-                <a:latin typeface="Calibri" panose="020F0502020204030204"/>
-                <a:ea typeface="+mn-ea"/>
-                <a:cs typeface="+mn-cs"/>
-              </a:rPr>
-              <a:pPr marL="0" marR="0" lvl="0" indent="0" algn="r" defTabSz="914400" rtl="0" eaLnBrk="1" fontAlgn="auto" latinLnBrk="0" hangingPunct="1">
-                <a:lnSpc>
-                  <a:spcPct val="100000"/>
-                </a:lnSpc>
-                <a:spcBef>
-                  <a:spcPts val="0"/>
-                </a:spcBef>
-                <a:spcAft>
-                  <a:spcPts val="0"/>
-                </a:spcAft>
-                <a:buClrTx/>
-                <a:buSzTx/>
-                <a:buFontTx/>
-                <a:buNone/>
-                <a:tabLst/>
-                <a:defRPr/>
-              </a:pPr>
-              <a:t>3</a:t>
-            </a:fld>
-            <a:endParaRPr kumimoji="0" lang="en-US" sz="1200" b="0" i="0" u="none" strike="noStrike" kern="1200" cap="none" spc="0" normalizeH="0" baseline="0" noProof="0" dirty="0">
-              <a:ln>
-                <a:noFill/>
-              </a:ln>
-              <a:solidFill>
-                <a:prstClr val="black"/>
-              </a:solidFill>
-              <a:effectLst/>
-              <a:uLnTx/>
-              <a:uFillTx/>
-              <a:latin typeface="Calibri" panose="020F0502020204030204"/>
-              <a:ea typeface="+mn-ea"/>
-              <a:cs typeface="+mn-cs"/>
-            </a:endParaRPr>
-          </a:p>
-        </p:txBody>
-      </p:sp>
-    </p:spTree>
-    <p:extLst>
-      <p:ext uri="{BB962C8B-B14F-4D97-AF65-F5344CB8AC3E}">
-        <p14:creationId xmlns:p14="http://schemas.microsoft.com/office/powerpoint/2010/main" val="1651085273"/>
-      </p:ext>
-    </p:extLst>
-  </p:cSld>
-  <p:clrMapOvr>
-    <a:masterClrMapping/>
-  </p:clrMapOvr>
-</p:notes>
-</file>
-
-<file path=ppt/notesSlides/notesSlide4.xml><?xml version="1.0" encoding="utf-8"?>
-<p:notes xmlns:a="http://schemas.openxmlformats.org/drawingml/2006/main" xmlns:r="http://schemas.openxmlformats.org/officeDocument/2006/relationships" xmlns:p="http://schemas.openxmlformats.org/presentationml/2006/main">
-  <p:cSld>
-    <p:spTree>
-      <p:nvGrpSpPr>
-        <p:cNvPr id="1" name="">
-          <a:extLst>
-            <a:ext uri="{FF2B5EF4-FFF2-40B4-BE49-F238E27FC236}">
-              <a16:creationId xmlns:a16="http://schemas.microsoft.com/office/drawing/2014/main" id="{113EC50E-B942-10F7-0A15-C76C40082603}"/>
-            </a:ext>
-          </a:extLst>
-        </p:cNvPr>
-        <p:cNvGrpSpPr/>
-        <p:nvPr/>
-      </p:nvGrpSpPr>
-      <p:grpSpPr>
-        <a:xfrm>
-          <a:off x="0" y="0"/>
-          <a:ext cx="0" cy="0"/>
-          <a:chOff x="0" y="0"/>
-          <a:chExt cx="0" cy="0"/>
-        </a:xfrm>
-      </p:grpSpPr>
-      <p:sp>
-        <p:nvSpPr>
-          <p:cNvPr id="2" name="Slide Image Placeholder 1">
-            <a:extLst>
-              <a:ext uri="{FF2B5EF4-FFF2-40B4-BE49-F238E27FC236}">
-                <a16:creationId xmlns:a16="http://schemas.microsoft.com/office/drawing/2014/main" id="{7A9ECEC0-DE9C-4EB1-A954-F581378E5FB0}"/>
-              </a:ext>
-            </a:extLst>
-          </p:cNvPr>
-          <p:cNvSpPr>
-            <a:spLocks noGrp="1" noRot="1" noChangeAspect="1"/>
-          </p:cNvSpPr>
-          <p:nvPr>
-            <p:ph type="sldImg"/>
-          </p:nvPr>
-        </p:nvSpPr>
-        <p:spPr>
-          <a:xfrm>
-            <a:off x="685800" y="1143000"/>
-            <a:ext cx="5486400" cy="3086100"/>
-          </a:xfrm>
-        </p:spPr>
-      </p:sp>
-      <p:sp>
-        <p:nvSpPr>
-          <p:cNvPr id="3" name="Notes Placeholder 2">
-            <a:extLst>
-              <a:ext uri="{FF2B5EF4-FFF2-40B4-BE49-F238E27FC236}">
-                <a16:creationId xmlns:a16="http://schemas.microsoft.com/office/drawing/2014/main" id="{5B8F1F2C-6BEB-4478-ED25-61AD2B9564F4}"/>
-              </a:ext>
-            </a:extLst>
-          </p:cNvPr>
-          <p:cNvSpPr>
-            <a:spLocks noGrp="1"/>
-          </p:cNvSpPr>
-          <p:nvPr>
-            <p:ph type="body" idx="1"/>
-          </p:nvPr>
-        </p:nvSpPr>
-        <p:spPr/>
-        <p:txBody>
-          <a:bodyPr/>
-          <a:lstStyle/>
-          <a:p>
-            <a:pPr marL="0" marR="0" lvl="0" indent="0" algn="l" defTabSz="914400" rtl="0" eaLnBrk="1" fontAlgn="auto" latinLnBrk="0" hangingPunct="1">
-              <a:lnSpc>
-                <a:spcPct val="115000"/>
-              </a:lnSpc>
-              <a:spcBef>
-                <a:spcPts val="0"/>
-              </a:spcBef>
-              <a:spcAft>
-                <a:spcPts val="0"/>
-              </a:spcAft>
-              <a:buClrTx/>
-              <a:buSzTx/>
-              <a:buFontTx/>
-              <a:buNone/>
-              <a:tabLst/>
-              <a:defRPr/>
-            </a:pPr>
-            <a:r>
-              <a:rPr lang="en-US" sz="2800" b="0" i="0" dirty="0">
-                <a:solidFill>
-                  <a:srgbClr val="000000"/>
-                </a:solidFill>
-                <a:effectLst/>
-                <a:latin typeface="Inter"/>
-                <a:hlinkClick r:id="rId3"/>
-              </a:rPr>
-              <a:t>https://play.unity.com/mg/other/lockers-ver-999-webpublish-2</a:t>
-            </a:r>
-            <a:endParaRPr lang="en-US" sz="2800" dirty="0"/>
-          </a:p>
-          <a:p>
-            <a:pPr marL="0" marR="0">
-              <a:lnSpc>
-                <a:spcPct val="115000"/>
-              </a:lnSpc>
-              <a:spcBef>
-                <a:spcPts val="0"/>
-              </a:spcBef>
-              <a:spcAft>
-                <a:spcPts val="0"/>
-              </a:spcAft>
-            </a:pPr>
-            <a:endParaRPr lang="en-US" sz="1800" dirty="0">
-              <a:effectLst/>
-              <a:latin typeface="Arial" panose="020B0604020202020204" pitchFamily="34" charset="0"/>
-              <a:ea typeface="Arial" panose="020B0604020202020204" pitchFamily="34" charset="0"/>
-            </a:endParaRPr>
-          </a:p>
-        </p:txBody>
-      </p:sp>
-      <p:sp>
-        <p:nvSpPr>
-          <p:cNvPr id="4" name="Slide Number Placeholder 3">
-            <a:extLst>
-              <a:ext uri="{FF2B5EF4-FFF2-40B4-BE49-F238E27FC236}">
-                <a16:creationId xmlns:a16="http://schemas.microsoft.com/office/drawing/2014/main" id="{3B0B5A9D-43F8-EBCD-17F3-BB51DAC884A7}"/>
-              </a:ext>
-            </a:extLst>
-          </p:cNvPr>
           <p:cNvSpPr>
             <a:spLocks noGrp="1"/>
           </p:cNvSpPr>
@@ -1151,7 +1335,7 @@
     </p:spTree>
     <p:extLst>
       <p:ext uri="{BB962C8B-B14F-4D97-AF65-F5344CB8AC3E}">
-        <p14:creationId xmlns:p14="http://schemas.microsoft.com/office/powerpoint/2010/main" val="1630533228"/>
+        <p14:creationId xmlns:p14="http://schemas.microsoft.com/office/powerpoint/2010/main" val="493307829"/>
       </p:ext>
     </p:extLst>
   </p:cSld>
@@ -1161,7 +1345,7 @@
 </p:notes>
 </file>
 
-<file path=ppt/notesSlides/notesSlide5.xml><?xml version="1.0" encoding="utf-8"?>
+<file path=ppt/notesSlides/notesSlide4.xml><?xml version="1.0" encoding="utf-8"?>
 <p:notes xmlns:a="http://schemas.openxmlformats.org/drawingml/2006/main" xmlns:r="http://schemas.openxmlformats.org/officeDocument/2006/relationships" xmlns:p="http://schemas.openxmlformats.org/presentationml/2006/main">
   <p:cSld>
     <p:spTree>
@@ -1209,37 +1393,6 @@
         <p:txBody>
           <a:bodyPr/>
           <a:lstStyle/>
-          <a:p>
-            <a:pPr marL="0" marR="0" lvl="0" indent="0" algn="l" defTabSz="914400" rtl="0" eaLnBrk="1" fontAlgn="auto" latinLnBrk="0" hangingPunct="1">
-              <a:lnSpc>
-                <a:spcPct val="115000"/>
-              </a:lnSpc>
-              <a:spcBef>
-                <a:spcPts val="0"/>
-              </a:spcBef>
-              <a:spcAft>
-                <a:spcPts val="0"/>
-              </a:spcAft>
-              <a:buClrTx/>
-              <a:buSzTx/>
-              <a:buFontTx/>
-              <a:buNone/>
-              <a:tabLst/>
-              <a:defRPr/>
-            </a:pPr>
-            <a:r>
-              <a:rPr lang="en-US" sz="2800" b="0" i="0" dirty="0">
-                <a:solidFill>
-                  <a:srgbClr val="000000"/>
-                </a:solidFill>
-                <a:effectLst/>
-                <a:latin typeface="Inter"/>
-                <a:hlinkClick r:id="rId3"/>
-              </a:rPr>
-              <a:t>https://play.unity.com/mg/other/lockers-ver-999-webpublish-2</a:t>
-            </a:r>
-            <a:endParaRPr lang="en-US" sz="2800" dirty="0"/>
-          </a:p>
           <a:p>
             <a:pPr marL="0" marR="0">
               <a:lnSpc>
@@ -1346,7 +1499,7 @@
     </p:spTree>
     <p:extLst>
       <p:ext uri="{BB962C8B-B14F-4D97-AF65-F5344CB8AC3E}">
-        <p14:creationId xmlns:p14="http://schemas.microsoft.com/office/powerpoint/2010/main" val="144119322"/>
+        <p14:creationId xmlns:p14="http://schemas.microsoft.com/office/powerpoint/2010/main" val="493307829"/>
       </p:ext>
     </p:extLst>
   </p:cSld>
@@ -1356,7 +1509,7 @@
 </p:notes>
 </file>
 
-<file path=ppt/notesSlides/notesSlide6.xml><?xml version="1.0" encoding="utf-8"?>
+<file path=ppt/notesSlides/notesSlide5.xml><?xml version="1.0" encoding="utf-8"?>
 <p:notes xmlns:a="http://schemas.openxmlformats.org/drawingml/2006/main" xmlns:r="http://schemas.openxmlformats.org/officeDocument/2006/relationships" xmlns:p="http://schemas.openxmlformats.org/presentationml/2006/main">
   <p:cSld>
     <p:spTree>
@@ -1541,7 +1694,7 @@
     </p:spTree>
     <p:extLst>
       <p:ext uri="{BB962C8B-B14F-4D97-AF65-F5344CB8AC3E}">
-        <p14:creationId xmlns:p14="http://schemas.microsoft.com/office/powerpoint/2010/main" val="1361083679"/>
+        <p14:creationId xmlns:p14="http://schemas.microsoft.com/office/powerpoint/2010/main" val="1651085273"/>
       </p:ext>
     </p:extLst>
   </p:cSld>
@@ -1551,7 +1704,7 @@
 </p:notes>
 </file>
 
-<file path=ppt/notesSlides/notesSlide7.xml><?xml version="1.0" encoding="utf-8"?>
+<file path=ppt/notesSlides/notesSlide6.xml><?xml version="1.0" encoding="utf-8"?>
 <p:notes xmlns:a="http://schemas.openxmlformats.org/drawingml/2006/main" xmlns:r="http://schemas.openxmlformats.org/officeDocument/2006/relationships" xmlns:p="http://schemas.openxmlformats.org/presentationml/2006/main">
   <p:cSld>
     <p:spTree>
@@ -1559,7 +1712,7 @@
         <p:cNvPr id="1" name="">
           <a:extLst>
             <a:ext uri="{FF2B5EF4-FFF2-40B4-BE49-F238E27FC236}">
-              <a16:creationId xmlns:a16="http://schemas.microsoft.com/office/drawing/2014/main" id="{7E60A757-5FDD-88A7-C4F8-7BD79B39E010}"/>
+              <a16:creationId xmlns:a16="http://schemas.microsoft.com/office/drawing/2014/main" id="{113EC50E-B942-10F7-0A15-C76C40082603}"/>
             </a:ext>
           </a:extLst>
         </p:cNvPr>
@@ -1579,7 +1732,7 @@
           <p:cNvPr id="2" name="Slide Image Placeholder 1">
             <a:extLst>
               <a:ext uri="{FF2B5EF4-FFF2-40B4-BE49-F238E27FC236}">
-                <a16:creationId xmlns:a16="http://schemas.microsoft.com/office/drawing/2014/main" id="{7531C1D3-403B-092F-2E2F-5585816DE256}"/>
+                <a16:creationId xmlns:a16="http://schemas.microsoft.com/office/drawing/2014/main" id="{7A9ECEC0-DE9C-4EB1-A954-F581378E5FB0}"/>
               </a:ext>
             </a:extLst>
           </p:cNvPr>
@@ -1602,7 +1755,7 @@
           <p:cNvPr id="3" name="Notes Placeholder 2">
             <a:extLst>
               <a:ext uri="{FF2B5EF4-FFF2-40B4-BE49-F238E27FC236}">
-                <a16:creationId xmlns:a16="http://schemas.microsoft.com/office/drawing/2014/main" id="{8C880232-38C1-CDA4-7D20-ADAD8BED6CBA}"/>
+                <a16:creationId xmlns:a16="http://schemas.microsoft.com/office/drawing/2014/main" id="{5B8F1F2C-6BEB-4478-ED25-61AD2B9564F4}"/>
               </a:ext>
             </a:extLst>
           </p:cNvPr>
@@ -1673,7 +1826,7 @@
           <p:cNvPr id="4" name="Slide Number Placeholder 3">
             <a:extLst>
               <a:ext uri="{FF2B5EF4-FFF2-40B4-BE49-F238E27FC236}">
-                <a16:creationId xmlns:a16="http://schemas.microsoft.com/office/drawing/2014/main" id="{BA92B8D9-A065-F62C-3A5B-5F4AA73ADA4B}"/>
+                <a16:creationId xmlns:a16="http://schemas.microsoft.com/office/drawing/2014/main" id="{3B0B5A9D-43F8-EBCD-17F3-BB51DAC884A7}"/>
               </a:ext>
             </a:extLst>
           </p:cNvPr>
@@ -1760,7 +1913,7 @@
     </p:spTree>
     <p:extLst>
       <p:ext uri="{BB962C8B-B14F-4D97-AF65-F5344CB8AC3E}">
-        <p14:creationId xmlns:p14="http://schemas.microsoft.com/office/powerpoint/2010/main" val="4264881463"/>
+        <p14:creationId xmlns:p14="http://schemas.microsoft.com/office/powerpoint/2010/main" val="1630533228"/>
       </p:ext>
     </p:extLst>
   </p:cSld>
@@ -1770,18 +1923,12 @@
 </p:notes>
 </file>
 
-<file path=ppt/notesSlides/notesSlide8.xml><?xml version="1.0" encoding="utf-8"?>
+<file path=ppt/notesSlides/notesSlide7.xml><?xml version="1.0" encoding="utf-8"?>
 <p:notes xmlns:a="http://schemas.openxmlformats.org/drawingml/2006/main" xmlns:r="http://schemas.openxmlformats.org/officeDocument/2006/relationships" xmlns:p="http://schemas.openxmlformats.org/presentationml/2006/main">
   <p:cSld>
     <p:spTree>
       <p:nvGrpSpPr>
-        <p:cNvPr id="1" name="">
-          <a:extLst>
-            <a:ext uri="{FF2B5EF4-FFF2-40B4-BE49-F238E27FC236}">
-              <a16:creationId xmlns:a16="http://schemas.microsoft.com/office/drawing/2014/main" id="{7E31DD04-78B3-2972-0D90-A64989AA582D}"/>
-            </a:ext>
-          </a:extLst>
-        </p:cNvPr>
+        <p:cNvPr id="1" name=""/>
         <p:cNvGrpSpPr/>
         <p:nvPr/>
       </p:nvGrpSpPr>
@@ -1795,13 +1942,7 @@
       </p:grpSpPr>
       <p:sp>
         <p:nvSpPr>
-          <p:cNvPr id="2" name="Slide Image Placeholder 1">
-            <a:extLst>
-              <a:ext uri="{FF2B5EF4-FFF2-40B4-BE49-F238E27FC236}">
-                <a16:creationId xmlns:a16="http://schemas.microsoft.com/office/drawing/2014/main" id="{31FB99CA-5FDC-2F20-C391-547C07352FA8}"/>
-              </a:ext>
-            </a:extLst>
-          </p:cNvPr>
+          <p:cNvPr id="2" name="Slide Image Placeholder 1"/>
           <p:cNvSpPr>
             <a:spLocks noGrp="1" noRot="1" noChangeAspect="1"/>
           </p:cNvSpPr>
@@ -1818,13 +1959,7 @@
       </p:sp>
       <p:sp>
         <p:nvSpPr>
-          <p:cNvPr id="3" name="Notes Placeholder 2">
-            <a:extLst>
-              <a:ext uri="{FF2B5EF4-FFF2-40B4-BE49-F238E27FC236}">
-                <a16:creationId xmlns:a16="http://schemas.microsoft.com/office/drawing/2014/main" id="{FD0AB985-3590-9A21-B3BB-860F18366D87}"/>
-              </a:ext>
-            </a:extLst>
-          </p:cNvPr>
+          <p:cNvPr id="3" name="Notes Placeholder 2"/>
           <p:cNvSpPr>
             <a:spLocks noGrp="1"/>
           </p:cNvSpPr>
@@ -1889,13 +2024,7 @@
       </p:sp>
       <p:sp>
         <p:nvSpPr>
-          <p:cNvPr id="4" name="Slide Number Placeholder 3">
-            <a:extLst>
-              <a:ext uri="{FF2B5EF4-FFF2-40B4-BE49-F238E27FC236}">
-                <a16:creationId xmlns:a16="http://schemas.microsoft.com/office/drawing/2014/main" id="{FE1EFD47-2E31-73D2-A493-FD4752F50EED}"/>
-              </a:ext>
-            </a:extLst>
-          </p:cNvPr>
+          <p:cNvPr id="4" name="Slide Number Placeholder 3"/>
           <p:cNvSpPr>
             <a:spLocks noGrp="1"/>
           </p:cNvSpPr>
@@ -1979,7 +2108,7 @@
     </p:spTree>
     <p:extLst>
       <p:ext uri="{BB962C8B-B14F-4D97-AF65-F5344CB8AC3E}">
-        <p14:creationId xmlns:p14="http://schemas.microsoft.com/office/powerpoint/2010/main" val="3148816611"/>
+        <p14:creationId xmlns:p14="http://schemas.microsoft.com/office/powerpoint/2010/main" val="144119322"/>
       </p:ext>
     </p:extLst>
   </p:cSld>
@@ -1989,18 +2118,12 @@
 </p:notes>
 </file>
 
-<file path=ppt/notesSlides/notesSlide9.xml><?xml version="1.0" encoding="utf-8"?>
+<file path=ppt/notesSlides/notesSlide8.xml><?xml version="1.0" encoding="utf-8"?>
 <p:notes xmlns:a="http://schemas.openxmlformats.org/drawingml/2006/main" xmlns:r="http://schemas.openxmlformats.org/officeDocument/2006/relationships" xmlns:p="http://schemas.openxmlformats.org/presentationml/2006/main">
   <p:cSld>
     <p:spTree>
       <p:nvGrpSpPr>
-        <p:cNvPr id="1" name="">
-          <a:extLst>
-            <a:ext uri="{FF2B5EF4-FFF2-40B4-BE49-F238E27FC236}">
-              <a16:creationId xmlns:a16="http://schemas.microsoft.com/office/drawing/2014/main" id="{85B1EAAF-3678-5526-ABD9-92B77BDBC360}"/>
-            </a:ext>
-          </a:extLst>
-        </p:cNvPr>
+        <p:cNvPr id="1" name=""/>
         <p:cNvGrpSpPr/>
         <p:nvPr/>
       </p:nvGrpSpPr>
@@ -2014,13 +2137,7 @@
       </p:grpSpPr>
       <p:sp>
         <p:nvSpPr>
-          <p:cNvPr id="2" name="Slide Image Placeholder 1">
-            <a:extLst>
-              <a:ext uri="{FF2B5EF4-FFF2-40B4-BE49-F238E27FC236}">
-                <a16:creationId xmlns:a16="http://schemas.microsoft.com/office/drawing/2014/main" id="{149629C3-04BC-29A7-50A4-F2685383FD36}"/>
-              </a:ext>
-            </a:extLst>
-          </p:cNvPr>
+          <p:cNvPr id="2" name="Slide Image Placeholder 1"/>
           <p:cNvSpPr>
             <a:spLocks noGrp="1" noRot="1" noChangeAspect="1"/>
           </p:cNvSpPr>
@@ -2037,13 +2154,7 @@
       </p:sp>
       <p:sp>
         <p:nvSpPr>
-          <p:cNvPr id="3" name="Notes Placeholder 2">
-            <a:extLst>
-              <a:ext uri="{FF2B5EF4-FFF2-40B4-BE49-F238E27FC236}">
-                <a16:creationId xmlns:a16="http://schemas.microsoft.com/office/drawing/2014/main" id="{6A4294C2-BAA8-E871-6D5B-0745DD475651}"/>
-              </a:ext>
-            </a:extLst>
-          </p:cNvPr>
+          <p:cNvPr id="3" name="Notes Placeholder 2"/>
           <p:cNvSpPr>
             <a:spLocks noGrp="1"/>
           </p:cNvSpPr>
@@ -2055,6 +2166,37 @@
         <p:txBody>
           <a:bodyPr/>
           <a:lstStyle/>
+          <a:p>
+            <a:pPr marL="0" marR="0" lvl="0" indent="0" algn="l" defTabSz="914400" rtl="0" eaLnBrk="1" fontAlgn="auto" latinLnBrk="0" hangingPunct="1">
+              <a:lnSpc>
+                <a:spcPct val="115000"/>
+              </a:lnSpc>
+              <a:spcBef>
+                <a:spcPts val="0"/>
+              </a:spcBef>
+              <a:spcAft>
+                <a:spcPts val="0"/>
+              </a:spcAft>
+              <a:buClrTx/>
+              <a:buSzTx/>
+              <a:buFontTx/>
+              <a:buNone/>
+              <a:tabLst/>
+              <a:defRPr/>
+            </a:pPr>
+            <a:r>
+              <a:rPr lang="en-US" sz="2800" b="0" i="0" dirty="0">
+                <a:solidFill>
+                  <a:srgbClr val="000000"/>
+                </a:solidFill>
+                <a:effectLst/>
+                <a:latin typeface="Inter"/>
+                <a:hlinkClick r:id="rId3"/>
+              </a:rPr>
+              <a:t>https://play.unity.com/mg/other/lockers-ver-999-webpublish-2</a:t>
+            </a:r>
+            <a:endParaRPr lang="en-US" sz="2800" dirty="0"/>
+          </a:p>
           <a:p>
             <a:pPr marL="0" marR="0">
               <a:lnSpc>
@@ -2077,13 +2219,7 @@
       </p:sp>
       <p:sp>
         <p:nvSpPr>
-          <p:cNvPr id="4" name="Slide Number Placeholder 3">
-            <a:extLst>
-              <a:ext uri="{FF2B5EF4-FFF2-40B4-BE49-F238E27FC236}">
-                <a16:creationId xmlns:a16="http://schemas.microsoft.com/office/drawing/2014/main" id="{86435BEA-E685-E5D6-000B-F366B2724C7C}"/>
-              </a:ext>
-            </a:extLst>
-          </p:cNvPr>
+          <p:cNvPr id="4" name="Slide Number Placeholder 3"/>
           <p:cNvSpPr>
             <a:spLocks noGrp="1"/>
           </p:cNvSpPr>
@@ -2167,7 +2303,226 @@
     </p:spTree>
     <p:extLst>
       <p:ext uri="{BB962C8B-B14F-4D97-AF65-F5344CB8AC3E}">
-        <p14:creationId xmlns:p14="http://schemas.microsoft.com/office/powerpoint/2010/main" val="277735454"/>
+        <p14:creationId xmlns:p14="http://schemas.microsoft.com/office/powerpoint/2010/main" val="1361083679"/>
+      </p:ext>
+    </p:extLst>
+  </p:cSld>
+  <p:clrMapOvr>
+    <a:masterClrMapping/>
+  </p:clrMapOvr>
+</p:notes>
+</file>
+
+<file path=ppt/notesSlides/notesSlide9.xml><?xml version="1.0" encoding="utf-8"?>
+<p:notes xmlns:a="http://schemas.openxmlformats.org/drawingml/2006/main" xmlns:r="http://schemas.openxmlformats.org/officeDocument/2006/relationships" xmlns:p="http://schemas.openxmlformats.org/presentationml/2006/main">
+  <p:cSld>
+    <p:spTree>
+      <p:nvGrpSpPr>
+        <p:cNvPr id="1" name="">
+          <a:extLst>
+            <a:ext uri="{FF2B5EF4-FFF2-40B4-BE49-F238E27FC236}">
+              <a16:creationId xmlns:a16="http://schemas.microsoft.com/office/drawing/2014/main" id="{7E60A757-5FDD-88A7-C4F8-7BD79B39E010}"/>
+            </a:ext>
+          </a:extLst>
+        </p:cNvPr>
+        <p:cNvGrpSpPr/>
+        <p:nvPr/>
+      </p:nvGrpSpPr>
+      <p:grpSpPr>
+        <a:xfrm>
+          <a:off x="0" y="0"/>
+          <a:ext cx="0" cy="0"/>
+          <a:chOff x="0" y="0"/>
+          <a:chExt cx="0" cy="0"/>
+        </a:xfrm>
+      </p:grpSpPr>
+      <p:sp>
+        <p:nvSpPr>
+          <p:cNvPr id="2" name="Slide Image Placeholder 1">
+            <a:extLst>
+              <a:ext uri="{FF2B5EF4-FFF2-40B4-BE49-F238E27FC236}">
+                <a16:creationId xmlns:a16="http://schemas.microsoft.com/office/drawing/2014/main" id="{7531C1D3-403B-092F-2E2F-5585816DE256}"/>
+              </a:ext>
+            </a:extLst>
+          </p:cNvPr>
+          <p:cNvSpPr>
+            <a:spLocks noGrp="1" noRot="1" noChangeAspect="1"/>
+          </p:cNvSpPr>
+          <p:nvPr>
+            <p:ph type="sldImg"/>
+          </p:nvPr>
+        </p:nvSpPr>
+        <p:spPr>
+          <a:xfrm>
+            <a:off x="685800" y="1143000"/>
+            <a:ext cx="5486400" cy="3086100"/>
+          </a:xfrm>
+        </p:spPr>
+      </p:sp>
+      <p:sp>
+        <p:nvSpPr>
+          <p:cNvPr id="3" name="Notes Placeholder 2">
+            <a:extLst>
+              <a:ext uri="{FF2B5EF4-FFF2-40B4-BE49-F238E27FC236}">
+                <a16:creationId xmlns:a16="http://schemas.microsoft.com/office/drawing/2014/main" id="{8C880232-38C1-CDA4-7D20-ADAD8BED6CBA}"/>
+              </a:ext>
+            </a:extLst>
+          </p:cNvPr>
+          <p:cNvSpPr>
+            <a:spLocks noGrp="1"/>
+          </p:cNvSpPr>
+          <p:nvPr>
+            <p:ph type="body" idx="1"/>
+          </p:nvPr>
+        </p:nvSpPr>
+        <p:spPr/>
+        <p:txBody>
+          <a:bodyPr/>
+          <a:lstStyle/>
+          <a:p>
+            <a:pPr marL="0" marR="0" lvl="0" indent="0" algn="l" defTabSz="914400" rtl="0" eaLnBrk="1" fontAlgn="auto" latinLnBrk="0" hangingPunct="1">
+              <a:lnSpc>
+                <a:spcPct val="115000"/>
+              </a:lnSpc>
+              <a:spcBef>
+                <a:spcPts val="0"/>
+              </a:spcBef>
+              <a:spcAft>
+                <a:spcPts val="0"/>
+              </a:spcAft>
+              <a:buClrTx/>
+              <a:buSzTx/>
+              <a:buFontTx/>
+              <a:buNone/>
+              <a:tabLst/>
+              <a:defRPr/>
+            </a:pPr>
+            <a:r>
+              <a:rPr lang="en-US" sz="2800" b="0" i="0" dirty="0">
+                <a:solidFill>
+                  <a:srgbClr val="000000"/>
+                </a:solidFill>
+                <a:effectLst/>
+                <a:latin typeface="Inter"/>
+                <a:hlinkClick r:id="rId3"/>
+              </a:rPr>
+              <a:t>https://play.unity.com/mg/other/lockers-ver-999-webpublish-2</a:t>
+            </a:r>
+            <a:endParaRPr lang="en-US" sz="2800" dirty="0"/>
+          </a:p>
+          <a:p>
+            <a:pPr marL="0" marR="0">
+              <a:lnSpc>
+                <a:spcPct val="115000"/>
+              </a:lnSpc>
+              <a:spcBef>
+                <a:spcPts val="0"/>
+              </a:spcBef>
+              <a:spcAft>
+                <a:spcPts val="0"/>
+              </a:spcAft>
+            </a:pPr>
+            <a:endParaRPr lang="en-US" sz="1800" dirty="0">
+              <a:effectLst/>
+              <a:latin typeface="Arial" panose="020B0604020202020204" pitchFamily="34" charset="0"/>
+              <a:ea typeface="Arial" panose="020B0604020202020204" pitchFamily="34" charset="0"/>
+            </a:endParaRPr>
+          </a:p>
+        </p:txBody>
+      </p:sp>
+      <p:sp>
+        <p:nvSpPr>
+          <p:cNvPr id="4" name="Slide Number Placeholder 3">
+            <a:extLst>
+              <a:ext uri="{FF2B5EF4-FFF2-40B4-BE49-F238E27FC236}">
+                <a16:creationId xmlns:a16="http://schemas.microsoft.com/office/drawing/2014/main" id="{BA92B8D9-A065-F62C-3A5B-5F4AA73ADA4B}"/>
+              </a:ext>
+            </a:extLst>
+          </p:cNvPr>
+          <p:cNvSpPr>
+            <a:spLocks noGrp="1"/>
+          </p:cNvSpPr>
+          <p:nvPr>
+            <p:ph type="sldNum" sz="quarter" idx="5"/>
+          </p:nvPr>
+        </p:nvSpPr>
+        <p:spPr/>
+        <p:txBody>
+          <a:bodyPr/>
+          <a:lstStyle/>
+          <a:p>
+            <a:pPr marL="0" marR="0" lvl="0" indent="0" algn="r" defTabSz="914400" rtl="0" eaLnBrk="1" fontAlgn="auto" latinLnBrk="0" hangingPunct="1">
+              <a:lnSpc>
+                <a:spcPct val="100000"/>
+              </a:lnSpc>
+              <a:spcBef>
+                <a:spcPts val="0"/>
+              </a:spcBef>
+              <a:spcAft>
+                <a:spcPts val="0"/>
+              </a:spcAft>
+              <a:buClrTx/>
+              <a:buSzTx/>
+              <a:buFontTx/>
+              <a:buNone/>
+              <a:tabLst/>
+              <a:defRPr/>
+            </a:pPr>
+            <a:fld id="{5FA495A3-5412-40AC-9320-D76D0B540532}" type="slidenum">
+              <a:rPr kumimoji="0" lang="en-US" sz="1200" b="0" i="0" u="none" strike="noStrike" kern="1200" cap="none" spc="0" normalizeH="0" baseline="0" noProof="0" smtClean="0">
+                <a:ln>
+                  <a:noFill/>
+                </a:ln>
+                <a:solidFill>
+                  <a:prstClr val="black"/>
+                </a:solidFill>
+                <a:effectLst/>
+                <a:uLnTx/>
+                <a:uFillTx/>
+                <a:latin typeface="Calibri" panose="020F0502020204030204"/>
+                <a:ea typeface="+mn-ea"/>
+                <a:cs typeface="+mn-cs"/>
+              </a:rPr>
+              <a:pPr marL="0" marR="0" lvl="0" indent="0" algn="r" defTabSz="914400" rtl="0" eaLnBrk="1" fontAlgn="auto" latinLnBrk="0" hangingPunct="1">
+                <a:lnSpc>
+                  <a:spcPct val="100000"/>
+                </a:lnSpc>
+                <a:spcBef>
+                  <a:spcPts val="0"/>
+                </a:spcBef>
+                <a:spcAft>
+                  <a:spcPts val="0"/>
+                </a:spcAft>
+                <a:buClrTx/>
+                <a:buSzTx/>
+                <a:buFontTx/>
+                <a:buNone/>
+                <a:tabLst/>
+                <a:defRPr/>
+              </a:pPr>
+              <a:t>10</a:t>
+            </a:fld>
+            <a:endParaRPr kumimoji="0" lang="en-US" sz="1200" b="0" i="0" u="none" strike="noStrike" kern="1200" cap="none" spc="0" normalizeH="0" baseline="0" noProof="0" dirty="0">
+              <a:ln>
+                <a:noFill/>
+              </a:ln>
+              <a:solidFill>
+                <a:prstClr val="black"/>
+              </a:solidFill>
+              <a:effectLst/>
+              <a:uLnTx/>
+              <a:uFillTx/>
+              <a:latin typeface="Calibri" panose="020F0502020204030204"/>
+              <a:ea typeface="+mn-ea"/>
+              <a:cs typeface="+mn-cs"/>
+            </a:endParaRPr>
+          </a:p>
+        </p:txBody>
+      </p:sp>
+    </p:spTree>
+    <p:extLst>
+      <p:ext uri="{BB962C8B-B14F-4D97-AF65-F5344CB8AC3E}">
+        <p14:creationId xmlns:p14="http://schemas.microsoft.com/office/powerpoint/2010/main" val="4264881463"/>
       </p:ext>
     </p:extLst>
   </p:cSld>
@@ -2324,7 +2679,7 @@
           <a:p>
             <a:fld id="{4EB38CF0-15DF-459A-9C2B-A8DE2742BDBB}" type="datetime1">
               <a:rPr lang="en-US" smtClean="0"/>
-              <a:t>2/4/2026</a:t>
+              <a:t>2/6/2026</a:t>
             </a:fld>
             <a:endParaRPr lang="en-US"/>
           </a:p>
@@ -2522,7 +2877,7 @@
           <a:p>
             <a:fld id="{A2B9F3BD-C2C0-4F61-8184-13B423692630}" type="datetime1">
               <a:rPr lang="en-US" smtClean="0"/>
-              <a:t>2/4/2026</a:t>
+              <a:t>2/6/2026</a:t>
             </a:fld>
             <a:endParaRPr lang="en-US"/>
           </a:p>
@@ -2730,7 +3085,7 @@
           <a:p>
             <a:fld id="{28068919-5B64-4530-84A1-FCB65A4849DD}" type="datetime1">
               <a:rPr lang="en-US" smtClean="0"/>
-              <a:t>2/4/2026</a:t>
+              <a:t>2/6/2026</a:t>
             </a:fld>
             <a:endParaRPr lang="en-US"/>
           </a:p>
@@ -2928,7 +3283,7 @@
           <a:p>
             <a:fld id="{B80F5829-507B-482A-917D-020643806175}" type="datetime1">
               <a:rPr lang="en-US" smtClean="0"/>
-              <a:t>2/4/2026</a:t>
+              <a:t>2/6/2026</a:t>
             </a:fld>
             <a:endParaRPr lang="en-US"/>
           </a:p>
@@ -3203,7 +3558,7 @@
           <a:p>
             <a:fld id="{30D397AA-04E6-45AF-80B1-2451FB188597}" type="datetime1">
               <a:rPr lang="en-US" smtClean="0"/>
-              <a:t>2/4/2026</a:t>
+              <a:t>2/6/2026</a:t>
             </a:fld>
             <a:endParaRPr lang="en-US"/>
           </a:p>
@@ -3468,7 +3823,7 @@
           <a:p>
             <a:fld id="{23ED9300-F951-4F59-9CF1-6FBCF00D8ED2}" type="datetime1">
               <a:rPr lang="en-US" smtClean="0"/>
-              <a:t>2/4/2026</a:t>
+              <a:t>2/6/2026</a:t>
             </a:fld>
             <a:endParaRPr lang="en-US"/>
           </a:p>
@@ -3880,7 +4235,7 @@
           <a:p>
             <a:fld id="{1380C296-3956-428C-A107-634E62EB4353}" type="datetime1">
               <a:rPr lang="en-US" smtClean="0"/>
-              <a:t>2/4/2026</a:t>
+              <a:t>2/6/2026</a:t>
             </a:fld>
             <a:endParaRPr lang="en-US"/>
           </a:p>
@@ -4021,7 +4376,7 @@
           <a:p>
             <a:fld id="{6EBA6A82-BDB7-4AA7-8007-45680B55A04B}" type="datetime1">
               <a:rPr lang="en-US" smtClean="0"/>
-              <a:t>2/4/2026</a:t>
+              <a:t>2/6/2026</a:t>
             </a:fld>
             <a:endParaRPr lang="en-US"/>
           </a:p>
@@ -4134,7 +4489,7 @@
           <a:p>
             <a:fld id="{1CE7317D-9C39-4AD6-B80E-6DD750D288B9}" type="datetime1">
               <a:rPr lang="en-US" smtClean="0"/>
-              <a:t>2/4/2026</a:t>
+              <a:t>2/6/2026</a:t>
             </a:fld>
             <a:endParaRPr lang="en-US"/>
           </a:p>
@@ -4445,7 +4800,7 @@
           <a:p>
             <a:fld id="{288F1BC9-FB99-4D3A-97C9-4BC03B3923B4}" type="datetime1">
               <a:rPr lang="en-US" smtClean="0"/>
-              <a:t>2/4/2026</a:t>
+              <a:t>2/6/2026</a:t>
             </a:fld>
             <a:endParaRPr lang="en-US"/>
           </a:p>
@@ -4733,7 +5088,7 @@
           <a:p>
             <a:fld id="{C26FAAAD-B7BC-4F8D-875C-880B43B0F98C}" type="datetime1">
               <a:rPr lang="en-US" smtClean="0"/>
-              <a:t>2/4/2026</a:t>
+              <a:t>2/6/2026</a:t>
             </a:fld>
             <a:endParaRPr lang="en-US"/>
           </a:p>
@@ -4977,7 +5332,7 @@
           <a:p>
             <a:fld id="{B0271103-C2ED-4D31-A1EA-CE37201D29B5}" type="datetime1">
               <a:rPr lang="en-US" smtClean="0"/>
-              <a:t>2/4/2026</a:t>
+              <a:t>2/6/2026</a:t>
             </a:fld>
             <a:endParaRPr lang="en-US"/>
           </a:p>
@@ -5694,7 +6049,3705 @@
 </p:sld>
 </file>
 
+<file path=ppt/slides/slide10.xml><?xml version="1.0" encoding="utf-8"?>
+<p:sld xmlns:a="http://schemas.openxmlformats.org/drawingml/2006/main" xmlns:r="http://schemas.openxmlformats.org/officeDocument/2006/relationships" xmlns:p="http://schemas.openxmlformats.org/presentationml/2006/main">
+  <p:cSld>
+    <p:spTree>
+      <p:nvGrpSpPr>
+        <p:cNvPr id="1" name="">
+          <a:extLst>
+            <a:ext uri="{FF2B5EF4-FFF2-40B4-BE49-F238E27FC236}">
+              <a16:creationId xmlns:a16="http://schemas.microsoft.com/office/drawing/2014/main" id="{5E902648-4B23-3BCE-7D63-42A55305828F}"/>
+            </a:ext>
+          </a:extLst>
+        </p:cNvPr>
+        <p:cNvGrpSpPr/>
+        <p:nvPr/>
+      </p:nvGrpSpPr>
+      <p:grpSpPr>
+        <a:xfrm>
+          <a:off x="0" y="0"/>
+          <a:ext cx="0" cy="0"/>
+          <a:chOff x="0" y="0"/>
+          <a:chExt cx="0" cy="0"/>
+        </a:xfrm>
+      </p:grpSpPr>
+      <p:sp>
+        <p:nvSpPr>
+          <p:cNvPr id="4" name="TextBox 3">
+            <a:extLst>
+              <a:ext uri="{FF2B5EF4-FFF2-40B4-BE49-F238E27FC236}">
+                <a16:creationId xmlns:a16="http://schemas.microsoft.com/office/drawing/2014/main" id="{9C81D18C-88B3-7753-F47D-937563536606}"/>
+              </a:ext>
+            </a:extLst>
+          </p:cNvPr>
+          <p:cNvSpPr txBox="1"/>
+          <p:nvPr/>
+        </p:nvSpPr>
+        <p:spPr>
+          <a:xfrm>
+            <a:off x="920733" y="1336376"/>
+            <a:ext cx="4208116" cy="4563622"/>
+          </a:xfrm>
+          <a:prstGeom prst="rect">
+            <a:avLst/>
+          </a:prstGeom>
+          <a:noFill/>
+        </p:spPr>
+        <p:txBody>
+          <a:bodyPr wrap="square" rtlCol="0">
+            <a:spAutoFit/>
+          </a:bodyPr>
+          <a:lstStyle/>
+          <a:p>
+            <a:pPr lvl="0">
+              <a:lnSpc>
+                <a:spcPct val="150000"/>
+              </a:lnSpc>
+              <a:defRPr/>
+            </a:pPr>
+            <a:r>
+              <a:rPr lang="en-US" sz="2800" u="sng" kern="100" dirty="0">
+                <a:solidFill>
+                  <a:prstClr val="black"/>
+                </a:solidFill>
+                <a:latin typeface="Abel" panose="02000506030000020004" pitchFamily="2" charset="0"/>
+                <a:cs typeface="Times New Roman" panose="02020603050405020304" pitchFamily="18" charset="0"/>
+              </a:rPr>
+              <a:t>How to play:</a:t>
+            </a:r>
+          </a:p>
+          <a:p>
+            <a:pPr marL="0" marR="0" lvl="0" indent="0" algn="l" defTabSz="914400" rtl="0" eaLnBrk="1" fontAlgn="auto" latinLnBrk="0" hangingPunct="1">
+              <a:lnSpc>
+                <a:spcPct val="150000"/>
+              </a:lnSpc>
+              <a:spcBef>
+                <a:spcPts val="0"/>
+              </a:spcBef>
+              <a:spcAft>
+                <a:spcPts val="0"/>
+              </a:spcAft>
+              <a:buClrTx/>
+              <a:buSzTx/>
+              <a:buFontTx/>
+              <a:buNone/>
+              <a:tabLst/>
+              <a:defRPr/>
+            </a:pPr>
+            <a:r>
+              <a:rPr lang="en-US" sz="2400" kern="100" dirty="0">
+                <a:solidFill>
+                  <a:prstClr val="black"/>
+                </a:solidFill>
+                <a:latin typeface="Abel" panose="02000506030000020004" pitchFamily="2" charset="0"/>
+                <a:cs typeface="Times New Roman" panose="02020603050405020304" pitchFamily="18" charset="0"/>
+              </a:rPr>
+              <a:t>6</a:t>
+            </a:r>
+            <a:r>
+              <a:rPr kumimoji="0" lang="en-US" sz="2400" b="0" i="0" u="none" strike="noStrike" kern="100" cap="none" spc="0" normalizeH="0" baseline="0" noProof="0" dirty="0">
+                <a:ln>
+                  <a:noFill/>
+                </a:ln>
+                <a:solidFill>
+                  <a:prstClr val="black"/>
+                </a:solidFill>
+                <a:effectLst/>
+                <a:uLnTx/>
+                <a:uFillTx/>
+                <a:latin typeface="Abel" panose="02000506030000020004" pitchFamily="2" charset="0"/>
+                <a:ea typeface="+mn-ea"/>
+                <a:cs typeface="Times New Roman" panose="02020603050405020304" pitchFamily="18" charset="0"/>
+              </a:rPr>
+              <a:t>. In-game buttons</a:t>
+            </a:r>
+          </a:p>
+          <a:p>
+            <a:pPr marL="0" marR="0" lvl="0" indent="0" algn="l" defTabSz="914400" rtl="0" eaLnBrk="1" fontAlgn="auto" latinLnBrk="0" hangingPunct="1">
+              <a:lnSpc>
+                <a:spcPct val="150000"/>
+              </a:lnSpc>
+              <a:spcBef>
+                <a:spcPts val="0"/>
+              </a:spcBef>
+              <a:spcAft>
+                <a:spcPts val="0"/>
+              </a:spcAft>
+              <a:buClrTx/>
+              <a:buSzTx/>
+              <a:buFontTx/>
+              <a:buNone/>
+              <a:tabLst/>
+              <a:defRPr/>
+            </a:pPr>
+            <a:endParaRPr kumimoji="0" lang="en-US" sz="2400" b="0" i="0" u="none" strike="noStrike" kern="100" cap="none" spc="0" normalizeH="0" baseline="0" noProof="0" dirty="0">
+              <a:ln>
+                <a:noFill/>
+              </a:ln>
+              <a:solidFill>
+                <a:prstClr val="black"/>
+              </a:solidFill>
+              <a:effectLst/>
+              <a:uLnTx/>
+              <a:uFillTx/>
+              <a:latin typeface="Abel" panose="02000506030000020004" pitchFamily="2" charset="0"/>
+              <a:ea typeface="+mn-ea"/>
+              <a:cs typeface="Times New Roman" panose="02020603050405020304" pitchFamily="18" charset="0"/>
+            </a:endParaRPr>
+          </a:p>
+          <a:p>
+            <a:pPr marL="0" marR="0" lvl="0" indent="0" algn="l" defTabSz="914400" rtl="0" eaLnBrk="1" fontAlgn="auto" latinLnBrk="0" hangingPunct="1">
+              <a:lnSpc>
+                <a:spcPct val="150000"/>
+              </a:lnSpc>
+              <a:spcBef>
+                <a:spcPts val="0"/>
+              </a:spcBef>
+              <a:spcAft>
+                <a:spcPts val="0"/>
+              </a:spcAft>
+              <a:buClrTx/>
+              <a:buSzTx/>
+              <a:buFontTx/>
+              <a:buNone/>
+              <a:tabLst/>
+              <a:defRPr/>
+            </a:pPr>
+            <a:endParaRPr kumimoji="0" lang="en-US" sz="2400" b="0" i="0" u="none" strike="noStrike" kern="100" cap="none" spc="0" normalizeH="0" baseline="0" noProof="0" dirty="0">
+              <a:ln>
+                <a:noFill/>
+              </a:ln>
+              <a:solidFill>
+                <a:prstClr val="black"/>
+              </a:solidFill>
+              <a:effectLst/>
+              <a:uLnTx/>
+              <a:uFillTx/>
+              <a:latin typeface="Abel" panose="02000506030000020004" pitchFamily="2" charset="0"/>
+              <a:ea typeface="+mn-ea"/>
+              <a:cs typeface="Times New Roman" panose="02020603050405020304" pitchFamily="18" charset="0"/>
+            </a:endParaRPr>
+          </a:p>
+          <a:p>
+            <a:pPr marL="0" marR="0" lvl="0" indent="0" algn="l" defTabSz="914400" rtl="0" eaLnBrk="1" fontAlgn="auto" latinLnBrk="0" hangingPunct="1">
+              <a:lnSpc>
+                <a:spcPct val="150000"/>
+              </a:lnSpc>
+              <a:spcBef>
+                <a:spcPts val="0"/>
+              </a:spcBef>
+              <a:spcAft>
+                <a:spcPts val="0"/>
+              </a:spcAft>
+              <a:buClrTx/>
+              <a:buSzTx/>
+              <a:buFontTx/>
+              <a:buNone/>
+              <a:tabLst/>
+              <a:defRPr/>
+            </a:pPr>
+            <a:endParaRPr kumimoji="0" lang="en-US" sz="2400" b="0" i="0" u="none" strike="noStrike" kern="100" cap="none" spc="0" normalizeH="0" baseline="0" noProof="0" dirty="0">
+              <a:ln>
+                <a:noFill/>
+              </a:ln>
+              <a:solidFill>
+                <a:prstClr val="black"/>
+              </a:solidFill>
+              <a:effectLst/>
+              <a:uLnTx/>
+              <a:uFillTx/>
+              <a:latin typeface="Abel" panose="02000506030000020004" pitchFamily="2" charset="0"/>
+              <a:ea typeface="+mn-ea"/>
+              <a:cs typeface="Times New Roman" panose="02020603050405020304" pitchFamily="18" charset="0"/>
+            </a:endParaRPr>
+          </a:p>
+          <a:p>
+            <a:pPr marL="0" marR="0" lvl="0" indent="0" algn="l" defTabSz="914400" rtl="0" eaLnBrk="1" fontAlgn="auto" latinLnBrk="0" hangingPunct="1">
+              <a:lnSpc>
+                <a:spcPct val="150000"/>
+              </a:lnSpc>
+              <a:spcBef>
+                <a:spcPts val="0"/>
+              </a:spcBef>
+              <a:spcAft>
+                <a:spcPts val="0"/>
+              </a:spcAft>
+              <a:buClrTx/>
+              <a:buSzTx/>
+              <a:buFontTx/>
+              <a:buNone/>
+              <a:tabLst/>
+              <a:defRPr/>
+            </a:pPr>
+            <a:endParaRPr kumimoji="0" lang="en-US" sz="2400" b="0" i="0" u="none" strike="noStrike" kern="100" cap="none" spc="0" normalizeH="0" baseline="0" noProof="0" dirty="0">
+              <a:ln>
+                <a:noFill/>
+              </a:ln>
+              <a:solidFill>
+                <a:prstClr val="black"/>
+              </a:solidFill>
+              <a:effectLst/>
+              <a:uLnTx/>
+              <a:uFillTx/>
+              <a:latin typeface="Abel" panose="02000506030000020004" pitchFamily="2" charset="0"/>
+              <a:ea typeface="+mn-ea"/>
+              <a:cs typeface="Times New Roman" panose="02020603050405020304" pitchFamily="18" charset="0"/>
+            </a:endParaRPr>
+          </a:p>
+          <a:p>
+            <a:pPr marL="0" marR="0" lvl="0" indent="0" algn="l" defTabSz="914400" rtl="0" eaLnBrk="1" fontAlgn="auto" latinLnBrk="0" hangingPunct="1">
+              <a:lnSpc>
+                <a:spcPct val="150000"/>
+              </a:lnSpc>
+              <a:spcBef>
+                <a:spcPts val="0"/>
+              </a:spcBef>
+              <a:spcAft>
+                <a:spcPts val="0"/>
+              </a:spcAft>
+              <a:buClrTx/>
+              <a:buSzTx/>
+              <a:buFontTx/>
+              <a:buNone/>
+              <a:tabLst/>
+              <a:defRPr/>
+            </a:pPr>
+            <a:endParaRPr kumimoji="0" lang="en-US" sz="2400" b="0" i="0" u="none" strike="noStrike" kern="100" cap="none" spc="0" normalizeH="0" baseline="0" noProof="0" dirty="0">
+              <a:ln>
+                <a:noFill/>
+              </a:ln>
+              <a:solidFill>
+                <a:prstClr val="black"/>
+              </a:solidFill>
+              <a:effectLst/>
+              <a:uLnTx/>
+              <a:uFillTx/>
+              <a:latin typeface="Abel" panose="02000506030000020004" pitchFamily="2" charset="0"/>
+              <a:ea typeface="+mn-ea"/>
+              <a:cs typeface="Times New Roman" panose="02020603050405020304" pitchFamily="18" charset="0"/>
+            </a:endParaRPr>
+          </a:p>
+          <a:p>
+            <a:pPr marL="0" marR="0" lvl="0" indent="0" algn="l" defTabSz="914400" rtl="0" eaLnBrk="1" fontAlgn="auto" latinLnBrk="0" hangingPunct="1">
+              <a:lnSpc>
+                <a:spcPct val="150000"/>
+              </a:lnSpc>
+              <a:spcBef>
+                <a:spcPts val="0"/>
+              </a:spcBef>
+              <a:spcAft>
+                <a:spcPts val="0"/>
+              </a:spcAft>
+              <a:buClrTx/>
+              <a:buSzTx/>
+              <a:buFontTx/>
+              <a:buNone/>
+              <a:tabLst/>
+              <a:defRPr/>
+            </a:pPr>
+            <a:endParaRPr kumimoji="0" lang="en-US" sz="2400" b="0" i="0" u="none" strike="noStrike" kern="100" cap="none" spc="0" normalizeH="0" baseline="0" noProof="0" dirty="0">
+              <a:ln>
+                <a:noFill/>
+              </a:ln>
+              <a:solidFill>
+                <a:prstClr val="black"/>
+              </a:solidFill>
+              <a:effectLst/>
+              <a:uLnTx/>
+              <a:uFillTx/>
+              <a:latin typeface="Abel" panose="02000506030000020004" pitchFamily="2" charset="0"/>
+              <a:ea typeface="+mn-ea"/>
+              <a:cs typeface="Times New Roman" panose="02020603050405020304" pitchFamily="18" charset="0"/>
+            </a:endParaRPr>
+          </a:p>
+        </p:txBody>
+      </p:sp>
+      <p:pic>
+        <p:nvPicPr>
+          <p:cNvPr id="9" name="Picture 8">
+            <a:extLst>
+              <a:ext uri="{FF2B5EF4-FFF2-40B4-BE49-F238E27FC236}">
+                <a16:creationId xmlns:a16="http://schemas.microsoft.com/office/drawing/2014/main" id="{E0EB6FC2-9B3E-04DC-ABE6-A458929E9044}"/>
+              </a:ext>
+            </a:extLst>
+          </p:cNvPr>
+          <p:cNvPicPr>
+            <a:picLocks noChangeAspect="1"/>
+          </p:cNvPicPr>
+          <p:nvPr/>
+        </p:nvPicPr>
+        <p:blipFill>
+          <a:blip r:embed="rId3"/>
+          <a:srcRect l="81218"/>
+          <a:stretch/>
+        </p:blipFill>
+        <p:spPr>
+          <a:xfrm>
+            <a:off x="4540313" y="2000637"/>
+            <a:ext cx="1555687" cy="4637703"/>
+          </a:xfrm>
+          <a:prstGeom prst="rect">
+            <a:avLst/>
+          </a:prstGeom>
+        </p:spPr>
+      </p:pic>
+      <p:grpSp>
+        <p:nvGrpSpPr>
+          <p:cNvPr id="18" name="Group 17">
+            <a:extLst>
+              <a:ext uri="{FF2B5EF4-FFF2-40B4-BE49-F238E27FC236}">
+                <a16:creationId xmlns:a16="http://schemas.microsoft.com/office/drawing/2014/main" id="{062F66FB-5E63-947D-510C-AD60AD0DF65F}"/>
+              </a:ext>
+            </a:extLst>
+          </p:cNvPr>
+          <p:cNvGrpSpPr/>
+          <p:nvPr/>
+        </p:nvGrpSpPr>
+        <p:grpSpPr>
+          <a:xfrm>
+            <a:off x="795366" y="2279680"/>
+            <a:ext cx="3774668" cy="4239033"/>
+            <a:chOff x="6889551" y="2463331"/>
+            <a:chExt cx="3774668" cy="4239033"/>
+          </a:xfrm>
+        </p:grpSpPr>
+        <p:sp>
+          <p:nvSpPr>
+            <p:cNvPr id="16" name="TextBox 15">
+              <a:extLst>
+                <a:ext uri="{FF2B5EF4-FFF2-40B4-BE49-F238E27FC236}">
+                  <a16:creationId xmlns:a16="http://schemas.microsoft.com/office/drawing/2014/main" id="{95F3E720-EA0F-CC39-07D0-CCA78A21CBF8}"/>
+                </a:ext>
+              </a:extLst>
+            </p:cNvPr>
+            <p:cNvSpPr txBox="1"/>
+            <p:nvPr/>
+          </p:nvSpPr>
+          <p:spPr>
+            <a:xfrm>
+              <a:off x="7296553" y="2463331"/>
+              <a:ext cx="3367666" cy="369332"/>
+            </a:xfrm>
+            <a:prstGeom prst="rect">
+              <a:avLst/>
+            </a:prstGeom>
+            <a:noFill/>
+          </p:spPr>
+          <p:txBody>
+            <a:bodyPr wrap="square" rtlCol="0">
+              <a:spAutoFit/>
+            </a:bodyPr>
+            <a:lstStyle>
+              <a:defPPr>
+                <a:defRPr lang="en-US"/>
+              </a:defPPr>
+              <a:lvl1pPr algn="ctr">
+                <a:defRPr sz="2400" b="1" kern="100">
+                  <a:solidFill>
+                    <a:srgbClr val="C00000"/>
+                  </a:solidFill>
+                  <a:latin typeface="Amasis MT Pro Black" panose="02040A04050005020304" pitchFamily="18" charset="0"/>
+                  <a:cs typeface="Times New Roman" panose="02020603050405020304" pitchFamily="18" charset="0"/>
+                </a:defRPr>
+              </a:lvl1pPr>
+            </a:lstStyle>
+            <a:p>
+              <a:pPr marL="0" marR="0" lvl="0" indent="0" algn="r" defTabSz="914400" rtl="0" eaLnBrk="1" fontAlgn="auto" latinLnBrk="0" hangingPunct="1">
+                <a:lnSpc>
+                  <a:spcPct val="100000"/>
+                </a:lnSpc>
+                <a:spcBef>
+                  <a:spcPts val="0"/>
+                </a:spcBef>
+                <a:spcAft>
+                  <a:spcPts val="0"/>
+                </a:spcAft>
+                <a:buClrTx/>
+                <a:buSzTx/>
+                <a:buFontTx/>
+                <a:buNone/>
+                <a:tabLst/>
+                <a:defRPr/>
+              </a:pPr>
+              <a:r>
+                <a:rPr kumimoji="0" lang="en-US" sz="1800" b="1" i="0" u="none" strike="noStrike" kern="100" cap="none" spc="0" normalizeH="0" baseline="0" noProof="0" dirty="0">
+                  <a:ln>
+                    <a:noFill/>
+                  </a:ln>
+                  <a:solidFill>
+                    <a:srgbClr val="C00000"/>
+                  </a:solidFill>
+                  <a:effectLst/>
+                  <a:uLnTx/>
+                  <a:uFillTx/>
+                  <a:latin typeface="Amasis MT Pro Black" panose="02040A04050005020304" pitchFamily="18" charset="0"/>
+                  <a:ea typeface="+mn-ea"/>
+                  <a:cs typeface="Times New Roman" panose="02020603050405020304" pitchFamily="18" charset="0"/>
+                </a:rPr>
+                <a:t>Open </a:t>
+              </a:r>
+            </a:p>
+          </p:txBody>
+        </p:sp>
+        <p:sp>
+          <p:nvSpPr>
+            <p:cNvPr id="15" name="TextBox 14">
+              <a:extLst>
+                <a:ext uri="{FF2B5EF4-FFF2-40B4-BE49-F238E27FC236}">
+                  <a16:creationId xmlns:a16="http://schemas.microsoft.com/office/drawing/2014/main" id="{E2AF2901-4546-6694-A204-E96D5A922862}"/>
+                </a:ext>
+              </a:extLst>
+            </p:cNvPr>
+            <p:cNvSpPr txBox="1"/>
+            <p:nvPr/>
+          </p:nvSpPr>
+          <p:spPr>
+            <a:xfrm>
+              <a:off x="8133453" y="3002741"/>
+              <a:ext cx="2530766" cy="369332"/>
+            </a:xfrm>
+            <a:prstGeom prst="rect">
+              <a:avLst/>
+            </a:prstGeom>
+            <a:noFill/>
+          </p:spPr>
+          <p:txBody>
+            <a:bodyPr wrap="square" rtlCol="0">
+              <a:spAutoFit/>
+            </a:bodyPr>
+            <a:lstStyle>
+              <a:defPPr>
+                <a:defRPr lang="en-US"/>
+              </a:defPPr>
+              <a:lvl1pPr algn="ctr">
+                <a:defRPr sz="2400" b="1" kern="100">
+                  <a:solidFill>
+                    <a:srgbClr val="C00000"/>
+                  </a:solidFill>
+                  <a:latin typeface="Amasis MT Pro Black" panose="02040A04050005020304" pitchFamily="18" charset="0"/>
+                  <a:cs typeface="Times New Roman" panose="02020603050405020304" pitchFamily="18" charset="0"/>
+                </a:defRPr>
+              </a:lvl1pPr>
+            </a:lstStyle>
+            <a:p>
+              <a:pPr marL="0" marR="0" lvl="0" indent="0" algn="r" defTabSz="914400" rtl="0" eaLnBrk="1" fontAlgn="auto" latinLnBrk="0" hangingPunct="1">
+                <a:lnSpc>
+                  <a:spcPct val="100000"/>
+                </a:lnSpc>
+                <a:spcBef>
+                  <a:spcPts val="0"/>
+                </a:spcBef>
+                <a:spcAft>
+                  <a:spcPts val="0"/>
+                </a:spcAft>
+                <a:buClrTx/>
+                <a:buSzTx/>
+                <a:buFontTx/>
+                <a:buNone/>
+                <a:tabLst/>
+                <a:defRPr/>
+              </a:pPr>
+              <a:r>
+                <a:rPr kumimoji="0" lang="en-US" sz="1800" b="1" i="0" u="none" strike="noStrike" kern="100" cap="none" spc="0" normalizeH="0" baseline="0" noProof="0" dirty="0">
+                  <a:ln>
+                    <a:noFill/>
+                  </a:ln>
+                  <a:solidFill>
+                    <a:srgbClr val="C00000"/>
+                  </a:solidFill>
+                  <a:effectLst/>
+                  <a:uLnTx/>
+                  <a:uFillTx/>
+                  <a:latin typeface="Amasis MT Pro Black" panose="02040A04050005020304" pitchFamily="18" charset="0"/>
+                  <a:ea typeface="+mn-ea"/>
+                  <a:cs typeface="Times New Roman" panose="02020603050405020304" pitchFamily="18" charset="0"/>
+                </a:rPr>
+                <a:t>Close</a:t>
+              </a:r>
+            </a:p>
+          </p:txBody>
+        </p:sp>
+        <p:sp>
+          <p:nvSpPr>
+            <p:cNvPr id="17" name="TextBox 16">
+              <a:extLst>
+                <a:ext uri="{FF2B5EF4-FFF2-40B4-BE49-F238E27FC236}">
+                  <a16:creationId xmlns:a16="http://schemas.microsoft.com/office/drawing/2014/main" id="{0EE0FA09-3516-0363-0CD1-7C3B92BCC5D7}"/>
+                </a:ext>
+              </a:extLst>
+            </p:cNvPr>
+            <p:cNvSpPr txBox="1"/>
+            <p:nvPr/>
+          </p:nvSpPr>
+          <p:spPr>
+            <a:xfrm>
+              <a:off x="6889551" y="6056033"/>
+              <a:ext cx="3744947" cy="646331"/>
+            </a:xfrm>
+            <a:prstGeom prst="rect">
+              <a:avLst/>
+            </a:prstGeom>
+            <a:noFill/>
+          </p:spPr>
+          <p:txBody>
+            <a:bodyPr wrap="square" rtlCol="0">
+              <a:spAutoFit/>
+            </a:bodyPr>
+            <a:lstStyle>
+              <a:defPPr>
+                <a:defRPr lang="en-US"/>
+              </a:defPPr>
+              <a:lvl1pPr algn="ctr">
+                <a:defRPr sz="2400" b="1" kern="100">
+                  <a:solidFill>
+                    <a:srgbClr val="C00000"/>
+                  </a:solidFill>
+                  <a:latin typeface="Amasis MT Pro Black" panose="02040A04050005020304" pitchFamily="18" charset="0"/>
+                  <a:cs typeface="Times New Roman" panose="02020603050405020304" pitchFamily="18" charset="0"/>
+                </a:defRPr>
+              </a:lvl1pPr>
+            </a:lstStyle>
+            <a:p>
+              <a:pPr marL="0" marR="0" lvl="0" indent="0" algn="r" defTabSz="914400" rtl="0" eaLnBrk="1" fontAlgn="auto" latinLnBrk="0" hangingPunct="1">
+                <a:lnSpc>
+                  <a:spcPct val="100000"/>
+                </a:lnSpc>
+                <a:spcBef>
+                  <a:spcPts val="0"/>
+                </a:spcBef>
+                <a:spcAft>
+                  <a:spcPts val="0"/>
+                </a:spcAft>
+                <a:buClrTx/>
+                <a:buSzTx/>
+                <a:buFontTx/>
+                <a:buNone/>
+                <a:tabLst/>
+                <a:defRPr/>
+              </a:pPr>
+              <a:r>
+                <a:rPr kumimoji="0" lang="en-US" sz="1800" b="1" i="0" u="none" strike="noStrike" kern="100" cap="none" spc="0" normalizeH="0" baseline="0" noProof="0" dirty="0">
+                  <a:ln>
+                    <a:noFill/>
+                  </a:ln>
+                  <a:solidFill>
+                    <a:srgbClr val="C00000"/>
+                  </a:solidFill>
+                  <a:effectLst/>
+                  <a:uLnTx/>
+                  <a:uFillTx/>
+                  <a:latin typeface="Amasis MT Pro Black" panose="02040A04050005020304" pitchFamily="18" charset="0"/>
+                  <a:ea typeface="+mn-ea"/>
+                  <a:cs typeface="Times New Roman" panose="02020603050405020304" pitchFamily="18" charset="0"/>
+                </a:rPr>
+                <a:t>Submit your answer </a:t>
+              </a:r>
+              <a:br>
+                <a:rPr kumimoji="0" lang="en-US" sz="1800" b="1" i="0" u="none" strike="noStrike" kern="100" cap="none" spc="0" normalizeH="0" baseline="0" noProof="0" dirty="0">
+                  <a:ln>
+                    <a:noFill/>
+                  </a:ln>
+                  <a:solidFill>
+                    <a:srgbClr val="C00000"/>
+                  </a:solidFill>
+                  <a:effectLst/>
+                  <a:uLnTx/>
+                  <a:uFillTx/>
+                  <a:latin typeface="Amasis MT Pro Black" panose="02040A04050005020304" pitchFamily="18" charset="0"/>
+                  <a:ea typeface="+mn-ea"/>
+                  <a:cs typeface="Times New Roman" panose="02020603050405020304" pitchFamily="18" charset="0"/>
+                </a:rPr>
+              </a:br>
+              <a:r>
+                <a:rPr kumimoji="0" lang="en-US" sz="1800" b="1" i="0" u="none" strike="noStrike" kern="100" cap="none" spc="0" normalizeH="0" baseline="0" noProof="0" dirty="0">
+                  <a:ln>
+                    <a:noFill/>
+                  </a:ln>
+                  <a:solidFill>
+                    <a:srgbClr val="C00000"/>
+                  </a:solidFill>
+                  <a:effectLst/>
+                  <a:uLnTx/>
+                  <a:uFillTx/>
+                  <a:latin typeface="Amasis MT Pro Black" panose="02040A04050005020304" pitchFamily="18" charset="0"/>
+                  <a:ea typeface="+mn-ea"/>
+                  <a:cs typeface="Times New Roman" panose="02020603050405020304" pitchFamily="18" charset="0"/>
+                </a:rPr>
+                <a:t>(click or press </a:t>
+              </a:r>
+              <a:r>
+                <a:rPr lang="en-US" sz="1800" dirty="0"/>
+                <a:t>“E</a:t>
+              </a:r>
+              <a:r>
+                <a:rPr kumimoji="0" lang="en-US" sz="1800" b="1" i="0" u="none" strike="noStrike" kern="100" cap="none" spc="0" normalizeH="0" baseline="0" noProof="0" dirty="0" err="1">
+                  <a:ln>
+                    <a:noFill/>
+                  </a:ln>
+                  <a:solidFill>
+                    <a:srgbClr val="C00000"/>
+                  </a:solidFill>
+                  <a:effectLst/>
+                  <a:uLnTx/>
+                  <a:uFillTx/>
+                  <a:latin typeface="Amasis MT Pro Black" panose="02040A04050005020304" pitchFamily="18" charset="0"/>
+                  <a:ea typeface="+mn-ea"/>
+                  <a:cs typeface="Times New Roman" panose="02020603050405020304" pitchFamily="18" charset="0"/>
+                </a:rPr>
+                <a:t>nter</a:t>
+              </a:r>
+              <a:r>
+                <a:rPr kumimoji="0" lang="en-US" sz="1800" b="1" i="0" u="none" strike="noStrike" kern="100" cap="none" spc="0" normalizeH="0" baseline="0" noProof="0" dirty="0">
+                  <a:ln>
+                    <a:noFill/>
+                  </a:ln>
+                  <a:solidFill>
+                    <a:srgbClr val="C00000"/>
+                  </a:solidFill>
+                  <a:effectLst/>
+                  <a:uLnTx/>
+                  <a:uFillTx/>
+                  <a:latin typeface="Amasis MT Pro Black" panose="02040A04050005020304" pitchFamily="18" charset="0"/>
+                  <a:ea typeface="+mn-ea"/>
+                  <a:cs typeface="Times New Roman" panose="02020603050405020304" pitchFamily="18" charset="0"/>
+                </a:rPr>
+                <a:t>”)</a:t>
+              </a:r>
+            </a:p>
+          </p:txBody>
+        </p:sp>
+        <p:sp>
+          <p:nvSpPr>
+            <p:cNvPr id="10" name="TextBox 9">
+              <a:extLst>
+                <a:ext uri="{FF2B5EF4-FFF2-40B4-BE49-F238E27FC236}">
+                  <a16:creationId xmlns:a16="http://schemas.microsoft.com/office/drawing/2014/main" id="{B2AD4124-AB31-EADE-4601-A53AD88F0D85}"/>
+                </a:ext>
+              </a:extLst>
+            </p:cNvPr>
+            <p:cNvSpPr txBox="1"/>
+            <p:nvPr/>
+          </p:nvSpPr>
+          <p:spPr>
+            <a:xfrm>
+              <a:off x="8103732" y="4874195"/>
+              <a:ext cx="2530766" cy="646331"/>
+            </a:xfrm>
+            <a:prstGeom prst="rect">
+              <a:avLst/>
+            </a:prstGeom>
+            <a:noFill/>
+          </p:spPr>
+          <p:txBody>
+            <a:bodyPr wrap="square" rtlCol="0">
+              <a:spAutoFit/>
+            </a:bodyPr>
+            <a:lstStyle>
+              <a:defPPr>
+                <a:defRPr lang="en-US"/>
+              </a:defPPr>
+              <a:lvl1pPr algn="ctr">
+                <a:defRPr sz="2400" b="1" kern="100">
+                  <a:solidFill>
+                    <a:srgbClr val="C00000"/>
+                  </a:solidFill>
+                  <a:latin typeface="Amasis MT Pro Black" panose="02040A04050005020304" pitchFamily="18" charset="0"/>
+                  <a:cs typeface="Times New Roman" panose="02020603050405020304" pitchFamily="18" charset="0"/>
+                </a:defRPr>
+              </a:lvl1pPr>
+            </a:lstStyle>
+            <a:p>
+              <a:pPr marL="0" marR="0" lvl="0" indent="0" algn="r" defTabSz="914400" rtl="0" eaLnBrk="1" fontAlgn="auto" latinLnBrk="0" hangingPunct="1">
+                <a:lnSpc>
+                  <a:spcPct val="100000"/>
+                </a:lnSpc>
+                <a:spcBef>
+                  <a:spcPts val="0"/>
+                </a:spcBef>
+                <a:spcAft>
+                  <a:spcPts val="0"/>
+                </a:spcAft>
+                <a:buClrTx/>
+                <a:buSzTx/>
+                <a:buFontTx/>
+                <a:buNone/>
+                <a:tabLst/>
+                <a:defRPr/>
+              </a:pPr>
+              <a:r>
+                <a:rPr lang="en-US" sz="1800" dirty="0"/>
+                <a:t>‘-’ remove locker</a:t>
+              </a:r>
+            </a:p>
+            <a:p>
+              <a:pPr marL="0" marR="0" lvl="0" indent="0" algn="r" defTabSz="914400" rtl="0" eaLnBrk="1" fontAlgn="auto" latinLnBrk="0" hangingPunct="1">
+                <a:lnSpc>
+                  <a:spcPct val="100000"/>
+                </a:lnSpc>
+                <a:spcBef>
+                  <a:spcPts val="0"/>
+                </a:spcBef>
+                <a:spcAft>
+                  <a:spcPts val="0"/>
+                </a:spcAft>
+                <a:buClrTx/>
+                <a:buSzTx/>
+                <a:buFontTx/>
+                <a:buNone/>
+                <a:tabLst/>
+                <a:defRPr/>
+              </a:pPr>
+              <a:r>
+                <a:rPr kumimoji="0" lang="en-US" sz="1800" b="1" i="0" u="none" strike="noStrike" kern="100" cap="none" spc="0" normalizeH="0" baseline="0" noProof="0" dirty="0">
+                  <a:ln>
+                    <a:noFill/>
+                  </a:ln>
+                  <a:solidFill>
+                    <a:srgbClr val="C00000"/>
+                  </a:solidFill>
+                  <a:effectLst/>
+                  <a:uLnTx/>
+                  <a:uFillTx/>
+                  <a:latin typeface="Amasis MT Pro Black" panose="02040A04050005020304" pitchFamily="18" charset="0"/>
+                  <a:ea typeface="+mn-ea"/>
+                  <a:cs typeface="Times New Roman" panose="02020603050405020304" pitchFamily="18" charset="0"/>
+                </a:rPr>
+                <a:t>‘+’ add locker</a:t>
+              </a:r>
+            </a:p>
+          </p:txBody>
+        </p:sp>
+      </p:grpSp>
+      <p:grpSp>
+        <p:nvGrpSpPr>
+          <p:cNvPr id="5" name="Group 4">
+            <a:extLst>
+              <a:ext uri="{FF2B5EF4-FFF2-40B4-BE49-F238E27FC236}">
+                <a16:creationId xmlns:a16="http://schemas.microsoft.com/office/drawing/2014/main" id="{D3B42A1E-A8BC-5344-ECB4-0FAAE115BFBF}"/>
+              </a:ext>
+            </a:extLst>
+          </p:cNvPr>
+          <p:cNvGrpSpPr/>
+          <p:nvPr/>
+        </p:nvGrpSpPr>
+        <p:grpSpPr>
+          <a:xfrm>
+            <a:off x="6506469" y="2819090"/>
+            <a:ext cx="5250512" cy="1871454"/>
+            <a:chOff x="6512863" y="1740881"/>
+            <a:chExt cx="5250512" cy="1871454"/>
+          </a:xfrm>
+        </p:grpSpPr>
+        <p:sp>
+          <p:nvSpPr>
+            <p:cNvPr id="7" name="TextBox 6">
+              <a:extLst>
+                <a:ext uri="{FF2B5EF4-FFF2-40B4-BE49-F238E27FC236}">
+                  <a16:creationId xmlns:a16="http://schemas.microsoft.com/office/drawing/2014/main" id="{3434C2CB-5E0F-AD7F-816D-DA42095D2097}"/>
+                </a:ext>
+              </a:extLst>
+            </p:cNvPr>
+            <p:cNvSpPr txBox="1"/>
+            <p:nvPr/>
+          </p:nvSpPr>
+          <p:spPr>
+            <a:xfrm>
+              <a:off x="6512864" y="1740881"/>
+              <a:ext cx="5250511" cy="825932"/>
+            </a:xfrm>
+            <a:prstGeom prst="rect">
+              <a:avLst/>
+            </a:prstGeom>
+            <a:noFill/>
+          </p:spPr>
+          <p:txBody>
+            <a:bodyPr wrap="square">
+              <a:spAutoFit/>
+            </a:bodyPr>
+            <a:lstStyle/>
+            <a:p>
+              <a:pPr marL="0" marR="0" lvl="0" indent="0" algn="l" defTabSz="914400" rtl="0" eaLnBrk="1" fontAlgn="auto" latinLnBrk="0" hangingPunct="1">
+                <a:lnSpc>
+                  <a:spcPct val="150000"/>
+                </a:lnSpc>
+                <a:spcBef>
+                  <a:spcPts val="0"/>
+                </a:spcBef>
+                <a:spcAft>
+                  <a:spcPts val="0"/>
+                </a:spcAft>
+                <a:buClrTx/>
+                <a:buSzTx/>
+                <a:buFontTx/>
+                <a:buNone/>
+                <a:tabLst/>
+                <a:defRPr/>
+              </a:pPr>
+              <a:r>
+                <a:rPr kumimoji="0" lang="en-US" sz="2400" b="0" i="0" u="none" strike="noStrike" kern="100" cap="none" spc="0" normalizeH="0" baseline="0" noProof="0" dirty="0">
+                  <a:ln>
+                    <a:noFill/>
+                  </a:ln>
+                  <a:solidFill>
+                    <a:prstClr val="black"/>
+                  </a:solidFill>
+                  <a:effectLst/>
+                  <a:uLnTx/>
+                  <a:uFillTx/>
+                  <a:latin typeface="Abel" panose="02000506030000020004" pitchFamily="2" charset="0"/>
+                  <a:ea typeface="+mn-ea"/>
+                  <a:cs typeface="Times New Roman" panose="02020603050405020304" pitchFamily="18" charset="0"/>
+                </a:rPr>
+                <a:t>Press “M” to go back to the  </a:t>
+              </a:r>
+              <a:r>
+                <a:rPr kumimoji="0" lang="en-US" sz="3600" b="1" i="0" u="none" strike="noStrike" kern="100" cap="none" spc="0" normalizeH="0" baseline="0" noProof="0" dirty="0">
+                  <a:ln>
+                    <a:noFill/>
+                  </a:ln>
+                  <a:solidFill>
+                    <a:srgbClr val="C00000"/>
+                  </a:solidFill>
+                  <a:effectLst/>
+                  <a:uLnTx/>
+                  <a:uFillTx/>
+                  <a:latin typeface="Amasis MT Pro Black" panose="02040A04050005020304" pitchFamily="18" charset="0"/>
+                  <a:ea typeface="+mn-ea"/>
+                  <a:cs typeface="Times New Roman" panose="02020603050405020304" pitchFamily="18" charset="0"/>
+                </a:rPr>
+                <a:t>menu</a:t>
+              </a:r>
+              <a:r>
+                <a:rPr kumimoji="0" lang="en-US" sz="2400" b="0" i="0" u="none" strike="noStrike" kern="100" cap="none" spc="0" normalizeH="0" baseline="0" noProof="0" dirty="0">
+                  <a:ln>
+                    <a:noFill/>
+                  </a:ln>
+                  <a:solidFill>
+                    <a:prstClr val="black"/>
+                  </a:solidFill>
+                  <a:effectLst/>
+                  <a:uLnTx/>
+                  <a:uFillTx/>
+                  <a:latin typeface="Abel" panose="02000506030000020004" pitchFamily="2" charset="0"/>
+                  <a:ea typeface="+mn-ea"/>
+                  <a:cs typeface="Times New Roman" panose="02020603050405020304" pitchFamily="18" charset="0"/>
+                </a:rPr>
+                <a:t>.</a:t>
+              </a:r>
+              <a:endParaRPr kumimoji="0" lang="en-US" sz="2000" b="0" i="0" u="none" strike="noStrike" kern="100" cap="none" spc="0" normalizeH="0" baseline="0" noProof="0" dirty="0">
+                <a:ln>
+                  <a:noFill/>
+                </a:ln>
+                <a:solidFill>
+                  <a:prstClr val="black"/>
+                </a:solidFill>
+                <a:effectLst/>
+                <a:uLnTx/>
+                <a:uFillTx/>
+                <a:latin typeface="Abel" panose="02000506030000020004" pitchFamily="2" charset="0"/>
+                <a:ea typeface="+mn-ea"/>
+                <a:cs typeface="Times New Roman" panose="02020603050405020304" pitchFamily="18" charset="0"/>
+              </a:endParaRPr>
+            </a:p>
+          </p:txBody>
+        </p:sp>
+        <p:grpSp>
+          <p:nvGrpSpPr>
+            <p:cNvPr id="8" name="Group 7">
+              <a:extLst>
+                <a:ext uri="{FF2B5EF4-FFF2-40B4-BE49-F238E27FC236}">
+                  <a16:creationId xmlns:a16="http://schemas.microsoft.com/office/drawing/2014/main" id="{4FBA9E9C-96AF-D5B7-1584-649DAC75BCFE}"/>
+                </a:ext>
+              </a:extLst>
+            </p:cNvPr>
+            <p:cNvGrpSpPr/>
+            <p:nvPr/>
+          </p:nvGrpSpPr>
+          <p:grpSpPr>
+            <a:xfrm>
+              <a:off x="6512863" y="2973303"/>
+              <a:ext cx="4726819" cy="639032"/>
+              <a:chOff x="6612887" y="2821887"/>
+              <a:chExt cx="5250511" cy="639032"/>
+            </a:xfrm>
+          </p:grpSpPr>
+          <p:sp>
+            <p:nvSpPr>
+              <p:cNvPr id="12" name="TextBox 11">
+                <a:extLst>
+                  <a:ext uri="{FF2B5EF4-FFF2-40B4-BE49-F238E27FC236}">
+                    <a16:creationId xmlns:a16="http://schemas.microsoft.com/office/drawing/2014/main" id="{8AB159A2-5844-8370-C49F-03141881511E}"/>
+                  </a:ext>
+                </a:extLst>
+              </p:cNvPr>
+              <p:cNvSpPr txBox="1"/>
+              <p:nvPr/>
+            </p:nvSpPr>
+            <p:spPr>
+              <a:xfrm>
+                <a:off x="6612887" y="2821887"/>
+                <a:ext cx="5250511" cy="593304"/>
+              </a:xfrm>
+              <a:prstGeom prst="rect">
+                <a:avLst/>
+              </a:prstGeom>
+              <a:noFill/>
+            </p:spPr>
+            <p:txBody>
+              <a:bodyPr wrap="square">
+                <a:spAutoFit/>
+              </a:bodyPr>
+              <a:lstStyle/>
+              <a:p>
+                <a:pPr marL="0" marR="0" lvl="0" indent="0" algn="l" defTabSz="914400" rtl="0" eaLnBrk="1" fontAlgn="auto" latinLnBrk="0" hangingPunct="1">
+                  <a:lnSpc>
+                    <a:spcPct val="150000"/>
+                  </a:lnSpc>
+                  <a:spcBef>
+                    <a:spcPts val="0"/>
+                  </a:spcBef>
+                  <a:spcAft>
+                    <a:spcPts val="0"/>
+                  </a:spcAft>
+                  <a:buClrTx/>
+                  <a:buSzTx/>
+                  <a:buFontTx/>
+                  <a:buNone/>
+                  <a:tabLst/>
+                  <a:defRPr/>
+                </a:pPr>
+                <a:r>
+                  <a:rPr kumimoji="0" lang="en-US" sz="2400" b="0" i="0" u="none" strike="noStrike" kern="100" cap="none" spc="0" normalizeH="0" baseline="0" noProof="0" dirty="0">
+                    <a:ln>
+                      <a:noFill/>
+                    </a:ln>
+                    <a:solidFill>
+                      <a:prstClr val="black"/>
+                    </a:solidFill>
+                    <a:effectLst/>
+                    <a:uLnTx/>
+                    <a:uFillTx/>
+                    <a:latin typeface="Abel" panose="02000506030000020004" pitchFamily="2" charset="0"/>
+                    <a:ea typeface="+mn-ea"/>
+                    <a:cs typeface="Times New Roman" panose="02020603050405020304" pitchFamily="18" charset="0"/>
+                  </a:rPr>
+                  <a:t>Or refresh to start again.</a:t>
+                </a:r>
+                <a:endParaRPr kumimoji="0" lang="en-US" sz="2000" b="0" i="0" u="none" strike="noStrike" kern="100" cap="none" spc="0" normalizeH="0" baseline="0" noProof="0" dirty="0">
+                  <a:ln>
+                    <a:noFill/>
+                  </a:ln>
+                  <a:solidFill>
+                    <a:prstClr val="black"/>
+                  </a:solidFill>
+                  <a:effectLst/>
+                  <a:uLnTx/>
+                  <a:uFillTx/>
+                  <a:latin typeface="Abel" panose="02000506030000020004" pitchFamily="2" charset="0"/>
+                  <a:ea typeface="+mn-ea"/>
+                  <a:cs typeface="Times New Roman" panose="02020603050405020304" pitchFamily="18" charset="0"/>
+                </a:endParaRPr>
+              </a:p>
+            </p:txBody>
+          </p:sp>
+          <p:pic>
+            <p:nvPicPr>
+              <p:cNvPr id="19" name="Graphic 18">
+                <a:extLst>
+                  <a:ext uri="{FF2B5EF4-FFF2-40B4-BE49-F238E27FC236}">
+                    <a16:creationId xmlns:a16="http://schemas.microsoft.com/office/drawing/2014/main" id="{D8371D63-5B5F-47C8-71F2-432914A60E1B}"/>
+                  </a:ext>
+                </a:extLst>
+              </p:cNvPr>
+              <p:cNvPicPr>
+                <a:picLocks noChangeAspect="1"/>
+              </p:cNvPicPr>
+              <p:nvPr/>
+            </p:nvPicPr>
+            <p:blipFill>
+              <a:blip r:embed="rId4">
+                <a:extLst>
+                  <a:ext uri="{28A0092B-C50C-407E-A947-70E740481C1C}">
+                    <a14:useLocalDpi xmlns:a14="http://schemas.microsoft.com/office/drawing/2010/main" val="0"/>
+                  </a:ext>
+                  <a:ext uri="{96DAC541-7B7A-43D3-8B79-37D633B846F1}">
+                    <asvg:svgBlip xmlns:asvg="http://schemas.microsoft.com/office/drawing/2016/SVG/main" r:embed="rId5"/>
+                  </a:ext>
+                </a:extLst>
+              </a:blip>
+              <a:stretch>
+                <a:fillRect/>
+              </a:stretch>
+            </p:blipFill>
+            <p:spPr>
+              <a:xfrm>
+                <a:off x="10014045" y="2855417"/>
+                <a:ext cx="605503" cy="605502"/>
+              </a:xfrm>
+              <a:prstGeom prst="rect">
+                <a:avLst/>
+              </a:prstGeom>
+            </p:spPr>
+          </p:pic>
+        </p:grpSp>
+        <p:sp>
+          <p:nvSpPr>
+            <p:cNvPr id="11" name="TextBox 10">
+              <a:extLst>
+                <a:ext uri="{FF2B5EF4-FFF2-40B4-BE49-F238E27FC236}">
+                  <a16:creationId xmlns:a16="http://schemas.microsoft.com/office/drawing/2014/main" id="{73EDD204-2A3A-B783-5658-F1624F2D88D2}"/>
+                </a:ext>
+              </a:extLst>
+            </p:cNvPr>
+            <p:cNvSpPr txBox="1"/>
+            <p:nvPr/>
+          </p:nvSpPr>
+          <p:spPr>
+            <a:xfrm>
+              <a:off x="6512863" y="2448394"/>
+              <a:ext cx="5022645" cy="369332"/>
+            </a:xfrm>
+            <a:prstGeom prst="rect">
+              <a:avLst/>
+            </a:prstGeom>
+            <a:noFill/>
+          </p:spPr>
+          <p:txBody>
+            <a:bodyPr wrap="square">
+              <a:spAutoFit/>
+            </a:bodyPr>
+            <a:lstStyle/>
+            <a:p>
+              <a:pPr algn="r"/>
+              <a:r>
+                <a:rPr kumimoji="0" lang="en-US" i="1" u="none" strike="noStrike" kern="100" cap="none" spc="0" normalizeH="0" baseline="0" noProof="0" dirty="0">
+                  <a:ln>
+                    <a:noFill/>
+                  </a:ln>
+                  <a:solidFill>
+                    <a:schemeClr val="tx1">
+                      <a:lumMod val="65000"/>
+                      <a:lumOff val="35000"/>
+                    </a:schemeClr>
+                  </a:solidFill>
+                  <a:effectLst/>
+                  <a:uLnTx/>
+                  <a:uFillTx/>
+                  <a:latin typeface="Cambria" panose="02040503050406030204" pitchFamily="18" charset="0"/>
+                  <a:ea typeface="Cambria" panose="02040503050406030204" pitchFamily="18" charset="0"/>
+                  <a:cs typeface="Times New Roman" panose="02020603050405020304" pitchFamily="18" charset="0"/>
+                </a:rPr>
+                <a:t>*If using keyboard</a:t>
+              </a:r>
+              <a:endParaRPr lang="en-US" i="1" dirty="0">
+                <a:solidFill>
+                  <a:schemeClr val="tx1">
+                    <a:lumMod val="65000"/>
+                    <a:lumOff val="35000"/>
+                  </a:schemeClr>
+                </a:solidFill>
+                <a:latin typeface="Cambria" panose="02040503050406030204" pitchFamily="18" charset="0"/>
+                <a:ea typeface="Cambria" panose="02040503050406030204" pitchFamily="18" charset="0"/>
+              </a:endParaRPr>
+            </a:p>
+          </p:txBody>
+        </p:sp>
+      </p:grpSp>
+      <p:sp>
+        <p:nvSpPr>
+          <p:cNvPr id="21" name="TextBox 20">
+            <a:extLst>
+              <a:ext uri="{FF2B5EF4-FFF2-40B4-BE49-F238E27FC236}">
+                <a16:creationId xmlns:a16="http://schemas.microsoft.com/office/drawing/2014/main" id="{05A4BB96-1EDF-BCC6-46B5-A037960ABF6C}"/>
+              </a:ext>
+            </a:extLst>
+          </p:cNvPr>
+          <p:cNvSpPr txBox="1"/>
+          <p:nvPr/>
+        </p:nvSpPr>
+        <p:spPr>
+          <a:xfrm>
+            <a:off x="707345" y="505379"/>
+            <a:ext cx="6334876" cy="923330"/>
+          </a:xfrm>
+          <a:prstGeom prst="rect">
+            <a:avLst/>
+          </a:prstGeom>
+          <a:noFill/>
+        </p:spPr>
+        <p:txBody>
+          <a:bodyPr wrap="none" rtlCol="0">
+            <a:spAutoFit/>
+          </a:bodyPr>
+          <a:lstStyle/>
+          <a:p>
+            <a:pPr marL="0" marR="0" lvl="0" indent="0" algn="l" defTabSz="914400" rtl="0" eaLnBrk="1" fontAlgn="auto" latinLnBrk="0" hangingPunct="1">
+              <a:lnSpc>
+                <a:spcPct val="100000"/>
+              </a:lnSpc>
+              <a:spcBef>
+                <a:spcPts val="0"/>
+              </a:spcBef>
+              <a:spcAft>
+                <a:spcPts val="0"/>
+              </a:spcAft>
+              <a:buClrTx/>
+              <a:buSzTx/>
+              <a:buFontTx/>
+              <a:buNone/>
+              <a:tabLst/>
+              <a:defRPr/>
+            </a:pPr>
+            <a:r>
+              <a:rPr kumimoji="0" lang="en-US" sz="5400" b="1" i="0" u="none" strike="noStrike" kern="100" cap="none" spc="0" normalizeH="0" baseline="0" noProof="0" dirty="0">
+                <a:ln>
+                  <a:noFill/>
+                </a:ln>
+                <a:solidFill>
+                  <a:prstClr val="black"/>
+                </a:solidFill>
+                <a:effectLst/>
+                <a:uLnTx/>
+                <a:uFillTx/>
+                <a:latin typeface="Amasis MT Pro Black" panose="02040A04050005020304" pitchFamily="18" charset="0"/>
+                <a:ea typeface="+mn-ea"/>
+                <a:cs typeface="Times New Roman" panose="02020603050405020304" pitchFamily="18" charset="0"/>
+              </a:rPr>
+              <a:t>The Locker Game</a:t>
+            </a:r>
+            <a:endParaRPr kumimoji="0" lang="en-US" sz="1600" b="1" i="0" u="none" strike="noStrike" kern="1200" cap="none" spc="300" normalizeH="0" baseline="0" noProof="0" dirty="0">
+              <a:ln>
+                <a:noFill/>
+              </a:ln>
+              <a:solidFill>
+                <a:prstClr val="black"/>
+              </a:solidFill>
+              <a:effectLst/>
+              <a:uLnTx/>
+              <a:uFillTx/>
+              <a:latin typeface="Britannic Bold" panose="020B0903060703020204" pitchFamily="34" charset="0"/>
+              <a:ea typeface="+mn-ea"/>
+              <a:cs typeface="+mn-cs"/>
+            </a:endParaRPr>
+          </a:p>
+        </p:txBody>
+      </p:sp>
+      <p:pic>
+        <p:nvPicPr>
+          <p:cNvPr id="25" name="Picture 24" descr="A grey rectangular object with a yellow knob&#10;&#10;Description automatically generated">
+            <a:extLst>
+              <a:ext uri="{FF2B5EF4-FFF2-40B4-BE49-F238E27FC236}">
+                <a16:creationId xmlns:a16="http://schemas.microsoft.com/office/drawing/2014/main" id="{2665BA1B-0690-F28E-CED4-B317D4BE38B2}"/>
+              </a:ext>
+            </a:extLst>
+          </p:cNvPr>
+          <p:cNvPicPr>
+            <a:picLocks noChangeAspect="1"/>
+          </p:cNvPicPr>
+          <p:nvPr/>
+        </p:nvPicPr>
+        <p:blipFill>
+          <a:blip r:embed="rId6">
+            <a:extLst>
+              <a:ext uri="{28A0092B-C50C-407E-A947-70E740481C1C}">
+                <a14:useLocalDpi xmlns:a14="http://schemas.microsoft.com/office/drawing/2010/main" val="0"/>
+              </a:ext>
+            </a:extLst>
+          </a:blip>
+          <a:stretch>
+            <a:fillRect/>
+          </a:stretch>
+        </p:blipFill>
+        <p:spPr>
+          <a:xfrm>
+            <a:off x="11419912" y="6056979"/>
+            <a:ext cx="493619" cy="666895"/>
+          </a:xfrm>
+          <a:prstGeom prst="rect">
+            <a:avLst/>
+          </a:prstGeom>
+        </p:spPr>
+      </p:pic>
+      <p:sp>
+        <p:nvSpPr>
+          <p:cNvPr id="26" name="Slide Number Placeholder 25">
+            <a:extLst>
+              <a:ext uri="{FF2B5EF4-FFF2-40B4-BE49-F238E27FC236}">
+                <a16:creationId xmlns:a16="http://schemas.microsoft.com/office/drawing/2014/main" id="{91B1FD03-959D-DF95-88BB-8551B18A37E0}"/>
+              </a:ext>
+            </a:extLst>
+          </p:cNvPr>
+          <p:cNvSpPr>
+            <a:spLocks noGrp="1"/>
+          </p:cNvSpPr>
+          <p:nvPr>
+            <p:ph type="sldNum" sz="quarter" idx="12"/>
+          </p:nvPr>
+        </p:nvSpPr>
+        <p:spPr/>
+        <p:txBody>
+          <a:bodyPr/>
+          <a:lstStyle/>
+          <a:p>
+            <a:r>
+              <a:rPr lang="en-US" dirty="0"/>
+              <a:t>9</a:t>
+            </a:r>
+          </a:p>
+        </p:txBody>
+      </p:sp>
+    </p:spTree>
+    <p:extLst>
+      <p:ext uri="{BB962C8B-B14F-4D97-AF65-F5344CB8AC3E}">
+        <p14:creationId xmlns:p14="http://schemas.microsoft.com/office/powerpoint/2010/main" val="116443510"/>
+      </p:ext>
+    </p:extLst>
+  </p:cSld>
+  <p:clrMapOvr>
+    <a:masterClrMapping/>
+  </p:clrMapOvr>
+  <mc:AlternateContent xmlns:mc="http://schemas.openxmlformats.org/markup-compatibility/2006" xmlns:p159="http://schemas.microsoft.com/office/powerpoint/2015/09/main">
+    <mc:Choice Requires="p159">
+      <p:transition xmlns:p14="http://schemas.microsoft.com/office/powerpoint/2010/main" spd="slow" p14:dur="2000">
+        <p159:morph option="byObject"/>
+      </p:transition>
+    </mc:Choice>
+    <mc:Fallback xmlns="">
+      <p:transition spd="slow">
+        <p:fade/>
+      </p:transition>
+    </mc:Fallback>
+  </mc:AlternateContent>
+</p:sld>
+</file>
+
+<file path=ppt/slides/slide11.xml><?xml version="1.0" encoding="utf-8"?>
+<p:sld xmlns:a="http://schemas.openxmlformats.org/drawingml/2006/main" xmlns:r="http://schemas.openxmlformats.org/officeDocument/2006/relationships" xmlns:p="http://schemas.openxmlformats.org/presentationml/2006/main">
+  <p:cSld>
+    <p:spTree>
+      <p:nvGrpSpPr>
+        <p:cNvPr id="1" name="">
+          <a:extLst>
+            <a:ext uri="{FF2B5EF4-FFF2-40B4-BE49-F238E27FC236}">
+              <a16:creationId xmlns:a16="http://schemas.microsoft.com/office/drawing/2014/main" id="{ED9666CA-047F-CFCB-7C94-9DA72ACC35D9}"/>
+            </a:ext>
+          </a:extLst>
+        </p:cNvPr>
+        <p:cNvGrpSpPr/>
+        <p:nvPr/>
+      </p:nvGrpSpPr>
+      <p:grpSpPr>
+        <a:xfrm>
+          <a:off x="0" y="0"/>
+          <a:ext cx="0" cy="0"/>
+          <a:chOff x="0" y="0"/>
+          <a:chExt cx="0" cy="0"/>
+        </a:xfrm>
+      </p:grpSpPr>
+      <p:sp>
+        <p:nvSpPr>
+          <p:cNvPr id="4" name="TextBox 3">
+            <a:extLst>
+              <a:ext uri="{FF2B5EF4-FFF2-40B4-BE49-F238E27FC236}">
+                <a16:creationId xmlns:a16="http://schemas.microsoft.com/office/drawing/2014/main" id="{FE977BA3-F383-F7FA-9D9C-E8F9FBEDBB7A}"/>
+              </a:ext>
+            </a:extLst>
+          </p:cNvPr>
+          <p:cNvSpPr txBox="1"/>
+          <p:nvPr/>
+        </p:nvSpPr>
+        <p:spPr>
+          <a:xfrm>
+            <a:off x="920732" y="1336376"/>
+            <a:ext cx="4501723" cy="4563622"/>
+          </a:xfrm>
+          <a:prstGeom prst="rect">
+            <a:avLst/>
+          </a:prstGeom>
+          <a:noFill/>
+        </p:spPr>
+        <p:txBody>
+          <a:bodyPr wrap="square" rtlCol="0">
+            <a:spAutoFit/>
+          </a:bodyPr>
+          <a:lstStyle/>
+          <a:p>
+            <a:pPr lvl="0">
+              <a:lnSpc>
+                <a:spcPct val="150000"/>
+              </a:lnSpc>
+              <a:defRPr/>
+            </a:pPr>
+            <a:r>
+              <a:rPr lang="en-US" sz="2800" u="sng" kern="100" dirty="0">
+                <a:solidFill>
+                  <a:prstClr val="black"/>
+                </a:solidFill>
+                <a:latin typeface="Abel" panose="02000506030000020004" pitchFamily="2" charset="0"/>
+                <a:cs typeface="Times New Roman" panose="02020603050405020304" pitchFamily="18" charset="0"/>
+              </a:rPr>
+              <a:t>How to play:</a:t>
+            </a:r>
+          </a:p>
+          <a:p>
+            <a:pPr marL="0" marR="0" lvl="0" indent="0" algn="l" defTabSz="914400" rtl="0" eaLnBrk="1" fontAlgn="auto" latinLnBrk="0" hangingPunct="1">
+              <a:lnSpc>
+                <a:spcPct val="150000"/>
+              </a:lnSpc>
+              <a:spcBef>
+                <a:spcPts val="0"/>
+              </a:spcBef>
+              <a:spcAft>
+                <a:spcPts val="0"/>
+              </a:spcAft>
+              <a:buClrTx/>
+              <a:buSzTx/>
+              <a:buFontTx/>
+              <a:buNone/>
+              <a:tabLst/>
+              <a:defRPr/>
+            </a:pPr>
+            <a:r>
+              <a:rPr lang="en-US" sz="2400" kern="100" dirty="0">
+                <a:solidFill>
+                  <a:prstClr val="black"/>
+                </a:solidFill>
+                <a:latin typeface="Abel" panose="02000506030000020004" pitchFamily="2" charset="0"/>
+                <a:cs typeface="Times New Roman" panose="02020603050405020304" pitchFamily="18" charset="0"/>
+              </a:rPr>
+              <a:t>7</a:t>
+            </a:r>
+            <a:r>
+              <a:rPr kumimoji="0" lang="en-US" sz="2400" b="0" i="0" u="none" strike="noStrike" kern="100" cap="none" spc="0" normalizeH="0" baseline="0" noProof="0" dirty="0">
+                <a:ln>
+                  <a:noFill/>
+                </a:ln>
+                <a:solidFill>
+                  <a:prstClr val="black"/>
+                </a:solidFill>
+                <a:effectLst/>
+                <a:uLnTx/>
+                <a:uFillTx/>
+                <a:latin typeface="Abel" panose="02000506030000020004" pitchFamily="2" charset="0"/>
+                <a:ea typeface="+mn-ea"/>
+                <a:cs typeface="Times New Roman" panose="02020603050405020304" pitchFamily="18" charset="0"/>
+              </a:rPr>
+              <a:t>. </a:t>
+            </a:r>
+            <a:r>
+              <a:rPr lang="en-US" sz="2400" kern="100" dirty="0">
+                <a:solidFill>
+                  <a:prstClr val="black"/>
+                </a:solidFill>
+                <a:latin typeface="Abel" panose="02000506030000020004" pitchFamily="2" charset="0"/>
+                <a:cs typeface="Times New Roman" panose="02020603050405020304" pitchFamily="18" charset="0"/>
+              </a:rPr>
+              <a:t>Feedback: Try Again? vs. Correct!</a:t>
+            </a:r>
+            <a:endParaRPr kumimoji="0" lang="en-US" sz="2400" b="0" i="0" u="none" strike="noStrike" kern="100" cap="none" spc="0" normalizeH="0" baseline="0" noProof="0" dirty="0">
+              <a:ln>
+                <a:noFill/>
+              </a:ln>
+              <a:solidFill>
+                <a:prstClr val="black"/>
+              </a:solidFill>
+              <a:effectLst/>
+              <a:uLnTx/>
+              <a:uFillTx/>
+              <a:latin typeface="Abel" panose="02000506030000020004" pitchFamily="2" charset="0"/>
+              <a:ea typeface="+mn-ea"/>
+              <a:cs typeface="Times New Roman" panose="02020603050405020304" pitchFamily="18" charset="0"/>
+            </a:endParaRPr>
+          </a:p>
+          <a:p>
+            <a:pPr marL="0" marR="0" lvl="0" indent="0" algn="l" defTabSz="914400" rtl="0" eaLnBrk="1" fontAlgn="auto" latinLnBrk="0" hangingPunct="1">
+              <a:lnSpc>
+                <a:spcPct val="150000"/>
+              </a:lnSpc>
+              <a:spcBef>
+                <a:spcPts val="0"/>
+              </a:spcBef>
+              <a:spcAft>
+                <a:spcPts val="0"/>
+              </a:spcAft>
+              <a:buClrTx/>
+              <a:buSzTx/>
+              <a:buFontTx/>
+              <a:buNone/>
+              <a:tabLst/>
+              <a:defRPr/>
+            </a:pPr>
+            <a:endParaRPr kumimoji="0" lang="en-US" sz="2400" b="0" i="0" u="none" strike="noStrike" kern="100" cap="none" spc="0" normalizeH="0" baseline="0" noProof="0" dirty="0">
+              <a:ln>
+                <a:noFill/>
+              </a:ln>
+              <a:solidFill>
+                <a:prstClr val="black"/>
+              </a:solidFill>
+              <a:effectLst/>
+              <a:uLnTx/>
+              <a:uFillTx/>
+              <a:latin typeface="Abel" panose="02000506030000020004" pitchFamily="2" charset="0"/>
+              <a:ea typeface="+mn-ea"/>
+              <a:cs typeface="Times New Roman" panose="02020603050405020304" pitchFamily="18" charset="0"/>
+            </a:endParaRPr>
+          </a:p>
+          <a:p>
+            <a:pPr marL="0" marR="0" lvl="0" indent="0" algn="l" defTabSz="914400" rtl="0" eaLnBrk="1" fontAlgn="auto" latinLnBrk="0" hangingPunct="1">
+              <a:lnSpc>
+                <a:spcPct val="150000"/>
+              </a:lnSpc>
+              <a:spcBef>
+                <a:spcPts val="0"/>
+              </a:spcBef>
+              <a:spcAft>
+                <a:spcPts val="0"/>
+              </a:spcAft>
+              <a:buClrTx/>
+              <a:buSzTx/>
+              <a:buFontTx/>
+              <a:buNone/>
+              <a:tabLst/>
+              <a:defRPr/>
+            </a:pPr>
+            <a:endParaRPr kumimoji="0" lang="en-US" sz="2400" b="0" i="0" u="none" strike="noStrike" kern="100" cap="none" spc="0" normalizeH="0" baseline="0" noProof="0" dirty="0">
+              <a:ln>
+                <a:noFill/>
+              </a:ln>
+              <a:solidFill>
+                <a:prstClr val="black"/>
+              </a:solidFill>
+              <a:effectLst/>
+              <a:uLnTx/>
+              <a:uFillTx/>
+              <a:latin typeface="Abel" panose="02000506030000020004" pitchFamily="2" charset="0"/>
+              <a:ea typeface="+mn-ea"/>
+              <a:cs typeface="Times New Roman" panose="02020603050405020304" pitchFamily="18" charset="0"/>
+            </a:endParaRPr>
+          </a:p>
+          <a:p>
+            <a:pPr marL="0" marR="0" lvl="0" indent="0" algn="l" defTabSz="914400" rtl="0" eaLnBrk="1" fontAlgn="auto" latinLnBrk="0" hangingPunct="1">
+              <a:lnSpc>
+                <a:spcPct val="150000"/>
+              </a:lnSpc>
+              <a:spcBef>
+                <a:spcPts val="0"/>
+              </a:spcBef>
+              <a:spcAft>
+                <a:spcPts val="0"/>
+              </a:spcAft>
+              <a:buClrTx/>
+              <a:buSzTx/>
+              <a:buFontTx/>
+              <a:buNone/>
+              <a:tabLst/>
+              <a:defRPr/>
+            </a:pPr>
+            <a:endParaRPr kumimoji="0" lang="en-US" sz="2400" b="0" i="0" u="none" strike="noStrike" kern="100" cap="none" spc="0" normalizeH="0" baseline="0" noProof="0" dirty="0">
+              <a:ln>
+                <a:noFill/>
+              </a:ln>
+              <a:solidFill>
+                <a:prstClr val="black"/>
+              </a:solidFill>
+              <a:effectLst/>
+              <a:uLnTx/>
+              <a:uFillTx/>
+              <a:latin typeface="Abel" panose="02000506030000020004" pitchFamily="2" charset="0"/>
+              <a:ea typeface="+mn-ea"/>
+              <a:cs typeface="Times New Roman" panose="02020603050405020304" pitchFamily="18" charset="0"/>
+            </a:endParaRPr>
+          </a:p>
+          <a:p>
+            <a:pPr marL="0" marR="0" lvl="0" indent="0" algn="l" defTabSz="914400" rtl="0" eaLnBrk="1" fontAlgn="auto" latinLnBrk="0" hangingPunct="1">
+              <a:lnSpc>
+                <a:spcPct val="150000"/>
+              </a:lnSpc>
+              <a:spcBef>
+                <a:spcPts val="0"/>
+              </a:spcBef>
+              <a:spcAft>
+                <a:spcPts val="0"/>
+              </a:spcAft>
+              <a:buClrTx/>
+              <a:buSzTx/>
+              <a:buFontTx/>
+              <a:buNone/>
+              <a:tabLst/>
+              <a:defRPr/>
+            </a:pPr>
+            <a:endParaRPr kumimoji="0" lang="en-US" sz="2400" b="0" i="0" u="none" strike="noStrike" kern="100" cap="none" spc="0" normalizeH="0" baseline="0" noProof="0" dirty="0">
+              <a:ln>
+                <a:noFill/>
+              </a:ln>
+              <a:solidFill>
+                <a:prstClr val="black"/>
+              </a:solidFill>
+              <a:effectLst/>
+              <a:uLnTx/>
+              <a:uFillTx/>
+              <a:latin typeface="Abel" panose="02000506030000020004" pitchFamily="2" charset="0"/>
+              <a:ea typeface="+mn-ea"/>
+              <a:cs typeface="Times New Roman" panose="02020603050405020304" pitchFamily="18" charset="0"/>
+            </a:endParaRPr>
+          </a:p>
+          <a:p>
+            <a:pPr marL="0" marR="0" lvl="0" indent="0" algn="l" defTabSz="914400" rtl="0" eaLnBrk="1" fontAlgn="auto" latinLnBrk="0" hangingPunct="1">
+              <a:lnSpc>
+                <a:spcPct val="150000"/>
+              </a:lnSpc>
+              <a:spcBef>
+                <a:spcPts val="0"/>
+              </a:spcBef>
+              <a:spcAft>
+                <a:spcPts val="0"/>
+              </a:spcAft>
+              <a:buClrTx/>
+              <a:buSzTx/>
+              <a:buFontTx/>
+              <a:buNone/>
+              <a:tabLst/>
+              <a:defRPr/>
+            </a:pPr>
+            <a:endParaRPr kumimoji="0" lang="en-US" sz="2400" b="0" i="0" u="none" strike="noStrike" kern="100" cap="none" spc="0" normalizeH="0" baseline="0" noProof="0" dirty="0">
+              <a:ln>
+                <a:noFill/>
+              </a:ln>
+              <a:solidFill>
+                <a:prstClr val="black"/>
+              </a:solidFill>
+              <a:effectLst/>
+              <a:uLnTx/>
+              <a:uFillTx/>
+              <a:latin typeface="Abel" panose="02000506030000020004" pitchFamily="2" charset="0"/>
+              <a:ea typeface="+mn-ea"/>
+              <a:cs typeface="Times New Roman" panose="02020603050405020304" pitchFamily="18" charset="0"/>
+            </a:endParaRPr>
+          </a:p>
+          <a:p>
+            <a:pPr marL="0" marR="0" lvl="0" indent="0" algn="l" defTabSz="914400" rtl="0" eaLnBrk="1" fontAlgn="auto" latinLnBrk="0" hangingPunct="1">
+              <a:lnSpc>
+                <a:spcPct val="150000"/>
+              </a:lnSpc>
+              <a:spcBef>
+                <a:spcPts val="0"/>
+              </a:spcBef>
+              <a:spcAft>
+                <a:spcPts val="0"/>
+              </a:spcAft>
+              <a:buClrTx/>
+              <a:buSzTx/>
+              <a:buFontTx/>
+              <a:buNone/>
+              <a:tabLst/>
+              <a:defRPr/>
+            </a:pPr>
+            <a:endParaRPr kumimoji="0" lang="en-US" sz="2400" b="0" i="0" u="none" strike="noStrike" kern="100" cap="none" spc="0" normalizeH="0" baseline="0" noProof="0" dirty="0">
+              <a:ln>
+                <a:noFill/>
+              </a:ln>
+              <a:solidFill>
+                <a:prstClr val="black"/>
+              </a:solidFill>
+              <a:effectLst/>
+              <a:uLnTx/>
+              <a:uFillTx/>
+              <a:latin typeface="Abel" panose="02000506030000020004" pitchFamily="2" charset="0"/>
+              <a:ea typeface="+mn-ea"/>
+              <a:cs typeface="Times New Roman" panose="02020603050405020304" pitchFamily="18" charset="0"/>
+            </a:endParaRPr>
+          </a:p>
+        </p:txBody>
+      </p:sp>
+      <p:pic>
+        <p:nvPicPr>
+          <p:cNvPr id="11" name="Picture 10">
+            <a:extLst>
+              <a:ext uri="{FF2B5EF4-FFF2-40B4-BE49-F238E27FC236}">
+                <a16:creationId xmlns:a16="http://schemas.microsoft.com/office/drawing/2014/main" id="{36BDE36C-56BB-E75B-7813-850CBFBA7FFC}"/>
+              </a:ext>
+            </a:extLst>
+          </p:cNvPr>
+          <p:cNvPicPr>
+            <a:picLocks noChangeAspect="1"/>
+          </p:cNvPicPr>
+          <p:nvPr/>
+        </p:nvPicPr>
+        <p:blipFill>
+          <a:blip r:embed="rId3"/>
+          <a:srcRect l="1679" t="8368" r="2921" b="3650"/>
+          <a:stretch>
+            <a:fillRect/>
+          </a:stretch>
+        </p:blipFill>
+        <p:spPr>
+          <a:xfrm>
+            <a:off x="1883149" y="2612354"/>
+            <a:ext cx="3539306" cy="1797789"/>
+          </a:xfrm>
+          <a:prstGeom prst="rect">
+            <a:avLst/>
+          </a:prstGeom>
+        </p:spPr>
+      </p:pic>
+      <p:pic>
+        <p:nvPicPr>
+          <p:cNvPr id="14" name="Picture 13">
+            <a:extLst>
+              <a:ext uri="{FF2B5EF4-FFF2-40B4-BE49-F238E27FC236}">
+                <a16:creationId xmlns:a16="http://schemas.microsoft.com/office/drawing/2014/main" id="{3798DC6D-4A93-55C3-B86A-D0C3D7E7A33F}"/>
+              </a:ext>
+            </a:extLst>
+          </p:cNvPr>
+          <p:cNvPicPr>
+            <a:picLocks noChangeAspect="1"/>
+          </p:cNvPicPr>
+          <p:nvPr/>
+        </p:nvPicPr>
+        <p:blipFill>
+          <a:blip r:embed="rId4"/>
+          <a:srcRect l="2862" t="8840" r="3140" b="4506"/>
+          <a:stretch>
+            <a:fillRect/>
+          </a:stretch>
+        </p:blipFill>
+        <p:spPr>
+          <a:xfrm>
+            <a:off x="1881740" y="4658463"/>
+            <a:ext cx="3540715" cy="1797789"/>
+          </a:xfrm>
+          <a:prstGeom prst="rect">
+            <a:avLst/>
+          </a:prstGeom>
+        </p:spPr>
+      </p:pic>
+      <p:sp>
+        <p:nvSpPr>
+          <p:cNvPr id="19" name="TextBox 18">
+            <a:extLst>
+              <a:ext uri="{FF2B5EF4-FFF2-40B4-BE49-F238E27FC236}">
+                <a16:creationId xmlns:a16="http://schemas.microsoft.com/office/drawing/2014/main" id="{E82376ED-88AC-4CEE-10BB-B48A50098376}"/>
+              </a:ext>
+            </a:extLst>
+          </p:cNvPr>
+          <p:cNvSpPr txBox="1"/>
+          <p:nvPr/>
+        </p:nvSpPr>
+        <p:spPr>
+          <a:xfrm>
+            <a:off x="6096001" y="3429000"/>
+            <a:ext cx="5413930" cy="1384995"/>
+          </a:xfrm>
+          <a:prstGeom prst="rect">
+            <a:avLst/>
+          </a:prstGeom>
+          <a:noFill/>
+        </p:spPr>
+        <p:txBody>
+          <a:bodyPr wrap="square">
+            <a:spAutoFit/>
+          </a:bodyPr>
+          <a:lstStyle/>
+          <a:p>
+            <a:r>
+              <a:rPr lang="en-US" sz="2800" kern="100" dirty="0">
+                <a:solidFill>
+                  <a:schemeClr val="tx1">
+                    <a:lumMod val="65000"/>
+                    <a:lumOff val="35000"/>
+                  </a:schemeClr>
+                </a:solidFill>
+                <a:latin typeface="Angsana New" panose="02020603050405020304" pitchFamily="18" charset="-34"/>
+                <a:ea typeface="Cambria" panose="02040503050406030204" pitchFamily="18" charset="0"/>
+                <a:cs typeface="Angsana New" panose="02020603050405020304" pitchFamily="18" charset="-34"/>
+              </a:rPr>
+              <a:t>To continue playing after submitting your answer, press “Y” or click on “[Y] Yes”. </a:t>
+            </a:r>
+            <a:br>
+              <a:rPr lang="en-US" sz="2800" kern="100" dirty="0">
+                <a:solidFill>
+                  <a:schemeClr val="tx1">
+                    <a:lumMod val="65000"/>
+                    <a:lumOff val="35000"/>
+                  </a:schemeClr>
+                </a:solidFill>
+                <a:latin typeface="Angsana New" panose="02020603050405020304" pitchFamily="18" charset="-34"/>
+                <a:ea typeface="Cambria" panose="02040503050406030204" pitchFamily="18" charset="0"/>
+                <a:cs typeface="Angsana New" panose="02020603050405020304" pitchFamily="18" charset="-34"/>
+              </a:rPr>
+            </a:br>
+            <a:r>
+              <a:rPr lang="en-US" sz="2800" kern="100" dirty="0">
+                <a:solidFill>
+                  <a:schemeClr val="tx1">
+                    <a:lumMod val="65000"/>
+                    <a:lumOff val="35000"/>
+                  </a:schemeClr>
+                </a:solidFill>
+                <a:latin typeface="Angsana New" panose="02020603050405020304" pitchFamily="18" charset="-34"/>
+                <a:ea typeface="Cambria" panose="02040503050406030204" pitchFamily="18" charset="0"/>
+                <a:cs typeface="Angsana New" panose="02020603050405020304" pitchFamily="18" charset="-34"/>
+              </a:rPr>
+              <a:t>Otherwise, press “N” or click on “[N] No”. </a:t>
+            </a:r>
+          </a:p>
+        </p:txBody>
+      </p:sp>
+      <p:sp>
+        <p:nvSpPr>
+          <p:cNvPr id="7" name="TextBox 6">
+            <a:extLst>
+              <a:ext uri="{FF2B5EF4-FFF2-40B4-BE49-F238E27FC236}">
+                <a16:creationId xmlns:a16="http://schemas.microsoft.com/office/drawing/2014/main" id="{C9E398A1-93D5-D40D-F67C-9907065BD493}"/>
+              </a:ext>
+            </a:extLst>
+          </p:cNvPr>
+          <p:cNvSpPr txBox="1"/>
+          <p:nvPr/>
+        </p:nvSpPr>
+        <p:spPr>
+          <a:xfrm>
+            <a:off x="707345" y="505379"/>
+            <a:ext cx="6334876" cy="923330"/>
+          </a:xfrm>
+          <a:prstGeom prst="rect">
+            <a:avLst/>
+          </a:prstGeom>
+          <a:noFill/>
+        </p:spPr>
+        <p:txBody>
+          <a:bodyPr wrap="none" rtlCol="0">
+            <a:spAutoFit/>
+          </a:bodyPr>
+          <a:lstStyle/>
+          <a:p>
+            <a:pPr marL="0" marR="0" lvl="0" indent="0" algn="l" defTabSz="914400" rtl="0" eaLnBrk="1" fontAlgn="auto" latinLnBrk="0" hangingPunct="1">
+              <a:lnSpc>
+                <a:spcPct val="100000"/>
+              </a:lnSpc>
+              <a:spcBef>
+                <a:spcPts val="0"/>
+              </a:spcBef>
+              <a:spcAft>
+                <a:spcPts val="0"/>
+              </a:spcAft>
+              <a:buClrTx/>
+              <a:buSzTx/>
+              <a:buFontTx/>
+              <a:buNone/>
+              <a:tabLst/>
+              <a:defRPr/>
+            </a:pPr>
+            <a:r>
+              <a:rPr kumimoji="0" lang="en-US" sz="5400" b="1" i="0" u="none" strike="noStrike" kern="100" cap="none" spc="0" normalizeH="0" baseline="0" noProof="0" dirty="0">
+                <a:ln>
+                  <a:noFill/>
+                </a:ln>
+                <a:solidFill>
+                  <a:prstClr val="black"/>
+                </a:solidFill>
+                <a:effectLst/>
+                <a:uLnTx/>
+                <a:uFillTx/>
+                <a:latin typeface="Amasis MT Pro Black" panose="02040A04050005020304" pitchFamily="18" charset="0"/>
+                <a:ea typeface="+mn-ea"/>
+                <a:cs typeface="Times New Roman" panose="02020603050405020304" pitchFamily="18" charset="0"/>
+              </a:rPr>
+              <a:t>The Locker Game</a:t>
+            </a:r>
+            <a:endParaRPr kumimoji="0" lang="en-US" sz="1600" b="1" i="0" u="none" strike="noStrike" kern="1200" cap="none" spc="300" normalizeH="0" baseline="0" noProof="0" dirty="0">
+              <a:ln>
+                <a:noFill/>
+              </a:ln>
+              <a:solidFill>
+                <a:prstClr val="black"/>
+              </a:solidFill>
+              <a:effectLst/>
+              <a:uLnTx/>
+              <a:uFillTx/>
+              <a:latin typeface="Britannic Bold" panose="020B0903060703020204" pitchFamily="34" charset="0"/>
+              <a:ea typeface="+mn-ea"/>
+              <a:cs typeface="+mn-cs"/>
+            </a:endParaRPr>
+          </a:p>
+        </p:txBody>
+      </p:sp>
+      <p:pic>
+        <p:nvPicPr>
+          <p:cNvPr id="9" name="Picture 8" descr="A grey rectangular object with a yellow knob&#10;&#10;Description automatically generated">
+            <a:extLst>
+              <a:ext uri="{FF2B5EF4-FFF2-40B4-BE49-F238E27FC236}">
+                <a16:creationId xmlns:a16="http://schemas.microsoft.com/office/drawing/2014/main" id="{C77BEEEC-8169-189E-7442-1E529871F4EC}"/>
+              </a:ext>
+            </a:extLst>
+          </p:cNvPr>
+          <p:cNvPicPr>
+            <a:picLocks noChangeAspect="1"/>
+          </p:cNvPicPr>
+          <p:nvPr/>
+        </p:nvPicPr>
+        <p:blipFill>
+          <a:blip r:embed="rId5">
+            <a:extLst>
+              <a:ext uri="{28A0092B-C50C-407E-A947-70E740481C1C}">
+                <a14:useLocalDpi xmlns:a14="http://schemas.microsoft.com/office/drawing/2010/main" val="0"/>
+              </a:ext>
+            </a:extLst>
+          </a:blip>
+          <a:stretch>
+            <a:fillRect/>
+          </a:stretch>
+        </p:blipFill>
+        <p:spPr>
+          <a:xfrm>
+            <a:off x="11419912" y="6056979"/>
+            <a:ext cx="493619" cy="666895"/>
+          </a:xfrm>
+          <a:prstGeom prst="rect">
+            <a:avLst/>
+          </a:prstGeom>
+        </p:spPr>
+      </p:pic>
+      <p:sp>
+        <p:nvSpPr>
+          <p:cNvPr id="10" name="Slide Number Placeholder 9">
+            <a:extLst>
+              <a:ext uri="{FF2B5EF4-FFF2-40B4-BE49-F238E27FC236}">
+                <a16:creationId xmlns:a16="http://schemas.microsoft.com/office/drawing/2014/main" id="{91A1B449-E2A7-3F66-6F9C-FAD5BECB225F}"/>
+              </a:ext>
+            </a:extLst>
+          </p:cNvPr>
+          <p:cNvSpPr>
+            <a:spLocks noGrp="1"/>
+          </p:cNvSpPr>
+          <p:nvPr>
+            <p:ph type="sldNum" sz="quarter" idx="12"/>
+          </p:nvPr>
+        </p:nvSpPr>
+        <p:spPr/>
+        <p:txBody>
+          <a:bodyPr/>
+          <a:lstStyle/>
+          <a:p>
+            <a:r>
+              <a:rPr lang="en-US" dirty="0"/>
+              <a:t>10</a:t>
+            </a:r>
+          </a:p>
+        </p:txBody>
+      </p:sp>
+    </p:spTree>
+    <p:extLst>
+      <p:ext uri="{BB962C8B-B14F-4D97-AF65-F5344CB8AC3E}">
+        <p14:creationId xmlns:p14="http://schemas.microsoft.com/office/powerpoint/2010/main" val="2000364764"/>
+      </p:ext>
+    </p:extLst>
+  </p:cSld>
+  <p:clrMapOvr>
+    <a:masterClrMapping/>
+  </p:clrMapOvr>
+  <mc:AlternateContent xmlns:mc="http://schemas.openxmlformats.org/markup-compatibility/2006" xmlns:p159="http://schemas.microsoft.com/office/powerpoint/2015/09/main">
+    <mc:Choice Requires="p159">
+      <p:transition xmlns:p14="http://schemas.microsoft.com/office/powerpoint/2010/main" spd="slow" p14:dur="2000">
+        <p159:morph option="byObject"/>
+      </p:transition>
+    </mc:Choice>
+    <mc:Fallback xmlns="">
+      <p:transition spd="slow">
+        <p:fade/>
+      </p:transition>
+    </mc:Fallback>
+  </mc:AlternateContent>
+</p:sld>
+</file>
+
+<file path=ppt/slides/slide12.xml><?xml version="1.0" encoding="utf-8"?>
+<p:sld xmlns:a="http://schemas.openxmlformats.org/drawingml/2006/main" xmlns:r="http://schemas.openxmlformats.org/officeDocument/2006/relationships" xmlns:p="http://schemas.openxmlformats.org/presentationml/2006/main">
+  <p:cSld>
+    <p:spTree>
+      <p:nvGrpSpPr>
+        <p:cNvPr id="1" name="">
+          <a:extLst>
+            <a:ext uri="{FF2B5EF4-FFF2-40B4-BE49-F238E27FC236}">
+              <a16:creationId xmlns:a16="http://schemas.microsoft.com/office/drawing/2014/main" id="{D764BA08-8D46-E5E6-0878-813583B2B714}"/>
+            </a:ext>
+          </a:extLst>
+        </p:cNvPr>
+        <p:cNvGrpSpPr/>
+        <p:nvPr/>
+      </p:nvGrpSpPr>
+      <p:grpSpPr>
+        <a:xfrm>
+          <a:off x="0" y="0"/>
+          <a:ext cx="0" cy="0"/>
+          <a:chOff x="0" y="0"/>
+          <a:chExt cx="0" cy="0"/>
+        </a:xfrm>
+      </p:grpSpPr>
+      <p:sp>
+        <p:nvSpPr>
+          <p:cNvPr id="2" name="TextBox 1">
+            <a:extLst>
+              <a:ext uri="{FF2B5EF4-FFF2-40B4-BE49-F238E27FC236}">
+                <a16:creationId xmlns:a16="http://schemas.microsoft.com/office/drawing/2014/main" id="{EED360F2-EEB0-34E8-45AE-E223C580AE04}"/>
+              </a:ext>
+            </a:extLst>
+          </p:cNvPr>
+          <p:cNvSpPr txBox="1"/>
+          <p:nvPr/>
+        </p:nvSpPr>
+        <p:spPr>
+          <a:xfrm>
+            <a:off x="2928561" y="2679658"/>
+            <a:ext cx="6334876" cy="923330"/>
+          </a:xfrm>
+          <a:prstGeom prst="rect">
+            <a:avLst/>
+          </a:prstGeom>
+          <a:noFill/>
+        </p:spPr>
+        <p:txBody>
+          <a:bodyPr wrap="none" rtlCol="0">
+            <a:spAutoFit/>
+          </a:bodyPr>
+          <a:lstStyle/>
+          <a:p>
+            <a:pPr marL="0" marR="0" lvl="0" indent="0" algn="l" defTabSz="914400" rtl="0" eaLnBrk="1" fontAlgn="auto" latinLnBrk="0" hangingPunct="1">
+              <a:lnSpc>
+                <a:spcPct val="100000"/>
+              </a:lnSpc>
+              <a:spcBef>
+                <a:spcPts val="0"/>
+              </a:spcBef>
+              <a:spcAft>
+                <a:spcPts val="0"/>
+              </a:spcAft>
+              <a:buClrTx/>
+              <a:buSzTx/>
+              <a:buFontTx/>
+              <a:buNone/>
+              <a:tabLst/>
+              <a:defRPr/>
+            </a:pPr>
+            <a:r>
+              <a:rPr kumimoji="0" lang="en-US" sz="5400" b="1" i="0" u="none" strike="noStrike" kern="100" cap="none" spc="0" normalizeH="0" baseline="0" noProof="0" dirty="0">
+                <a:ln>
+                  <a:noFill/>
+                </a:ln>
+                <a:solidFill>
+                  <a:prstClr val="black"/>
+                </a:solidFill>
+                <a:effectLst/>
+                <a:uLnTx/>
+                <a:uFillTx/>
+                <a:latin typeface="Amasis MT Pro Black" panose="02040A04050005020304" pitchFamily="18" charset="0"/>
+                <a:ea typeface="+mn-ea"/>
+                <a:cs typeface="Times New Roman" panose="02020603050405020304" pitchFamily="18" charset="0"/>
+              </a:rPr>
+              <a:t>The Locker Game</a:t>
+            </a:r>
+            <a:endParaRPr kumimoji="0" lang="en-US" sz="1600" b="1" i="0" u="none" strike="noStrike" kern="1200" cap="none" spc="300" normalizeH="0" baseline="0" noProof="0" dirty="0">
+              <a:ln>
+                <a:noFill/>
+              </a:ln>
+              <a:solidFill>
+                <a:prstClr val="black"/>
+              </a:solidFill>
+              <a:effectLst/>
+              <a:uLnTx/>
+              <a:uFillTx/>
+              <a:latin typeface="Britannic Bold" panose="020B0903060703020204" pitchFamily="34" charset="0"/>
+              <a:ea typeface="+mn-ea"/>
+              <a:cs typeface="+mn-cs"/>
+            </a:endParaRPr>
+          </a:p>
+        </p:txBody>
+      </p:sp>
+      <p:sp>
+        <p:nvSpPr>
+          <p:cNvPr id="3" name="TextBox 2">
+            <a:extLst>
+              <a:ext uri="{FF2B5EF4-FFF2-40B4-BE49-F238E27FC236}">
+                <a16:creationId xmlns:a16="http://schemas.microsoft.com/office/drawing/2014/main" id="{80CFFE47-8559-0555-25FB-28EC2C2A7649}"/>
+              </a:ext>
+            </a:extLst>
+          </p:cNvPr>
+          <p:cNvSpPr txBox="1"/>
+          <p:nvPr/>
+        </p:nvSpPr>
+        <p:spPr>
+          <a:xfrm>
+            <a:off x="1989202" y="1607848"/>
+            <a:ext cx="8213595" cy="923330"/>
+          </a:xfrm>
+          <a:prstGeom prst="rect">
+            <a:avLst/>
+          </a:prstGeom>
+          <a:noFill/>
+        </p:spPr>
+        <p:txBody>
+          <a:bodyPr wrap="none" rtlCol="0">
+            <a:spAutoFit/>
+          </a:bodyPr>
+          <a:lstStyle/>
+          <a:p>
+            <a:pPr marL="0" marR="0" lvl="0" indent="0" algn="l" defTabSz="914400" rtl="0" eaLnBrk="1" fontAlgn="auto" latinLnBrk="0" hangingPunct="1">
+              <a:lnSpc>
+                <a:spcPct val="100000"/>
+              </a:lnSpc>
+              <a:spcBef>
+                <a:spcPts val="0"/>
+              </a:spcBef>
+              <a:spcAft>
+                <a:spcPts val="0"/>
+              </a:spcAft>
+              <a:buClrTx/>
+              <a:buSzTx/>
+              <a:buFontTx/>
+              <a:buNone/>
+              <a:tabLst/>
+              <a:defRPr/>
+            </a:pPr>
+            <a:r>
+              <a:rPr kumimoji="0" lang="en-US" sz="5400" b="1" i="0" u="none" strike="noStrike" kern="100" cap="none" spc="0" normalizeH="0" baseline="0" noProof="0" dirty="0">
+                <a:ln>
+                  <a:noFill/>
+                </a:ln>
+                <a:effectLst/>
+                <a:uLnTx/>
+                <a:uFillTx/>
+                <a:latin typeface="Amasis MT Pro Black" panose="02040A04050005020304" pitchFamily="18" charset="0"/>
+                <a:ea typeface="+mn-ea"/>
+                <a:cs typeface="Times New Roman" panose="02020603050405020304" pitchFamily="18" charset="0"/>
+              </a:rPr>
+              <a:t>Thank you for playing </a:t>
+            </a:r>
+            <a:endParaRPr kumimoji="0" lang="en-US" sz="1600" b="1" i="0" u="none" strike="noStrike" kern="1200" cap="none" spc="300" normalizeH="0" baseline="0" noProof="0" dirty="0">
+              <a:ln>
+                <a:noFill/>
+              </a:ln>
+              <a:effectLst/>
+              <a:uLnTx/>
+              <a:uFillTx/>
+              <a:latin typeface="Britannic Bold" panose="020B0903060703020204" pitchFamily="34" charset="0"/>
+              <a:ea typeface="+mn-ea"/>
+              <a:cs typeface="+mn-cs"/>
+            </a:endParaRPr>
+          </a:p>
+        </p:txBody>
+      </p:sp>
+      <p:pic>
+        <p:nvPicPr>
+          <p:cNvPr id="5" name="Picture 4" descr="A grey rectangular object with a yellow knob&#10;&#10;Description automatically generated">
+            <a:extLst>
+              <a:ext uri="{FF2B5EF4-FFF2-40B4-BE49-F238E27FC236}">
+                <a16:creationId xmlns:a16="http://schemas.microsoft.com/office/drawing/2014/main" id="{078DB913-122B-8692-981B-C3F84253B91F}"/>
+              </a:ext>
+            </a:extLst>
+          </p:cNvPr>
+          <p:cNvPicPr>
+            <a:picLocks noChangeAspect="1"/>
+          </p:cNvPicPr>
+          <p:nvPr/>
+        </p:nvPicPr>
+        <p:blipFill>
+          <a:blip r:embed="rId3">
+            <a:extLst>
+              <a:ext uri="{28A0092B-C50C-407E-A947-70E740481C1C}">
+                <a14:useLocalDpi xmlns:a14="http://schemas.microsoft.com/office/drawing/2010/main" val="0"/>
+              </a:ext>
+            </a:extLst>
+          </a:blip>
+          <a:stretch>
+            <a:fillRect/>
+          </a:stretch>
+        </p:blipFill>
+        <p:spPr>
+          <a:xfrm>
+            <a:off x="5612326" y="3867425"/>
+            <a:ext cx="967346" cy="1306915"/>
+          </a:xfrm>
+          <a:prstGeom prst="rect">
+            <a:avLst/>
+          </a:prstGeom>
+        </p:spPr>
+      </p:pic>
+    </p:spTree>
+    <p:extLst>
+      <p:ext uri="{BB962C8B-B14F-4D97-AF65-F5344CB8AC3E}">
+        <p14:creationId xmlns:p14="http://schemas.microsoft.com/office/powerpoint/2010/main" val="3278494089"/>
+      </p:ext>
+    </p:extLst>
+  </p:cSld>
+  <p:clrMapOvr>
+    <a:masterClrMapping/>
+  </p:clrMapOvr>
+  <mc:AlternateContent xmlns:mc="http://schemas.openxmlformats.org/markup-compatibility/2006" xmlns:p159="http://schemas.microsoft.com/office/powerpoint/2015/09/main">
+    <mc:Choice Requires="p159">
+      <p:transition xmlns:p14="http://schemas.microsoft.com/office/powerpoint/2010/main" spd="slow" p14:dur="2000">
+        <p159:morph option="byObject"/>
+      </p:transition>
+    </mc:Choice>
+    <mc:Fallback xmlns="">
+      <p:transition spd="slow">
+        <p:fade/>
+      </p:transition>
+    </mc:Fallback>
+  </mc:AlternateContent>
+</p:sld>
+</file>
+
 <file path=ppt/slides/slide2.xml><?xml version="1.0" encoding="utf-8"?>
+<p:sld xmlns:a="http://schemas.openxmlformats.org/drawingml/2006/main" xmlns:r="http://schemas.openxmlformats.org/officeDocument/2006/relationships" xmlns:p="http://schemas.openxmlformats.org/presentationml/2006/main">
+  <p:cSld>
+    <p:spTree>
+      <p:nvGrpSpPr>
+        <p:cNvPr id="1" name="">
+          <a:extLst>
+            <a:ext uri="{FF2B5EF4-FFF2-40B4-BE49-F238E27FC236}">
+              <a16:creationId xmlns:a16="http://schemas.microsoft.com/office/drawing/2014/main" id="{C46F9754-60E2-EC3E-5F62-878629E2B73E}"/>
+            </a:ext>
+          </a:extLst>
+        </p:cNvPr>
+        <p:cNvGrpSpPr/>
+        <p:nvPr/>
+      </p:nvGrpSpPr>
+      <p:grpSpPr>
+        <a:xfrm>
+          <a:off x="0" y="0"/>
+          <a:ext cx="0" cy="0"/>
+          <a:chOff x="0" y="0"/>
+          <a:chExt cx="0" cy="0"/>
+        </a:xfrm>
+      </p:grpSpPr>
+      <p:pic>
+        <p:nvPicPr>
+          <p:cNvPr id="9" name="Picture 8" descr="A grey rectangular object with a yellow knob&#10;&#10;Description automatically generated">
+            <a:extLst>
+              <a:ext uri="{FF2B5EF4-FFF2-40B4-BE49-F238E27FC236}">
+                <a16:creationId xmlns:a16="http://schemas.microsoft.com/office/drawing/2014/main" id="{E8972D3F-6F41-A43C-CB04-1B5AA44AF8E7}"/>
+              </a:ext>
+            </a:extLst>
+          </p:cNvPr>
+          <p:cNvPicPr>
+            <a:picLocks noChangeAspect="1"/>
+          </p:cNvPicPr>
+          <p:nvPr/>
+        </p:nvPicPr>
+        <p:blipFill>
+          <a:blip r:embed="rId3">
+            <a:extLst>
+              <a:ext uri="{28A0092B-C50C-407E-A947-70E740481C1C}">
+                <a14:useLocalDpi xmlns:a14="http://schemas.microsoft.com/office/drawing/2010/main" val="0"/>
+              </a:ext>
+            </a:extLst>
+          </a:blip>
+          <a:stretch>
+            <a:fillRect/>
+          </a:stretch>
+        </p:blipFill>
+        <p:spPr>
+          <a:xfrm>
+            <a:off x="11419912" y="6056979"/>
+            <a:ext cx="493619" cy="666895"/>
+          </a:xfrm>
+          <a:prstGeom prst="rect">
+            <a:avLst/>
+          </a:prstGeom>
+        </p:spPr>
+      </p:pic>
+      <p:sp>
+        <p:nvSpPr>
+          <p:cNvPr id="14" name="Slide Number Placeholder 13">
+            <a:extLst>
+              <a:ext uri="{FF2B5EF4-FFF2-40B4-BE49-F238E27FC236}">
+                <a16:creationId xmlns:a16="http://schemas.microsoft.com/office/drawing/2014/main" id="{0104916A-7713-ED3E-0F9E-9787F0FE587B}"/>
+              </a:ext>
+            </a:extLst>
+          </p:cNvPr>
+          <p:cNvSpPr>
+            <a:spLocks noGrp="1"/>
+          </p:cNvSpPr>
+          <p:nvPr>
+            <p:ph type="sldNum" sz="quarter" idx="12"/>
+          </p:nvPr>
+        </p:nvSpPr>
+        <p:spPr/>
+        <p:txBody>
+          <a:bodyPr/>
+          <a:lstStyle/>
+          <a:p>
+            <a:r>
+              <a:rPr lang="en-US" dirty="0"/>
+              <a:t>1</a:t>
+            </a:r>
+          </a:p>
+        </p:txBody>
+      </p:sp>
+      <p:pic>
+        <p:nvPicPr>
+          <p:cNvPr id="7" name="Picture 6">
+            <a:extLst>
+              <a:ext uri="{FF2B5EF4-FFF2-40B4-BE49-F238E27FC236}">
+                <a16:creationId xmlns:a16="http://schemas.microsoft.com/office/drawing/2014/main" id="{807FE620-2152-338C-C267-A85791420BD4}"/>
+              </a:ext>
+            </a:extLst>
+          </p:cNvPr>
+          <p:cNvPicPr>
+            <a:picLocks noChangeAspect="1"/>
+          </p:cNvPicPr>
+          <p:nvPr/>
+        </p:nvPicPr>
+        <p:blipFill>
+          <a:blip r:embed="rId4"/>
+          <a:stretch>
+            <a:fillRect/>
+          </a:stretch>
+        </p:blipFill>
+        <p:spPr>
+          <a:xfrm>
+            <a:off x="2088970" y="250823"/>
+            <a:ext cx="4121354" cy="6213032"/>
+          </a:xfrm>
+          <a:prstGeom prst="rect">
+            <a:avLst/>
+          </a:prstGeom>
+        </p:spPr>
+      </p:pic>
+      <p:sp>
+        <p:nvSpPr>
+          <p:cNvPr id="10" name="TextBox 9">
+            <a:extLst>
+              <a:ext uri="{FF2B5EF4-FFF2-40B4-BE49-F238E27FC236}">
+                <a16:creationId xmlns:a16="http://schemas.microsoft.com/office/drawing/2014/main" id="{1E73EACF-3BCA-7EE1-C2BF-D5C0DDF10266}"/>
+              </a:ext>
+            </a:extLst>
+          </p:cNvPr>
+          <p:cNvSpPr txBox="1"/>
+          <p:nvPr/>
+        </p:nvSpPr>
+        <p:spPr>
+          <a:xfrm>
+            <a:off x="6450457" y="1650703"/>
+            <a:ext cx="2530766" cy="707886"/>
+          </a:xfrm>
+          <a:prstGeom prst="rect">
+            <a:avLst/>
+          </a:prstGeom>
+          <a:noFill/>
+        </p:spPr>
+        <p:txBody>
+          <a:bodyPr wrap="square" rtlCol="0">
+            <a:spAutoFit/>
+          </a:bodyPr>
+          <a:lstStyle>
+            <a:defPPr>
+              <a:defRPr lang="en-US"/>
+            </a:defPPr>
+            <a:lvl1pPr algn="ctr">
+              <a:defRPr sz="2400" b="1" kern="100">
+                <a:solidFill>
+                  <a:srgbClr val="C00000"/>
+                </a:solidFill>
+                <a:latin typeface="Amasis MT Pro Black" panose="02040A04050005020304" pitchFamily="18" charset="0"/>
+                <a:cs typeface="Times New Roman" panose="02020603050405020304" pitchFamily="18" charset="0"/>
+              </a:defRPr>
+            </a:lvl1pPr>
+          </a:lstStyle>
+          <a:p>
+            <a:pPr marL="0" marR="0" lvl="0" indent="0" algn="l" defTabSz="914400" rtl="0" eaLnBrk="1" fontAlgn="auto" latinLnBrk="0" hangingPunct="1">
+              <a:lnSpc>
+                <a:spcPct val="100000"/>
+              </a:lnSpc>
+              <a:spcBef>
+                <a:spcPts val="0"/>
+              </a:spcBef>
+              <a:spcAft>
+                <a:spcPts val="0"/>
+              </a:spcAft>
+              <a:buClrTx/>
+              <a:buSzTx/>
+              <a:buFontTx/>
+              <a:buNone/>
+              <a:tabLst/>
+              <a:defRPr/>
+            </a:pPr>
+            <a:r>
+              <a:rPr lang="en-US" sz="2000" dirty="0"/>
+              <a:t>Problem Statement</a:t>
+            </a:r>
+            <a:endParaRPr kumimoji="0" lang="en-US" sz="2000" b="1" i="0" u="none" strike="noStrike" kern="100" cap="none" spc="0" normalizeH="0" baseline="0" noProof="0" dirty="0">
+              <a:ln>
+                <a:noFill/>
+              </a:ln>
+              <a:solidFill>
+                <a:srgbClr val="C00000"/>
+              </a:solidFill>
+              <a:effectLst/>
+              <a:uLnTx/>
+              <a:uFillTx/>
+              <a:latin typeface="Amasis MT Pro Black" panose="02040A04050005020304" pitchFamily="18" charset="0"/>
+              <a:ea typeface="+mn-ea"/>
+              <a:cs typeface="Times New Roman" panose="02020603050405020304" pitchFamily="18" charset="0"/>
+            </a:endParaRPr>
+          </a:p>
+        </p:txBody>
+      </p:sp>
+      <p:sp>
+        <p:nvSpPr>
+          <p:cNvPr id="11" name="TextBox 10">
+            <a:extLst>
+              <a:ext uri="{FF2B5EF4-FFF2-40B4-BE49-F238E27FC236}">
+                <a16:creationId xmlns:a16="http://schemas.microsoft.com/office/drawing/2014/main" id="{7354C185-3E40-2BF1-A719-2084B2DB419A}"/>
+              </a:ext>
+            </a:extLst>
+          </p:cNvPr>
+          <p:cNvSpPr txBox="1"/>
+          <p:nvPr/>
+        </p:nvSpPr>
+        <p:spPr>
+          <a:xfrm>
+            <a:off x="6578778" y="4664470"/>
+            <a:ext cx="2530766" cy="400110"/>
+          </a:xfrm>
+          <a:prstGeom prst="rect">
+            <a:avLst/>
+          </a:prstGeom>
+          <a:noFill/>
+        </p:spPr>
+        <p:txBody>
+          <a:bodyPr wrap="square" rtlCol="0">
+            <a:spAutoFit/>
+          </a:bodyPr>
+          <a:lstStyle>
+            <a:defPPr>
+              <a:defRPr lang="en-US"/>
+            </a:defPPr>
+            <a:lvl1pPr marR="0" lvl="0" indent="0" fontAlgn="auto">
+              <a:lnSpc>
+                <a:spcPct val="100000"/>
+              </a:lnSpc>
+              <a:spcBef>
+                <a:spcPts val="0"/>
+              </a:spcBef>
+              <a:spcAft>
+                <a:spcPts val="0"/>
+              </a:spcAft>
+              <a:buClrTx/>
+              <a:buSzTx/>
+              <a:buFontTx/>
+              <a:buNone/>
+              <a:tabLst/>
+              <a:defRPr sz="2000" b="1" kern="100">
+                <a:solidFill>
+                  <a:srgbClr val="C00000"/>
+                </a:solidFill>
+                <a:latin typeface="Amasis MT Pro Black" panose="02040A04050005020304" pitchFamily="18" charset="0"/>
+                <a:cs typeface="Times New Roman" panose="02020603050405020304" pitchFamily="18" charset="0"/>
+              </a:defRPr>
+            </a:lvl1pPr>
+          </a:lstStyle>
+          <a:p>
+            <a:r>
+              <a:rPr lang="en-US" dirty="0"/>
+              <a:t>Game</a:t>
+            </a:r>
+          </a:p>
+        </p:txBody>
+      </p:sp>
+      <p:sp>
+        <p:nvSpPr>
+          <p:cNvPr id="12" name="TextBox 11">
+            <a:extLst>
+              <a:ext uri="{FF2B5EF4-FFF2-40B4-BE49-F238E27FC236}">
+                <a16:creationId xmlns:a16="http://schemas.microsoft.com/office/drawing/2014/main" id="{8F597C67-C4A5-86F4-D339-C04B6B18E90B}"/>
+              </a:ext>
+            </a:extLst>
+          </p:cNvPr>
+          <p:cNvSpPr txBox="1"/>
+          <p:nvPr/>
+        </p:nvSpPr>
+        <p:spPr>
+          <a:xfrm>
+            <a:off x="6578779" y="5854535"/>
+            <a:ext cx="3697032" cy="707886"/>
+          </a:xfrm>
+          <a:prstGeom prst="rect">
+            <a:avLst/>
+          </a:prstGeom>
+          <a:noFill/>
+        </p:spPr>
+        <p:txBody>
+          <a:bodyPr wrap="square" rtlCol="0">
+            <a:spAutoFit/>
+          </a:bodyPr>
+          <a:lstStyle>
+            <a:defPPr>
+              <a:defRPr lang="en-US"/>
+            </a:defPPr>
+            <a:lvl1pPr marR="0" lvl="0" indent="0" fontAlgn="auto">
+              <a:lnSpc>
+                <a:spcPct val="100000"/>
+              </a:lnSpc>
+              <a:spcBef>
+                <a:spcPts val="0"/>
+              </a:spcBef>
+              <a:spcAft>
+                <a:spcPts val="0"/>
+              </a:spcAft>
+              <a:buClrTx/>
+              <a:buSzTx/>
+              <a:buFontTx/>
+              <a:buNone/>
+              <a:tabLst/>
+              <a:defRPr sz="2000" b="1" kern="100">
+                <a:solidFill>
+                  <a:srgbClr val="C00000"/>
+                </a:solidFill>
+                <a:latin typeface="Amasis MT Pro Black" panose="02040A04050005020304" pitchFamily="18" charset="0"/>
+                <a:cs typeface="Times New Roman" panose="02020603050405020304" pitchFamily="18" charset="0"/>
+              </a:defRPr>
+            </a:lvl1pPr>
+          </a:lstStyle>
+          <a:p>
+            <a:r>
+              <a:rPr lang="en-US" dirty="0"/>
+              <a:t>Game Link to Unity Play (recommended for mobile)</a:t>
+            </a:r>
+          </a:p>
+        </p:txBody>
+      </p:sp>
+      <p:sp>
+        <p:nvSpPr>
+          <p:cNvPr id="13" name="TextBox 12">
+            <a:extLst>
+              <a:ext uri="{FF2B5EF4-FFF2-40B4-BE49-F238E27FC236}">
+                <a16:creationId xmlns:a16="http://schemas.microsoft.com/office/drawing/2014/main" id="{4386C7B7-28C2-C4EB-5C89-C40AC46335A6}"/>
+              </a:ext>
+            </a:extLst>
+          </p:cNvPr>
+          <p:cNvSpPr txBox="1"/>
+          <p:nvPr/>
+        </p:nvSpPr>
+        <p:spPr>
+          <a:xfrm rot="16200000">
+            <a:off x="-2705773" y="2705773"/>
+            <a:ext cx="6334876" cy="923330"/>
+          </a:xfrm>
+          <a:prstGeom prst="rect">
+            <a:avLst/>
+          </a:prstGeom>
+          <a:noFill/>
+        </p:spPr>
+        <p:txBody>
+          <a:bodyPr wrap="none" rtlCol="0">
+            <a:spAutoFit/>
+          </a:bodyPr>
+          <a:lstStyle/>
+          <a:p>
+            <a:pPr marL="0" marR="0" lvl="0" indent="0" algn="l" defTabSz="914400" rtl="0" eaLnBrk="1" fontAlgn="auto" latinLnBrk="0" hangingPunct="1">
+              <a:lnSpc>
+                <a:spcPct val="100000"/>
+              </a:lnSpc>
+              <a:spcBef>
+                <a:spcPts val="0"/>
+              </a:spcBef>
+              <a:spcAft>
+                <a:spcPts val="0"/>
+              </a:spcAft>
+              <a:buClrTx/>
+              <a:buSzTx/>
+              <a:buFontTx/>
+              <a:buNone/>
+              <a:tabLst/>
+              <a:defRPr/>
+            </a:pPr>
+            <a:r>
+              <a:rPr kumimoji="0" lang="en-US" sz="5400" b="1" i="0" u="none" strike="noStrike" kern="100" cap="none" spc="0" normalizeH="0" baseline="0" noProof="0" dirty="0">
+                <a:ln>
+                  <a:noFill/>
+                </a:ln>
+                <a:solidFill>
+                  <a:prstClr val="black"/>
+                </a:solidFill>
+                <a:effectLst/>
+                <a:uLnTx/>
+                <a:uFillTx/>
+                <a:latin typeface="Amasis MT Pro Black" panose="02040A04050005020304" pitchFamily="18" charset="0"/>
+                <a:ea typeface="+mn-ea"/>
+                <a:cs typeface="Times New Roman" panose="02020603050405020304" pitchFamily="18" charset="0"/>
+              </a:rPr>
+              <a:t>The Locker Game</a:t>
+            </a:r>
+            <a:endParaRPr kumimoji="0" lang="en-US" sz="1600" b="1" i="0" u="none" strike="noStrike" kern="1200" cap="none" spc="300" normalizeH="0" baseline="0" noProof="0" dirty="0">
+              <a:ln>
+                <a:noFill/>
+              </a:ln>
+              <a:solidFill>
+                <a:prstClr val="black"/>
+              </a:solidFill>
+              <a:effectLst/>
+              <a:uLnTx/>
+              <a:uFillTx/>
+              <a:latin typeface="Britannic Bold" panose="020B0903060703020204" pitchFamily="34" charset="0"/>
+              <a:ea typeface="+mn-ea"/>
+              <a:cs typeface="+mn-cs"/>
+            </a:endParaRPr>
+          </a:p>
+        </p:txBody>
+      </p:sp>
+      <p:cxnSp>
+        <p:nvCxnSpPr>
+          <p:cNvPr id="16" name="Straight Connector 15">
+            <a:extLst>
+              <a:ext uri="{FF2B5EF4-FFF2-40B4-BE49-F238E27FC236}">
+                <a16:creationId xmlns:a16="http://schemas.microsoft.com/office/drawing/2014/main" id="{52A7212A-AD35-AE07-AFD7-F470EBBB7484}"/>
+              </a:ext>
+            </a:extLst>
+          </p:cNvPr>
+          <p:cNvCxnSpPr/>
+          <p:nvPr/>
+        </p:nvCxnSpPr>
+        <p:spPr>
+          <a:xfrm>
+            <a:off x="936120" y="0"/>
+            <a:ext cx="0" cy="6858000"/>
+          </a:xfrm>
+          <a:prstGeom prst="line">
+            <a:avLst/>
+          </a:prstGeom>
+          <a:ln w="28575">
+            <a:solidFill>
+              <a:schemeClr val="tx1"/>
+            </a:solidFill>
+          </a:ln>
+        </p:spPr>
+        <p:style>
+          <a:lnRef idx="1">
+            <a:schemeClr val="accent1"/>
+          </a:lnRef>
+          <a:fillRef idx="0">
+            <a:schemeClr val="accent1"/>
+          </a:fillRef>
+          <a:effectRef idx="0">
+            <a:schemeClr val="accent1"/>
+          </a:effectRef>
+          <a:fontRef idx="minor">
+            <a:schemeClr val="tx1"/>
+          </a:fontRef>
+        </p:style>
+      </p:cxnSp>
+      <p:sp>
+        <p:nvSpPr>
+          <p:cNvPr id="17" name="Right Brace 16">
+            <a:extLst>
+              <a:ext uri="{FF2B5EF4-FFF2-40B4-BE49-F238E27FC236}">
+                <a16:creationId xmlns:a16="http://schemas.microsoft.com/office/drawing/2014/main" id="{9C861F5B-03BD-3A1B-FC14-A16D5A945339}"/>
+              </a:ext>
+            </a:extLst>
+          </p:cNvPr>
+          <p:cNvSpPr/>
+          <p:nvPr/>
+        </p:nvSpPr>
+        <p:spPr>
+          <a:xfrm>
+            <a:off x="5905576" y="799301"/>
+            <a:ext cx="544881" cy="2410691"/>
+          </a:xfrm>
+          <a:prstGeom prst="rightBrace">
+            <a:avLst>
+              <a:gd name="adj1" fmla="val 55275"/>
+              <a:gd name="adj2" fmla="val 49792"/>
+            </a:avLst>
+          </a:prstGeom>
+          <a:ln w="19050">
+            <a:solidFill>
+              <a:srgbClr val="C00000"/>
+            </a:solidFill>
+          </a:ln>
+        </p:spPr>
+        <p:style>
+          <a:lnRef idx="1">
+            <a:schemeClr val="accent1"/>
+          </a:lnRef>
+          <a:fillRef idx="0">
+            <a:schemeClr val="accent1"/>
+          </a:fillRef>
+          <a:effectRef idx="0">
+            <a:schemeClr val="accent1"/>
+          </a:effectRef>
+          <a:fontRef idx="minor">
+            <a:schemeClr val="tx1"/>
+          </a:fontRef>
+        </p:style>
+        <p:txBody>
+          <a:bodyPr rtlCol="0" anchor="ctr"/>
+          <a:lstStyle/>
+          <a:p>
+            <a:pPr algn="ctr"/>
+            <a:endParaRPr lang="en-US"/>
+          </a:p>
+        </p:txBody>
+      </p:sp>
+      <p:cxnSp>
+        <p:nvCxnSpPr>
+          <p:cNvPr id="19" name="Straight Arrow Connector 18">
+            <a:extLst>
+              <a:ext uri="{FF2B5EF4-FFF2-40B4-BE49-F238E27FC236}">
+                <a16:creationId xmlns:a16="http://schemas.microsoft.com/office/drawing/2014/main" id="{D81BAD81-E2D0-577E-7ECA-E683BD97CF1B}"/>
+              </a:ext>
+            </a:extLst>
+          </p:cNvPr>
+          <p:cNvCxnSpPr/>
+          <p:nvPr/>
+        </p:nvCxnSpPr>
+        <p:spPr>
+          <a:xfrm>
+            <a:off x="5613222" y="4864525"/>
+            <a:ext cx="965556" cy="0"/>
+          </a:xfrm>
+          <a:prstGeom prst="straightConnector1">
+            <a:avLst/>
+          </a:prstGeom>
+          <a:ln w="38100">
+            <a:solidFill>
+              <a:srgbClr val="C00000"/>
+            </a:solidFill>
+            <a:tailEnd type="triangle"/>
+          </a:ln>
+        </p:spPr>
+        <p:style>
+          <a:lnRef idx="1">
+            <a:schemeClr val="accent1"/>
+          </a:lnRef>
+          <a:fillRef idx="0">
+            <a:schemeClr val="accent1"/>
+          </a:fillRef>
+          <a:effectRef idx="0">
+            <a:schemeClr val="accent1"/>
+          </a:effectRef>
+          <a:fontRef idx="minor">
+            <a:schemeClr val="tx1"/>
+          </a:fontRef>
+        </p:style>
+      </p:cxnSp>
+      <p:cxnSp>
+        <p:nvCxnSpPr>
+          <p:cNvPr id="21" name="Straight Arrow Connector 20">
+            <a:extLst>
+              <a:ext uri="{FF2B5EF4-FFF2-40B4-BE49-F238E27FC236}">
+                <a16:creationId xmlns:a16="http://schemas.microsoft.com/office/drawing/2014/main" id="{A58FA474-F5B2-D389-FF88-FABD3B6BF99C}"/>
+              </a:ext>
+            </a:extLst>
+          </p:cNvPr>
+          <p:cNvCxnSpPr>
+            <a:cxnSpLocks/>
+          </p:cNvCxnSpPr>
+          <p:nvPr/>
+        </p:nvCxnSpPr>
+        <p:spPr>
+          <a:xfrm>
+            <a:off x="4623155" y="6054590"/>
+            <a:ext cx="1955623" cy="0"/>
+          </a:xfrm>
+          <a:prstGeom prst="straightConnector1">
+            <a:avLst/>
+          </a:prstGeom>
+          <a:ln w="38100">
+            <a:solidFill>
+              <a:srgbClr val="C00000"/>
+            </a:solidFill>
+            <a:tailEnd type="triangle"/>
+          </a:ln>
+        </p:spPr>
+        <p:style>
+          <a:lnRef idx="1">
+            <a:schemeClr val="accent1"/>
+          </a:lnRef>
+          <a:fillRef idx="0">
+            <a:schemeClr val="accent1"/>
+          </a:fillRef>
+          <a:effectRef idx="0">
+            <a:schemeClr val="accent1"/>
+          </a:effectRef>
+          <a:fontRef idx="minor">
+            <a:schemeClr val="tx1"/>
+          </a:fontRef>
+        </p:style>
+      </p:cxnSp>
+    </p:spTree>
+    <p:extLst>
+      <p:ext uri="{BB962C8B-B14F-4D97-AF65-F5344CB8AC3E}">
+        <p14:creationId xmlns:p14="http://schemas.microsoft.com/office/powerpoint/2010/main" val="2183875534"/>
+      </p:ext>
+    </p:extLst>
+  </p:cSld>
+  <p:clrMapOvr>
+    <a:masterClrMapping/>
+  </p:clrMapOvr>
+  <mc:AlternateContent xmlns:mc="http://schemas.openxmlformats.org/markup-compatibility/2006">
+    <mc:Choice xmlns:p159="http://schemas.microsoft.com/office/powerpoint/2015/09/main" Requires="p159">
+      <p:transition xmlns:p14="http://schemas.microsoft.com/office/powerpoint/2010/main" spd="slow" p14:dur="2000">
+        <p159:morph option="byObject"/>
+      </p:transition>
+    </mc:Choice>
+    <mc:Fallback>
+      <p:transition spd="slow">
+        <p:fade/>
+      </p:transition>
+    </mc:Fallback>
+  </mc:AlternateContent>
+</p:sld>
+</file>
+
+<file path=ppt/slides/slide3.xml><?xml version="1.0" encoding="utf-8"?>
+<p:sld xmlns:a="http://schemas.openxmlformats.org/drawingml/2006/main" xmlns:r="http://schemas.openxmlformats.org/officeDocument/2006/relationships" xmlns:p="http://schemas.openxmlformats.org/presentationml/2006/main">
+  <p:cSld>
+    <p:spTree>
+      <p:nvGrpSpPr>
+        <p:cNvPr id="1" name=""/>
+        <p:cNvGrpSpPr/>
+        <p:nvPr/>
+      </p:nvGrpSpPr>
+      <p:grpSpPr>
+        <a:xfrm>
+          <a:off x="0" y="0"/>
+          <a:ext cx="0" cy="0"/>
+          <a:chOff x="0" y="0"/>
+          <a:chExt cx="0" cy="0"/>
+        </a:xfrm>
+      </p:grpSpPr>
+      <p:pic>
+        <p:nvPicPr>
+          <p:cNvPr id="8" name="Graphic 7">
+            <a:extLst>
+              <a:ext uri="{FF2B5EF4-FFF2-40B4-BE49-F238E27FC236}">
+                <a16:creationId xmlns:a16="http://schemas.microsoft.com/office/drawing/2014/main" id="{C5351441-56CD-1E4C-330C-24470166DA7A}"/>
+              </a:ext>
+            </a:extLst>
+          </p:cNvPr>
+          <p:cNvPicPr>
+            <a:picLocks noChangeAspect="1"/>
+          </p:cNvPicPr>
+          <p:nvPr/>
+        </p:nvPicPr>
+        <p:blipFill>
+          <a:blip r:embed="rId2">
+            <a:extLst>
+              <a:ext uri="{96DAC541-7B7A-43D3-8B79-37D633B846F1}">
+                <asvg:svgBlip xmlns:asvg="http://schemas.microsoft.com/office/drawing/2016/SVG/main" r:embed="rId3"/>
+              </a:ext>
+            </a:extLst>
+          </a:blip>
+          <a:stretch>
+            <a:fillRect/>
+          </a:stretch>
+        </p:blipFill>
+        <p:spPr>
+          <a:xfrm>
+            <a:off x="1127747" y="2390216"/>
+            <a:ext cx="4680505" cy="2440074"/>
+          </a:xfrm>
+          <a:prstGeom prst="rect">
+            <a:avLst/>
+          </a:prstGeom>
+        </p:spPr>
+      </p:pic>
+      <p:sp>
+        <p:nvSpPr>
+          <p:cNvPr id="9" name="TextBox 8">
+            <a:extLst>
+              <a:ext uri="{FF2B5EF4-FFF2-40B4-BE49-F238E27FC236}">
+                <a16:creationId xmlns:a16="http://schemas.microsoft.com/office/drawing/2014/main" id="{ADA67711-87D0-738D-14B9-2C5C2A037402}"/>
+              </a:ext>
+            </a:extLst>
+          </p:cNvPr>
+          <p:cNvSpPr txBox="1"/>
+          <p:nvPr/>
+        </p:nvSpPr>
+        <p:spPr>
+          <a:xfrm>
+            <a:off x="707345" y="505379"/>
+            <a:ext cx="6334876" cy="923330"/>
+          </a:xfrm>
+          <a:prstGeom prst="rect">
+            <a:avLst/>
+          </a:prstGeom>
+          <a:noFill/>
+        </p:spPr>
+        <p:txBody>
+          <a:bodyPr wrap="none" rtlCol="0">
+            <a:spAutoFit/>
+          </a:bodyPr>
+          <a:lstStyle/>
+          <a:p>
+            <a:pPr marL="0" marR="0" lvl="0" indent="0" algn="l" defTabSz="914400" rtl="0" eaLnBrk="1" fontAlgn="auto" latinLnBrk="0" hangingPunct="1">
+              <a:lnSpc>
+                <a:spcPct val="100000"/>
+              </a:lnSpc>
+              <a:spcBef>
+                <a:spcPts val="0"/>
+              </a:spcBef>
+              <a:spcAft>
+                <a:spcPts val="0"/>
+              </a:spcAft>
+              <a:buClrTx/>
+              <a:buSzTx/>
+              <a:buFontTx/>
+              <a:buNone/>
+              <a:tabLst/>
+              <a:defRPr/>
+            </a:pPr>
+            <a:r>
+              <a:rPr kumimoji="0" lang="en-US" sz="5400" b="1" i="0" u="none" strike="noStrike" kern="100" cap="none" spc="0" normalizeH="0" baseline="0" noProof="0" dirty="0">
+                <a:ln>
+                  <a:noFill/>
+                </a:ln>
+                <a:solidFill>
+                  <a:prstClr val="black"/>
+                </a:solidFill>
+                <a:effectLst/>
+                <a:uLnTx/>
+                <a:uFillTx/>
+                <a:latin typeface="Amasis MT Pro Black" panose="02040A04050005020304" pitchFamily="18" charset="0"/>
+                <a:ea typeface="+mn-ea"/>
+                <a:cs typeface="Times New Roman" panose="02020603050405020304" pitchFamily="18" charset="0"/>
+              </a:rPr>
+              <a:t>The Locker Game</a:t>
+            </a:r>
+            <a:endParaRPr kumimoji="0" lang="en-US" sz="1600" b="1" i="0" u="none" strike="noStrike" kern="1200" cap="none" spc="300" normalizeH="0" baseline="0" noProof="0" dirty="0">
+              <a:ln>
+                <a:noFill/>
+              </a:ln>
+              <a:solidFill>
+                <a:prstClr val="black"/>
+              </a:solidFill>
+              <a:effectLst/>
+              <a:uLnTx/>
+              <a:uFillTx/>
+              <a:latin typeface="Britannic Bold" panose="020B0903060703020204" pitchFamily="34" charset="0"/>
+              <a:ea typeface="+mn-ea"/>
+              <a:cs typeface="+mn-cs"/>
+            </a:endParaRPr>
+          </a:p>
+        </p:txBody>
+      </p:sp>
+      <p:sp>
+        <p:nvSpPr>
+          <p:cNvPr id="10" name="TextBox 9">
+            <a:extLst>
+              <a:ext uri="{FF2B5EF4-FFF2-40B4-BE49-F238E27FC236}">
+                <a16:creationId xmlns:a16="http://schemas.microsoft.com/office/drawing/2014/main" id="{B05BA31F-F6BF-C1EB-3B0A-D0A979E344EC}"/>
+              </a:ext>
+            </a:extLst>
+          </p:cNvPr>
+          <p:cNvSpPr txBox="1"/>
+          <p:nvPr/>
+        </p:nvSpPr>
+        <p:spPr>
+          <a:xfrm>
+            <a:off x="920733" y="1336376"/>
+            <a:ext cx="9936968" cy="1156150"/>
+          </a:xfrm>
+          <a:prstGeom prst="rect">
+            <a:avLst/>
+          </a:prstGeom>
+          <a:noFill/>
+        </p:spPr>
+        <p:txBody>
+          <a:bodyPr wrap="square" rtlCol="0">
+            <a:spAutoFit/>
+          </a:bodyPr>
+          <a:lstStyle/>
+          <a:p>
+            <a:pPr marL="0" marR="0" lvl="0" indent="0" algn="l" defTabSz="914400" rtl="0" eaLnBrk="1" fontAlgn="auto" latinLnBrk="0" hangingPunct="1">
+              <a:lnSpc>
+                <a:spcPct val="150000"/>
+              </a:lnSpc>
+              <a:spcBef>
+                <a:spcPts val="0"/>
+              </a:spcBef>
+              <a:spcAft>
+                <a:spcPts val="0"/>
+              </a:spcAft>
+              <a:buClrTx/>
+              <a:buSzTx/>
+              <a:buFontTx/>
+              <a:buNone/>
+              <a:tabLst/>
+              <a:defRPr/>
+            </a:pPr>
+            <a:r>
+              <a:rPr kumimoji="0" lang="en-US" sz="2800" u="sng" strike="noStrike" kern="100" cap="none" spc="0" normalizeH="0" baseline="0" noProof="0" dirty="0">
+                <a:ln>
+                  <a:noFill/>
+                </a:ln>
+                <a:solidFill>
+                  <a:prstClr val="black"/>
+                </a:solidFill>
+                <a:effectLst/>
+                <a:uLnTx/>
+                <a:uFillTx/>
+                <a:latin typeface="Abel" panose="02000506030000020004" pitchFamily="2" charset="0"/>
+                <a:ea typeface="+mn-ea"/>
+                <a:cs typeface="Times New Roman" panose="02020603050405020304" pitchFamily="18" charset="0"/>
+              </a:rPr>
+              <a:t>Controls</a:t>
+            </a:r>
+            <a:endParaRPr kumimoji="0" lang="en-US" sz="2400" b="0" i="0" u="none" strike="noStrike" kern="100" cap="none" spc="0" normalizeH="0" baseline="0" noProof="0" dirty="0">
+              <a:ln>
+                <a:noFill/>
+              </a:ln>
+              <a:solidFill>
+                <a:prstClr val="black"/>
+              </a:solidFill>
+              <a:effectLst/>
+              <a:uLnTx/>
+              <a:uFillTx/>
+              <a:latin typeface="Abel" panose="02000506030000020004" pitchFamily="2" charset="0"/>
+              <a:ea typeface="+mn-ea"/>
+              <a:cs typeface="Times New Roman" panose="02020603050405020304" pitchFamily="18" charset="0"/>
+            </a:endParaRPr>
+          </a:p>
+          <a:p>
+            <a:pPr marL="0" marR="0" lvl="0" indent="0" algn="l" defTabSz="914400" rtl="0" eaLnBrk="1" fontAlgn="auto" latinLnBrk="0" hangingPunct="1">
+              <a:lnSpc>
+                <a:spcPct val="150000"/>
+              </a:lnSpc>
+              <a:spcBef>
+                <a:spcPts val="0"/>
+              </a:spcBef>
+              <a:spcAft>
+                <a:spcPts val="0"/>
+              </a:spcAft>
+              <a:buClrTx/>
+              <a:buSzTx/>
+              <a:buFontTx/>
+              <a:buNone/>
+              <a:tabLst/>
+              <a:defRPr/>
+            </a:pPr>
+            <a:endParaRPr kumimoji="0" lang="en-US" sz="2000" b="0" i="0" u="none" strike="noStrike" kern="100" cap="none" spc="0" normalizeH="0" baseline="0" noProof="0" dirty="0">
+              <a:ln>
+                <a:noFill/>
+              </a:ln>
+              <a:solidFill>
+                <a:prstClr val="black"/>
+              </a:solidFill>
+              <a:effectLst/>
+              <a:uLnTx/>
+              <a:uFillTx/>
+              <a:latin typeface="Abel" panose="02000506030000020004" pitchFamily="2" charset="0"/>
+              <a:ea typeface="+mn-ea"/>
+              <a:cs typeface="Times New Roman" panose="02020603050405020304" pitchFamily="18" charset="0"/>
+            </a:endParaRPr>
+          </a:p>
+        </p:txBody>
+      </p:sp>
+      <p:grpSp>
+        <p:nvGrpSpPr>
+          <p:cNvPr id="11" name="Group 10">
+            <a:extLst>
+              <a:ext uri="{FF2B5EF4-FFF2-40B4-BE49-F238E27FC236}">
+                <a16:creationId xmlns:a16="http://schemas.microsoft.com/office/drawing/2014/main" id="{5BF7631D-5203-8E07-8C77-73EE34592C0D}"/>
+              </a:ext>
+            </a:extLst>
+          </p:cNvPr>
+          <p:cNvGrpSpPr/>
+          <p:nvPr/>
+        </p:nvGrpSpPr>
+        <p:grpSpPr>
+          <a:xfrm>
+            <a:off x="7251257" y="1859249"/>
+            <a:ext cx="3472162" cy="3671187"/>
+            <a:chOff x="7050961" y="2093376"/>
+            <a:chExt cx="2555921" cy="2702427"/>
+          </a:xfrm>
+        </p:grpSpPr>
+        <p:pic>
+          <p:nvPicPr>
+            <p:cNvPr id="12" name="Graphic 11">
+              <a:extLst>
+                <a:ext uri="{FF2B5EF4-FFF2-40B4-BE49-F238E27FC236}">
+                  <a16:creationId xmlns:a16="http://schemas.microsoft.com/office/drawing/2014/main" id="{8EF065BC-0757-1EC1-668D-7B683E8EA403}"/>
+                </a:ext>
+              </a:extLst>
+            </p:cNvPr>
+            <p:cNvPicPr>
+              <a:picLocks noChangeAspect="1"/>
+            </p:cNvPicPr>
+            <p:nvPr/>
+          </p:nvPicPr>
+          <p:blipFill>
+            <a:blip r:embed="rId4">
+              <a:extLst>
+                <a:ext uri="{96DAC541-7B7A-43D3-8B79-37D633B846F1}">
+                  <asvg:svgBlip xmlns:asvg="http://schemas.microsoft.com/office/drawing/2016/SVG/main" r:embed="rId5"/>
+                </a:ext>
+              </a:extLst>
+            </a:blip>
+            <a:srcRect l="66619"/>
+            <a:stretch>
+              <a:fillRect/>
+            </a:stretch>
+          </p:blipFill>
+          <p:spPr>
+            <a:xfrm>
+              <a:off x="7050961" y="2093376"/>
+              <a:ext cx="2555921" cy="2702427"/>
+            </a:xfrm>
+            <a:prstGeom prst="rect">
+              <a:avLst/>
+            </a:prstGeom>
+          </p:spPr>
+        </p:pic>
+        <p:sp>
+          <p:nvSpPr>
+            <p:cNvPr id="13" name="TextBox 12">
+              <a:extLst>
+                <a:ext uri="{FF2B5EF4-FFF2-40B4-BE49-F238E27FC236}">
+                  <a16:creationId xmlns:a16="http://schemas.microsoft.com/office/drawing/2014/main" id="{821B4415-6832-B647-9730-B204E882D0A7}"/>
+                </a:ext>
+              </a:extLst>
+            </p:cNvPr>
+            <p:cNvSpPr txBox="1"/>
+            <p:nvPr/>
+          </p:nvSpPr>
+          <p:spPr>
+            <a:xfrm>
+              <a:off x="7690872" y="3297325"/>
+              <a:ext cx="1488110" cy="294528"/>
+            </a:xfrm>
+            <a:prstGeom prst="rect">
+              <a:avLst/>
+            </a:prstGeom>
+            <a:noFill/>
+          </p:spPr>
+          <p:txBody>
+            <a:bodyPr wrap="square">
+              <a:spAutoFit/>
+            </a:bodyPr>
+            <a:lstStyle/>
+            <a:p>
+              <a:pPr algn="ctr"/>
+              <a:r>
+                <a:rPr lang="en-US" sz="2000" b="1" dirty="0">
+                  <a:latin typeface="Amasis MT Pro Black" panose="02040A04050005020304" pitchFamily="18" charset="0"/>
+                </a:rPr>
+                <a:t>LANDSCAPE</a:t>
+              </a:r>
+              <a:endParaRPr lang="en-US" sz="1600" b="1" dirty="0">
+                <a:latin typeface="Amasis MT Pro Black" panose="02040A04050005020304" pitchFamily="18" charset="0"/>
+              </a:endParaRPr>
+            </a:p>
+          </p:txBody>
+        </p:sp>
+      </p:grpSp>
+      <p:sp>
+        <p:nvSpPr>
+          <p:cNvPr id="14" name="TextBox 13">
+            <a:extLst>
+              <a:ext uri="{FF2B5EF4-FFF2-40B4-BE49-F238E27FC236}">
+                <a16:creationId xmlns:a16="http://schemas.microsoft.com/office/drawing/2014/main" id="{AE04D700-D771-0C60-B688-FB4500F2C9BC}"/>
+              </a:ext>
+            </a:extLst>
+          </p:cNvPr>
+          <p:cNvSpPr txBox="1"/>
+          <p:nvPr/>
+        </p:nvSpPr>
+        <p:spPr>
+          <a:xfrm>
+            <a:off x="2516012" y="5114937"/>
+            <a:ext cx="1903973" cy="830997"/>
+          </a:xfrm>
+          <a:prstGeom prst="rect">
+            <a:avLst/>
+          </a:prstGeom>
+          <a:noFill/>
+        </p:spPr>
+        <p:txBody>
+          <a:bodyPr wrap="square">
+            <a:spAutoFit/>
+          </a:bodyPr>
+          <a:lstStyle/>
+          <a:p>
+            <a:pPr algn="ctr"/>
+            <a:r>
+              <a:rPr lang="en-US" sz="2400" b="1" dirty="0">
+                <a:solidFill>
+                  <a:srgbClr val="C00000"/>
+                </a:solidFill>
+                <a:latin typeface="Amasis MT Pro Black" panose="02040A04050005020304" pitchFamily="18" charset="0"/>
+              </a:rPr>
+              <a:t>Keyboard and Mouse</a:t>
+            </a:r>
+          </a:p>
+        </p:txBody>
+      </p:sp>
+      <p:sp>
+        <p:nvSpPr>
+          <p:cNvPr id="15" name="TextBox 14">
+            <a:extLst>
+              <a:ext uri="{FF2B5EF4-FFF2-40B4-BE49-F238E27FC236}">
+                <a16:creationId xmlns:a16="http://schemas.microsoft.com/office/drawing/2014/main" id="{6CCB1C2B-F58D-A873-7CFE-EF4F3EEC85CC}"/>
+              </a:ext>
+            </a:extLst>
+          </p:cNvPr>
+          <p:cNvSpPr txBox="1"/>
+          <p:nvPr/>
+        </p:nvSpPr>
+        <p:spPr>
+          <a:xfrm>
+            <a:off x="8326428" y="5114937"/>
+            <a:ext cx="1903973" cy="461665"/>
+          </a:xfrm>
+          <a:prstGeom prst="rect">
+            <a:avLst/>
+          </a:prstGeom>
+          <a:noFill/>
+        </p:spPr>
+        <p:txBody>
+          <a:bodyPr wrap="square">
+            <a:spAutoFit/>
+          </a:bodyPr>
+          <a:lstStyle/>
+          <a:p>
+            <a:pPr algn="ctr"/>
+            <a:r>
+              <a:rPr lang="en-US" sz="2400" b="1" dirty="0">
+                <a:solidFill>
+                  <a:srgbClr val="C00000"/>
+                </a:solidFill>
+                <a:latin typeface="Amasis MT Pro Black" panose="02040A04050005020304" pitchFamily="18" charset="0"/>
+              </a:rPr>
+              <a:t>Touch</a:t>
+            </a:r>
+          </a:p>
+        </p:txBody>
+      </p:sp>
+      <p:sp>
+        <p:nvSpPr>
+          <p:cNvPr id="16" name="TextBox 15">
+            <a:extLst>
+              <a:ext uri="{FF2B5EF4-FFF2-40B4-BE49-F238E27FC236}">
+                <a16:creationId xmlns:a16="http://schemas.microsoft.com/office/drawing/2014/main" id="{6155BCC3-F4D9-F50F-8405-E0B89689BAEC}"/>
+              </a:ext>
+            </a:extLst>
+          </p:cNvPr>
+          <p:cNvSpPr txBox="1"/>
+          <p:nvPr/>
+        </p:nvSpPr>
+        <p:spPr>
+          <a:xfrm>
+            <a:off x="5725570" y="3664064"/>
+            <a:ext cx="1903973" cy="461665"/>
+          </a:xfrm>
+          <a:prstGeom prst="rect">
+            <a:avLst/>
+          </a:prstGeom>
+          <a:noFill/>
+        </p:spPr>
+        <p:txBody>
+          <a:bodyPr wrap="square">
+            <a:spAutoFit/>
+          </a:bodyPr>
+          <a:lstStyle/>
+          <a:p>
+            <a:pPr algn="ctr"/>
+            <a:r>
+              <a:rPr lang="en-US" sz="2400" b="1" dirty="0">
+                <a:solidFill>
+                  <a:srgbClr val="C00000"/>
+                </a:solidFill>
+                <a:latin typeface="Amasis MT Pro Black" panose="02040A04050005020304" pitchFamily="18" charset="0"/>
+              </a:rPr>
+              <a:t>OR</a:t>
+            </a:r>
+          </a:p>
+        </p:txBody>
+      </p:sp>
+      <p:pic>
+        <p:nvPicPr>
+          <p:cNvPr id="17" name="Picture 16" descr="A grey rectangular object with a yellow knob&#10;&#10;Description automatically generated">
+            <a:extLst>
+              <a:ext uri="{FF2B5EF4-FFF2-40B4-BE49-F238E27FC236}">
+                <a16:creationId xmlns:a16="http://schemas.microsoft.com/office/drawing/2014/main" id="{4B05E7CD-35DD-0F9A-582A-9A2D1DF3FE1A}"/>
+              </a:ext>
+            </a:extLst>
+          </p:cNvPr>
+          <p:cNvPicPr>
+            <a:picLocks noChangeAspect="1"/>
+          </p:cNvPicPr>
+          <p:nvPr/>
+        </p:nvPicPr>
+        <p:blipFill>
+          <a:blip r:embed="rId6">
+            <a:extLst>
+              <a:ext uri="{28A0092B-C50C-407E-A947-70E740481C1C}">
+                <a14:useLocalDpi xmlns:a14="http://schemas.microsoft.com/office/drawing/2010/main" val="0"/>
+              </a:ext>
+            </a:extLst>
+          </a:blip>
+          <a:stretch>
+            <a:fillRect/>
+          </a:stretch>
+        </p:blipFill>
+        <p:spPr>
+          <a:xfrm>
+            <a:off x="11419912" y="6056979"/>
+            <a:ext cx="493619" cy="666895"/>
+          </a:xfrm>
+          <a:prstGeom prst="rect">
+            <a:avLst/>
+          </a:prstGeom>
+        </p:spPr>
+      </p:pic>
+      <p:sp>
+        <p:nvSpPr>
+          <p:cNvPr id="18" name="Slide Number Placeholder 13">
+            <a:extLst>
+              <a:ext uri="{FF2B5EF4-FFF2-40B4-BE49-F238E27FC236}">
+                <a16:creationId xmlns:a16="http://schemas.microsoft.com/office/drawing/2014/main" id="{B0804AD9-CA39-3819-4382-509439380F28}"/>
+              </a:ext>
+            </a:extLst>
+          </p:cNvPr>
+          <p:cNvSpPr>
+            <a:spLocks noGrp="1"/>
+          </p:cNvSpPr>
+          <p:nvPr>
+            <p:ph type="sldNum" sz="quarter" idx="12"/>
+          </p:nvPr>
+        </p:nvSpPr>
+        <p:spPr>
+          <a:xfrm>
+            <a:off x="8610600" y="6356350"/>
+            <a:ext cx="2743200" cy="365125"/>
+          </a:xfrm>
+        </p:spPr>
+        <p:txBody>
+          <a:bodyPr/>
+          <a:lstStyle/>
+          <a:p>
+            <a:r>
+              <a:rPr lang="en-US" dirty="0"/>
+              <a:t>2</a:t>
+            </a:r>
+          </a:p>
+        </p:txBody>
+      </p:sp>
+    </p:spTree>
+    <p:extLst>
+      <p:ext uri="{BB962C8B-B14F-4D97-AF65-F5344CB8AC3E}">
+        <p14:creationId xmlns:p14="http://schemas.microsoft.com/office/powerpoint/2010/main" val="1460895265"/>
+      </p:ext>
+    </p:extLst>
+  </p:cSld>
+  <p:clrMapOvr>
+    <a:masterClrMapping/>
+  </p:clrMapOvr>
+</p:sld>
+</file>
+
+<file path=ppt/slides/slide4.xml><?xml version="1.0" encoding="utf-8"?>
+<p:sld xmlns:a="http://schemas.openxmlformats.org/drawingml/2006/main" xmlns:r="http://schemas.openxmlformats.org/officeDocument/2006/relationships" xmlns:p="http://schemas.openxmlformats.org/presentationml/2006/main">
+  <p:cSld>
+    <p:spTree>
+      <p:nvGrpSpPr>
+        <p:cNvPr id="1" name=""/>
+        <p:cNvGrpSpPr/>
+        <p:nvPr/>
+      </p:nvGrpSpPr>
+      <p:grpSpPr>
+        <a:xfrm>
+          <a:off x="0" y="0"/>
+          <a:ext cx="0" cy="0"/>
+          <a:chOff x="0" y="0"/>
+          <a:chExt cx="0" cy="0"/>
+        </a:xfrm>
+      </p:grpSpPr>
+      <p:sp>
+        <p:nvSpPr>
+          <p:cNvPr id="2" name="TextBox 1">
+            <a:extLst>
+              <a:ext uri="{FF2B5EF4-FFF2-40B4-BE49-F238E27FC236}">
+                <a16:creationId xmlns:a16="http://schemas.microsoft.com/office/drawing/2014/main" id="{6DD96825-46AA-46B4-8245-A0EAF9B577DC}"/>
+              </a:ext>
+            </a:extLst>
+          </p:cNvPr>
+          <p:cNvSpPr txBox="1"/>
+          <p:nvPr/>
+        </p:nvSpPr>
+        <p:spPr>
+          <a:xfrm>
+            <a:off x="707345" y="505379"/>
+            <a:ext cx="6334876" cy="923330"/>
+          </a:xfrm>
+          <a:prstGeom prst="rect">
+            <a:avLst/>
+          </a:prstGeom>
+          <a:noFill/>
+        </p:spPr>
+        <p:txBody>
+          <a:bodyPr wrap="none" rtlCol="0">
+            <a:spAutoFit/>
+          </a:bodyPr>
+          <a:lstStyle/>
+          <a:p>
+            <a:pPr marL="0" marR="0" lvl="0" indent="0" algn="l" defTabSz="914400" rtl="0" eaLnBrk="1" fontAlgn="auto" latinLnBrk="0" hangingPunct="1">
+              <a:lnSpc>
+                <a:spcPct val="100000"/>
+              </a:lnSpc>
+              <a:spcBef>
+                <a:spcPts val="0"/>
+              </a:spcBef>
+              <a:spcAft>
+                <a:spcPts val="0"/>
+              </a:spcAft>
+              <a:buClrTx/>
+              <a:buSzTx/>
+              <a:buFontTx/>
+              <a:buNone/>
+              <a:tabLst/>
+              <a:defRPr/>
+            </a:pPr>
+            <a:r>
+              <a:rPr kumimoji="0" lang="en-US" sz="5400" b="1" i="0" u="none" strike="noStrike" kern="100" cap="none" spc="0" normalizeH="0" baseline="0" noProof="0" dirty="0">
+                <a:ln>
+                  <a:noFill/>
+                </a:ln>
+                <a:solidFill>
+                  <a:prstClr val="black"/>
+                </a:solidFill>
+                <a:effectLst/>
+                <a:uLnTx/>
+                <a:uFillTx/>
+                <a:latin typeface="Amasis MT Pro Black" panose="02040A04050005020304" pitchFamily="18" charset="0"/>
+                <a:ea typeface="+mn-ea"/>
+                <a:cs typeface="Times New Roman" panose="02020603050405020304" pitchFamily="18" charset="0"/>
+              </a:rPr>
+              <a:t>The Locker Game</a:t>
+            </a:r>
+            <a:endParaRPr kumimoji="0" lang="en-US" sz="1600" b="1" i="0" u="none" strike="noStrike" kern="1200" cap="none" spc="300" normalizeH="0" baseline="0" noProof="0" dirty="0">
+              <a:ln>
+                <a:noFill/>
+              </a:ln>
+              <a:solidFill>
+                <a:prstClr val="black"/>
+              </a:solidFill>
+              <a:effectLst/>
+              <a:uLnTx/>
+              <a:uFillTx/>
+              <a:latin typeface="Britannic Bold" panose="020B0903060703020204" pitchFamily="34" charset="0"/>
+              <a:ea typeface="+mn-ea"/>
+              <a:cs typeface="+mn-cs"/>
+            </a:endParaRPr>
+          </a:p>
+        </p:txBody>
+      </p:sp>
+      <p:sp>
+        <p:nvSpPr>
+          <p:cNvPr id="4" name="TextBox 3">
+            <a:extLst>
+              <a:ext uri="{FF2B5EF4-FFF2-40B4-BE49-F238E27FC236}">
+                <a16:creationId xmlns:a16="http://schemas.microsoft.com/office/drawing/2014/main" id="{DBFC656B-E32C-ED9A-7DB8-F31452B3A29E}"/>
+              </a:ext>
+            </a:extLst>
+          </p:cNvPr>
+          <p:cNvSpPr txBox="1"/>
+          <p:nvPr/>
+        </p:nvSpPr>
+        <p:spPr>
+          <a:xfrm>
+            <a:off x="920733" y="1336376"/>
+            <a:ext cx="9936968" cy="1156150"/>
+          </a:xfrm>
+          <a:prstGeom prst="rect">
+            <a:avLst/>
+          </a:prstGeom>
+          <a:noFill/>
+        </p:spPr>
+        <p:txBody>
+          <a:bodyPr wrap="square" rtlCol="0">
+            <a:spAutoFit/>
+          </a:bodyPr>
+          <a:lstStyle/>
+          <a:p>
+            <a:pPr marL="0" marR="0" lvl="0" indent="0" algn="l" defTabSz="914400" rtl="0" eaLnBrk="1" fontAlgn="auto" latinLnBrk="0" hangingPunct="1">
+              <a:lnSpc>
+                <a:spcPct val="150000"/>
+              </a:lnSpc>
+              <a:spcBef>
+                <a:spcPts val="0"/>
+              </a:spcBef>
+              <a:spcAft>
+                <a:spcPts val="0"/>
+              </a:spcAft>
+              <a:buClrTx/>
+              <a:buSzTx/>
+              <a:buFontTx/>
+              <a:buNone/>
+              <a:tabLst/>
+              <a:defRPr/>
+            </a:pPr>
+            <a:r>
+              <a:rPr kumimoji="0" lang="en-US" sz="2800" u="sng" strike="noStrike" kern="100" cap="none" spc="0" normalizeH="0" baseline="0" noProof="0" dirty="0">
+                <a:ln>
+                  <a:noFill/>
+                </a:ln>
+                <a:solidFill>
+                  <a:prstClr val="black"/>
+                </a:solidFill>
+                <a:effectLst/>
+                <a:uLnTx/>
+                <a:uFillTx/>
+                <a:latin typeface="Abel" panose="02000506030000020004" pitchFamily="2" charset="0"/>
+                <a:ea typeface="+mn-ea"/>
+                <a:cs typeface="Times New Roman" panose="02020603050405020304" pitchFamily="18" charset="0"/>
+              </a:rPr>
+              <a:t>Mobile User (Tablet/Cellphone) plays in landscape orientation </a:t>
+            </a:r>
+            <a:r>
+              <a:rPr kumimoji="0" lang="en-US" sz="2400" b="0" i="0" u="none" strike="noStrike" kern="100" cap="none" spc="0" normalizeH="0" baseline="0" noProof="0" dirty="0">
+                <a:ln>
+                  <a:noFill/>
+                </a:ln>
+                <a:solidFill>
+                  <a:prstClr val="black"/>
+                </a:solidFill>
+                <a:effectLst/>
+                <a:uLnTx/>
+                <a:uFillTx/>
+                <a:latin typeface="Abel" panose="02000506030000020004" pitchFamily="2" charset="0"/>
+                <a:ea typeface="+mn-ea"/>
+                <a:cs typeface="Times New Roman" panose="02020603050405020304" pitchFamily="18" charset="0"/>
+              </a:rPr>
+              <a:t> </a:t>
+            </a:r>
+          </a:p>
+          <a:p>
+            <a:pPr marL="0" marR="0" lvl="0" indent="0" algn="l" defTabSz="914400" rtl="0" eaLnBrk="1" fontAlgn="auto" latinLnBrk="0" hangingPunct="1">
+              <a:lnSpc>
+                <a:spcPct val="150000"/>
+              </a:lnSpc>
+              <a:spcBef>
+                <a:spcPts val="0"/>
+              </a:spcBef>
+              <a:spcAft>
+                <a:spcPts val="0"/>
+              </a:spcAft>
+              <a:buClrTx/>
+              <a:buSzTx/>
+              <a:buFontTx/>
+              <a:buNone/>
+              <a:tabLst/>
+              <a:defRPr/>
+            </a:pPr>
+            <a:endParaRPr kumimoji="0" lang="en-US" sz="2000" b="0" i="0" u="none" strike="noStrike" kern="100" cap="none" spc="0" normalizeH="0" baseline="0" noProof="0" dirty="0">
+              <a:ln>
+                <a:noFill/>
+              </a:ln>
+              <a:solidFill>
+                <a:prstClr val="black"/>
+              </a:solidFill>
+              <a:effectLst/>
+              <a:uLnTx/>
+              <a:uFillTx/>
+              <a:latin typeface="Abel" panose="02000506030000020004" pitchFamily="2" charset="0"/>
+              <a:ea typeface="+mn-ea"/>
+              <a:cs typeface="Times New Roman" panose="02020603050405020304" pitchFamily="18" charset="0"/>
+            </a:endParaRPr>
+          </a:p>
+        </p:txBody>
+      </p:sp>
+      <p:pic>
+        <p:nvPicPr>
+          <p:cNvPr id="9" name="Picture 8" descr="A grey rectangular object with a yellow knob&#10;&#10;Description automatically generated">
+            <a:extLst>
+              <a:ext uri="{FF2B5EF4-FFF2-40B4-BE49-F238E27FC236}">
+                <a16:creationId xmlns:a16="http://schemas.microsoft.com/office/drawing/2014/main" id="{9B32B814-62E0-9111-297B-D5D66A520CCD}"/>
+              </a:ext>
+            </a:extLst>
+          </p:cNvPr>
+          <p:cNvPicPr>
+            <a:picLocks noChangeAspect="1"/>
+          </p:cNvPicPr>
+          <p:nvPr/>
+        </p:nvPicPr>
+        <p:blipFill>
+          <a:blip r:embed="rId3">
+            <a:extLst>
+              <a:ext uri="{28A0092B-C50C-407E-A947-70E740481C1C}">
+                <a14:useLocalDpi xmlns:a14="http://schemas.microsoft.com/office/drawing/2010/main" val="0"/>
+              </a:ext>
+            </a:extLst>
+          </a:blip>
+          <a:stretch>
+            <a:fillRect/>
+          </a:stretch>
+        </p:blipFill>
+        <p:spPr>
+          <a:xfrm>
+            <a:off x="11419912" y="6056979"/>
+            <a:ext cx="493619" cy="666895"/>
+          </a:xfrm>
+          <a:prstGeom prst="rect">
+            <a:avLst/>
+          </a:prstGeom>
+        </p:spPr>
+      </p:pic>
+      <p:sp>
+        <p:nvSpPr>
+          <p:cNvPr id="14" name="Slide Number Placeholder 13">
+            <a:extLst>
+              <a:ext uri="{FF2B5EF4-FFF2-40B4-BE49-F238E27FC236}">
+                <a16:creationId xmlns:a16="http://schemas.microsoft.com/office/drawing/2014/main" id="{9B831C19-CA61-93BA-CA40-5F8F2FDCD749}"/>
+              </a:ext>
+            </a:extLst>
+          </p:cNvPr>
+          <p:cNvSpPr>
+            <a:spLocks noGrp="1"/>
+          </p:cNvSpPr>
+          <p:nvPr>
+            <p:ph type="sldNum" sz="quarter" idx="12"/>
+          </p:nvPr>
+        </p:nvSpPr>
+        <p:spPr/>
+        <p:txBody>
+          <a:bodyPr/>
+          <a:lstStyle/>
+          <a:p>
+            <a:r>
+              <a:rPr lang="en-US" dirty="0"/>
+              <a:t>3</a:t>
+            </a:r>
+          </a:p>
+        </p:txBody>
+      </p:sp>
+      <p:grpSp>
+        <p:nvGrpSpPr>
+          <p:cNvPr id="6" name="Group 5">
+            <a:extLst>
+              <a:ext uri="{FF2B5EF4-FFF2-40B4-BE49-F238E27FC236}">
+                <a16:creationId xmlns:a16="http://schemas.microsoft.com/office/drawing/2014/main" id="{A6B491F8-5A3F-8711-C56B-C228406B8E78}"/>
+              </a:ext>
+            </a:extLst>
+          </p:cNvPr>
+          <p:cNvGrpSpPr/>
+          <p:nvPr/>
+        </p:nvGrpSpPr>
+        <p:grpSpPr>
+          <a:xfrm>
+            <a:off x="1865007" y="2305950"/>
+            <a:ext cx="8461986" cy="2986583"/>
+            <a:chOff x="1950005" y="2093376"/>
+            <a:chExt cx="7656877" cy="2702427"/>
+          </a:xfrm>
+        </p:grpSpPr>
+        <p:pic>
+          <p:nvPicPr>
+            <p:cNvPr id="20" name="Graphic 19">
+              <a:extLst>
+                <a:ext uri="{FF2B5EF4-FFF2-40B4-BE49-F238E27FC236}">
+                  <a16:creationId xmlns:a16="http://schemas.microsoft.com/office/drawing/2014/main" id="{CB8C497B-3E7A-A7BC-43C9-AEE3092602DA}"/>
+                </a:ext>
+              </a:extLst>
+            </p:cNvPr>
+            <p:cNvPicPr>
+              <a:picLocks noChangeAspect="1"/>
+            </p:cNvPicPr>
+            <p:nvPr/>
+          </p:nvPicPr>
+          <p:blipFill>
+            <a:blip r:embed="rId4">
+              <a:extLst>
+                <a:ext uri="{96DAC541-7B7A-43D3-8B79-37D633B846F1}">
+                  <asvg:svgBlip xmlns:asvg="http://schemas.microsoft.com/office/drawing/2016/SVG/main" r:embed="rId5"/>
+                </a:ext>
+              </a:extLst>
+            </a:blip>
+            <a:stretch>
+              <a:fillRect/>
+            </a:stretch>
+          </p:blipFill>
+          <p:spPr>
+            <a:xfrm>
+              <a:off x="1950005" y="2093376"/>
+              <a:ext cx="7656877" cy="2702427"/>
+            </a:xfrm>
+            <a:prstGeom prst="rect">
+              <a:avLst/>
+            </a:prstGeom>
+          </p:spPr>
+        </p:pic>
+        <p:sp>
+          <p:nvSpPr>
+            <p:cNvPr id="5" name="TextBox 4">
+              <a:extLst>
+                <a:ext uri="{FF2B5EF4-FFF2-40B4-BE49-F238E27FC236}">
+                  <a16:creationId xmlns:a16="http://schemas.microsoft.com/office/drawing/2014/main" id="{7A991463-B822-F6E8-0777-FDF98105E768}"/>
+                </a:ext>
+              </a:extLst>
+            </p:cNvPr>
+            <p:cNvSpPr txBox="1"/>
+            <p:nvPr/>
+          </p:nvSpPr>
+          <p:spPr>
+            <a:xfrm>
+              <a:off x="7690872" y="3336581"/>
+              <a:ext cx="1488110" cy="338554"/>
+            </a:xfrm>
+            <a:prstGeom prst="rect">
+              <a:avLst/>
+            </a:prstGeom>
+            <a:noFill/>
+          </p:spPr>
+          <p:txBody>
+            <a:bodyPr wrap="square">
+              <a:spAutoFit/>
+            </a:bodyPr>
+            <a:lstStyle/>
+            <a:p>
+              <a:pPr algn="ctr"/>
+              <a:r>
+                <a:rPr lang="en-US" sz="1600" b="1" dirty="0">
+                  <a:solidFill>
+                    <a:srgbClr val="C00000"/>
+                  </a:solidFill>
+                  <a:latin typeface="Amasis MT Pro Black" panose="02040A04050005020304" pitchFamily="18" charset="0"/>
+                </a:rPr>
+                <a:t>LANDSCAPE</a:t>
+              </a:r>
+            </a:p>
+          </p:txBody>
+        </p:sp>
+      </p:grpSp>
+    </p:spTree>
+    <p:extLst>
+      <p:ext uri="{BB962C8B-B14F-4D97-AF65-F5344CB8AC3E}">
+        <p14:creationId xmlns:p14="http://schemas.microsoft.com/office/powerpoint/2010/main" val="1099420310"/>
+      </p:ext>
+    </p:extLst>
+  </p:cSld>
+  <p:clrMapOvr>
+    <a:masterClrMapping/>
+  </p:clrMapOvr>
+  <mc:AlternateContent xmlns:mc="http://schemas.openxmlformats.org/markup-compatibility/2006" xmlns:p159="http://schemas.microsoft.com/office/powerpoint/2015/09/main">
+    <mc:Choice Requires="p159">
+      <p:transition xmlns:p14="http://schemas.microsoft.com/office/powerpoint/2010/main" spd="slow" p14:dur="2000">
+        <p159:morph option="byObject"/>
+      </p:transition>
+    </mc:Choice>
+    <mc:Fallback xmlns="">
+      <p:transition spd="slow">
+        <p:fade/>
+      </p:transition>
+    </mc:Fallback>
+  </mc:AlternateContent>
+</p:sld>
+</file>
+
+<file path=ppt/slides/slide5.xml><?xml version="1.0" encoding="utf-8"?>
 <p:sld xmlns:a="http://schemas.openxmlformats.org/drawingml/2006/main" xmlns:r="http://schemas.openxmlformats.org/officeDocument/2006/relationships" xmlns:p="http://schemas.openxmlformats.org/presentationml/2006/main">
   <p:cSld>
     <p:spTree>
@@ -6267,7 +10320,7 @@
           <a:p>
             <a:r>
               <a:rPr lang="en-US" dirty="0"/>
-              <a:t>1</a:t>
+              <a:t>4</a:t>
             </a:r>
           </a:p>
         </p:txBody>
@@ -6297,7 +10350,7 @@
 </p:sld>
 </file>
 
-<file path=ppt/slides/slide3.xml><?xml version="1.0" encoding="utf-8"?>
+<file path=ppt/slides/slide6.xml><?xml version="1.0" encoding="utf-8"?>
 <p:sld xmlns:a="http://schemas.openxmlformats.org/drawingml/2006/main" xmlns:r="http://schemas.openxmlformats.org/officeDocument/2006/relationships" xmlns:p="http://schemas.openxmlformats.org/presentationml/2006/main">
   <p:cSld>
     <p:spTree>
@@ -6607,7 +10660,7 @@
           <a:p>
             <a:r>
               <a:rPr lang="en-US" dirty="0"/>
-              <a:t>2</a:t>
+              <a:t>5</a:t>
             </a:r>
           </a:p>
         </p:txBody>
@@ -6637,7 +10690,7 @@
 </p:sld>
 </file>
 
-<file path=ppt/slides/slide4.xml><?xml version="1.0" encoding="utf-8"?>
+<file path=ppt/slides/slide7.xml><?xml version="1.0" encoding="utf-8"?>
 <p:sld xmlns:a="http://schemas.openxmlformats.org/drawingml/2006/main" xmlns:r="http://schemas.openxmlformats.org/officeDocument/2006/relationships" xmlns:p="http://schemas.openxmlformats.org/presentationml/2006/main">
   <p:cSld>
     <p:spTree>
@@ -6980,7 +11033,7 @@
           <a:p>
             <a:r>
               <a:rPr lang="en-US" dirty="0"/>
-              <a:t>3</a:t>
+              <a:t>6</a:t>
             </a:r>
           </a:p>
         </p:txBody>
@@ -6995,13 +11048,13 @@
   <p:clrMapOvr>
     <a:masterClrMapping/>
   </p:clrMapOvr>
-  <mc:AlternateContent xmlns:mc="http://schemas.openxmlformats.org/markup-compatibility/2006">
-    <mc:Choice xmlns:p159="http://schemas.microsoft.com/office/powerpoint/2015/09/main" Requires="p159">
+  <mc:AlternateContent xmlns:mc="http://schemas.openxmlformats.org/markup-compatibility/2006" xmlns:p159="http://schemas.microsoft.com/office/powerpoint/2015/09/main">
+    <mc:Choice Requires="p159">
       <p:transition xmlns:p14="http://schemas.microsoft.com/office/powerpoint/2010/main" spd="slow" p14:dur="2000">
         <p159:morph option="byObject"/>
       </p:transition>
     </mc:Choice>
-    <mc:Fallback>
+    <mc:Fallback xmlns="">
       <p:transition spd="slow">
         <p:fade/>
       </p:transition>
@@ -7010,7 +11063,7 @@
 </p:sld>
 </file>
 
-<file path=ppt/slides/slide5.xml><?xml version="1.0" encoding="utf-8"?>
+<file path=ppt/slides/slide8.xml><?xml version="1.0" encoding="utf-8"?>
 <p:sld xmlns:a="http://schemas.openxmlformats.org/drawingml/2006/main" xmlns:r="http://schemas.openxmlformats.org/officeDocument/2006/relationships" xmlns:p="http://schemas.openxmlformats.org/presentationml/2006/main">
   <p:cSld>
     <p:spTree>
@@ -7787,7 +11840,7 @@
           <a:p>
             <a:r>
               <a:rPr lang="en-US" dirty="0"/>
-              <a:t>4</a:t>
+              <a:t>7</a:t>
             </a:r>
           </a:p>
         </p:txBody>
@@ -7817,7 +11870,7 @@
 </p:sld>
 </file>
 
-<file path=ppt/slides/slide6.xml><?xml version="1.0" encoding="utf-8"?>
+<file path=ppt/slides/slide9.xml><?xml version="1.0" encoding="utf-8"?>
 <p:sld xmlns:a="http://schemas.openxmlformats.org/drawingml/2006/main" xmlns:r="http://schemas.openxmlformats.org/officeDocument/2006/relationships" xmlns:p="http://schemas.openxmlformats.org/presentationml/2006/main">
   <p:cSld>
     <p:spTree>
@@ -8860,7 +12913,7 @@
           <a:p>
             <a:r>
               <a:rPr lang="en-US" dirty="0"/>
-              <a:t>5</a:t>
+              <a:t>8</a:t>
             </a:r>
           </a:p>
         </p:txBody>
@@ -8882,2155 +12935,6 @@
       </p:transition>
     </mc:Choice>
     <mc:Fallback xmlns="">
-      <p:transition spd="slow">
-        <p:fade/>
-      </p:transition>
-    </mc:Fallback>
-  </mc:AlternateContent>
-</p:sld>
-</file>
-
-<file path=ppt/slides/slide7.xml><?xml version="1.0" encoding="utf-8"?>
-<p:sld xmlns:a="http://schemas.openxmlformats.org/drawingml/2006/main" xmlns:r="http://schemas.openxmlformats.org/officeDocument/2006/relationships" xmlns:p="http://schemas.openxmlformats.org/presentationml/2006/main">
-  <p:cSld>
-    <p:spTree>
-      <p:nvGrpSpPr>
-        <p:cNvPr id="1" name="">
-          <a:extLst>
-            <a:ext uri="{FF2B5EF4-FFF2-40B4-BE49-F238E27FC236}">
-              <a16:creationId xmlns:a16="http://schemas.microsoft.com/office/drawing/2014/main" id="{5E902648-4B23-3BCE-7D63-42A55305828F}"/>
-            </a:ext>
-          </a:extLst>
-        </p:cNvPr>
-        <p:cNvGrpSpPr/>
-        <p:nvPr/>
-      </p:nvGrpSpPr>
-      <p:grpSpPr>
-        <a:xfrm>
-          <a:off x="0" y="0"/>
-          <a:ext cx="0" cy="0"/>
-          <a:chOff x="0" y="0"/>
-          <a:chExt cx="0" cy="0"/>
-        </a:xfrm>
-      </p:grpSpPr>
-      <p:sp>
-        <p:nvSpPr>
-          <p:cNvPr id="4" name="TextBox 3">
-            <a:extLst>
-              <a:ext uri="{FF2B5EF4-FFF2-40B4-BE49-F238E27FC236}">
-                <a16:creationId xmlns:a16="http://schemas.microsoft.com/office/drawing/2014/main" id="{9C81D18C-88B3-7753-F47D-937563536606}"/>
-              </a:ext>
-            </a:extLst>
-          </p:cNvPr>
-          <p:cNvSpPr txBox="1"/>
-          <p:nvPr/>
-        </p:nvSpPr>
-        <p:spPr>
-          <a:xfrm>
-            <a:off x="920733" y="1336376"/>
-            <a:ext cx="4208116" cy="4563622"/>
-          </a:xfrm>
-          <a:prstGeom prst="rect">
-            <a:avLst/>
-          </a:prstGeom>
-          <a:noFill/>
-        </p:spPr>
-        <p:txBody>
-          <a:bodyPr wrap="square" rtlCol="0">
-            <a:spAutoFit/>
-          </a:bodyPr>
-          <a:lstStyle/>
-          <a:p>
-            <a:pPr lvl="0">
-              <a:lnSpc>
-                <a:spcPct val="150000"/>
-              </a:lnSpc>
-              <a:defRPr/>
-            </a:pPr>
-            <a:r>
-              <a:rPr lang="en-US" sz="2800" u="sng" kern="100" dirty="0">
-                <a:solidFill>
-                  <a:prstClr val="black"/>
-                </a:solidFill>
-                <a:latin typeface="Abel" panose="02000506030000020004" pitchFamily="2" charset="0"/>
-                <a:cs typeface="Times New Roman" panose="02020603050405020304" pitchFamily="18" charset="0"/>
-              </a:rPr>
-              <a:t>How to play:</a:t>
-            </a:r>
-          </a:p>
-          <a:p>
-            <a:pPr marL="0" marR="0" lvl="0" indent="0" algn="l" defTabSz="914400" rtl="0" eaLnBrk="1" fontAlgn="auto" latinLnBrk="0" hangingPunct="1">
-              <a:lnSpc>
-                <a:spcPct val="150000"/>
-              </a:lnSpc>
-              <a:spcBef>
-                <a:spcPts val="0"/>
-              </a:spcBef>
-              <a:spcAft>
-                <a:spcPts val="0"/>
-              </a:spcAft>
-              <a:buClrTx/>
-              <a:buSzTx/>
-              <a:buFontTx/>
-              <a:buNone/>
-              <a:tabLst/>
-              <a:defRPr/>
-            </a:pPr>
-            <a:r>
-              <a:rPr lang="en-US" sz="2400" kern="100" dirty="0">
-                <a:solidFill>
-                  <a:prstClr val="black"/>
-                </a:solidFill>
-                <a:latin typeface="Abel" panose="02000506030000020004" pitchFamily="2" charset="0"/>
-                <a:cs typeface="Times New Roman" panose="02020603050405020304" pitchFamily="18" charset="0"/>
-              </a:rPr>
-              <a:t>6</a:t>
-            </a:r>
-            <a:r>
-              <a:rPr kumimoji="0" lang="en-US" sz="2400" b="0" i="0" u="none" strike="noStrike" kern="100" cap="none" spc="0" normalizeH="0" baseline="0" noProof="0" dirty="0">
-                <a:ln>
-                  <a:noFill/>
-                </a:ln>
-                <a:solidFill>
-                  <a:prstClr val="black"/>
-                </a:solidFill>
-                <a:effectLst/>
-                <a:uLnTx/>
-                <a:uFillTx/>
-                <a:latin typeface="Abel" panose="02000506030000020004" pitchFamily="2" charset="0"/>
-                <a:ea typeface="+mn-ea"/>
-                <a:cs typeface="Times New Roman" panose="02020603050405020304" pitchFamily="18" charset="0"/>
-              </a:rPr>
-              <a:t>. In-game buttons</a:t>
-            </a:r>
-          </a:p>
-          <a:p>
-            <a:pPr marL="0" marR="0" lvl="0" indent="0" algn="l" defTabSz="914400" rtl="0" eaLnBrk="1" fontAlgn="auto" latinLnBrk="0" hangingPunct="1">
-              <a:lnSpc>
-                <a:spcPct val="150000"/>
-              </a:lnSpc>
-              <a:spcBef>
-                <a:spcPts val="0"/>
-              </a:spcBef>
-              <a:spcAft>
-                <a:spcPts val="0"/>
-              </a:spcAft>
-              <a:buClrTx/>
-              <a:buSzTx/>
-              <a:buFontTx/>
-              <a:buNone/>
-              <a:tabLst/>
-              <a:defRPr/>
-            </a:pPr>
-            <a:endParaRPr kumimoji="0" lang="en-US" sz="2400" b="0" i="0" u="none" strike="noStrike" kern="100" cap="none" spc="0" normalizeH="0" baseline="0" noProof="0" dirty="0">
-              <a:ln>
-                <a:noFill/>
-              </a:ln>
-              <a:solidFill>
-                <a:prstClr val="black"/>
-              </a:solidFill>
-              <a:effectLst/>
-              <a:uLnTx/>
-              <a:uFillTx/>
-              <a:latin typeface="Abel" panose="02000506030000020004" pitchFamily="2" charset="0"/>
-              <a:ea typeface="+mn-ea"/>
-              <a:cs typeface="Times New Roman" panose="02020603050405020304" pitchFamily="18" charset="0"/>
-            </a:endParaRPr>
-          </a:p>
-          <a:p>
-            <a:pPr marL="0" marR="0" lvl="0" indent="0" algn="l" defTabSz="914400" rtl="0" eaLnBrk="1" fontAlgn="auto" latinLnBrk="0" hangingPunct="1">
-              <a:lnSpc>
-                <a:spcPct val="150000"/>
-              </a:lnSpc>
-              <a:spcBef>
-                <a:spcPts val="0"/>
-              </a:spcBef>
-              <a:spcAft>
-                <a:spcPts val="0"/>
-              </a:spcAft>
-              <a:buClrTx/>
-              <a:buSzTx/>
-              <a:buFontTx/>
-              <a:buNone/>
-              <a:tabLst/>
-              <a:defRPr/>
-            </a:pPr>
-            <a:endParaRPr kumimoji="0" lang="en-US" sz="2400" b="0" i="0" u="none" strike="noStrike" kern="100" cap="none" spc="0" normalizeH="0" baseline="0" noProof="0" dirty="0">
-              <a:ln>
-                <a:noFill/>
-              </a:ln>
-              <a:solidFill>
-                <a:prstClr val="black"/>
-              </a:solidFill>
-              <a:effectLst/>
-              <a:uLnTx/>
-              <a:uFillTx/>
-              <a:latin typeface="Abel" panose="02000506030000020004" pitchFamily="2" charset="0"/>
-              <a:ea typeface="+mn-ea"/>
-              <a:cs typeface="Times New Roman" panose="02020603050405020304" pitchFamily="18" charset="0"/>
-            </a:endParaRPr>
-          </a:p>
-          <a:p>
-            <a:pPr marL="0" marR="0" lvl="0" indent="0" algn="l" defTabSz="914400" rtl="0" eaLnBrk="1" fontAlgn="auto" latinLnBrk="0" hangingPunct="1">
-              <a:lnSpc>
-                <a:spcPct val="150000"/>
-              </a:lnSpc>
-              <a:spcBef>
-                <a:spcPts val="0"/>
-              </a:spcBef>
-              <a:spcAft>
-                <a:spcPts val="0"/>
-              </a:spcAft>
-              <a:buClrTx/>
-              <a:buSzTx/>
-              <a:buFontTx/>
-              <a:buNone/>
-              <a:tabLst/>
-              <a:defRPr/>
-            </a:pPr>
-            <a:endParaRPr kumimoji="0" lang="en-US" sz="2400" b="0" i="0" u="none" strike="noStrike" kern="100" cap="none" spc="0" normalizeH="0" baseline="0" noProof="0" dirty="0">
-              <a:ln>
-                <a:noFill/>
-              </a:ln>
-              <a:solidFill>
-                <a:prstClr val="black"/>
-              </a:solidFill>
-              <a:effectLst/>
-              <a:uLnTx/>
-              <a:uFillTx/>
-              <a:latin typeface="Abel" panose="02000506030000020004" pitchFamily="2" charset="0"/>
-              <a:ea typeface="+mn-ea"/>
-              <a:cs typeface="Times New Roman" panose="02020603050405020304" pitchFamily="18" charset="0"/>
-            </a:endParaRPr>
-          </a:p>
-          <a:p>
-            <a:pPr marL="0" marR="0" lvl="0" indent="0" algn="l" defTabSz="914400" rtl="0" eaLnBrk="1" fontAlgn="auto" latinLnBrk="0" hangingPunct="1">
-              <a:lnSpc>
-                <a:spcPct val="150000"/>
-              </a:lnSpc>
-              <a:spcBef>
-                <a:spcPts val="0"/>
-              </a:spcBef>
-              <a:spcAft>
-                <a:spcPts val="0"/>
-              </a:spcAft>
-              <a:buClrTx/>
-              <a:buSzTx/>
-              <a:buFontTx/>
-              <a:buNone/>
-              <a:tabLst/>
-              <a:defRPr/>
-            </a:pPr>
-            <a:endParaRPr kumimoji="0" lang="en-US" sz="2400" b="0" i="0" u="none" strike="noStrike" kern="100" cap="none" spc="0" normalizeH="0" baseline="0" noProof="0" dirty="0">
-              <a:ln>
-                <a:noFill/>
-              </a:ln>
-              <a:solidFill>
-                <a:prstClr val="black"/>
-              </a:solidFill>
-              <a:effectLst/>
-              <a:uLnTx/>
-              <a:uFillTx/>
-              <a:latin typeface="Abel" panose="02000506030000020004" pitchFamily="2" charset="0"/>
-              <a:ea typeface="+mn-ea"/>
-              <a:cs typeface="Times New Roman" panose="02020603050405020304" pitchFamily="18" charset="0"/>
-            </a:endParaRPr>
-          </a:p>
-          <a:p>
-            <a:pPr marL="0" marR="0" lvl="0" indent="0" algn="l" defTabSz="914400" rtl="0" eaLnBrk="1" fontAlgn="auto" latinLnBrk="0" hangingPunct="1">
-              <a:lnSpc>
-                <a:spcPct val="150000"/>
-              </a:lnSpc>
-              <a:spcBef>
-                <a:spcPts val="0"/>
-              </a:spcBef>
-              <a:spcAft>
-                <a:spcPts val="0"/>
-              </a:spcAft>
-              <a:buClrTx/>
-              <a:buSzTx/>
-              <a:buFontTx/>
-              <a:buNone/>
-              <a:tabLst/>
-              <a:defRPr/>
-            </a:pPr>
-            <a:endParaRPr kumimoji="0" lang="en-US" sz="2400" b="0" i="0" u="none" strike="noStrike" kern="100" cap="none" spc="0" normalizeH="0" baseline="0" noProof="0" dirty="0">
-              <a:ln>
-                <a:noFill/>
-              </a:ln>
-              <a:solidFill>
-                <a:prstClr val="black"/>
-              </a:solidFill>
-              <a:effectLst/>
-              <a:uLnTx/>
-              <a:uFillTx/>
-              <a:latin typeface="Abel" panose="02000506030000020004" pitchFamily="2" charset="0"/>
-              <a:ea typeface="+mn-ea"/>
-              <a:cs typeface="Times New Roman" panose="02020603050405020304" pitchFamily="18" charset="0"/>
-            </a:endParaRPr>
-          </a:p>
-          <a:p>
-            <a:pPr marL="0" marR="0" lvl="0" indent="0" algn="l" defTabSz="914400" rtl="0" eaLnBrk="1" fontAlgn="auto" latinLnBrk="0" hangingPunct="1">
-              <a:lnSpc>
-                <a:spcPct val="150000"/>
-              </a:lnSpc>
-              <a:spcBef>
-                <a:spcPts val="0"/>
-              </a:spcBef>
-              <a:spcAft>
-                <a:spcPts val="0"/>
-              </a:spcAft>
-              <a:buClrTx/>
-              <a:buSzTx/>
-              <a:buFontTx/>
-              <a:buNone/>
-              <a:tabLst/>
-              <a:defRPr/>
-            </a:pPr>
-            <a:endParaRPr kumimoji="0" lang="en-US" sz="2400" b="0" i="0" u="none" strike="noStrike" kern="100" cap="none" spc="0" normalizeH="0" baseline="0" noProof="0" dirty="0">
-              <a:ln>
-                <a:noFill/>
-              </a:ln>
-              <a:solidFill>
-                <a:prstClr val="black"/>
-              </a:solidFill>
-              <a:effectLst/>
-              <a:uLnTx/>
-              <a:uFillTx/>
-              <a:latin typeface="Abel" panose="02000506030000020004" pitchFamily="2" charset="0"/>
-              <a:ea typeface="+mn-ea"/>
-              <a:cs typeface="Times New Roman" panose="02020603050405020304" pitchFamily="18" charset="0"/>
-            </a:endParaRPr>
-          </a:p>
-        </p:txBody>
-      </p:sp>
-      <p:pic>
-        <p:nvPicPr>
-          <p:cNvPr id="9" name="Picture 8">
-            <a:extLst>
-              <a:ext uri="{FF2B5EF4-FFF2-40B4-BE49-F238E27FC236}">
-                <a16:creationId xmlns:a16="http://schemas.microsoft.com/office/drawing/2014/main" id="{E0EB6FC2-9B3E-04DC-ABE6-A458929E9044}"/>
-              </a:ext>
-            </a:extLst>
-          </p:cNvPr>
-          <p:cNvPicPr>
-            <a:picLocks noChangeAspect="1"/>
-          </p:cNvPicPr>
-          <p:nvPr/>
-        </p:nvPicPr>
-        <p:blipFill>
-          <a:blip r:embed="rId3"/>
-          <a:srcRect l="81218"/>
-          <a:stretch/>
-        </p:blipFill>
-        <p:spPr>
-          <a:xfrm>
-            <a:off x="4540313" y="2000637"/>
-            <a:ext cx="1555687" cy="4637703"/>
-          </a:xfrm>
-          <a:prstGeom prst="rect">
-            <a:avLst/>
-          </a:prstGeom>
-        </p:spPr>
-      </p:pic>
-      <p:grpSp>
-        <p:nvGrpSpPr>
-          <p:cNvPr id="18" name="Group 17">
-            <a:extLst>
-              <a:ext uri="{FF2B5EF4-FFF2-40B4-BE49-F238E27FC236}">
-                <a16:creationId xmlns:a16="http://schemas.microsoft.com/office/drawing/2014/main" id="{062F66FB-5E63-947D-510C-AD60AD0DF65F}"/>
-              </a:ext>
-            </a:extLst>
-          </p:cNvPr>
-          <p:cNvGrpSpPr/>
-          <p:nvPr/>
-        </p:nvGrpSpPr>
-        <p:grpSpPr>
-          <a:xfrm>
-            <a:off x="795366" y="2279680"/>
-            <a:ext cx="3774668" cy="4239033"/>
-            <a:chOff x="6889551" y="2463331"/>
-            <a:chExt cx="3774668" cy="4239033"/>
-          </a:xfrm>
-        </p:grpSpPr>
-        <p:sp>
-          <p:nvSpPr>
-            <p:cNvPr id="16" name="TextBox 15">
-              <a:extLst>
-                <a:ext uri="{FF2B5EF4-FFF2-40B4-BE49-F238E27FC236}">
-                  <a16:creationId xmlns:a16="http://schemas.microsoft.com/office/drawing/2014/main" id="{95F3E720-EA0F-CC39-07D0-CCA78A21CBF8}"/>
-                </a:ext>
-              </a:extLst>
-            </p:cNvPr>
-            <p:cNvSpPr txBox="1"/>
-            <p:nvPr/>
-          </p:nvSpPr>
-          <p:spPr>
-            <a:xfrm>
-              <a:off x="7296553" y="2463331"/>
-              <a:ext cx="3367666" cy="369332"/>
-            </a:xfrm>
-            <a:prstGeom prst="rect">
-              <a:avLst/>
-            </a:prstGeom>
-            <a:noFill/>
-          </p:spPr>
-          <p:txBody>
-            <a:bodyPr wrap="square" rtlCol="0">
-              <a:spAutoFit/>
-            </a:bodyPr>
-            <a:lstStyle>
-              <a:defPPr>
-                <a:defRPr lang="en-US"/>
-              </a:defPPr>
-              <a:lvl1pPr algn="ctr">
-                <a:defRPr sz="2400" b="1" kern="100">
-                  <a:solidFill>
-                    <a:srgbClr val="C00000"/>
-                  </a:solidFill>
-                  <a:latin typeface="Amasis MT Pro Black" panose="02040A04050005020304" pitchFamily="18" charset="0"/>
-                  <a:cs typeface="Times New Roman" panose="02020603050405020304" pitchFamily="18" charset="0"/>
-                </a:defRPr>
-              </a:lvl1pPr>
-            </a:lstStyle>
-            <a:p>
-              <a:pPr marL="0" marR="0" lvl="0" indent="0" algn="r" defTabSz="914400" rtl="0" eaLnBrk="1" fontAlgn="auto" latinLnBrk="0" hangingPunct="1">
-                <a:lnSpc>
-                  <a:spcPct val="100000"/>
-                </a:lnSpc>
-                <a:spcBef>
-                  <a:spcPts val="0"/>
-                </a:spcBef>
-                <a:spcAft>
-                  <a:spcPts val="0"/>
-                </a:spcAft>
-                <a:buClrTx/>
-                <a:buSzTx/>
-                <a:buFontTx/>
-                <a:buNone/>
-                <a:tabLst/>
-                <a:defRPr/>
-              </a:pPr>
-              <a:r>
-                <a:rPr kumimoji="0" lang="en-US" sz="1800" b="1" i="0" u="none" strike="noStrike" kern="100" cap="none" spc="0" normalizeH="0" baseline="0" noProof="0" dirty="0">
-                  <a:ln>
-                    <a:noFill/>
-                  </a:ln>
-                  <a:solidFill>
-                    <a:srgbClr val="C00000"/>
-                  </a:solidFill>
-                  <a:effectLst/>
-                  <a:uLnTx/>
-                  <a:uFillTx/>
-                  <a:latin typeface="Amasis MT Pro Black" panose="02040A04050005020304" pitchFamily="18" charset="0"/>
-                  <a:ea typeface="+mn-ea"/>
-                  <a:cs typeface="Times New Roman" panose="02020603050405020304" pitchFamily="18" charset="0"/>
-                </a:rPr>
-                <a:t>Open </a:t>
-              </a:r>
-            </a:p>
-          </p:txBody>
-        </p:sp>
-        <p:sp>
-          <p:nvSpPr>
-            <p:cNvPr id="15" name="TextBox 14">
-              <a:extLst>
-                <a:ext uri="{FF2B5EF4-FFF2-40B4-BE49-F238E27FC236}">
-                  <a16:creationId xmlns:a16="http://schemas.microsoft.com/office/drawing/2014/main" id="{E2AF2901-4546-6694-A204-E96D5A922862}"/>
-                </a:ext>
-              </a:extLst>
-            </p:cNvPr>
-            <p:cNvSpPr txBox="1"/>
-            <p:nvPr/>
-          </p:nvSpPr>
-          <p:spPr>
-            <a:xfrm>
-              <a:off x="8133453" y="3002741"/>
-              <a:ext cx="2530766" cy="369332"/>
-            </a:xfrm>
-            <a:prstGeom prst="rect">
-              <a:avLst/>
-            </a:prstGeom>
-            <a:noFill/>
-          </p:spPr>
-          <p:txBody>
-            <a:bodyPr wrap="square" rtlCol="0">
-              <a:spAutoFit/>
-            </a:bodyPr>
-            <a:lstStyle>
-              <a:defPPr>
-                <a:defRPr lang="en-US"/>
-              </a:defPPr>
-              <a:lvl1pPr algn="ctr">
-                <a:defRPr sz="2400" b="1" kern="100">
-                  <a:solidFill>
-                    <a:srgbClr val="C00000"/>
-                  </a:solidFill>
-                  <a:latin typeface="Amasis MT Pro Black" panose="02040A04050005020304" pitchFamily="18" charset="0"/>
-                  <a:cs typeface="Times New Roman" panose="02020603050405020304" pitchFamily="18" charset="0"/>
-                </a:defRPr>
-              </a:lvl1pPr>
-            </a:lstStyle>
-            <a:p>
-              <a:pPr marL="0" marR="0" lvl="0" indent="0" algn="r" defTabSz="914400" rtl="0" eaLnBrk="1" fontAlgn="auto" latinLnBrk="0" hangingPunct="1">
-                <a:lnSpc>
-                  <a:spcPct val="100000"/>
-                </a:lnSpc>
-                <a:spcBef>
-                  <a:spcPts val="0"/>
-                </a:spcBef>
-                <a:spcAft>
-                  <a:spcPts val="0"/>
-                </a:spcAft>
-                <a:buClrTx/>
-                <a:buSzTx/>
-                <a:buFontTx/>
-                <a:buNone/>
-                <a:tabLst/>
-                <a:defRPr/>
-              </a:pPr>
-              <a:r>
-                <a:rPr kumimoji="0" lang="en-US" sz="1800" b="1" i="0" u="none" strike="noStrike" kern="100" cap="none" spc="0" normalizeH="0" baseline="0" noProof="0" dirty="0">
-                  <a:ln>
-                    <a:noFill/>
-                  </a:ln>
-                  <a:solidFill>
-                    <a:srgbClr val="C00000"/>
-                  </a:solidFill>
-                  <a:effectLst/>
-                  <a:uLnTx/>
-                  <a:uFillTx/>
-                  <a:latin typeface="Amasis MT Pro Black" panose="02040A04050005020304" pitchFamily="18" charset="0"/>
-                  <a:ea typeface="+mn-ea"/>
-                  <a:cs typeface="Times New Roman" panose="02020603050405020304" pitchFamily="18" charset="0"/>
-                </a:rPr>
-                <a:t>Close</a:t>
-              </a:r>
-            </a:p>
-          </p:txBody>
-        </p:sp>
-        <p:sp>
-          <p:nvSpPr>
-            <p:cNvPr id="17" name="TextBox 16">
-              <a:extLst>
-                <a:ext uri="{FF2B5EF4-FFF2-40B4-BE49-F238E27FC236}">
-                  <a16:creationId xmlns:a16="http://schemas.microsoft.com/office/drawing/2014/main" id="{0EE0FA09-3516-0363-0CD1-7C3B92BCC5D7}"/>
-                </a:ext>
-              </a:extLst>
-            </p:cNvPr>
-            <p:cNvSpPr txBox="1"/>
-            <p:nvPr/>
-          </p:nvSpPr>
-          <p:spPr>
-            <a:xfrm>
-              <a:off x="6889551" y="6056033"/>
-              <a:ext cx="3744947" cy="646331"/>
-            </a:xfrm>
-            <a:prstGeom prst="rect">
-              <a:avLst/>
-            </a:prstGeom>
-            <a:noFill/>
-          </p:spPr>
-          <p:txBody>
-            <a:bodyPr wrap="square" rtlCol="0">
-              <a:spAutoFit/>
-            </a:bodyPr>
-            <a:lstStyle>
-              <a:defPPr>
-                <a:defRPr lang="en-US"/>
-              </a:defPPr>
-              <a:lvl1pPr algn="ctr">
-                <a:defRPr sz="2400" b="1" kern="100">
-                  <a:solidFill>
-                    <a:srgbClr val="C00000"/>
-                  </a:solidFill>
-                  <a:latin typeface="Amasis MT Pro Black" panose="02040A04050005020304" pitchFamily="18" charset="0"/>
-                  <a:cs typeface="Times New Roman" panose="02020603050405020304" pitchFamily="18" charset="0"/>
-                </a:defRPr>
-              </a:lvl1pPr>
-            </a:lstStyle>
-            <a:p>
-              <a:pPr marL="0" marR="0" lvl="0" indent="0" algn="r" defTabSz="914400" rtl="0" eaLnBrk="1" fontAlgn="auto" latinLnBrk="0" hangingPunct="1">
-                <a:lnSpc>
-                  <a:spcPct val="100000"/>
-                </a:lnSpc>
-                <a:spcBef>
-                  <a:spcPts val="0"/>
-                </a:spcBef>
-                <a:spcAft>
-                  <a:spcPts val="0"/>
-                </a:spcAft>
-                <a:buClrTx/>
-                <a:buSzTx/>
-                <a:buFontTx/>
-                <a:buNone/>
-                <a:tabLst/>
-                <a:defRPr/>
-              </a:pPr>
-              <a:r>
-                <a:rPr kumimoji="0" lang="en-US" sz="1800" b="1" i="0" u="none" strike="noStrike" kern="100" cap="none" spc="0" normalizeH="0" baseline="0" noProof="0" dirty="0">
-                  <a:ln>
-                    <a:noFill/>
-                  </a:ln>
-                  <a:solidFill>
-                    <a:srgbClr val="C00000"/>
-                  </a:solidFill>
-                  <a:effectLst/>
-                  <a:uLnTx/>
-                  <a:uFillTx/>
-                  <a:latin typeface="Amasis MT Pro Black" panose="02040A04050005020304" pitchFamily="18" charset="0"/>
-                  <a:ea typeface="+mn-ea"/>
-                  <a:cs typeface="Times New Roman" panose="02020603050405020304" pitchFamily="18" charset="0"/>
-                </a:rPr>
-                <a:t>Submit your answer </a:t>
-              </a:r>
-              <a:br>
-                <a:rPr kumimoji="0" lang="en-US" sz="1800" b="1" i="0" u="none" strike="noStrike" kern="100" cap="none" spc="0" normalizeH="0" baseline="0" noProof="0" dirty="0">
-                  <a:ln>
-                    <a:noFill/>
-                  </a:ln>
-                  <a:solidFill>
-                    <a:srgbClr val="C00000"/>
-                  </a:solidFill>
-                  <a:effectLst/>
-                  <a:uLnTx/>
-                  <a:uFillTx/>
-                  <a:latin typeface="Amasis MT Pro Black" panose="02040A04050005020304" pitchFamily="18" charset="0"/>
-                  <a:ea typeface="+mn-ea"/>
-                  <a:cs typeface="Times New Roman" panose="02020603050405020304" pitchFamily="18" charset="0"/>
-                </a:rPr>
-              </a:br>
-              <a:r>
-                <a:rPr kumimoji="0" lang="en-US" sz="1800" b="1" i="0" u="none" strike="noStrike" kern="100" cap="none" spc="0" normalizeH="0" baseline="0" noProof="0" dirty="0">
-                  <a:ln>
-                    <a:noFill/>
-                  </a:ln>
-                  <a:solidFill>
-                    <a:srgbClr val="C00000"/>
-                  </a:solidFill>
-                  <a:effectLst/>
-                  <a:uLnTx/>
-                  <a:uFillTx/>
-                  <a:latin typeface="Amasis MT Pro Black" panose="02040A04050005020304" pitchFamily="18" charset="0"/>
-                  <a:ea typeface="+mn-ea"/>
-                  <a:cs typeface="Times New Roman" panose="02020603050405020304" pitchFamily="18" charset="0"/>
-                </a:rPr>
-                <a:t>(click or press </a:t>
-              </a:r>
-              <a:r>
-                <a:rPr lang="en-US" sz="1800" dirty="0"/>
-                <a:t>“E</a:t>
-              </a:r>
-              <a:r>
-                <a:rPr kumimoji="0" lang="en-US" sz="1800" b="1" i="0" u="none" strike="noStrike" kern="100" cap="none" spc="0" normalizeH="0" baseline="0" noProof="0" dirty="0" err="1">
-                  <a:ln>
-                    <a:noFill/>
-                  </a:ln>
-                  <a:solidFill>
-                    <a:srgbClr val="C00000"/>
-                  </a:solidFill>
-                  <a:effectLst/>
-                  <a:uLnTx/>
-                  <a:uFillTx/>
-                  <a:latin typeface="Amasis MT Pro Black" panose="02040A04050005020304" pitchFamily="18" charset="0"/>
-                  <a:ea typeface="+mn-ea"/>
-                  <a:cs typeface="Times New Roman" panose="02020603050405020304" pitchFamily="18" charset="0"/>
-                </a:rPr>
-                <a:t>nter</a:t>
-              </a:r>
-              <a:r>
-                <a:rPr kumimoji="0" lang="en-US" sz="1800" b="1" i="0" u="none" strike="noStrike" kern="100" cap="none" spc="0" normalizeH="0" baseline="0" noProof="0" dirty="0">
-                  <a:ln>
-                    <a:noFill/>
-                  </a:ln>
-                  <a:solidFill>
-                    <a:srgbClr val="C00000"/>
-                  </a:solidFill>
-                  <a:effectLst/>
-                  <a:uLnTx/>
-                  <a:uFillTx/>
-                  <a:latin typeface="Amasis MT Pro Black" panose="02040A04050005020304" pitchFamily="18" charset="0"/>
-                  <a:ea typeface="+mn-ea"/>
-                  <a:cs typeface="Times New Roman" panose="02020603050405020304" pitchFamily="18" charset="0"/>
-                </a:rPr>
-                <a:t>”)</a:t>
-              </a:r>
-            </a:p>
-          </p:txBody>
-        </p:sp>
-        <p:sp>
-          <p:nvSpPr>
-            <p:cNvPr id="10" name="TextBox 9">
-              <a:extLst>
-                <a:ext uri="{FF2B5EF4-FFF2-40B4-BE49-F238E27FC236}">
-                  <a16:creationId xmlns:a16="http://schemas.microsoft.com/office/drawing/2014/main" id="{B2AD4124-AB31-EADE-4601-A53AD88F0D85}"/>
-                </a:ext>
-              </a:extLst>
-            </p:cNvPr>
-            <p:cNvSpPr txBox="1"/>
-            <p:nvPr/>
-          </p:nvSpPr>
-          <p:spPr>
-            <a:xfrm>
-              <a:off x="8103732" y="4874195"/>
-              <a:ext cx="2530766" cy="646331"/>
-            </a:xfrm>
-            <a:prstGeom prst="rect">
-              <a:avLst/>
-            </a:prstGeom>
-            <a:noFill/>
-          </p:spPr>
-          <p:txBody>
-            <a:bodyPr wrap="square" rtlCol="0">
-              <a:spAutoFit/>
-            </a:bodyPr>
-            <a:lstStyle>
-              <a:defPPr>
-                <a:defRPr lang="en-US"/>
-              </a:defPPr>
-              <a:lvl1pPr algn="ctr">
-                <a:defRPr sz="2400" b="1" kern="100">
-                  <a:solidFill>
-                    <a:srgbClr val="C00000"/>
-                  </a:solidFill>
-                  <a:latin typeface="Amasis MT Pro Black" panose="02040A04050005020304" pitchFamily="18" charset="0"/>
-                  <a:cs typeface="Times New Roman" panose="02020603050405020304" pitchFamily="18" charset="0"/>
-                </a:defRPr>
-              </a:lvl1pPr>
-            </a:lstStyle>
-            <a:p>
-              <a:pPr marL="0" marR="0" lvl="0" indent="0" algn="r" defTabSz="914400" rtl="0" eaLnBrk="1" fontAlgn="auto" latinLnBrk="0" hangingPunct="1">
-                <a:lnSpc>
-                  <a:spcPct val="100000"/>
-                </a:lnSpc>
-                <a:spcBef>
-                  <a:spcPts val="0"/>
-                </a:spcBef>
-                <a:spcAft>
-                  <a:spcPts val="0"/>
-                </a:spcAft>
-                <a:buClrTx/>
-                <a:buSzTx/>
-                <a:buFontTx/>
-                <a:buNone/>
-                <a:tabLst/>
-                <a:defRPr/>
-              </a:pPr>
-              <a:r>
-                <a:rPr lang="en-US" sz="1800" dirty="0"/>
-                <a:t>‘-’ remove locker</a:t>
-              </a:r>
-            </a:p>
-            <a:p>
-              <a:pPr marL="0" marR="0" lvl="0" indent="0" algn="r" defTabSz="914400" rtl="0" eaLnBrk="1" fontAlgn="auto" latinLnBrk="0" hangingPunct="1">
-                <a:lnSpc>
-                  <a:spcPct val="100000"/>
-                </a:lnSpc>
-                <a:spcBef>
-                  <a:spcPts val="0"/>
-                </a:spcBef>
-                <a:spcAft>
-                  <a:spcPts val="0"/>
-                </a:spcAft>
-                <a:buClrTx/>
-                <a:buSzTx/>
-                <a:buFontTx/>
-                <a:buNone/>
-                <a:tabLst/>
-                <a:defRPr/>
-              </a:pPr>
-              <a:r>
-                <a:rPr kumimoji="0" lang="en-US" sz="1800" b="1" i="0" u="none" strike="noStrike" kern="100" cap="none" spc="0" normalizeH="0" baseline="0" noProof="0" dirty="0">
-                  <a:ln>
-                    <a:noFill/>
-                  </a:ln>
-                  <a:solidFill>
-                    <a:srgbClr val="C00000"/>
-                  </a:solidFill>
-                  <a:effectLst/>
-                  <a:uLnTx/>
-                  <a:uFillTx/>
-                  <a:latin typeface="Amasis MT Pro Black" panose="02040A04050005020304" pitchFamily="18" charset="0"/>
-                  <a:ea typeface="+mn-ea"/>
-                  <a:cs typeface="Times New Roman" panose="02020603050405020304" pitchFamily="18" charset="0"/>
-                </a:rPr>
-                <a:t>‘+’ add locker</a:t>
-              </a:r>
-            </a:p>
-          </p:txBody>
-        </p:sp>
-      </p:grpSp>
-      <p:grpSp>
-        <p:nvGrpSpPr>
-          <p:cNvPr id="5" name="Group 4">
-            <a:extLst>
-              <a:ext uri="{FF2B5EF4-FFF2-40B4-BE49-F238E27FC236}">
-                <a16:creationId xmlns:a16="http://schemas.microsoft.com/office/drawing/2014/main" id="{D3B42A1E-A8BC-5344-ECB4-0FAAE115BFBF}"/>
-              </a:ext>
-            </a:extLst>
-          </p:cNvPr>
-          <p:cNvGrpSpPr/>
-          <p:nvPr/>
-        </p:nvGrpSpPr>
-        <p:grpSpPr>
-          <a:xfrm>
-            <a:off x="6506469" y="2819090"/>
-            <a:ext cx="5250512" cy="1871454"/>
-            <a:chOff x="6512863" y="1740881"/>
-            <a:chExt cx="5250512" cy="1871454"/>
-          </a:xfrm>
-        </p:grpSpPr>
-        <p:sp>
-          <p:nvSpPr>
-            <p:cNvPr id="7" name="TextBox 6">
-              <a:extLst>
-                <a:ext uri="{FF2B5EF4-FFF2-40B4-BE49-F238E27FC236}">
-                  <a16:creationId xmlns:a16="http://schemas.microsoft.com/office/drawing/2014/main" id="{3434C2CB-5E0F-AD7F-816D-DA42095D2097}"/>
-                </a:ext>
-              </a:extLst>
-            </p:cNvPr>
-            <p:cNvSpPr txBox="1"/>
-            <p:nvPr/>
-          </p:nvSpPr>
-          <p:spPr>
-            <a:xfrm>
-              <a:off x="6512864" y="1740881"/>
-              <a:ext cx="5250511" cy="825932"/>
-            </a:xfrm>
-            <a:prstGeom prst="rect">
-              <a:avLst/>
-            </a:prstGeom>
-            <a:noFill/>
-          </p:spPr>
-          <p:txBody>
-            <a:bodyPr wrap="square">
-              <a:spAutoFit/>
-            </a:bodyPr>
-            <a:lstStyle/>
-            <a:p>
-              <a:pPr marL="0" marR="0" lvl="0" indent="0" algn="l" defTabSz="914400" rtl="0" eaLnBrk="1" fontAlgn="auto" latinLnBrk="0" hangingPunct="1">
-                <a:lnSpc>
-                  <a:spcPct val="150000"/>
-                </a:lnSpc>
-                <a:spcBef>
-                  <a:spcPts val="0"/>
-                </a:spcBef>
-                <a:spcAft>
-                  <a:spcPts val="0"/>
-                </a:spcAft>
-                <a:buClrTx/>
-                <a:buSzTx/>
-                <a:buFontTx/>
-                <a:buNone/>
-                <a:tabLst/>
-                <a:defRPr/>
-              </a:pPr>
-              <a:r>
-                <a:rPr kumimoji="0" lang="en-US" sz="2400" b="0" i="0" u="none" strike="noStrike" kern="100" cap="none" spc="0" normalizeH="0" baseline="0" noProof="0" dirty="0">
-                  <a:ln>
-                    <a:noFill/>
-                  </a:ln>
-                  <a:solidFill>
-                    <a:prstClr val="black"/>
-                  </a:solidFill>
-                  <a:effectLst/>
-                  <a:uLnTx/>
-                  <a:uFillTx/>
-                  <a:latin typeface="Abel" panose="02000506030000020004" pitchFamily="2" charset="0"/>
-                  <a:ea typeface="+mn-ea"/>
-                  <a:cs typeface="Times New Roman" panose="02020603050405020304" pitchFamily="18" charset="0"/>
-                </a:rPr>
-                <a:t>Press “M” to go back to the  </a:t>
-              </a:r>
-              <a:r>
-                <a:rPr kumimoji="0" lang="en-US" sz="3600" b="1" i="0" u="none" strike="noStrike" kern="100" cap="none" spc="0" normalizeH="0" baseline="0" noProof="0" dirty="0">
-                  <a:ln>
-                    <a:noFill/>
-                  </a:ln>
-                  <a:solidFill>
-                    <a:srgbClr val="C00000"/>
-                  </a:solidFill>
-                  <a:effectLst/>
-                  <a:uLnTx/>
-                  <a:uFillTx/>
-                  <a:latin typeface="Amasis MT Pro Black" panose="02040A04050005020304" pitchFamily="18" charset="0"/>
-                  <a:ea typeface="+mn-ea"/>
-                  <a:cs typeface="Times New Roman" panose="02020603050405020304" pitchFamily="18" charset="0"/>
-                </a:rPr>
-                <a:t>menu</a:t>
-              </a:r>
-              <a:r>
-                <a:rPr kumimoji="0" lang="en-US" sz="2400" b="0" i="0" u="none" strike="noStrike" kern="100" cap="none" spc="0" normalizeH="0" baseline="0" noProof="0" dirty="0">
-                  <a:ln>
-                    <a:noFill/>
-                  </a:ln>
-                  <a:solidFill>
-                    <a:prstClr val="black"/>
-                  </a:solidFill>
-                  <a:effectLst/>
-                  <a:uLnTx/>
-                  <a:uFillTx/>
-                  <a:latin typeface="Abel" panose="02000506030000020004" pitchFamily="2" charset="0"/>
-                  <a:ea typeface="+mn-ea"/>
-                  <a:cs typeface="Times New Roman" panose="02020603050405020304" pitchFamily="18" charset="0"/>
-                </a:rPr>
-                <a:t>.</a:t>
-              </a:r>
-              <a:endParaRPr kumimoji="0" lang="en-US" sz="2000" b="0" i="0" u="none" strike="noStrike" kern="100" cap="none" spc="0" normalizeH="0" baseline="0" noProof="0" dirty="0">
-                <a:ln>
-                  <a:noFill/>
-                </a:ln>
-                <a:solidFill>
-                  <a:prstClr val="black"/>
-                </a:solidFill>
-                <a:effectLst/>
-                <a:uLnTx/>
-                <a:uFillTx/>
-                <a:latin typeface="Abel" panose="02000506030000020004" pitchFamily="2" charset="0"/>
-                <a:ea typeface="+mn-ea"/>
-                <a:cs typeface="Times New Roman" panose="02020603050405020304" pitchFamily="18" charset="0"/>
-              </a:endParaRPr>
-            </a:p>
-          </p:txBody>
-        </p:sp>
-        <p:grpSp>
-          <p:nvGrpSpPr>
-            <p:cNvPr id="8" name="Group 7">
-              <a:extLst>
-                <a:ext uri="{FF2B5EF4-FFF2-40B4-BE49-F238E27FC236}">
-                  <a16:creationId xmlns:a16="http://schemas.microsoft.com/office/drawing/2014/main" id="{4FBA9E9C-96AF-D5B7-1584-649DAC75BCFE}"/>
-                </a:ext>
-              </a:extLst>
-            </p:cNvPr>
-            <p:cNvGrpSpPr/>
-            <p:nvPr/>
-          </p:nvGrpSpPr>
-          <p:grpSpPr>
-            <a:xfrm>
-              <a:off x="6512863" y="2973303"/>
-              <a:ext cx="4726819" cy="639032"/>
-              <a:chOff x="6612887" y="2821887"/>
-              <a:chExt cx="5250511" cy="639032"/>
-            </a:xfrm>
-          </p:grpSpPr>
-          <p:sp>
-            <p:nvSpPr>
-              <p:cNvPr id="12" name="TextBox 11">
-                <a:extLst>
-                  <a:ext uri="{FF2B5EF4-FFF2-40B4-BE49-F238E27FC236}">
-                    <a16:creationId xmlns:a16="http://schemas.microsoft.com/office/drawing/2014/main" id="{8AB159A2-5844-8370-C49F-03141881511E}"/>
-                  </a:ext>
-                </a:extLst>
-              </p:cNvPr>
-              <p:cNvSpPr txBox="1"/>
-              <p:nvPr/>
-            </p:nvSpPr>
-            <p:spPr>
-              <a:xfrm>
-                <a:off x="6612887" y="2821887"/>
-                <a:ext cx="5250511" cy="593304"/>
-              </a:xfrm>
-              <a:prstGeom prst="rect">
-                <a:avLst/>
-              </a:prstGeom>
-              <a:noFill/>
-            </p:spPr>
-            <p:txBody>
-              <a:bodyPr wrap="square">
-                <a:spAutoFit/>
-              </a:bodyPr>
-              <a:lstStyle/>
-              <a:p>
-                <a:pPr marL="0" marR="0" lvl="0" indent="0" algn="l" defTabSz="914400" rtl="0" eaLnBrk="1" fontAlgn="auto" latinLnBrk="0" hangingPunct="1">
-                  <a:lnSpc>
-                    <a:spcPct val="150000"/>
-                  </a:lnSpc>
-                  <a:spcBef>
-                    <a:spcPts val="0"/>
-                  </a:spcBef>
-                  <a:spcAft>
-                    <a:spcPts val="0"/>
-                  </a:spcAft>
-                  <a:buClrTx/>
-                  <a:buSzTx/>
-                  <a:buFontTx/>
-                  <a:buNone/>
-                  <a:tabLst/>
-                  <a:defRPr/>
-                </a:pPr>
-                <a:r>
-                  <a:rPr kumimoji="0" lang="en-US" sz="2400" b="0" i="0" u="none" strike="noStrike" kern="100" cap="none" spc="0" normalizeH="0" baseline="0" noProof="0" dirty="0">
-                    <a:ln>
-                      <a:noFill/>
-                    </a:ln>
-                    <a:solidFill>
-                      <a:prstClr val="black"/>
-                    </a:solidFill>
-                    <a:effectLst/>
-                    <a:uLnTx/>
-                    <a:uFillTx/>
-                    <a:latin typeface="Abel" panose="02000506030000020004" pitchFamily="2" charset="0"/>
-                    <a:ea typeface="+mn-ea"/>
-                    <a:cs typeface="Times New Roman" panose="02020603050405020304" pitchFamily="18" charset="0"/>
-                  </a:rPr>
-                  <a:t>Or refresh to start again.</a:t>
-                </a:r>
-                <a:endParaRPr kumimoji="0" lang="en-US" sz="2000" b="0" i="0" u="none" strike="noStrike" kern="100" cap="none" spc="0" normalizeH="0" baseline="0" noProof="0" dirty="0">
-                  <a:ln>
-                    <a:noFill/>
-                  </a:ln>
-                  <a:solidFill>
-                    <a:prstClr val="black"/>
-                  </a:solidFill>
-                  <a:effectLst/>
-                  <a:uLnTx/>
-                  <a:uFillTx/>
-                  <a:latin typeface="Abel" panose="02000506030000020004" pitchFamily="2" charset="0"/>
-                  <a:ea typeface="+mn-ea"/>
-                  <a:cs typeface="Times New Roman" panose="02020603050405020304" pitchFamily="18" charset="0"/>
-                </a:endParaRPr>
-              </a:p>
-            </p:txBody>
-          </p:sp>
-          <p:pic>
-            <p:nvPicPr>
-              <p:cNvPr id="19" name="Graphic 18">
-                <a:extLst>
-                  <a:ext uri="{FF2B5EF4-FFF2-40B4-BE49-F238E27FC236}">
-                    <a16:creationId xmlns:a16="http://schemas.microsoft.com/office/drawing/2014/main" id="{D8371D63-5B5F-47C8-71F2-432914A60E1B}"/>
-                  </a:ext>
-                </a:extLst>
-              </p:cNvPr>
-              <p:cNvPicPr>
-                <a:picLocks noChangeAspect="1"/>
-              </p:cNvPicPr>
-              <p:nvPr/>
-            </p:nvPicPr>
-            <p:blipFill>
-              <a:blip r:embed="rId4">
-                <a:extLst>
-                  <a:ext uri="{28A0092B-C50C-407E-A947-70E740481C1C}">
-                    <a14:useLocalDpi xmlns:a14="http://schemas.microsoft.com/office/drawing/2010/main" val="0"/>
-                  </a:ext>
-                  <a:ext uri="{96DAC541-7B7A-43D3-8B79-37D633B846F1}">
-                    <asvg:svgBlip xmlns:asvg="http://schemas.microsoft.com/office/drawing/2016/SVG/main" r:embed="rId5"/>
-                  </a:ext>
-                </a:extLst>
-              </a:blip>
-              <a:stretch>
-                <a:fillRect/>
-              </a:stretch>
-            </p:blipFill>
-            <p:spPr>
-              <a:xfrm>
-                <a:off x="10014045" y="2855417"/>
-                <a:ext cx="605503" cy="605502"/>
-              </a:xfrm>
-              <a:prstGeom prst="rect">
-                <a:avLst/>
-              </a:prstGeom>
-            </p:spPr>
-          </p:pic>
-        </p:grpSp>
-        <p:sp>
-          <p:nvSpPr>
-            <p:cNvPr id="11" name="TextBox 10">
-              <a:extLst>
-                <a:ext uri="{FF2B5EF4-FFF2-40B4-BE49-F238E27FC236}">
-                  <a16:creationId xmlns:a16="http://schemas.microsoft.com/office/drawing/2014/main" id="{73EDD204-2A3A-B783-5658-F1624F2D88D2}"/>
-                </a:ext>
-              </a:extLst>
-            </p:cNvPr>
-            <p:cNvSpPr txBox="1"/>
-            <p:nvPr/>
-          </p:nvSpPr>
-          <p:spPr>
-            <a:xfrm>
-              <a:off x="6512863" y="2448394"/>
-              <a:ext cx="5022645" cy="369332"/>
-            </a:xfrm>
-            <a:prstGeom prst="rect">
-              <a:avLst/>
-            </a:prstGeom>
-            <a:noFill/>
-          </p:spPr>
-          <p:txBody>
-            <a:bodyPr wrap="square">
-              <a:spAutoFit/>
-            </a:bodyPr>
-            <a:lstStyle/>
-            <a:p>
-              <a:pPr algn="r"/>
-              <a:r>
-                <a:rPr kumimoji="0" lang="en-US" i="1" u="none" strike="noStrike" kern="100" cap="none" spc="0" normalizeH="0" baseline="0" noProof="0" dirty="0">
-                  <a:ln>
-                    <a:noFill/>
-                  </a:ln>
-                  <a:solidFill>
-                    <a:schemeClr val="tx1">
-                      <a:lumMod val="65000"/>
-                      <a:lumOff val="35000"/>
-                    </a:schemeClr>
-                  </a:solidFill>
-                  <a:effectLst/>
-                  <a:uLnTx/>
-                  <a:uFillTx/>
-                  <a:latin typeface="Cambria" panose="02040503050406030204" pitchFamily="18" charset="0"/>
-                  <a:ea typeface="Cambria" panose="02040503050406030204" pitchFamily="18" charset="0"/>
-                  <a:cs typeface="Times New Roman" panose="02020603050405020304" pitchFamily="18" charset="0"/>
-                </a:rPr>
-                <a:t>*If using keyboard</a:t>
-              </a:r>
-              <a:endParaRPr lang="en-US" i="1" dirty="0">
-                <a:solidFill>
-                  <a:schemeClr val="tx1">
-                    <a:lumMod val="65000"/>
-                    <a:lumOff val="35000"/>
-                  </a:schemeClr>
-                </a:solidFill>
-                <a:latin typeface="Cambria" panose="02040503050406030204" pitchFamily="18" charset="0"/>
-                <a:ea typeface="Cambria" panose="02040503050406030204" pitchFamily="18" charset="0"/>
-              </a:endParaRPr>
-            </a:p>
-          </p:txBody>
-        </p:sp>
-      </p:grpSp>
-      <p:sp>
-        <p:nvSpPr>
-          <p:cNvPr id="21" name="TextBox 20">
-            <a:extLst>
-              <a:ext uri="{FF2B5EF4-FFF2-40B4-BE49-F238E27FC236}">
-                <a16:creationId xmlns:a16="http://schemas.microsoft.com/office/drawing/2014/main" id="{05A4BB96-1EDF-BCC6-46B5-A037960ABF6C}"/>
-              </a:ext>
-            </a:extLst>
-          </p:cNvPr>
-          <p:cNvSpPr txBox="1"/>
-          <p:nvPr/>
-        </p:nvSpPr>
-        <p:spPr>
-          <a:xfrm>
-            <a:off x="707345" y="505379"/>
-            <a:ext cx="6334876" cy="923330"/>
-          </a:xfrm>
-          <a:prstGeom prst="rect">
-            <a:avLst/>
-          </a:prstGeom>
-          <a:noFill/>
-        </p:spPr>
-        <p:txBody>
-          <a:bodyPr wrap="none" rtlCol="0">
-            <a:spAutoFit/>
-          </a:bodyPr>
-          <a:lstStyle/>
-          <a:p>
-            <a:pPr marL="0" marR="0" lvl="0" indent="0" algn="l" defTabSz="914400" rtl="0" eaLnBrk="1" fontAlgn="auto" latinLnBrk="0" hangingPunct="1">
-              <a:lnSpc>
-                <a:spcPct val="100000"/>
-              </a:lnSpc>
-              <a:spcBef>
-                <a:spcPts val="0"/>
-              </a:spcBef>
-              <a:spcAft>
-                <a:spcPts val="0"/>
-              </a:spcAft>
-              <a:buClrTx/>
-              <a:buSzTx/>
-              <a:buFontTx/>
-              <a:buNone/>
-              <a:tabLst/>
-              <a:defRPr/>
-            </a:pPr>
-            <a:r>
-              <a:rPr kumimoji="0" lang="en-US" sz="5400" b="1" i="0" u="none" strike="noStrike" kern="100" cap="none" spc="0" normalizeH="0" baseline="0" noProof="0" dirty="0">
-                <a:ln>
-                  <a:noFill/>
-                </a:ln>
-                <a:solidFill>
-                  <a:prstClr val="black"/>
-                </a:solidFill>
-                <a:effectLst/>
-                <a:uLnTx/>
-                <a:uFillTx/>
-                <a:latin typeface="Amasis MT Pro Black" panose="02040A04050005020304" pitchFamily="18" charset="0"/>
-                <a:ea typeface="+mn-ea"/>
-                <a:cs typeface="Times New Roman" panose="02020603050405020304" pitchFamily="18" charset="0"/>
-              </a:rPr>
-              <a:t>The Locker Game</a:t>
-            </a:r>
-            <a:endParaRPr kumimoji="0" lang="en-US" sz="1600" b="1" i="0" u="none" strike="noStrike" kern="1200" cap="none" spc="300" normalizeH="0" baseline="0" noProof="0" dirty="0">
-              <a:ln>
-                <a:noFill/>
-              </a:ln>
-              <a:solidFill>
-                <a:prstClr val="black"/>
-              </a:solidFill>
-              <a:effectLst/>
-              <a:uLnTx/>
-              <a:uFillTx/>
-              <a:latin typeface="Britannic Bold" panose="020B0903060703020204" pitchFamily="34" charset="0"/>
-              <a:ea typeface="+mn-ea"/>
-              <a:cs typeface="+mn-cs"/>
-            </a:endParaRPr>
-          </a:p>
-        </p:txBody>
-      </p:sp>
-      <p:pic>
-        <p:nvPicPr>
-          <p:cNvPr id="25" name="Picture 24" descr="A grey rectangular object with a yellow knob&#10;&#10;Description automatically generated">
-            <a:extLst>
-              <a:ext uri="{FF2B5EF4-FFF2-40B4-BE49-F238E27FC236}">
-                <a16:creationId xmlns:a16="http://schemas.microsoft.com/office/drawing/2014/main" id="{2665BA1B-0690-F28E-CED4-B317D4BE38B2}"/>
-              </a:ext>
-            </a:extLst>
-          </p:cNvPr>
-          <p:cNvPicPr>
-            <a:picLocks noChangeAspect="1"/>
-          </p:cNvPicPr>
-          <p:nvPr/>
-        </p:nvPicPr>
-        <p:blipFill>
-          <a:blip r:embed="rId6">
-            <a:extLst>
-              <a:ext uri="{28A0092B-C50C-407E-A947-70E740481C1C}">
-                <a14:useLocalDpi xmlns:a14="http://schemas.microsoft.com/office/drawing/2010/main" val="0"/>
-              </a:ext>
-            </a:extLst>
-          </a:blip>
-          <a:stretch>
-            <a:fillRect/>
-          </a:stretch>
-        </p:blipFill>
-        <p:spPr>
-          <a:xfrm>
-            <a:off x="11419912" y="6056979"/>
-            <a:ext cx="493619" cy="666895"/>
-          </a:xfrm>
-          <a:prstGeom prst="rect">
-            <a:avLst/>
-          </a:prstGeom>
-        </p:spPr>
-      </p:pic>
-      <p:sp>
-        <p:nvSpPr>
-          <p:cNvPr id="26" name="Slide Number Placeholder 25">
-            <a:extLst>
-              <a:ext uri="{FF2B5EF4-FFF2-40B4-BE49-F238E27FC236}">
-                <a16:creationId xmlns:a16="http://schemas.microsoft.com/office/drawing/2014/main" id="{91B1FD03-959D-DF95-88BB-8551B18A37E0}"/>
-              </a:ext>
-            </a:extLst>
-          </p:cNvPr>
-          <p:cNvSpPr>
-            <a:spLocks noGrp="1"/>
-          </p:cNvSpPr>
-          <p:nvPr>
-            <p:ph type="sldNum" sz="quarter" idx="12"/>
-          </p:nvPr>
-        </p:nvSpPr>
-        <p:spPr/>
-        <p:txBody>
-          <a:bodyPr/>
-          <a:lstStyle/>
-          <a:p>
-            <a:r>
-              <a:rPr lang="en-US" dirty="0"/>
-              <a:t>6</a:t>
-            </a:r>
-          </a:p>
-        </p:txBody>
-      </p:sp>
-    </p:spTree>
-    <p:extLst>
-      <p:ext uri="{BB962C8B-B14F-4D97-AF65-F5344CB8AC3E}">
-        <p14:creationId xmlns:p14="http://schemas.microsoft.com/office/powerpoint/2010/main" val="116443510"/>
-      </p:ext>
-    </p:extLst>
-  </p:cSld>
-  <p:clrMapOvr>
-    <a:masterClrMapping/>
-  </p:clrMapOvr>
-  <mc:AlternateContent xmlns:mc="http://schemas.openxmlformats.org/markup-compatibility/2006">
-    <mc:Choice xmlns:p159="http://schemas.microsoft.com/office/powerpoint/2015/09/main" Requires="p159">
-      <p:transition xmlns:p14="http://schemas.microsoft.com/office/powerpoint/2010/main" spd="slow" p14:dur="2000">
-        <p159:morph option="byObject"/>
-      </p:transition>
-    </mc:Choice>
-    <mc:Fallback>
-      <p:transition spd="slow">
-        <p:fade/>
-      </p:transition>
-    </mc:Fallback>
-  </mc:AlternateContent>
-</p:sld>
-</file>
-
-<file path=ppt/slides/slide8.xml><?xml version="1.0" encoding="utf-8"?>
-<p:sld xmlns:a="http://schemas.openxmlformats.org/drawingml/2006/main" xmlns:r="http://schemas.openxmlformats.org/officeDocument/2006/relationships" xmlns:p="http://schemas.openxmlformats.org/presentationml/2006/main">
-  <p:cSld>
-    <p:spTree>
-      <p:nvGrpSpPr>
-        <p:cNvPr id="1" name="">
-          <a:extLst>
-            <a:ext uri="{FF2B5EF4-FFF2-40B4-BE49-F238E27FC236}">
-              <a16:creationId xmlns:a16="http://schemas.microsoft.com/office/drawing/2014/main" id="{ED9666CA-047F-CFCB-7C94-9DA72ACC35D9}"/>
-            </a:ext>
-          </a:extLst>
-        </p:cNvPr>
-        <p:cNvGrpSpPr/>
-        <p:nvPr/>
-      </p:nvGrpSpPr>
-      <p:grpSpPr>
-        <a:xfrm>
-          <a:off x="0" y="0"/>
-          <a:ext cx="0" cy="0"/>
-          <a:chOff x="0" y="0"/>
-          <a:chExt cx="0" cy="0"/>
-        </a:xfrm>
-      </p:grpSpPr>
-      <p:sp>
-        <p:nvSpPr>
-          <p:cNvPr id="4" name="TextBox 3">
-            <a:extLst>
-              <a:ext uri="{FF2B5EF4-FFF2-40B4-BE49-F238E27FC236}">
-                <a16:creationId xmlns:a16="http://schemas.microsoft.com/office/drawing/2014/main" id="{FE977BA3-F383-F7FA-9D9C-E8F9FBEDBB7A}"/>
-              </a:ext>
-            </a:extLst>
-          </p:cNvPr>
-          <p:cNvSpPr txBox="1"/>
-          <p:nvPr/>
-        </p:nvSpPr>
-        <p:spPr>
-          <a:xfrm>
-            <a:off x="920732" y="1336376"/>
-            <a:ext cx="4501723" cy="4563622"/>
-          </a:xfrm>
-          <a:prstGeom prst="rect">
-            <a:avLst/>
-          </a:prstGeom>
-          <a:noFill/>
-        </p:spPr>
-        <p:txBody>
-          <a:bodyPr wrap="square" rtlCol="0">
-            <a:spAutoFit/>
-          </a:bodyPr>
-          <a:lstStyle/>
-          <a:p>
-            <a:pPr lvl="0">
-              <a:lnSpc>
-                <a:spcPct val="150000"/>
-              </a:lnSpc>
-              <a:defRPr/>
-            </a:pPr>
-            <a:r>
-              <a:rPr lang="en-US" sz="2800" u="sng" kern="100" dirty="0">
-                <a:solidFill>
-                  <a:prstClr val="black"/>
-                </a:solidFill>
-                <a:latin typeface="Abel" panose="02000506030000020004" pitchFamily="2" charset="0"/>
-                <a:cs typeface="Times New Roman" panose="02020603050405020304" pitchFamily="18" charset="0"/>
-              </a:rPr>
-              <a:t>How to play:</a:t>
-            </a:r>
-          </a:p>
-          <a:p>
-            <a:pPr marL="0" marR="0" lvl="0" indent="0" algn="l" defTabSz="914400" rtl="0" eaLnBrk="1" fontAlgn="auto" latinLnBrk="0" hangingPunct="1">
-              <a:lnSpc>
-                <a:spcPct val="150000"/>
-              </a:lnSpc>
-              <a:spcBef>
-                <a:spcPts val="0"/>
-              </a:spcBef>
-              <a:spcAft>
-                <a:spcPts val="0"/>
-              </a:spcAft>
-              <a:buClrTx/>
-              <a:buSzTx/>
-              <a:buFontTx/>
-              <a:buNone/>
-              <a:tabLst/>
-              <a:defRPr/>
-            </a:pPr>
-            <a:r>
-              <a:rPr lang="en-US" sz="2400" kern="100" dirty="0">
-                <a:solidFill>
-                  <a:prstClr val="black"/>
-                </a:solidFill>
-                <a:latin typeface="Abel" panose="02000506030000020004" pitchFamily="2" charset="0"/>
-                <a:cs typeface="Times New Roman" panose="02020603050405020304" pitchFamily="18" charset="0"/>
-              </a:rPr>
-              <a:t>7</a:t>
-            </a:r>
-            <a:r>
-              <a:rPr kumimoji="0" lang="en-US" sz="2400" b="0" i="0" u="none" strike="noStrike" kern="100" cap="none" spc="0" normalizeH="0" baseline="0" noProof="0" dirty="0">
-                <a:ln>
-                  <a:noFill/>
-                </a:ln>
-                <a:solidFill>
-                  <a:prstClr val="black"/>
-                </a:solidFill>
-                <a:effectLst/>
-                <a:uLnTx/>
-                <a:uFillTx/>
-                <a:latin typeface="Abel" panose="02000506030000020004" pitchFamily="2" charset="0"/>
-                <a:ea typeface="+mn-ea"/>
-                <a:cs typeface="Times New Roman" panose="02020603050405020304" pitchFamily="18" charset="0"/>
-              </a:rPr>
-              <a:t>. </a:t>
-            </a:r>
-            <a:r>
-              <a:rPr lang="en-US" sz="2400" kern="100" dirty="0">
-                <a:solidFill>
-                  <a:prstClr val="black"/>
-                </a:solidFill>
-                <a:latin typeface="Abel" panose="02000506030000020004" pitchFamily="2" charset="0"/>
-                <a:cs typeface="Times New Roman" panose="02020603050405020304" pitchFamily="18" charset="0"/>
-              </a:rPr>
-              <a:t>Feedback: Try Again? vs. Correct!</a:t>
-            </a:r>
-            <a:endParaRPr kumimoji="0" lang="en-US" sz="2400" b="0" i="0" u="none" strike="noStrike" kern="100" cap="none" spc="0" normalizeH="0" baseline="0" noProof="0" dirty="0">
-              <a:ln>
-                <a:noFill/>
-              </a:ln>
-              <a:solidFill>
-                <a:prstClr val="black"/>
-              </a:solidFill>
-              <a:effectLst/>
-              <a:uLnTx/>
-              <a:uFillTx/>
-              <a:latin typeface="Abel" panose="02000506030000020004" pitchFamily="2" charset="0"/>
-              <a:ea typeface="+mn-ea"/>
-              <a:cs typeface="Times New Roman" panose="02020603050405020304" pitchFamily="18" charset="0"/>
-            </a:endParaRPr>
-          </a:p>
-          <a:p>
-            <a:pPr marL="0" marR="0" lvl="0" indent="0" algn="l" defTabSz="914400" rtl="0" eaLnBrk="1" fontAlgn="auto" latinLnBrk="0" hangingPunct="1">
-              <a:lnSpc>
-                <a:spcPct val="150000"/>
-              </a:lnSpc>
-              <a:spcBef>
-                <a:spcPts val="0"/>
-              </a:spcBef>
-              <a:spcAft>
-                <a:spcPts val="0"/>
-              </a:spcAft>
-              <a:buClrTx/>
-              <a:buSzTx/>
-              <a:buFontTx/>
-              <a:buNone/>
-              <a:tabLst/>
-              <a:defRPr/>
-            </a:pPr>
-            <a:endParaRPr kumimoji="0" lang="en-US" sz="2400" b="0" i="0" u="none" strike="noStrike" kern="100" cap="none" spc="0" normalizeH="0" baseline="0" noProof="0" dirty="0">
-              <a:ln>
-                <a:noFill/>
-              </a:ln>
-              <a:solidFill>
-                <a:prstClr val="black"/>
-              </a:solidFill>
-              <a:effectLst/>
-              <a:uLnTx/>
-              <a:uFillTx/>
-              <a:latin typeface="Abel" panose="02000506030000020004" pitchFamily="2" charset="0"/>
-              <a:ea typeface="+mn-ea"/>
-              <a:cs typeface="Times New Roman" panose="02020603050405020304" pitchFamily="18" charset="0"/>
-            </a:endParaRPr>
-          </a:p>
-          <a:p>
-            <a:pPr marL="0" marR="0" lvl="0" indent="0" algn="l" defTabSz="914400" rtl="0" eaLnBrk="1" fontAlgn="auto" latinLnBrk="0" hangingPunct="1">
-              <a:lnSpc>
-                <a:spcPct val="150000"/>
-              </a:lnSpc>
-              <a:spcBef>
-                <a:spcPts val="0"/>
-              </a:spcBef>
-              <a:spcAft>
-                <a:spcPts val="0"/>
-              </a:spcAft>
-              <a:buClrTx/>
-              <a:buSzTx/>
-              <a:buFontTx/>
-              <a:buNone/>
-              <a:tabLst/>
-              <a:defRPr/>
-            </a:pPr>
-            <a:endParaRPr kumimoji="0" lang="en-US" sz="2400" b="0" i="0" u="none" strike="noStrike" kern="100" cap="none" spc="0" normalizeH="0" baseline="0" noProof="0" dirty="0">
-              <a:ln>
-                <a:noFill/>
-              </a:ln>
-              <a:solidFill>
-                <a:prstClr val="black"/>
-              </a:solidFill>
-              <a:effectLst/>
-              <a:uLnTx/>
-              <a:uFillTx/>
-              <a:latin typeface="Abel" panose="02000506030000020004" pitchFamily="2" charset="0"/>
-              <a:ea typeface="+mn-ea"/>
-              <a:cs typeface="Times New Roman" panose="02020603050405020304" pitchFamily="18" charset="0"/>
-            </a:endParaRPr>
-          </a:p>
-          <a:p>
-            <a:pPr marL="0" marR="0" lvl="0" indent="0" algn="l" defTabSz="914400" rtl="0" eaLnBrk="1" fontAlgn="auto" latinLnBrk="0" hangingPunct="1">
-              <a:lnSpc>
-                <a:spcPct val="150000"/>
-              </a:lnSpc>
-              <a:spcBef>
-                <a:spcPts val="0"/>
-              </a:spcBef>
-              <a:spcAft>
-                <a:spcPts val="0"/>
-              </a:spcAft>
-              <a:buClrTx/>
-              <a:buSzTx/>
-              <a:buFontTx/>
-              <a:buNone/>
-              <a:tabLst/>
-              <a:defRPr/>
-            </a:pPr>
-            <a:endParaRPr kumimoji="0" lang="en-US" sz="2400" b="0" i="0" u="none" strike="noStrike" kern="100" cap="none" spc="0" normalizeH="0" baseline="0" noProof="0" dirty="0">
-              <a:ln>
-                <a:noFill/>
-              </a:ln>
-              <a:solidFill>
-                <a:prstClr val="black"/>
-              </a:solidFill>
-              <a:effectLst/>
-              <a:uLnTx/>
-              <a:uFillTx/>
-              <a:latin typeface="Abel" panose="02000506030000020004" pitchFamily="2" charset="0"/>
-              <a:ea typeface="+mn-ea"/>
-              <a:cs typeface="Times New Roman" panose="02020603050405020304" pitchFamily="18" charset="0"/>
-            </a:endParaRPr>
-          </a:p>
-          <a:p>
-            <a:pPr marL="0" marR="0" lvl="0" indent="0" algn="l" defTabSz="914400" rtl="0" eaLnBrk="1" fontAlgn="auto" latinLnBrk="0" hangingPunct="1">
-              <a:lnSpc>
-                <a:spcPct val="150000"/>
-              </a:lnSpc>
-              <a:spcBef>
-                <a:spcPts val="0"/>
-              </a:spcBef>
-              <a:spcAft>
-                <a:spcPts val="0"/>
-              </a:spcAft>
-              <a:buClrTx/>
-              <a:buSzTx/>
-              <a:buFontTx/>
-              <a:buNone/>
-              <a:tabLst/>
-              <a:defRPr/>
-            </a:pPr>
-            <a:endParaRPr kumimoji="0" lang="en-US" sz="2400" b="0" i="0" u="none" strike="noStrike" kern="100" cap="none" spc="0" normalizeH="0" baseline="0" noProof="0" dirty="0">
-              <a:ln>
-                <a:noFill/>
-              </a:ln>
-              <a:solidFill>
-                <a:prstClr val="black"/>
-              </a:solidFill>
-              <a:effectLst/>
-              <a:uLnTx/>
-              <a:uFillTx/>
-              <a:latin typeface="Abel" panose="02000506030000020004" pitchFamily="2" charset="0"/>
-              <a:ea typeface="+mn-ea"/>
-              <a:cs typeface="Times New Roman" panose="02020603050405020304" pitchFamily="18" charset="0"/>
-            </a:endParaRPr>
-          </a:p>
-          <a:p>
-            <a:pPr marL="0" marR="0" lvl="0" indent="0" algn="l" defTabSz="914400" rtl="0" eaLnBrk="1" fontAlgn="auto" latinLnBrk="0" hangingPunct="1">
-              <a:lnSpc>
-                <a:spcPct val="150000"/>
-              </a:lnSpc>
-              <a:spcBef>
-                <a:spcPts val="0"/>
-              </a:spcBef>
-              <a:spcAft>
-                <a:spcPts val="0"/>
-              </a:spcAft>
-              <a:buClrTx/>
-              <a:buSzTx/>
-              <a:buFontTx/>
-              <a:buNone/>
-              <a:tabLst/>
-              <a:defRPr/>
-            </a:pPr>
-            <a:endParaRPr kumimoji="0" lang="en-US" sz="2400" b="0" i="0" u="none" strike="noStrike" kern="100" cap="none" spc="0" normalizeH="0" baseline="0" noProof="0" dirty="0">
-              <a:ln>
-                <a:noFill/>
-              </a:ln>
-              <a:solidFill>
-                <a:prstClr val="black"/>
-              </a:solidFill>
-              <a:effectLst/>
-              <a:uLnTx/>
-              <a:uFillTx/>
-              <a:latin typeface="Abel" panose="02000506030000020004" pitchFamily="2" charset="0"/>
-              <a:ea typeface="+mn-ea"/>
-              <a:cs typeface="Times New Roman" panose="02020603050405020304" pitchFamily="18" charset="0"/>
-            </a:endParaRPr>
-          </a:p>
-          <a:p>
-            <a:pPr marL="0" marR="0" lvl="0" indent="0" algn="l" defTabSz="914400" rtl="0" eaLnBrk="1" fontAlgn="auto" latinLnBrk="0" hangingPunct="1">
-              <a:lnSpc>
-                <a:spcPct val="150000"/>
-              </a:lnSpc>
-              <a:spcBef>
-                <a:spcPts val="0"/>
-              </a:spcBef>
-              <a:spcAft>
-                <a:spcPts val="0"/>
-              </a:spcAft>
-              <a:buClrTx/>
-              <a:buSzTx/>
-              <a:buFontTx/>
-              <a:buNone/>
-              <a:tabLst/>
-              <a:defRPr/>
-            </a:pPr>
-            <a:endParaRPr kumimoji="0" lang="en-US" sz="2400" b="0" i="0" u="none" strike="noStrike" kern="100" cap="none" spc="0" normalizeH="0" baseline="0" noProof="0" dirty="0">
-              <a:ln>
-                <a:noFill/>
-              </a:ln>
-              <a:solidFill>
-                <a:prstClr val="black"/>
-              </a:solidFill>
-              <a:effectLst/>
-              <a:uLnTx/>
-              <a:uFillTx/>
-              <a:latin typeface="Abel" panose="02000506030000020004" pitchFamily="2" charset="0"/>
-              <a:ea typeface="+mn-ea"/>
-              <a:cs typeface="Times New Roman" panose="02020603050405020304" pitchFamily="18" charset="0"/>
-            </a:endParaRPr>
-          </a:p>
-        </p:txBody>
-      </p:sp>
-      <p:pic>
-        <p:nvPicPr>
-          <p:cNvPr id="11" name="Picture 10">
-            <a:extLst>
-              <a:ext uri="{FF2B5EF4-FFF2-40B4-BE49-F238E27FC236}">
-                <a16:creationId xmlns:a16="http://schemas.microsoft.com/office/drawing/2014/main" id="{36BDE36C-56BB-E75B-7813-850CBFBA7FFC}"/>
-              </a:ext>
-            </a:extLst>
-          </p:cNvPr>
-          <p:cNvPicPr>
-            <a:picLocks noChangeAspect="1"/>
-          </p:cNvPicPr>
-          <p:nvPr/>
-        </p:nvPicPr>
-        <p:blipFill>
-          <a:blip r:embed="rId3"/>
-          <a:srcRect l="1679" t="8368" r="2921" b="3650"/>
-          <a:stretch>
-            <a:fillRect/>
-          </a:stretch>
-        </p:blipFill>
-        <p:spPr>
-          <a:xfrm>
-            <a:off x="1883149" y="2612354"/>
-            <a:ext cx="3539306" cy="1797789"/>
-          </a:xfrm>
-          <a:prstGeom prst="rect">
-            <a:avLst/>
-          </a:prstGeom>
-        </p:spPr>
-      </p:pic>
-      <p:pic>
-        <p:nvPicPr>
-          <p:cNvPr id="14" name="Picture 13">
-            <a:extLst>
-              <a:ext uri="{FF2B5EF4-FFF2-40B4-BE49-F238E27FC236}">
-                <a16:creationId xmlns:a16="http://schemas.microsoft.com/office/drawing/2014/main" id="{3798DC6D-4A93-55C3-B86A-D0C3D7E7A33F}"/>
-              </a:ext>
-            </a:extLst>
-          </p:cNvPr>
-          <p:cNvPicPr>
-            <a:picLocks noChangeAspect="1"/>
-          </p:cNvPicPr>
-          <p:nvPr/>
-        </p:nvPicPr>
-        <p:blipFill>
-          <a:blip r:embed="rId4"/>
-          <a:srcRect l="2862" t="8840" r="3140" b="4506"/>
-          <a:stretch>
-            <a:fillRect/>
-          </a:stretch>
-        </p:blipFill>
-        <p:spPr>
-          <a:xfrm>
-            <a:off x="1881740" y="4658463"/>
-            <a:ext cx="3540715" cy="1797789"/>
-          </a:xfrm>
-          <a:prstGeom prst="rect">
-            <a:avLst/>
-          </a:prstGeom>
-        </p:spPr>
-      </p:pic>
-      <p:sp>
-        <p:nvSpPr>
-          <p:cNvPr id="19" name="TextBox 18">
-            <a:extLst>
-              <a:ext uri="{FF2B5EF4-FFF2-40B4-BE49-F238E27FC236}">
-                <a16:creationId xmlns:a16="http://schemas.microsoft.com/office/drawing/2014/main" id="{E82376ED-88AC-4CEE-10BB-B48A50098376}"/>
-              </a:ext>
-            </a:extLst>
-          </p:cNvPr>
-          <p:cNvSpPr txBox="1"/>
-          <p:nvPr/>
-        </p:nvSpPr>
-        <p:spPr>
-          <a:xfrm>
-            <a:off x="6096001" y="3429000"/>
-            <a:ext cx="5413930" cy="1384995"/>
-          </a:xfrm>
-          <a:prstGeom prst="rect">
-            <a:avLst/>
-          </a:prstGeom>
-          <a:noFill/>
-        </p:spPr>
-        <p:txBody>
-          <a:bodyPr wrap="square">
-            <a:spAutoFit/>
-          </a:bodyPr>
-          <a:lstStyle/>
-          <a:p>
-            <a:r>
-              <a:rPr lang="en-US" sz="2800" kern="100" dirty="0">
-                <a:solidFill>
-                  <a:schemeClr val="tx1">
-                    <a:lumMod val="65000"/>
-                    <a:lumOff val="35000"/>
-                  </a:schemeClr>
-                </a:solidFill>
-                <a:latin typeface="Angsana New" panose="02020603050405020304" pitchFamily="18" charset="-34"/>
-                <a:ea typeface="Cambria" panose="02040503050406030204" pitchFamily="18" charset="0"/>
-                <a:cs typeface="Angsana New" panose="02020603050405020304" pitchFamily="18" charset="-34"/>
-              </a:rPr>
-              <a:t>To continue playing after submitting your answer, press “Y” or click on “[Y] Yes”. </a:t>
-            </a:r>
-            <a:br>
-              <a:rPr lang="en-US" sz="2800" kern="100" dirty="0">
-                <a:solidFill>
-                  <a:schemeClr val="tx1">
-                    <a:lumMod val="65000"/>
-                    <a:lumOff val="35000"/>
-                  </a:schemeClr>
-                </a:solidFill>
-                <a:latin typeface="Angsana New" panose="02020603050405020304" pitchFamily="18" charset="-34"/>
-                <a:ea typeface="Cambria" panose="02040503050406030204" pitchFamily="18" charset="0"/>
-                <a:cs typeface="Angsana New" panose="02020603050405020304" pitchFamily="18" charset="-34"/>
-              </a:rPr>
-            </a:br>
-            <a:r>
-              <a:rPr lang="en-US" sz="2800" kern="100" dirty="0">
-                <a:solidFill>
-                  <a:schemeClr val="tx1">
-                    <a:lumMod val="65000"/>
-                    <a:lumOff val="35000"/>
-                  </a:schemeClr>
-                </a:solidFill>
-                <a:latin typeface="Angsana New" panose="02020603050405020304" pitchFamily="18" charset="-34"/>
-                <a:ea typeface="Cambria" panose="02040503050406030204" pitchFamily="18" charset="0"/>
-                <a:cs typeface="Angsana New" panose="02020603050405020304" pitchFamily="18" charset="-34"/>
-              </a:rPr>
-              <a:t>Otherwise, press “N” or click on “[N] No”. </a:t>
-            </a:r>
-          </a:p>
-        </p:txBody>
-      </p:sp>
-      <p:sp>
-        <p:nvSpPr>
-          <p:cNvPr id="7" name="TextBox 6">
-            <a:extLst>
-              <a:ext uri="{FF2B5EF4-FFF2-40B4-BE49-F238E27FC236}">
-                <a16:creationId xmlns:a16="http://schemas.microsoft.com/office/drawing/2014/main" id="{C9E398A1-93D5-D40D-F67C-9907065BD493}"/>
-              </a:ext>
-            </a:extLst>
-          </p:cNvPr>
-          <p:cNvSpPr txBox="1"/>
-          <p:nvPr/>
-        </p:nvSpPr>
-        <p:spPr>
-          <a:xfrm>
-            <a:off x="707345" y="505379"/>
-            <a:ext cx="6334876" cy="923330"/>
-          </a:xfrm>
-          <a:prstGeom prst="rect">
-            <a:avLst/>
-          </a:prstGeom>
-          <a:noFill/>
-        </p:spPr>
-        <p:txBody>
-          <a:bodyPr wrap="none" rtlCol="0">
-            <a:spAutoFit/>
-          </a:bodyPr>
-          <a:lstStyle/>
-          <a:p>
-            <a:pPr marL="0" marR="0" lvl="0" indent="0" algn="l" defTabSz="914400" rtl="0" eaLnBrk="1" fontAlgn="auto" latinLnBrk="0" hangingPunct="1">
-              <a:lnSpc>
-                <a:spcPct val="100000"/>
-              </a:lnSpc>
-              <a:spcBef>
-                <a:spcPts val="0"/>
-              </a:spcBef>
-              <a:spcAft>
-                <a:spcPts val="0"/>
-              </a:spcAft>
-              <a:buClrTx/>
-              <a:buSzTx/>
-              <a:buFontTx/>
-              <a:buNone/>
-              <a:tabLst/>
-              <a:defRPr/>
-            </a:pPr>
-            <a:r>
-              <a:rPr kumimoji="0" lang="en-US" sz="5400" b="1" i="0" u="none" strike="noStrike" kern="100" cap="none" spc="0" normalizeH="0" baseline="0" noProof="0" dirty="0">
-                <a:ln>
-                  <a:noFill/>
-                </a:ln>
-                <a:solidFill>
-                  <a:prstClr val="black"/>
-                </a:solidFill>
-                <a:effectLst/>
-                <a:uLnTx/>
-                <a:uFillTx/>
-                <a:latin typeface="Amasis MT Pro Black" panose="02040A04050005020304" pitchFamily="18" charset="0"/>
-                <a:ea typeface="+mn-ea"/>
-                <a:cs typeface="Times New Roman" panose="02020603050405020304" pitchFamily="18" charset="0"/>
-              </a:rPr>
-              <a:t>The Locker Game</a:t>
-            </a:r>
-            <a:endParaRPr kumimoji="0" lang="en-US" sz="1600" b="1" i="0" u="none" strike="noStrike" kern="1200" cap="none" spc="300" normalizeH="0" baseline="0" noProof="0" dirty="0">
-              <a:ln>
-                <a:noFill/>
-              </a:ln>
-              <a:solidFill>
-                <a:prstClr val="black"/>
-              </a:solidFill>
-              <a:effectLst/>
-              <a:uLnTx/>
-              <a:uFillTx/>
-              <a:latin typeface="Britannic Bold" panose="020B0903060703020204" pitchFamily="34" charset="0"/>
-              <a:ea typeface="+mn-ea"/>
-              <a:cs typeface="+mn-cs"/>
-            </a:endParaRPr>
-          </a:p>
-        </p:txBody>
-      </p:sp>
-      <p:pic>
-        <p:nvPicPr>
-          <p:cNvPr id="9" name="Picture 8" descr="A grey rectangular object with a yellow knob&#10;&#10;Description automatically generated">
-            <a:extLst>
-              <a:ext uri="{FF2B5EF4-FFF2-40B4-BE49-F238E27FC236}">
-                <a16:creationId xmlns:a16="http://schemas.microsoft.com/office/drawing/2014/main" id="{C77BEEEC-8169-189E-7442-1E529871F4EC}"/>
-              </a:ext>
-            </a:extLst>
-          </p:cNvPr>
-          <p:cNvPicPr>
-            <a:picLocks noChangeAspect="1"/>
-          </p:cNvPicPr>
-          <p:nvPr/>
-        </p:nvPicPr>
-        <p:blipFill>
-          <a:blip r:embed="rId5">
-            <a:extLst>
-              <a:ext uri="{28A0092B-C50C-407E-A947-70E740481C1C}">
-                <a14:useLocalDpi xmlns:a14="http://schemas.microsoft.com/office/drawing/2010/main" val="0"/>
-              </a:ext>
-            </a:extLst>
-          </a:blip>
-          <a:stretch>
-            <a:fillRect/>
-          </a:stretch>
-        </p:blipFill>
-        <p:spPr>
-          <a:xfrm>
-            <a:off x="11419912" y="6056979"/>
-            <a:ext cx="493619" cy="666895"/>
-          </a:xfrm>
-          <a:prstGeom prst="rect">
-            <a:avLst/>
-          </a:prstGeom>
-        </p:spPr>
-      </p:pic>
-      <p:sp>
-        <p:nvSpPr>
-          <p:cNvPr id="10" name="Slide Number Placeholder 9">
-            <a:extLst>
-              <a:ext uri="{FF2B5EF4-FFF2-40B4-BE49-F238E27FC236}">
-                <a16:creationId xmlns:a16="http://schemas.microsoft.com/office/drawing/2014/main" id="{91A1B449-E2A7-3F66-6F9C-FAD5BECB225F}"/>
-              </a:ext>
-            </a:extLst>
-          </p:cNvPr>
-          <p:cNvSpPr>
-            <a:spLocks noGrp="1"/>
-          </p:cNvSpPr>
-          <p:nvPr>
-            <p:ph type="sldNum" sz="quarter" idx="12"/>
-          </p:nvPr>
-        </p:nvSpPr>
-        <p:spPr/>
-        <p:txBody>
-          <a:bodyPr/>
-          <a:lstStyle/>
-          <a:p>
-            <a:r>
-              <a:rPr lang="en-US" dirty="0"/>
-              <a:t>7</a:t>
-            </a:r>
-          </a:p>
-        </p:txBody>
-      </p:sp>
-    </p:spTree>
-    <p:extLst>
-      <p:ext uri="{BB962C8B-B14F-4D97-AF65-F5344CB8AC3E}">
-        <p14:creationId xmlns:p14="http://schemas.microsoft.com/office/powerpoint/2010/main" val="2000364764"/>
-      </p:ext>
-    </p:extLst>
-  </p:cSld>
-  <p:clrMapOvr>
-    <a:masterClrMapping/>
-  </p:clrMapOvr>
-  <mc:AlternateContent xmlns:mc="http://schemas.openxmlformats.org/markup-compatibility/2006">
-    <mc:Choice xmlns:p159="http://schemas.microsoft.com/office/powerpoint/2015/09/main" Requires="p159">
-      <p:transition xmlns:p14="http://schemas.microsoft.com/office/powerpoint/2010/main" spd="slow" p14:dur="2000">
-        <p159:morph option="byObject"/>
-      </p:transition>
-    </mc:Choice>
-    <mc:Fallback>
-      <p:transition spd="slow">
-        <p:fade/>
-      </p:transition>
-    </mc:Fallback>
-  </mc:AlternateContent>
-</p:sld>
-</file>
-
-<file path=ppt/slides/slide9.xml><?xml version="1.0" encoding="utf-8"?>
-<p:sld xmlns:a="http://schemas.openxmlformats.org/drawingml/2006/main" xmlns:r="http://schemas.openxmlformats.org/officeDocument/2006/relationships" xmlns:p="http://schemas.openxmlformats.org/presentationml/2006/main">
-  <p:cSld>
-    <p:spTree>
-      <p:nvGrpSpPr>
-        <p:cNvPr id="1" name="">
-          <a:extLst>
-            <a:ext uri="{FF2B5EF4-FFF2-40B4-BE49-F238E27FC236}">
-              <a16:creationId xmlns:a16="http://schemas.microsoft.com/office/drawing/2014/main" id="{D764BA08-8D46-E5E6-0878-813583B2B714}"/>
-            </a:ext>
-          </a:extLst>
-        </p:cNvPr>
-        <p:cNvGrpSpPr/>
-        <p:nvPr/>
-      </p:nvGrpSpPr>
-      <p:grpSpPr>
-        <a:xfrm>
-          <a:off x="0" y="0"/>
-          <a:ext cx="0" cy="0"/>
-          <a:chOff x="0" y="0"/>
-          <a:chExt cx="0" cy="0"/>
-        </a:xfrm>
-      </p:grpSpPr>
-      <p:sp>
-        <p:nvSpPr>
-          <p:cNvPr id="2" name="TextBox 1">
-            <a:extLst>
-              <a:ext uri="{FF2B5EF4-FFF2-40B4-BE49-F238E27FC236}">
-                <a16:creationId xmlns:a16="http://schemas.microsoft.com/office/drawing/2014/main" id="{EED360F2-EEB0-34E8-45AE-E223C580AE04}"/>
-              </a:ext>
-            </a:extLst>
-          </p:cNvPr>
-          <p:cNvSpPr txBox="1"/>
-          <p:nvPr/>
-        </p:nvSpPr>
-        <p:spPr>
-          <a:xfrm>
-            <a:off x="2928561" y="2679658"/>
-            <a:ext cx="6334876" cy="923330"/>
-          </a:xfrm>
-          <a:prstGeom prst="rect">
-            <a:avLst/>
-          </a:prstGeom>
-          <a:noFill/>
-        </p:spPr>
-        <p:txBody>
-          <a:bodyPr wrap="none" rtlCol="0">
-            <a:spAutoFit/>
-          </a:bodyPr>
-          <a:lstStyle/>
-          <a:p>
-            <a:pPr marL="0" marR="0" lvl="0" indent="0" algn="l" defTabSz="914400" rtl="0" eaLnBrk="1" fontAlgn="auto" latinLnBrk="0" hangingPunct="1">
-              <a:lnSpc>
-                <a:spcPct val="100000"/>
-              </a:lnSpc>
-              <a:spcBef>
-                <a:spcPts val="0"/>
-              </a:spcBef>
-              <a:spcAft>
-                <a:spcPts val="0"/>
-              </a:spcAft>
-              <a:buClrTx/>
-              <a:buSzTx/>
-              <a:buFontTx/>
-              <a:buNone/>
-              <a:tabLst/>
-              <a:defRPr/>
-            </a:pPr>
-            <a:r>
-              <a:rPr kumimoji="0" lang="en-US" sz="5400" b="1" i="0" u="none" strike="noStrike" kern="100" cap="none" spc="0" normalizeH="0" baseline="0" noProof="0" dirty="0">
-                <a:ln>
-                  <a:noFill/>
-                </a:ln>
-                <a:solidFill>
-                  <a:prstClr val="black"/>
-                </a:solidFill>
-                <a:effectLst/>
-                <a:uLnTx/>
-                <a:uFillTx/>
-                <a:latin typeface="Amasis MT Pro Black" panose="02040A04050005020304" pitchFamily="18" charset="0"/>
-                <a:ea typeface="+mn-ea"/>
-                <a:cs typeface="Times New Roman" panose="02020603050405020304" pitchFamily="18" charset="0"/>
-              </a:rPr>
-              <a:t>The Locker Game</a:t>
-            </a:r>
-            <a:endParaRPr kumimoji="0" lang="en-US" sz="1600" b="1" i="0" u="none" strike="noStrike" kern="1200" cap="none" spc="300" normalizeH="0" baseline="0" noProof="0" dirty="0">
-              <a:ln>
-                <a:noFill/>
-              </a:ln>
-              <a:solidFill>
-                <a:prstClr val="black"/>
-              </a:solidFill>
-              <a:effectLst/>
-              <a:uLnTx/>
-              <a:uFillTx/>
-              <a:latin typeface="Britannic Bold" panose="020B0903060703020204" pitchFamily="34" charset="0"/>
-              <a:ea typeface="+mn-ea"/>
-              <a:cs typeface="+mn-cs"/>
-            </a:endParaRPr>
-          </a:p>
-        </p:txBody>
-      </p:sp>
-      <p:sp>
-        <p:nvSpPr>
-          <p:cNvPr id="3" name="TextBox 2">
-            <a:extLst>
-              <a:ext uri="{FF2B5EF4-FFF2-40B4-BE49-F238E27FC236}">
-                <a16:creationId xmlns:a16="http://schemas.microsoft.com/office/drawing/2014/main" id="{80CFFE47-8559-0555-25FB-28EC2C2A7649}"/>
-              </a:ext>
-            </a:extLst>
-          </p:cNvPr>
-          <p:cNvSpPr txBox="1"/>
-          <p:nvPr/>
-        </p:nvSpPr>
-        <p:spPr>
-          <a:xfrm>
-            <a:off x="1989202" y="1607848"/>
-            <a:ext cx="8213595" cy="923330"/>
-          </a:xfrm>
-          <a:prstGeom prst="rect">
-            <a:avLst/>
-          </a:prstGeom>
-          <a:noFill/>
-        </p:spPr>
-        <p:txBody>
-          <a:bodyPr wrap="none" rtlCol="0">
-            <a:spAutoFit/>
-          </a:bodyPr>
-          <a:lstStyle/>
-          <a:p>
-            <a:pPr marL="0" marR="0" lvl="0" indent="0" algn="l" defTabSz="914400" rtl="0" eaLnBrk="1" fontAlgn="auto" latinLnBrk="0" hangingPunct="1">
-              <a:lnSpc>
-                <a:spcPct val="100000"/>
-              </a:lnSpc>
-              <a:spcBef>
-                <a:spcPts val="0"/>
-              </a:spcBef>
-              <a:spcAft>
-                <a:spcPts val="0"/>
-              </a:spcAft>
-              <a:buClrTx/>
-              <a:buSzTx/>
-              <a:buFontTx/>
-              <a:buNone/>
-              <a:tabLst/>
-              <a:defRPr/>
-            </a:pPr>
-            <a:r>
-              <a:rPr kumimoji="0" lang="en-US" sz="5400" b="1" i="0" u="none" strike="noStrike" kern="100" cap="none" spc="0" normalizeH="0" baseline="0" noProof="0" dirty="0">
-                <a:ln>
-                  <a:noFill/>
-                </a:ln>
-                <a:effectLst/>
-                <a:uLnTx/>
-                <a:uFillTx/>
-                <a:latin typeface="Amasis MT Pro Black" panose="02040A04050005020304" pitchFamily="18" charset="0"/>
-                <a:ea typeface="+mn-ea"/>
-                <a:cs typeface="Times New Roman" panose="02020603050405020304" pitchFamily="18" charset="0"/>
-              </a:rPr>
-              <a:t>Thank you for playing </a:t>
-            </a:r>
-            <a:endParaRPr kumimoji="0" lang="en-US" sz="1600" b="1" i="0" u="none" strike="noStrike" kern="1200" cap="none" spc="300" normalizeH="0" baseline="0" noProof="0" dirty="0">
-              <a:ln>
-                <a:noFill/>
-              </a:ln>
-              <a:effectLst/>
-              <a:uLnTx/>
-              <a:uFillTx/>
-              <a:latin typeface="Britannic Bold" panose="020B0903060703020204" pitchFamily="34" charset="0"/>
-              <a:ea typeface="+mn-ea"/>
-              <a:cs typeface="+mn-cs"/>
-            </a:endParaRPr>
-          </a:p>
-        </p:txBody>
-      </p:sp>
-      <p:pic>
-        <p:nvPicPr>
-          <p:cNvPr id="5" name="Picture 4" descr="A grey rectangular object with a yellow knob&#10;&#10;Description automatically generated">
-            <a:extLst>
-              <a:ext uri="{FF2B5EF4-FFF2-40B4-BE49-F238E27FC236}">
-                <a16:creationId xmlns:a16="http://schemas.microsoft.com/office/drawing/2014/main" id="{078DB913-122B-8692-981B-C3F84253B91F}"/>
-              </a:ext>
-            </a:extLst>
-          </p:cNvPr>
-          <p:cNvPicPr>
-            <a:picLocks noChangeAspect="1"/>
-          </p:cNvPicPr>
-          <p:nvPr/>
-        </p:nvPicPr>
-        <p:blipFill>
-          <a:blip r:embed="rId3">
-            <a:extLst>
-              <a:ext uri="{28A0092B-C50C-407E-A947-70E740481C1C}">
-                <a14:useLocalDpi xmlns:a14="http://schemas.microsoft.com/office/drawing/2010/main" val="0"/>
-              </a:ext>
-            </a:extLst>
-          </a:blip>
-          <a:stretch>
-            <a:fillRect/>
-          </a:stretch>
-        </p:blipFill>
-        <p:spPr>
-          <a:xfrm>
-            <a:off x="5612326" y="3867425"/>
-            <a:ext cx="967346" cy="1306915"/>
-          </a:xfrm>
-          <a:prstGeom prst="rect">
-            <a:avLst/>
-          </a:prstGeom>
-        </p:spPr>
-      </p:pic>
-    </p:spTree>
-    <p:extLst>
-      <p:ext uri="{BB962C8B-B14F-4D97-AF65-F5344CB8AC3E}">
-        <p14:creationId xmlns:p14="http://schemas.microsoft.com/office/powerpoint/2010/main" val="3278494089"/>
-      </p:ext>
-    </p:extLst>
-  </p:cSld>
-  <p:clrMapOvr>
-    <a:masterClrMapping/>
-  </p:clrMapOvr>
-  <mc:AlternateContent xmlns:mc="http://schemas.openxmlformats.org/markup-compatibility/2006">
-    <mc:Choice xmlns:p159="http://schemas.microsoft.com/office/powerpoint/2015/09/main" Requires="p159">
-      <p:transition xmlns:p14="http://schemas.microsoft.com/office/powerpoint/2010/main" spd="slow" p14:dur="2000">
-        <p159:morph option="byObject"/>
-      </p:transition>
-    </mc:Choice>
-    <mc:Fallback>
       <p:transition spd="slow">
         <p:fade/>
       </p:transition>
